--- a/Artefatos/18. Descrição dos Processos de Negócio.pptx
+++ b/Artefatos/18. Descrição dos Processos de Negócio.pptx
@@ -29,7 +29,7 @@
     <p:sldId id="277" r:id="rId24"/>
   </p:sldIdLst>
   <p:sldSz cx="9144000" cy="5143500"/>
-  <p:notesSz cx="6858000" cy="9144000"/>
+  <p:notesSz cx="7772400" cy="10058400"/>
 </p:presentation>
 </file>
 
@@ -74,7 +74,7 @@
       </p:grpSpPr>
       <p:sp>
         <p:nvSpPr>
-          <p:cNvPr id="24" name="PlaceHolder 1"/>
+          <p:cNvPr id="23" name="PlaceHolder 1"/>
           <p:cNvSpPr>
             <a:spLocks noGrp="1"/>
           </p:cNvSpPr>
@@ -85,19 +85,19 @@
         <p:spPr>
           <a:xfrm>
             <a:off x="311760" y="744480"/>
-            <a:ext cx="8520120" cy="2052360"/>
+            <a:ext cx="8519760" cy="2052000"/>
           </a:xfrm>
           <a:prstGeom prst="rect">
             <a:avLst/>
           </a:prstGeom>
         </p:spPr>
         <p:txBody>
-          <a:bodyPr lIns="0" rIns="0" tIns="0" bIns="0" anchor="ctr"/>
-          <a:p>
-            <a:endParaRPr b="0" lang="pt-BR" sz="1400" spc="-1" strike="noStrike">
-              <a:solidFill>
-                <a:srgbClr val="000000"/>
-              </a:solidFill>
+          <a:bodyPr lIns="0" rIns="0" tIns="0" bIns="0" anchor="ctr">
+            <a:noAutofit/>
+          </a:bodyPr>
+          <a:p>
+            <a:pPr algn="ctr"/>
+            <a:endParaRPr b="0" lang="en-US" sz="4400" spc="-1" strike="noStrike">
               <a:latin typeface="Arial"/>
             </a:endParaRPr>
           </a:p>
@@ -105,7 +105,7 @@
       </p:sp>
       <p:sp>
         <p:nvSpPr>
-          <p:cNvPr id="25" name="PlaceHolder 2"/>
+          <p:cNvPr id="24" name="PlaceHolder 2"/>
           <p:cNvSpPr>
             <a:spLocks noGrp="1"/>
           </p:cNvSpPr>
@@ -127,10 +127,7 @@
             <a:normAutofit/>
           </a:bodyPr>
           <a:p>
-            <a:endParaRPr b="0" lang="pt-BR" sz="1400" spc="-1" strike="noStrike">
-              <a:solidFill>
-                <a:srgbClr val="000000"/>
-              </a:solidFill>
+            <a:endParaRPr b="0" lang="en-US" sz="3200" spc="-1" strike="noStrike">
               <a:latin typeface="Arial"/>
             </a:endParaRPr>
           </a:p>
@@ -138,7 +135,7 @@
       </p:sp>
       <p:sp>
         <p:nvSpPr>
-          <p:cNvPr id="26" name="PlaceHolder 3"/>
+          <p:cNvPr id="25" name="PlaceHolder 3"/>
           <p:cNvSpPr>
             <a:spLocks noGrp="1"/>
           </p:cNvSpPr>
@@ -160,10 +157,7 @@
             <a:normAutofit/>
           </a:bodyPr>
           <a:p>
-            <a:endParaRPr b="0" lang="pt-BR" sz="1400" spc="-1" strike="noStrike">
-              <a:solidFill>
-                <a:srgbClr val="000000"/>
-              </a:solidFill>
+            <a:endParaRPr b="0" lang="en-US" sz="3200" spc="-1" strike="noStrike">
               <a:latin typeface="Arial"/>
             </a:endParaRPr>
           </a:p>
@@ -193,7 +187,7 @@
       </p:grpSpPr>
       <p:sp>
         <p:nvSpPr>
-          <p:cNvPr id="27" name="PlaceHolder 1"/>
+          <p:cNvPr id="26" name="PlaceHolder 1"/>
           <p:cNvSpPr>
             <a:spLocks noGrp="1"/>
           </p:cNvSpPr>
@@ -204,19 +198,19 @@
         <p:spPr>
           <a:xfrm>
             <a:off x="311760" y="744480"/>
-            <a:ext cx="8520120" cy="2052360"/>
+            <a:ext cx="8519760" cy="2052000"/>
           </a:xfrm>
           <a:prstGeom prst="rect">
             <a:avLst/>
           </a:prstGeom>
         </p:spPr>
         <p:txBody>
-          <a:bodyPr lIns="0" rIns="0" tIns="0" bIns="0" anchor="ctr"/>
-          <a:p>
-            <a:endParaRPr b="0" lang="pt-BR" sz="1400" spc="-1" strike="noStrike">
-              <a:solidFill>
-                <a:srgbClr val="000000"/>
-              </a:solidFill>
+          <a:bodyPr lIns="0" rIns="0" tIns="0" bIns="0" anchor="ctr">
+            <a:noAutofit/>
+          </a:bodyPr>
+          <a:p>
+            <a:pPr algn="ctr"/>
+            <a:endParaRPr b="0" lang="en-US" sz="4400" spc="-1" strike="noStrike">
               <a:latin typeface="Arial"/>
             </a:endParaRPr>
           </a:p>
@@ -224,7 +218,7 @@
       </p:sp>
       <p:sp>
         <p:nvSpPr>
-          <p:cNvPr id="28" name="PlaceHolder 2"/>
+          <p:cNvPr id="27" name="PlaceHolder 2"/>
           <p:cNvSpPr>
             <a:spLocks noGrp="1"/>
           </p:cNvSpPr>
@@ -246,10 +240,7 @@
             <a:normAutofit/>
           </a:bodyPr>
           <a:p>
-            <a:endParaRPr b="0" lang="pt-BR" sz="1400" spc="-1" strike="noStrike">
-              <a:solidFill>
-                <a:srgbClr val="000000"/>
-              </a:solidFill>
+            <a:endParaRPr b="0" lang="en-US" sz="3200" spc="-1" strike="noStrike">
               <a:latin typeface="Arial"/>
             </a:endParaRPr>
           </a:p>
@@ -257,7 +248,7 @@
       </p:sp>
       <p:sp>
         <p:nvSpPr>
-          <p:cNvPr id="29" name="PlaceHolder 3"/>
+          <p:cNvPr id="28" name="PlaceHolder 3"/>
           <p:cNvSpPr>
             <a:spLocks noGrp="1"/>
           </p:cNvSpPr>
@@ -279,10 +270,7 @@
             <a:normAutofit/>
           </a:bodyPr>
           <a:p>
-            <a:endParaRPr b="0" lang="pt-BR" sz="1400" spc="-1" strike="noStrike">
-              <a:solidFill>
-                <a:srgbClr val="000000"/>
-              </a:solidFill>
+            <a:endParaRPr b="0" lang="en-US" sz="3200" spc="-1" strike="noStrike">
               <a:latin typeface="Arial"/>
             </a:endParaRPr>
           </a:p>
@@ -290,7 +278,7 @@
       </p:sp>
       <p:sp>
         <p:nvSpPr>
-          <p:cNvPr id="30" name="PlaceHolder 4"/>
+          <p:cNvPr id="29" name="PlaceHolder 4"/>
           <p:cNvSpPr>
             <a:spLocks noGrp="1"/>
           </p:cNvSpPr>
@@ -312,10 +300,7 @@
             <a:normAutofit/>
           </a:bodyPr>
           <a:p>
-            <a:endParaRPr b="0" lang="pt-BR" sz="1400" spc="-1" strike="noStrike">
-              <a:solidFill>
-                <a:srgbClr val="000000"/>
-              </a:solidFill>
+            <a:endParaRPr b="0" lang="en-US" sz="3200" spc="-1" strike="noStrike">
               <a:latin typeface="Arial"/>
             </a:endParaRPr>
           </a:p>
@@ -323,7 +308,7 @@
       </p:sp>
       <p:sp>
         <p:nvSpPr>
-          <p:cNvPr id="31" name="PlaceHolder 5"/>
+          <p:cNvPr id="30" name="PlaceHolder 5"/>
           <p:cNvSpPr>
             <a:spLocks noGrp="1"/>
           </p:cNvSpPr>
@@ -345,10 +330,7 @@
             <a:normAutofit/>
           </a:bodyPr>
           <a:p>
-            <a:endParaRPr b="0" lang="pt-BR" sz="1400" spc="-1" strike="noStrike">
-              <a:solidFill>
-                <a:srgbClr val="000000"/>
-              </a:solidFill>
+            <a:endParaRPr b="0" lang="en-US" sz="3200" spc="-1" strike="noStrike">
               <a:latin typeface="Arial"/>
             </a:endParaRPr>
           </a:p>
@@ -378,7 +360,7 @@
       </p:grpSpPr>
       <p:sp>
         <p:nvSpPr>
-          <p:cNvPr id="32" name="PlaceHolder 1"/>
+          <p:cNvPr id="31" name="PlaceHolder 1"/>
           <p:cNvSpPr>
             <a:spLocks noGrp="1"/>
           </p:cNvSpPr>
@@ -389,19 +371,19 @@
         <p:spPr>
           <a:xfrm>
             <a:off x="311760" y="744480"/>
-            <a:ext cx="8520120" cy="2052360"/>
+            <a:ext cx="8519760" cy="2052000"/>
           </a:xfrm>
           <a:prstGeom prst="rect">
             <a:avLst/>
           </a:prstGeom>
         </p:spPr>
         <p:txBody>
-          <a:bodyPr lIns="0" rIns="0" tIns="0" bIns="0" anchor="ctr"/>
-          <a:p>
-            <a:endParaRPr b="0" lang="pt-BR" sz="1400" spc="-1" strike="noStrike">
-              <a:solidFill>
-                <a:srgbClr val="000000"/>
-              </a:solidFill>
+          <a:bodyPr lIns="0" rIns="0" tIns="0" bIns="0" anchor="ctr">
+            <a:noAutofit/>
+          </a:bodyPr>
+          <a:p>
+            <a:pPr algn="ctr"/>
+            <a:endParaRPr b="0" lang="en-US" sz="4400" spc="-1" strike="noStrike">
               <a:latin typeface="Arial"/>
             </a:endParaRPr>
           </a:p>
@@ -409,7 +391,7 @@
       </p:sp>
       <p:sp>
         <p:nvSpPr>
-          <p:cNvPr id="33" name="PlaceHolder 2"/>
+          <p:cNvPr id="32" name="PlaceHolder 2"/>
           <p:cNvSpPr>
             <a:spLocks noGrp="1"/>
           </p:cNvSpPr>
@@ -431,10 +413,7 @@
             <a:normAutofit/>
           </a:bodyPr>
           <a:p>
-            <a:endParaRPr b="0" lang="pt-BR" sz="1400" spc="-1" strike="noStrike">
-              <a:solidFill>
-                <a:srgbClr val="000000"/>
-              </a:solidFill>
+            <a:endParaRPr b="0" lang="en-US" sz="3200" spc="-1" strike="noStrike">
               <a:latin typeface="Arial"/>
             </a:endParaRPr>
           </a:p>
@@ -442,7 +421,7 @@
       </p:sp>
       <p:sp>
         <p:nvSpPr>
-          <p:cNvPr id="34" name="PlaceHolder 3"/>
+          <p:cNvPr id="33" name="PlaceHolder 3"/>
           <p:cNvSpPr>
             <a:spLocks noGrp="1"/>
           </p:cNvSpPr>
@@ -464,10 +443,7 @@
             <a:normAutofit/>
           </a:bodyPr>
           <a:p>
-            <a:endParaRPr b="0" lang="pt-BR" sz="1400" spc="-1" strike="noStrike">
-              <a:solidFill>
-                <a:srgbClr val="000000"/>
-              </a:solidFill>
+            <a:endParaRPr b="0" lang="en-US" sz="3200" spc="-1" strike="noStrike">
               <a:latin typeface="Arial"/>
             </a:endParaRPr>
           </a:p>
@@ -475,7 +451,7 @@
       </p:sp>
       <p:sp>
         <p:nvSpPr>
-          <p:cNvPr id="35" name="PlaceHolder 4"/>
+          <p:cNvPr id="34" name="PlaceHolder 4"/>
           <p:cNvSpPr>
             <a:spLocks noGrp="1"/>
           </p:cNvSpPr>
@@ -497,10 +473,7 @@
             <a:normAutofit/>
           </a:bodyPr>
           <a:p>
-            <a:endParaRPr b="0" lang="pt-BR" sz="1400" spc="-1" strike="noStrike">
-              <a:solidFill>
-                <a:srgbClr val="000000"/>
-              </a:solidFill>
+            <a:endParaRPr b="0" lang="en-US" sz="3200" spc="-1" strike="noStrike">
               <a:latin typeface="Arial"/>
             </a:endParaRPr>
           </a:p>
@@ -508,7 +481,7 @@
       </p:sp>
       <p:sp>
         <p:nvSpPr>
-          <p:cNvPr id="36" name="PlaceHolder 5"/>
+          <p:cNvPr id="35" name="PlaceHolder 5"/>
           <p:cNvSpPr>
             <a:spLocks noGrp="1"/>
           </p:cNvSpPr>
@@ -530,10 +503,7 @@
             <a:normAutofit/>
           </a:bodyPr>
           <a:p>
-            <a:endParaRPr b="0" lang="pt-BR" sz="1400" spc="-1" strike="noStrike">
-              <a:solidFill>
-                <a:srgbClr val="000000"/>
-              </a:solidFill>
+            <a:endParaRPr b="0" lang="en-US" sz="3200" spc="-1" strike="noStrike">
               <a:latin typeface="Arial"/>
             </a:endParaRPr>
           </a:p>
@@ -541,7 +511,7 @@
       </p:sp>
       <p:sp>
         <p:nvSpPr>
-          <p:cNvPr id="37" name="PlaceHolder 6"/>
+          <p:cNvPr id="36" name="PlaceHolder 6"/>
           <p:cNvSpPr>
             <a:spLocks noGrp="1"/>
           </p:cNvSpPr>
@@ -563,10 +533,7 @@
             <a:normAutofit/>
           </a:bodyPr>
           <a:p>
-            <a:endParaRPr b="0" lang="pt-BR" sz="1400" spc="-1" strike="noStrike">
-              <a:solidFill>
-                <a:srgbClr val="000000"/>
-              </a:solidFill>
+            <a:endParaRPr b="0" lang="en-US" sz="3200" spc="-1" strike="noStrike">
               <a:latin typeface="Arial"/>
             </a:endParaRPr>
           </a:p>
@@ -574,7 +541,7 @@
       </p:sp>
       <p:sp>
         <p:nvSpPr>
-          <p:cNvPr id="38" name="PlaceHolder 7"/>
+          <p:cNvPr id="37" name="PlaceHolder 7"/>
           <p:cNvSpPr>
             <a:spLocks noGrp="1"/>
           </p:cNvSpPr>
@@ -596,10 +563,7 @@
             <a:normAutofit/>
           </a:bodyPr>
           <a:p>
-            <a:endParaRPr b="0" lang="pt-BR" sz="1400" spc="-1" strike="noStrike">
-              <a:solidFill>
-                <a:srgbClr val="000000"/>
-              </a:solidFill>
+            <a:endParaRPr b="0" lang="en-US" sz="3200" spc="-1" strike="noStrike">
               <a:latin typeface="Arial"/>
             </a:endParaRPr>
           </a:p>
@@ -629,7 +593,7 @@
       </p:grpSpPr>
       <p:sp>
         <p:nvSpPr>
-          <p:cNvPr id="3" name="PlaceHolder 1"/>
+          <p:cNvPr id="2" name="PlaceHolder 1"/>
           <p:cNvSpPr>
             <a:spLocks noGrp="1"/>
           </p:cNvSpPr>
@@ -640,19 +604,19 @@
         <p:spPr>
           <a:xfrm>
             <a:off x="311760" y="744480"/>
-            <a:ext cx="8520120" cy="2052360"/>
+            <a:ext cx="8519760" cy="2052000"/>
           </a:xfrm>
           <a:prstGeom prst="rect">
             <a:avLst/>
           </a:prstGeom>
         </p:spPr>
         <p:txBody>
-          <a:bodyPr lIns="0" rIns="0" tIns="0" bIns="0" anchor="ctr"/>
-          <a:p>
-            <a:endParaRPr b="0" lang="pt-BR" sz="1400" spc="-1" strike="noStrike">
-              <a:solidFill>
-                <a:srgbClr val="000000"/>
-              </a:solidFill>
+          <a:bodyPr lIns="0" rIns="0" tIns="0" bIns="0" anchor="ctr">
+            <a:noAutofit/>
+          </a:bodyPr>
+          <a:p>
+            <a:pPr algn="ctr"/>
+            <a:endParaRPr b="0" lang="en-US" sz="4400" spc="-1" strike="noStrike">
               <a:latin typeface="Arial"/>
             </a:endParaRPr>
           </a:p>
@@ -660,7 +624,7 @@
       </p:sp>
       <p:sp>
         <p:nvSpPr>
-          <p:cNvPr id="4" name="PlaceHolder 2"/>
+          <p:cNvPr id="3" name="PlaceHolder 2"/>
           <p:cNvSpPr>
             <a:spLocks noGrp="1"/>
           </p:cNvSpPr>
@@ -678,10 +642,12 @@
           </a:prstGeom>
         </p:spPr>
         <p:txBody>
-          <a:bodyPr lIns="0" rIns="0" tIns="0" bIns="0" anchor="ctr"/>
+          <a:bodyPr lIns="0" rIns="0" tIns="0" bIns="0" anchor="ctr">
+            <a:noAutofit/>
+          </a:bodyPr>
           <a:p>
             <a:pPr algn="ctr"/>
-            <a:endParaRPr b="0" lang="pt-BR" sz="3200" spc="-1" strike="noStrike">
+            <a:endParaRPr b="0" lang="en-US" sz="3200" spc="-1" strike="noStrike">
               <a:latin typeface="Arial"/>
             </a:endParaRPr>
           </a:p>
@@ -711,7 +677,7 @@
       </p:grpSpPr>
       <p:sp>
         <p:nvSpPr>
-          <p:cNvPr id="5" name="PlaceHolder 1"/>
+          <p:cNvPr id="4" name="PlaceHolder 1"/>
           <p:cNvSpPr>
             <a:spLocks noGrp="1"/>
           </p:cNvSpPr>
@@ -722,19 +688,19 @@
         <p:spPr>
           <a:xfrm>
             <a:off x="311760" y="744480"/>
-            <a:ext cx="8520120" cy="2052360"/>
+            <a:ext cx="8519760" cy="2052000"/>
           </a:xfrm>
           <a:prstGeom prst="rect">
             <a:avLst/>
           </a:prstGeom>
         </p:spPr>
         <p:txBody>
-          <a:bodyPr lIns="0" rIns="0" tIns="0" bIns="0" anchor="ctr"/>
-          <a:p>
-            <a:endParaRPr b="0" lang="pt-BR" sz="1400" spc="-1" strike="noStrike">
-              <a:solidFill>
-                <a:srgbClr val="000000"/>
-              </a:solidFill>
+          <a:bodyPr lIns="0" rIns="0" tIns="0" bIns="0" anchor="ctr">
+            <a:noAutofit/>
+          </a:bodyPr>
+          <a:p>
+            <a:pPr algn="ctr"/>
+            <a:endParaRPr b="0" lang="en-US" sz="4400" spc="-1" strike="noStrike">
               <a:latin typeface="Arial"/>
             </a:endParaRPr>
           </a:p>
@@ -742,7 +708,7 @@
       </p:sp>
       <p:sp>
         <p:nvSpPr>
-          <p:cNvPr id="6" name="PlaceHolder 2"/>
+          <p:cNvPr id="5" name="PlaceHolder 2"/>
           <p:cNvSpPr>
             <a:spLocks noGrp="1"/>
           </p:cNvSpPr>
@@ -764,10 +730,7 @@
             <a:normAutofit/>
           </a:bodyPr>
           <a:p>
-            <a:endParaRPr b="0" lang="pt-BR" sz="1400" spc="-1" strike="noStrike">
-              <a:solidFill>
-                <a:srgbClr val="000000"/>
-              </a:solidFill>
+            <a:endParaRPr b="0" lang="en-US" sz="3200" spc="-1" strike="noStrike">
               <a:latin typeface="Arial"/>
             </a:endParaRPr>
           </a:p>
@@ -797,7 +760,7 @@
       </p:grpSpPr>
       <p:sp>
         <p:nvSpPr>
-          <p:cNvPr id="7" name="PlaceHolder 1"/>
+          <p:cNvPr id="6" name="PlaceHolder 1"/>
           <p:cNvSpPr>
             <a:spLocks noGrp="1"/>
           </p:cNvSpPr>
@@ -808,19 +771,19 @@
         <p:spPr>
           <a:xfrm>
             <a:off x="311760" y="744480"/>
-            <a:ext cx="8520120" cy="2052360"/>
+            <a:ext cx="8519760" cy="2052000"/>
           </a:xfrm>
           <a:prstGeom prst="rect">
             <a:avLst/>
           </a:prstGeom>
         </p:spPr>
         <p:txBody>
-          <a:bodyPr lIns="0" rIns="0" tIns="0" bIns="0" anchor="ctr"/>
-          <a:p>
-            <a:endParaRPr b="0" lang="pt-BR" sz="1400" spc="-1" strike="noStrike">
-              <a:solidFill>
-                <a:srgbClr val="000000"/>
-              </a:solidFill>
+          <a:bodyPr lIns="0" rIns="0" tIns="0" bIns="0" anchor="ctr">
+            <a:noAutofit/>
+          </a:bodyPr>
+          <a:p>
+            <a:pPr algn="ctr"/>
+            <a:endParaRPr b="0" lang="en-US" sz="4400" spc="-1" strike="noStrike">
               <a:latin typeface="Arial"/>
             </a:endParaRPr>
           </a:p>
@@ -828,7 +791,7 @@
       </p:sp>
       <p:sp>
         <p:nvSpPr>
-          <p:cNvPr id="8" name="PlaceHolder 2"/>
+          <p:cNvPr id="7" name="PlaceHolder 2"/>
           <p:cNvSpPr>
             <a:spLocks noGrp="1"/>
           </p:cNvSpPr>
@@ -850,10 +813,7 @@
             <a:normAutofit/>
           </a:bodyPr>
           <a:p>
-            <a:endParaRPr b="0" lang="pt-BR" sz="1400" spc="-1" strike="noStrike">
-              <a:solidFill>
-                <a:srgbClr val="000000"/>
-              </a:solidFill>
+            <a:endParaRPr b="0" lang="en-US" sz="3200" spc="-1" strike="noStrike">
               <a:latin typeface="Arial"/>
             </a:endParaRPr>
           </a:p>
@@ -861,7 +821,7 @@
       </p:sp>
       <p:sp>
         <p:nvSpPr>
-          <p:cNvPr id="9" name="PlaceHolder 3"/>
+          <p:cNvPr id="8" name="PlaceHolder 3"/>
           <p:cNvSpPr>
             <a:spLocks noGrp="1"/>
           </p:cNvSpPr>
@@ -883,10 +843,7 @@
             <a:normAutofit/>
           </a:bodyPr>
           <a:p>
-            <a:endParaRPr b="0" lang="pt-BR" sz="1400" spc="-1" strike="noStrike">
-              <a:solidFill>
-                <a:srgbClr val="000000"/>
-              </a:solidFill>
+            <a:endParaRPr b="0" lang="en-US" sz="3200" spc="-1" strike="noStrike">
               <a:latin typeface="Arial"/>
             </a:endParaRPr>
           </a:p>
@@ -916,7 +873,7 @@
       </p:grpSpPr>
       <p:sp>
         <p:nvSpPr>
-          <p:cNvPr id="10" name="PlaceHolder 1"/>
+          <p:cNvPr id="9" name="PlaceHolder 1"/>
           <p:cNvSpPr>
             <a:spLocks noGrp="1"/>
           </p:cNvSpPr>
@@ -927,19 +884,19 @@
         <p:spPr>
           <a:xfrm>
             <a:off x="311760" y="744480"/>
-            <a:ext cx="8520120" cy="2052360"/>
+            <a:ext cx="8519760" cy="2052000"/>
           </a:xfrm>
           <a:prstGeom prst="rect">
             <a:avLst/>
           </a:prstGeom>
         </p:spPr>
         <p:txBody>
-          <a:bodyPr lIns="0" rIns="0" tIns="0" bIns="0" anchor="ctr"/>
-          <a:p>
-            <a:endParaRPr b="0" lang="pt-BR" sz="1400" spc="-1" strike="noStrike">
-              <a:solidFill>
-                <a:srgbClr val="000000"/>
-              </a:solidFill>
+          <a:bodyPr lIns="0" rIns="0" tIns="0" bIns="0" anchor="ctr">
+            <a:noAutofit/>
+          </a:bodyPr>
+          <a:p>
+            <a:pPr algn="ctr"/>
+            <a:endParaRPr b="0" lang="en-US" sz="4400" spc="-1" strike="noStrike">
               <a:latin typeface="Arial"/>
             </a:endParaRPr>
           </a:p>
@@ -969,7 +926,7 @@
       </p:grpSpPr>
       <p:sp>
         <p:nvSpPr>
-          <p:cNvPr id="11" name="PlaceHolder 1"/>
+          <p:cNvPr id="10" name="PlaceHolder 1"/>
           <p:cNvSpPr>
             <a:spLocks noGrp="1"/>
           </p:cNvSpPr>
@@ -980,17 +937,19 @@
         <p:spPr>
           <a:xfrm>
             <a:off x="311760" y="744480"/>
-            <a:ext cx="8520120" cy="9514800"/>
+            <a:ext cx="8519760" cy="9513000"/>
           </a:xfrm>
           <a:prstGeom prst="rect">
             <a:avLst/>
           </a:prstGeom>
         </p:spPr>
         <p:txBody>
-          <a:bodyPr lIns="0" rIns="0" tIns="0" bIns="0" anchor="ctr"/>
+          <a:bodyPr lIns="0" rIns="0" tIns="0" bIns="0" anchor="ctr">
+            <a:noAutofit/>
+          </a:bodyPr>
           <a:p>
             <a:pPr algn="ctr"/>
-            <a:endParaRPr b="0" lang="pt-BR" sz="3200" spc="-1" strike="noStrike">
+            <a:endParaRPr b="0" lang="en-US" sz="3200" spc="-1" strike="noStrike">
               <a:latin typeface="Arial"/>
             </a:endParaRPr>
           </a:p>
@@ -1020,7 +979,7 @@
       </p:grpSpPr>
       <p:sp>
         <p:nvSpPr>
-          <p:cNvPr id="12" name="PlaceHolder 1"/>
+          <p:cNvPr id="11" name="PlaceHolder 1"/>
           <p:cNvSpPr>
             <a:spLocks noGrp="1"/>
           </p:cNvSpPr>
@@ -1031,19 +990,19 @@
         <p:spPr>
           <a:xfrm>
             <a:off x="311760" y="744480"/>
-            <a:ext cx="8520120" cy="2052360"/>
+            <a:ext cx="8519760" cy="2052000"/>
           </a:xfrm>
           <a:prstGeom prst="rect">
             <a:avLst/>
           </a:prstGeom>
         </p:spPr>
         <p:txBody>
-          <a:bodyPr lIns="0" rIns="0" tIns="0" bIns="0" anchor="ctr"/>
-          <a:p>
-            <a:endParaRPr b="0" lang="pt-BR" sz="1400" spc="-1" strike="noStrike">
-              <a:solidFill>
-                <a:srgbClr val="000000"/>
-              </a:solidFill>
+          <a:bodyPr lIns="0" rIns="0" tIns="0" bIns="0" anchor="ctr">
+            <a:noAutofit/>
+          </a:bodyPr>
+          <a:p>
+            <a:pPr algn="ctr"/>
+            <a:endParaRPr b="0" lang="en-US" sz="4400" spc="-1" strike="noStrike">
               <a:latin typeface="Arial"/>
             </a:endParaRPr>
           </a:p>
@@ -1051,7 +1010,7 @@
       </p:sp>
       <p:sp>
         <p:nvSpPr>
-          <p:cNvPr id="13" name="PlaceHolder 2"/>
+          <p:cNvPr id="12" name="PlaceHolder 2"/>
           <p:cNvSpPr>
             <a:spLocks noGrp="1"/>
           </p:cNvSpPr>
@@ -1073,10 +1032,7 @@
             <a:normAutofit/>
           </a:bodyPr>
           <a:p>
-            <a:endParaRPr b="0" lang="pt-BR" sz="1400" spc="-1" strike="noStrike">
-              <a:solidFill>
-                <a:srgbClr val="000000"/>
-              </a:solidFill>
+            <a:endParaRPr b="0" lang="en-US" sz="3200" spc="-1" strike="noStrike">
               <a:latin typeface="Arial"/>
             </a:endParaRPr>
           </a:p>
@@ -1084,7 +1040,7 @@
       </p:sp>
       <p:sp>
         <p:nvSpPr>
-          <p:cNvPr id="14" name="PlaceHolder 3"/>
+          <p:cNvPr id="13" name="PlaceHolder 3"/>
           <p:cNvSpPr>
             <a:spLocks noGrp="1"/>
           </p:cNvSpPr>
@@ -1106,10 +1062,7 @@
             <a:normAutofit/>
           </a:bodyPr>
           <a:p>
-            <a:endParaRPr b="0" lang="pt-BR" sz="1400" spc="-1" strike="noStrike">
-              <a:solidFill>
-                <a:srgbClr val="000000"/>
-              </a:solidFill>
+            <a:endParaRPr b="0" lang="en-US" sz="3200" spc="-1" strike="noStrike">
               <a:latin typeface="Arial"/>
             </a:endParaRPr>
           </a:p>
@@ -1117,7 +1070,7 @@
       </p:sp>
       <p:sp>
         <p:nvSpPr>
-          <p:cNvPr id="15" name="PlaceHolder 4"/>
+          <p:cNvPr id="14" name="PlaceHolder 4"/>
           <p:cNvSpPr>
             <a:spLocks noGrp="1"/>
           </p:cNvSpPr>
@@ -1139,10 +1092,7 @@
             <a:normAutofit/>
           </a:bodyPr>
           <a:p>
-            <a:endParaRPr b="0" lang="pt-BR" sz="1400" spc="-1" strike="noStrike">
-              <a:solidFill>
-                <a:srgbClr val="000000"/>
-              </a:solidFill>
+            <a:endParaRPr b="0" lang="en-US" sz="3200" spc="-1" strike="noStrike">
               <a:latin typeface="Arial"/>
             </a:endParaRPr>
           </a:p>
@@ -1172,7 +1122,7 @@
       </p:grpSpPr>
       <p:sp>
         <p:nvSpPr>
-          <p:cNvPr id="16" name="PlaceHolder 1"/>
+          <p:cNvPr id="15" name="PlaceHolder 1"/>
           <p:cNvSpPr>
             <a:spLocks noGrp="1"/>
           </p:cNvSpPr>
@@ -1183,19 +1133,19 @@
         <p:spPr>
           <a:xfrm>
             <a:off x="311760" y="744480"/>
-            <a:ext cx="8520120" cy="2052360"/>
+            <a:ext cx="8519760" cy="2052000"/>
           </a:xfrm>
           <a:prstGeom prst="rect">
             <a:avLst/>
           </a:prstGeom>
         </p:spPr>
         <p:txBody>
-          <a:bodyPr lIns="0" rIns="0" tIns="0" bIns="0" anchor="ctr"/>
-          <a:p>
-            <a:endParaRPr b="0" lang="pt-BR" sz="1400" spc="-1" strike="noStrike">
-              <a:solidFill>
-                <a:srgbClr val="000000"/>
-              </a:solidFill>
+          <a:bodyPr lIns="0" rIns="0" tIns="0" bIns="0" anchor="ctr">
+            <a:noAutofit/>
+          </a:bodyPr>
+          <a:p>
+            <a:pPr algn="ctr"/>
+            <a:endParaRPr b="0" lang="en-US" sz="4400" spc="-1" strike="noStrike">
               <a:latin typeface="Arial"/>
             </a:endParaRPr>
           </a:p>
@@ -1203,7 +1153,7 @@
       </p:sp>
       <p:sp>
         <p:nvSpPr>
-          <p:cNvPr id="17" name="PlaceHolder 2"/>
+          <p:cNvPr id="16" name="PlaceHolder 2"/>
           <p:cNvSpPr>
             <a:spLocks noGrp="1"/>
           </p:cNvSpPr>
@@ -1225,10 +1175,7 @@
             <a:normAutofit/>
           </a:bodyPr>
           <a:p>
-            <a:endParaRPr b="0" lang="pt-BR" sz="1400" spc="-1" strike="noStrike">
-              <a:solidFill>
-                <a:srgbClr val="000000"/>
-              </a:solidFill>
+            <a:endParaRPr b="0" lang="en-US" sz="3200" spc="-1" strike="noStrike">
               <a:latin typeface="Arial"/>
             </a:endParaRPr>
           </a:p>
@@ -1236,7 +1183,7 @@
       </p:sp>
       <p:sp>
         <p:nvSpPr>
-          <p:cNvPr id="18" name="PlaceHolder 3"/>
+          <p:cNvPr id="17" name="PlaceHolder 3"/>
           <p:cNvSpPr>
             <a:spLocks noGrp="1"/>
           </p:cNvSpPr>
@@ -1258,10 +1205,7 @@
             <a:normAutofit/>
           </a:bodyPr>
           <a:p>
-            <a:endParaRPr b="0" lang="pt-BR" sz="1400" spc="-1" strike="noStrike">
-              <a:solidFill>
-                <a:srgbClr val="000000"/>
-              </a:solidFill>
+            <a:endParaRPr b="0" lang="en-US" sz="3200" spc="-1" strike="noStrike">
               <a:latin typeface="Arial"/>
             </a:endParaRPr>
           </a:p>
@@ -1269,7 +1213,7 @@
       </p:sp>
       <p:sp>
         <p:nvSpPr>
-          <p:cNvPr id="19" name="PlaceHolder 4"/>
+          <p:cNvPr id="18" name="PlaceHolder 4"/>
           <p:cNvSpPr>
             <a:spLocks noGrp="1"/>
           </p:cNvSpPr>
@@ -1291,10 +1235,7 @@
             <a:normAutofit/>
           </a:bodyPr>
           <a:p>
-            <a:endParaRPr b="0" lang="pt-BR" sz="1400" spc="-1" strike="noStrike">
-              <a:solidFill>
-                <a:srgbClr val="000000"/>
-              </a:solidFill>
+            <a:endParaRPr b="0" lang="en-US" sz="3200" spc="-1" strike="noStrike">
               <a:latin typeface="Arial"/>
             </a:endParaRPr>
           </a:p>
@@ -1324,7 +1265,7 @@
       </p:grpSpPr>
       <p:sp>
         <p:nvSpPr>
-          <p:cNvPr id="20" name="PlaceHolder 1"/>
+          <p:cNvPr id="19" name="PlaceHolder 1"/>
           <p:cNvSpPr>
             <a:spLocks noGrp="1"/>
           </p:cNvSpPr>
@@ -1335,19 +1276,19 @@
         <p:spPr>
           <a:xfrm>
             <a:off x="311760" y="744480"/>
-            <a:ext cx="8520120" cy="2052360"/>
+            <a:ext cx="8519760" cy="2052000"/>
           </a:xfrm>
           <a:prstGeom prst="rect">
             <a:avLst/>
           </a:prstGeom>
         </p:spPr>
         <p:txBody>
-          <a:bodyPr lIns="0" rIns="0" tIns="0" bIns="0" anchor="ctr"/>
-          <a:p>
-            <a:endParaRPr b="0" lang="pt-BR" sz="1400" spc="-1" strike="noStrike">
-              <a:solidFill>
-                <a:srgbClr val="000000"/>
-              </a:solidFill>
+          <a:bodyPr lIns="0" rIns="0" tIns="0" bIns="0" anchor="ctr">
+            <a:noAutofit/>
+          </a:bodyPr>
+          <a:p>
+            <a:pPr algn="ctr"/>
+            <a:endParaRPr b="0" lang="en-US" sz="4400" spc="-1" strike="noStrike">
               <a:latin typeface="Arial"/>
             </a:endParaRPr>
           </a:p>
@@ -1355,7 +1296,7 @@
       </p:sp>
       <p:sp>
         <p:nvSpPr>
-          <p:cNvPr id="21" name="PlaceHolder 2"/>
+          <p:cNvPr id="20" name="PlaceHolder 2"/>
           <p:cNvSpPr>
             <a:spLocks noGrp="1"/>
           </p:cNvSpPr>
@@ -1377,10 +1318,7 @@
             <a:normAutofit/>
           </a:bodyPr>
           <a:p>
-            <a:endParaRPr b="0" lang="pt-BR" sz="1400" spc="-1" strike="noStrike">
-              <a:solidFill>
-                <a:srgbClr val="000000"/>
-              </a:solidFill>
+            <a:endParaRPr b="0" lang="en-US" sz="3200" spc="-1" strike="noStrike">
               <a:latin typeface="Arial"/>
             </a:endParaRPr>
           </a:p>
@@ -1388,7 +1326,7 @@
       </p:sp>
       <p:sp>
         <p:nvSpPr>
-          <p:cNvPr id="22" name="PlaceHolder 3"/>
+          <p:cNvPr id="21" name="PlaceHolder 3"/>
           <p:cNvSpPr>
             <a:spLocks noGrp="1"/>
           </p:cNvSpPr>
@@ -1410,10 +1348,7 @@
             <a:normAutofit/>
           </a:bodyPr>
           <a:p>
-            <a:endParaRPr b="0" lang="pt-BR" sz="1400" spc="-1" strike="noStrike">
-              <a:solidFill>
-                <a:srgbClr val="000000"/>
-              </a:solidFill>
+            <a:endParaRPr b="0" lang="en-US" sz="3200" spc="-1" strike="noStrike">
               <a:latin typeface="Arial"/>
             </a:endParaRPr>
           </a:p>
@@ -1421,7 +1356,7 @@
       </p:sp>
       <p:sp>
         <p:nvSpPr>
-          <p:cNvPr id="23" name="PlaceHolder 4"/>
+          <p:cNvPr id="22" name="PlaceHolder 4"/>
           <p:cNvSpPr>
             <a:spLocks noGrp="1"/>
           </p:cNvSpPr>
@@ -1443,10 +1378,7 @@
             <a:normAutofit/>
           </a:bodyPr>
           <a:p>
-            <a:endParaRPr b="0" lang="pt-BR" sz="1400" spc="-1" strike="noStrike">
-              <a:solidFill>
-                <a:srgbClr val="000000"/>
-              </a:solidFill>
+            <a:endParaRPr b="0" lang="en-US" sz="3200" spc="-1" strike="noStrike">
               <a:latin typeface="Arial"/>
             </a:endParaRPr>
           </a:p>
@@ -1494,46 +1426,25 @@
         <p:spPr>
           <a:xfrm>
             <a:off x="311760" y="744480"/>
-            <a:ext cx="8520120" cy="2052360"/>
+            <a:ext cx="8519760" cy="2052000"/>
           </a:xfrm>
           <a:prstGeom prst="rect">
             <a:avLst/>
           </a:prstGeom>
         </p:spPr>
         <p:txBody>
-          <a:bodyPr tIns="91440" bIns="91440" anchor="b"/>
-          <a:p>
-            <a:r>
-              <a:rPr b="0" lang="pt-BR" sz="5200" spc="-1" strike="noStrike">
-                <a:solidFill>
-                  <a:srgbClr val="000000"/>
-                </a:solidFill>
-                <a:latin typeface="Arial"/>
-              </a:rPr>
-              <a:t>Clique para editar </a:t>
-            </a:r>
-            <a:r>
-              <a:rPr b="0" lang="pt-BR" sz="5200" spc="-1" strike="noStrike">
-                <a:solidFill>
-                  <a:srgbClr val="000000"/>
-                </a:solidFill>
-                <a:latin typeface="Arial"/>
-              </a:rPr>
-              <a:t>o formato do texto </a:t>
-            </a:r>
-            <a:r>
-              <a:rPr b="0" lang="pt-BR" sz="5200" spc="-1" strike="noStrike">
-                <a:solidFill>
-                  <a:srgbClr val="000000"/>
-                </a:solidFill>
-                <a:latin typeface="Arial"/>
-              </a:rPr>
-              <a:t>do título</a:t>
-            </a:r>
-            <a:endParaRPr b="0" lang="pt-BR" sz="5200" spc="-1" strike="noStrike">
-              <a:solidFill>
-                <a:srgbClr val="000000"/>
-              </a:solidFill>
+          <a:bodyPr lIns="0" rIns="0" tIns="0" bIns="0" anchor="ctr">
+            <a:noAutofit/>
+          </a:bodyPr>
+          <a:p>
+            <a:pPr algn="ctr"/>
+            <a:r>
+              <a:rPr b="0" lang="en-US" sz="1800" spc="-1" strike="noStrike">
+                <a:latin typeface="Arial"/>
+              </a:rPr>
+              <a:t>Click to edit the title text format</a:t>
+            </a:r>
+            <a:endParaRPr b="0" lang="en-US" sz="1800" spc="-1" strike="noStrike">
               <a:latin typeface="Arial"/>
             </a:endParaRPr>
           </a:p>
@@ -1542,49 +1453,6 @@
       <p:sp>
         <p:nvSpPr>
           <p:cNvPr id="1" name="PlaceHolder 2"/>
-          <p:cNvSpPr>
-            <a:spLocks noGrp="1"/>
-          </p:cNvSpPr>
-          <p:nvPr>
-            <p:ph type="sldNum"/>
-          </p:nvPr>
-        </p:nvSpPr>
-        <p:spPr>
-          <a:xfrm>
-            <a:off x="8472600" y="4663080"/>
-            <a:ext cx="548280" cy="393120"/>
-          </a:xfrm>
-          <a:prstGeom prst="rect">
-            <a:avLst/>
-          </a:prstGeom>
-        </p:spPr>
-        <p:txBody>
-          <a:bodyPr tIns="91440" bIns="91440" anchor="ctr"/>
-          <a:p>
-            <a:pPr algn="r">
-              <a:lnSpc>
-                <a:spcPct val="100000"/>
-              </a:lnSpc>
-            </a:pPr>
-            <a:fld id="{F29F524A-2B79-4628-A12A-F1AEA3AC670D}" type="slidenum">
-              <a:rPr b="0" lang="pt-BR" sz="1000" spc="-1" strike="noStrike">
-                <a:solidFill>
-                  <a:srgbClr val="595959"/>
-                </a:solidFill>
-                <a:latin typeface="Arial"/>
-                <a:ea typeface="Arial"/>
-              </a:rPr>
-              <a:t>&lt;número&gt;</a:t>
-            </a:fld>
-            <a:endParaRPr b="0" lang="pt-BR" sz="1000" spc="-1" strike="noStrike">
-              <a:latin typeface="Times New Roman"/>
-            </a:endParaRPr>
-          </a:p>
-        </p:txBody>
-      </p:sp>
-      <p:sp>
-        <p:nvSpPr>
-          <p:cNvPr id="2" name="PlaceHolder 3"/>
           <p:cNvSpPr>
             <a:spLocks noGrp="1"/>
           </p:cNvSpPr>
@@ -1618,18 +1486,12 @@
               <a:buChar char=""/>
             </a:pPr>
             <a:r>
-              <a:rPr b="0" lang="pt-BR" sz="1400" spc="-1" strike="noStrike">
-                <a:solidFill>
-                  <a:srgbClr val="000000"/>
-                </a:solidFill>
-                <a:latin typeface="Arial"/>
-              </a:rPr>
-              <a:t>Clique para editar o formato do texto da estrutura de tópicos</a:t>
-            </a:r>
-            <a:endParaRPr b="0" lang="pt-BR" sz="1400" spc="-1" strike="noStrike">
-              <a:solidFill>
-                <a:srgbClr val="000000"/>
-              </a:solidFill>
+              <a:rPr b="0" lang="en-US" sz="3200" spc="-1" strike="noStrike">
+                <a:latin typeface="Arial"/>
+              </a:rPr>
+              <a:t>Click to edit the outline text format</a:t>
+            </a:r>
+            <a:endParaRPr b="0" lang="en-US" sz="3200" spc="-1" strike="noStrike">
               <a:latin typeface="Arial"/>
             </a:endParaRPr>
           </a:p>
@@ -1646,18 +1508,12 @@
               <a:buChar char=""/>
             </a:pPr>
             <a:r>
-              <a:rPr b="0" lang="pt-BR" sz="1400" spc="-1" strike="noStrike">
-                <a:solidFill>
-                  <a:srgbClr val="000000"/>
-                </a:solidFill>
-                <a:latin typeface="Arial"/>
-              </a:rPr>
-              <a:t>2.º nível da estrutura de tópicos</a:t>
-            </a:r>
-            <a:endParaRPr b="0" lang="pt-BR" sz="1400" spc="-1" strike="noStrike">
-              <a:solidFill>
-                <a:srgbClr val="000000"/>
-              </a:solidFill>
+              <a:rPr b="0" lang="en-US" sz="2800" spc="-1" strike="noStrike">
+                <a:latin typeface="Arial"/>
+              </a:rPr>
+              <a:t>Second Outline Level</a:t>
+            </a:r>
+            <a:endParaRPr b="0" lang="en-US" sz="2800" spc="-1" strike="noStrike">
               <a:latin typeface="Arial"/>
             </a:endParaRPr>
           </a:p>
@@ -1674,18 +1530,12 @@
               <a:buChar char=""/>
             </a:pPr>
             <a:r>
-              <a:rPr b="0" lang="pt-BR" sz="1400" spc="-1" strike="noStrike">
-                <a:solidFill>
-                  <a:srgbClr val="000000"/>
-                </a:solidFill>
-                <a:latin typeface="Arial"/>
-              </a:rPr>
-              <a:t>3.º nível da estrutura de tópicos</a:t>
-            </a:r>
-            <a:endParaRPr b="0" lang="pt-BR" sz="1400" spc="-1" strike="noStrike">
-              <a:solidFill>
-                <a:srgbClr val="000000"/>
-              </a:solidFill>
+              <a:rPr b="0" lang="en-US" sz="2400" spc="-1" strike="noStrike">
+                <a:latin typeface="Arial"/>
+              </a:rPr>
+              <a:t>Third Outline Level</a:t>
+            </a:r>
+            <a:endParaRPr b="0" lang="en-US" sz="2400" spc="-1" strike="noStrike">
               <a:latin typeface="Arial"/>
             </a:endParaRPr>
           </a:p>
@@ -1702,18 +1552,12 @@
               <a:buChar char=""/>
             </a:pPr>
             <a:r>
-              <a:rPr b="0" lang="pt-BR" sz="1400" spc="-1" strike="noStrike">
-                <a:solidFill>
-                  <a:srgbClr val="000000"/>
-                </a:solidFill>
-                <a:latin typeface="Arial"/>
-              </a:rPr>
-              <a:t>4.º nível da estrutura de tópicos</a:t>
-            </a:r>
-            <a:endParaRPr b="0" lang="pt-BR" sz="1400" spc="-1" strike="noStrike">
-              <a:solidFill>
-                <a:srgbClr val="000000"/>
-              </a:solidFill>
+              <a:rPr b="0" lang="en-US" sz="2000" spc="-1" strike="noStrike">
+                <a:latin typeface="Arial"/>
+              </a:rPr>
+              <a:t>Fourth Outline Level</a:t>
+            </a:r>
+            <a:endParaRPr b="0" lang="en-US" sz="2000" spc="-1" strike="noStrike">
               <a:latin typeface="Arial"/>
             </a:endParaRPr>
           </a:p>
@@ -1730,18 +1574,12 @@
               <a:buChar char=""/>
             </a:pPr>
             <a:r>
-              <a:rPr b="0" lang="pt-BR" sz="2000" spc="-1" strike="noStrike">
-                <a:solidFill>
-                  <a:srgbClr val="000000"/>
-                </a:solidFill>
-                <a:latin typeface="Arial"/>
-              </a:rPr>
-              <a:t>5.º nível da estrutura de tópicos</a:t>
-            </a:r>
-            <a:endParaRPr b="0" lang="pt-BR" sz="2000" spc="-1" strike="noStrike">
-              <a:solidFill>
-                <a:srgbClr val="000000"/>
-              </a:solidFill>
+              <a:rPr b="0" lang="en-US" sz="2000" spc="-1" strike="noStrike">
+                <a:latin typeface="Arial"/>
+              </a:rPr>
+              <a:t>Fifth Outline Level</a:t>
+            </a:r>
+            <a:endParaRPr b="0" lang="en-US" sz="2000" spc="-1" strike="noStrike">
               <a:latin typeface="Arial"/>
             </a:endParaRPr>
           </a:p>
@@ -1758,18 +1596,12 @@
               <a:buChar char=""/>
             </a:pPr>
             <a:r>
-              <a:rPr b="0" lang="pt-BR" sz="2000" spc="-1" strike="noStrike">
-                <a:solidFill>
-                  <a:srgbClr val="000000"/>
-                </a:solidFill>
-                <a:latin typeface="Arial"/>
-              </a:rPr>
-              <a:t>6.º nível da estrutura de tópicos</a:t>
-            </a:r>
-            <a:endParaRPr b="0" lang="pt-BR" sz="2000" spc="-1" strike="noStrike">
-              <a:solidFill>
-                <a:srgbClr val="000000"/>
-              </a:solidFill>
+              <a:rPr b="0" lang="en-US" sz="2000" spc="-1" strike="noStrike">
+                <a:latin typeface="Arial"/>
+              </a:rPr>
+              <a:t>Sixth Outline Level</a:t>
+            </a:r>
+            <a:endParaRPr b="0" lang="en-US" sz="2000" spc="-1" strike="noStrike">
               <a:latin typeface="Arial"/>
             </a:endParaRPr>
           </a:p>
@@ -1786,18 +1618,12 @@
               <a:buChar char=""/>
             </a:pPr>
             <a:r>
-              <a:rPr b="0" lang="pt-BR" sz="2000" spc="-1" strike="noStrike">
-                <a:solidFill>
-                  <a:srgbClr val="000000"/>
-                </a:solidFill>
-                <a:latin typeface="Arial"/>
-              </a:rPr>
-              <a:t>7.º nível da estrutura de tópicos</a:t>
-            </a:r>
-            <a:endParaRPr b="0" lang="pt-BR" sz="2000" spc="-1" strike="noStrike">
-              <a:solidFill>
-                <a:srgbClr val="000000"/>
-              </a:solidFill>
+              <a:rPr b="0" lang="en-US" sz="2000" spc="-1" strike="noStrike">
+                <a:latin typeface="Arial"/>
+              </a:rPr>
+              <a:t>Seventh Outline Level</a:t>
+            </a:r>
+            <a:endParaRPr b="0" lang="en-US" sz="2000" spc="-1" strike="noStrike">
               <a:latin typeface="Arial"/>
             </a:endParaRPr>
           </a:p>
@@ -1842,14 +1668,14 @@
       </p:grpSpPr>
       <p:sp>
         <p:nvSpPr>
-          <p:cNvPr id="39" name="CustomShape 1"/>
+          <p:cNvPr id="38" name="CustomShape 1"/>
           <p:cNvSpPr/>
           <p:nvPr/>
         </p:nvSpPr>
         <p:spPr>
           <a:xfrm>
             <a:off x="6317280" y="368280"/>
-            <a:ext cx="2594880" cy="4277880"/>
+            <a:ext cx="2594520" cy="4277520"/>
           </a:xfrm>
           <a:prstGeom prst="rect">
             <a:avLst/>
@@ -1866,15 +1692,17 @@
           <a:fontRef idx="minor"/>
         </p:style>
         <p:txBody>
-          <a:bodyPr tIns="91440" bIns="91440"/>
-          <a:p>
-            <a:pPr>
-              <a:lnSpc>
-                <a:spcPct val="100000"/>
-              </a:lnSpc>
-            </a:pPr>
-            <a:r>
-              <a:rPr b="1" lang="pt-BR" sz="2200" spc="-1" strike="noStrike">
+          <a:bodyPr lIns="90000" rIns="90000" tIns="91440" bIns="91440">
+            <a:noAutofit/>
+          </a:bodyPr>
+          <a:p>
+            <a:pPr>
+              <a:lnSpc>
+                <a:spcPct val="100000"/>
+              </a:lnSpc>
+            </a:pPr>
+            <a:r>
+              <a:rPr b="1" lang="en-US" sz="2200" spc="-1" strike="noStrike">
                 <a:solidFill>
                   <a:srgbClr val="1a1a1a"/>
                 </a:solidFill>
@@ -1884,7 +1712,7 @@
               <a:t>Processo</a:t>
             </a:r>
             <a:r>
-              <a:rPr b="0" lang="pt-BR" sz="2200" spc="-1" strike="noStrike">
+              <a:rPr b="0" lang="en-US" sz="2200" spc="-1" strike="noStrike">
                 <a:solidFill>
                   <a:srgbClr val="1a1a1a"/>
                 </a:solidFill>
@@ -1893,18 +1721,18 @@
               </a:rPr>
               <a:t>: Entregar Cardápio</a:t>
             </a:r>
-            <a:endParaRPr b="0" lang="pt-BR" sz="2200" spc="-1" strike="noStrike">
-              <a:latin typeface="Arial"/>
-            </a:endParaRPr>
-          </a:p>
-          <a:p>
-            <a:pPr>
-              <a:lnSpc>
-                <a:spcPct val="100000"/>
-              </a:lnSpc>
-            </a:pPr>
-            <a:r>
-              <a:rPr b="1" lang="pt-BR" sz="2200" spc="-1" strike="noStrike">
+            <a:endParaRPr b="0" lang="en-US" sz="2200" spc="-1" strike="noStrike">
+              <a:latin typeface="Arial"/>
+            </a:endParaRPr>
+          </a:p>
+          <a:p>
+            <a:pPr>
+              <a:lnSpc>
+                <a:spcPct val="100000"/>
+              </a:lnSpc>
+            </a:pPr>
+            <a:r>
+              <a:rPr b="1" lang="en-US" sz="2200" spc="-1" strike="noStrike">
                 <a:solidFill>
                   <a:srgbClr val="1a1a1a"/>
                 </a:solidFill>
@@ -1914,7 +1742,7 @@
               <a:t>Evento</a:t>
             </a:r>
             <a:r>
-              <a:rPr b="0" lang="pt-BR" sz="2200" spc="-1" strike="noStrike">
+              <a:rPr b="0" lang="en-US" sz="2200" spc="-1" strike="noStrike">
                 <a:solidFill>
                   <a:srgbClr val="1a1a1a"/>
                 </a:solidFill>
@@ -1923,18 +1751,18 @@
               </a:rPr>
               <a:t>: Cliente solicita cardápio</a:t>
             </a:r>
-            <a:endParaRPr b="0" lang="pt-BR" sz="2200" spc="-1" strike="noStrike">
-              <a:latin typeface="Arial"/>
-            </a:endParaRPr>
-          </a:p>
-          <a:p>
-            <a:pPr>
-              <a:lnSpc>
-                <a:spcPct val="100000"/>
-              </a:lnSpc>
-            </a:pPr>
-            <a:r>
-              <a:rPr b="1" lang="pt-BR" sz="2200" spc="-1" strike="noStrike">
+            <a:endParaRPr b="0" lang="en-US" sz="2200" spc="-1" strike="noStrike">
+              <a:latin typeface="Arial"/>
+            </a:endParaRPr>
+          </a:p>
+          <a:p>
+            <a:pPr>
+              <a:lnSpc>
+                <a:spcPct val="100000"/>
+              </a:lnSpc>
+            </a:pPr>
+            <a:r>
+              <a:rPr b="1" lang="en-US" sz="2200" spc="-1" strike="noStrike">
                 <a:solidFill>
                   <a:srgbClr val="1a1a1a"/>
                 </a:solidFill>
@@ -1944,7 +1772,7 @@
               <a:t>Trabalhador Envolvido</a:t>
             </a:r>
             <a:r>
-              <a:rPr b="0" lang="pt-BR" sz="2200" spc="-1" strike="noStrike">
+              <a:rPr b="0" lang="en-US" sz="2200" spc="-1" strike="noStrike">
                 <a:solidFill>
                   <a:srgbClr val="1a1a1a"/>
                 </a:solidFill>
@@ -1953,37 +1781,47 @@
               </a:rPr>
               <a:t>: Garçom</a:t>
             </a:r>
-            <a:endParaRPr b="0" lang="pt-BR" sz="2200" spc="-1" strike="noStrike">
-              <a:latin typeface="Arial"/>
-            </a:endParaRPr>
-          </a:p>
-          <a:p>
-            <a:pPr>
-              <a:lnSpc>
-                <a:spcPct val="100000"/>
-              </a:lnSpc>
-            </a:pPr>
-            <a:endParaRPr b="0" lang="pt-BR" sz="2200" spc="-1" strike="noStrike">
-              <a:latin typeface="Arial"/>
-            </a:endParaRPr>
-          </a:p>
-          <a:p>
-            <a:pPr>
-              <a:lnSpc>
-                <a:spcPct val="100000"/>
-              </a:lnSpc>
-            </a:pPr>
-            <a:r>
-              <a:rPr b="0" lang="pt-BR" sz="2200" spc="-1" strike="noStrike">
-                <a:solidFill>
-                  <a:srgbClr val="1a1a1a"/>
-                </a:solidFill>
-                <a:latin typeface="Arial"/>
-                <a:ea typeface="Arial"/>
-              </a:rPr>
-              <a:t>1. Entregar cardápio ao cliente.</a:t>
-            </a:r>
-            <a:endParaRPr b="0" lang="pt-BR" sz="2200" spc="-1" strike="noStrike">
+            <a:endParaRPr b="0" lang="en-US" sz="2200" spc="-1" strike="noStrike">
+              <a:latin typeface="Arial"/>
+            </a:endParaRPr>
+          </a:p>
+          <a:p>
+            <a:pPr>
+              <a:lnSpc>
+                <a:spcPct val="100000"/>
+              </a:lnSpc>
+            </a:pPr>
+            <a:endParaRPr b="0" lang="en-US" sz="2200" spc="-1" strike="noStrike">
+              <a:latin typeface="Arial"/>
+            </a:endParaRPr>
+          </a:p>
+          <a:p>
+            <a:pPr>
+              <a:lnSpc>
+                <a:spcPct val="100000"/>
+              </a:lnSpc>
+            </a:pPr>
+            <a:r>
+              <a:rPr b="1" lang="en-US" sz="2200" spc="-1" strike="noStrike">
+                <a:solidFill>
+                  <a:srgbClr val="1a1a1a"/>
+                </a:solidFill>
+                <a:latin typeface="Arial"/>
+                <a:ea typeface="Arial"/>
+              </a:rPr>
+              <a:t>1.</a:t>
+            </a:r>
+            <a:r>
+              <a:rPr b="0" lang="en-US" sz="2200" spc="-1" strike="noStrike">
+                <a:solidFill>
+                  <a:srgbClr val="1a1a1a"/>
+                </a:solidFill>
+                <a:latin typeface="Arial"/>
+                <a:ea typeface="Arial"/>
+              </a:rPr>
+              <a:t> Entregar cardápio ao cliente.</a:t>
+            </a:r>
+            <a:endParaRPr b="0" lang="en-US" sz="2200" spc="-1" strike="noStrike">
               <a:latin typeface="Arial"/>
             </a:endParaRPr>
           </a:p>
@@ -1991,7 +1829,7 @@
       </p:sp>
       <p:pic>
         <p:nvPicPr>
-          <p:cNvPr id="40" name="" descr=""/>
+          <p:cNvPr id="39" name="" descr=""/>
           <p:cNvPicPr/>
           <p:nvPr/>
         </p:nvPicPr>
@@ -2002,7 +1840,7 @@
         <p:spPr>
           <a:xfrm>
             <a:off x="593640" y="385560"/>
-            <a:ext cx="5526360" cy="3934440"/>
+            <a:ext cx="5526000" cy="3934080"/>
           </a:xfrm>
           <a:prstGeom prst="rect">
             <a:avLst/>
@@ -2014,33 +1852,14 @@
       </p:pic>
     </p:spTree>
   </p:cSld>
-  <p:timing>
-    <p:tnLst>
-      <p:par>
-        <p:cTn id="1" dur="indefinite" restart="never" nodeType="tmRoot">
-          <p:childTnLst>
-            <p:seq>
-              <p:cTn id="2" dur="indefinite" nodeType="mainSeq"/>
-              <p:prevCondLst>
-                <p:cond delay="0" evt="onPrev">
-                  <p:tgtEl>
-                    <p:sldTgt/>
-                  </p:tgtEl>
-                </p:cond>
-              </p:prevCondLst>
-              <p:nextCondLst>
-                <p:cond delay="0" evt="onNext">
-                  <p:tgtEl>
-                    <p:sldTgt/>
-                  </p:tgtEl>
-                </p:cond>
-              </p:nextCondLst>
-            </p:seq>
-          </p:childTnLst>
-        </p:cTn>
-      </p:par>
-    </p:tnLst>
-  </p:timing>
+  <mc:AlternateContent>
+    <mc:Choice Requires="p14">
+      <p:transition spd="slow" p14:dur="2000"/>
+    </mc:Choice>
+    <mc:Fallback>
+      <p:transition spd="slow"/>
+    </mc:Fallback>
+  </mc:AlternateContent>
 </p:sld>
 </file>
 
@@ -2063,14 +1882,14 @@
       </p:grpSpPr>
       <p:sp>
         <p:nvSpPr>
-          <p:cNvPr id="57" name="CustomShape 1"/>
+          <p:cNvPr id="56" name="CustomShape 1"/>
           <p:cNvSpPr/>
           <p:nvPr/>
         </p:nvSpPr>
         <p:spPr>
           <a:xfrm>
             <a:off x="6317280" y="280080"/>
-            <a:ext cx="2594880" cy="4277880"/>
+            <a:ext cx="2594520" cy="4277520"/>
           </a:xfrm>
           <a:prstGeom prst="rect">
             <a:avLst/>
@@ -2087,15 +1906,17 @@
           <a:fontRef idx="minor"/>
         </p:style>
         <p:txBody>
-          <a:bodyPr tIns="91440" bIns="91440"/>
-          <a:p>
-            <a:pPr>
-              <a:lnSpc>
-                <a:spcPct val="100000"/>
-              </a:lnSpc>
-            </a:pPr>
-            <a:r>
-              <a:rPr b="1" lang="pt-BR" sz="1800" spc="-1" strike="noStrike">
+          <a:bodyPr lIns="90000" rIns="90000" tIns="91440" bIns="91440">
+            <a:noAutofit/>
+          </a:bodyPr>
+          <a:p>
+            <a:pPr>
+              <a:lnSpc>
+                <a:spcPct val="100000"/>
+              </a:lnSpc>
+            </a:pPr>
+            <a:r>
+              <a:rPr b="1" lang="en-US" sz="1800" spc="-1" strike="noStrike">
                 <a:solidFill>
                   <a:srgbClr val="1a1a1a"/>
                 </a:solidFill>
@@ -2105,7 +1926,7 @@
               <a:t>Processo</a:t>
             </a:r>
             <a:r>
-              <a:rPr b="0" lang="pt-BR" sz="1800" spc="-1" strike="noStrike">
+              <a:rPr b="0" lang="en-US" sz="1800" spc="-1" strike="noStrike">
                 <a:solidFill>
                   <a:srgbClr val="1a1a1a"/>
                 </a:solidFill>
@@ -2114,18 +1935,18 @@
               </a:rPr>
               <a:t>: Anotar Pedido</a:t>
             </a:r>
-            <a:endParaRPr b="0" lang="pt-BR" sz="1800" spc="-1" strike="noStrike">
-              <a:latin typeface="Arial"/>
-            </a:endParaRPr>
-          </a:p>
-          <a:p>
-            <a:pPr>
-              <a:lnSpc>
-                <a:spcPct val="100000"/>
-              </a:lnSpc>
-            </a:pPr>
-            <a:r>
-              <a:rPr b="1" lang="pt-BR" sz="1800" spc="-1" strike="noStrike">
+            <a:endParaRPr b="0" lang="en-US" sz="1800" spc="-1" strike="noStrike">
+              <a:latin typeface="Arial"/>
+            </a:endParaRPr>
+          </a:p>
+          <a:p>
+            <a:pPr>
+              <a:lnSpc>
+                <a:spcPct val="100000"/>
+              </a:lnSpc>
+            </a:pPr>
+            <a:r>
+              <a:rPr b="1" lang="en-US" sz="1800" spc="-1" strike="noStrike">
                 <a:solidFill>
                   <a:srgbClr val="1a1a1a"/>
                 </a:solidFill>
@@ -2135,7 +1956,7 @@
               <a:t>Evento</a:t>
             </a:r>
             <a:r>
-              <a:rPr b="0" lang="pt-BR" sz="1800" spc="-1" strike="noStrike">
+              <a:rPr b="0" lang="en-US" sz="1800" spc="-1" strike="noStrike">
                 <a:solidFill>
                   <a:srgbClr val="1a1a1a"/>
                 </a:solidFill>
@@ -2144,18 +1965,18 @@
               </a:rPr>
               <a:t>: Cliente Delivery solicita pedido</a:t>
             </a:r>
-            <a:endParaRPr b="0" lang="pt-BR" sz="1800" spc="-1" strike="noStrike">
-              <a:latin typeface="Arial"/>
-            </a:endParaRPr>
-          </a:p>
-          <a:p>
-            <a:pPr>
-              <a:lnSpc>
-                <a:spcPct val="100000"/>
-              </a:lnSpc>
-            </a:pPr>
-            <a:r>
-              <a:rPr b="1" lang="pt-BR" sz="1800" spc="-1" strike="noStrike">
+            <a:endParaRPr b="0" lang="en-US" sz="1800" spc="-1" strike="noStrike">
+              <a:latin typeface="Arial"/>
+            </a:endParaRPr>
+          </a:p>
+          <a:p>
+            <a:pPr>
+              <a:lnSpc>
+                <a:spcPct val="100000"/>
+              </a:lnSpc>
+            </a:pPr>
+            <a:r>
+              <a:rPr b="1" lang="en-US" sz="1800" spc="-1" strike="noStrike">
                 <a:solidFill>
                   <a:srgbClr val="1a1a1a"/>
                 </a:solidFill>
@@ -2165,7 +1986,7 @@
               <a:t>Trabalhador Envolvido</a:t>
             </a:r>
             <a:r>
-              <a:rPr b="0" lang="pt-BR" sz="1800" spc="-1" strike="noStrike">
+              <a:rPr b="0" lang="en-US" sz="1800" spc="-1" strike="noStrike">
                 <a:solidFill>
                   <a:srgbClr val="1a1a1a"/>
                 </a:solidFill>
@@ -2174,77 +1995,107 @@
               </a:rPr>
               <a:t>: Atendente</a:t>
             </a:r>
-            <a:endParaRPr b="0" lang="pt-BR" sz="1800" spc="-1" strike="noStrike">
-              <a:latin typeface="Arial"/>
-            </a:endParaRPr>
-          </a:p>
-          <a:p>
-            <a:pPr>
-              <a:lnSpc>
-                <a:spcPct val="100000"/>
-              </a:lnSpc>
-            </a:pPr>
-            <a:endParaRPr b="0" lang="pt-BR" sz="1800" spc="-1" strike="noStrike">
-              <a:latin typeface="Arial"/>
-            </a:endParaRPr>
-          </a:p>
-          <a:p>
-            <a:pPr>
-              <a:lnSpc>
-                <a:spcPct val="100000"/>
-              </a:lnSpc>
-            </a:pPr>
-            <a:r>
-              <a:rPr b="0" lang="pt-BR" sz="1800" spc="-1" strike="noStrike">
-                <a:solidFill>
-                  <a:srgbClr val="1a1a1a"/>
-                </a:solidFill>
-                <a:latin typeface="Arial"/>
-                <a:ea typeface="Arial"/>
-              </a:rPr>
-              <a:t>1. Verificar se o pedido realizado pelo cliente pode ser atendido.</a:t>
-            </a:r>
-            <a:endParaRPr b="0" lang="pt-BR" sz="1800" spc="-1" strike="noStrike">
-              <a:latin typeface="Arial"/>
-            </a:endParaRPr>
-          </a:p>
-          <a:p>
-            <a:pPr>
-              <a:lnSpc>
-                <a:spcPct val="100000"/>
-              </a:lnSpc>
-            </a:pPr>
-            <a:r>
-              <a:rPr b="0" lang="pt-BR" sz="1800" spc="-1" strike="noStrike">
-                <a:solidFill>
-                  <a:srgbClr val="1a1a1a"/>
-                </a:solidFill>
-                <a:latin typeface="Arial"/>
-                <a:ea typeface="Arial"/>
-              </a:rPr>
-              <a:t>1.1. Se algum item não puder ser atendido, recusar o pedido e finalizar.</a:t>
-            </a:r>
-            <a:endParaRPr b="0" lang="pt-BR" sz="1800" spc="-1" strike="noStrike">
-              <a:latin typeface="Arial"/>
-            </a:endParaRPr>
-          </a:p>
-          <a:p>
-            <a:pPr>
-              <a:lnSpc>
-                <a:spcPct val="100000"/>
-              </a:lnSpc>
-            </a:pPr>
-            <a:r>
-              <a:rPr b="0" lang="pt-BR" sz="1800" spc="-1" strike="noStrike">
-                <a:solidFill>
-                  <a:srgbClr val="1a1a1a"/>
-                </a:solidFill>
-                <a:latin typeface="Arial"/>
-                <a:ea typeface="Arial"/>
-              </a:rPr>
-              <a:t>2. Criar um novo pedido.</a:t>
-            </a:r>
-            <a:endParaRPr b="0" lang="pt-BR" sz="1800" spc="-1" strike="noStrike">
+            <a:endParaRPr b="0" lang="en-US" sz="1800" spc="-1" strike="noStrike">
+              <a:latin typeface="Arial"/>
+            </a:endParaRPr>
+          </a:p>
+          <a:p>
+            <a:pPr>
+              <a:lnSpc>
+                <a:spcPct val="100000"/>
+              </a:lnSpc>
+            </a:pPr>
+            <a:endParaRPr b="0" lang="en-US" sz="1800" spc="-1" strike="noStrike">
+              <a:latin typeface="Arial"/>
+            </a:endParaRPr>
+          </a:p>
+          <a:p>
+            <a:pPr>
+              <a:lnSpc>
+                <a:spcPct val="100000"/>
+              </a:lnSpc>
+            </a:pPr>
+            <a:r>
+              <a:rPr b="1" lang="en-US" sz="1800" spc="-1" strike="noStrike">
+                <a:solidFill>
+                  <a:srgbClr val="1a1a1a"/>
+                </a:solidFill>
+                <a:latin typeface="Arial"/>
+                <a:ea typeface="Arial"/>
+              </a:rPr>
+              <a:t>1.</a:t>
+            </a:r>
+            <a:r>
+              <a:rPr b="0" lang="en-US" sz="1800" spc="-1" strike="noStrike">
+                <a:solidFill>
+                  <a:srgbClr val="1a1a1a"/>
+                </a:solidFill>
+                <a:latin typeface="Arial"/>
+                <a:ea typeface="Arial"/>
+              </a:rPr>
+              <a:t> Verificar se o pedido realizado pelo cliente pode ser atendido.</a:t>
+            </a:r>
+            <a:endParaRPr b="0" lang="en-US" sz="1800" spc="-1" strike="noStrike">
+              <a:latin typeface="Arial"/>
+            </a:endParaRPr>
+          </a:p>
+          <a:p>
+            <a:pPr>
+              <a:lnSpc>
+                <a:spcPct val="100000"/>
+              </a:lnSpc>
+            </a:pPr>
+            <a:r>
+              <a:rPr b="1" lang="en-US" sz="1800" spc="-1" strike="noStrike">
+                <a:solidFill>
+                  <a:srgbClr val="1a1a1a"/>
+                </a:solidFill>
+                <a:latin typeface="Arial"/>
+                <a:ea typeface="Arial"/>
+              </a:rPr>
+              <a:t>1.1.</a:t>
+            </a:r>
+            <a:r>
+              <a:rPr b="0" lang="en-US" sz="1800" spc="-1" strike="noStrike">
+                <a:solidFill>
+                  <a:srgbClr val="1a1a1a"/>
+                </a:solidFill>
+                <a:latin typeface="Arial"/>
+                <a:ea typeface="Arial"/>
+              </a:rPr>
+              <a:t> Se algum item não puder ser atendido, recusar o pedido e finalizar.</a:t>
+            </a:r>
+            <a:endParaRPr b="0" lang="en-US" sz="1800" spc="-1" strike="noStrike">
+              <a:latin typeface="Arial"/>
+            </a:endParaRPr>
+          </a:p>
+          <a:p>
+            <a:pPr>
+              <a:lnSpc>
+                <a:spcPct val="100000"/>
+              </a:lnSpc>
+            </a:pPr>
+            <a:r>
+              <a:rPr b="1" lang="en-US" sz="1800" spc="-1" strike="noStrike">
+                <a:solidFill>
+                  <a:srgbClr val="1a1a1a"/>
+                </a:solidFill>
+                <a:latin typeface="Arial"/>
+                <a:ea typeface="Arial"/>
+              </a:rPr>
+              <a:t>2.</a:t>
+            </a:r>
+            <a:r>
+              <a:rPr b="0" lang="en-US" sz="1800" spc="-1" strike="noStrike">
+                <a:solidFill>
+                  <a:srgbClr val="1a1a1a"/>
+                </a:solidFill>
+                <a:latin typeface="Arial"/>
+                <a:ea typeface="Arial"/>
+              </a:rPr>
+              <a:t> Criar um novo pedido.</a:t>
+            </a:r>
+            <a:endParaRPr b="0" lang="en-US" sz="1800" spc="-1" strike="noStrike">
               <a:latin typeface="Arial"/>
             </a:endParaRPr>
           </a:p>
@@ -2252,7 +2103,7 @@
       </p:sp>
       <p:pic>
         <p:nvPicPr>
-          <p:cNvPr id="58" name="" descr=""/>
+          <p:cNvPr id="57" name="" descr=""/>
           <p:cNvPicPr/>
           <p:nvPr/>
         </p:nvPicPr>
@@ -2263,7 +2114,7 @@
         <p:spPr>
           <a:xfrm>
             <a:off x="181080" y="218880"/>
-            <a:ext cx="6175440" cy="4605120"/>
+            <a:ext cx="6175080" cy="4604760"/>
           </a:xfrm>
           <a:prstGeom prst="rect">
             <a:avLst/>
@@ -2275,33 +2126,14 @@
       </p:pic>
     </p:spTree>
   </p:cSld>
-  <p:timing>
-    <p:tnLst>
-      <p:par>
-        <p:cTn id="19" dur="indefinite" restart="never" nodeType="tmRoot">
-          <p:childTnLst>
-            <p:seq>
-              <p:cTn id="20" dur="indefinite" nodeType="mainSeq"/>
-              <p:prevCondLst>
-                <p:cond delay="0" evt="onPrev">
-                  <p:tgtEl>
-                    <p:sldTgt/>
-                  </p:tgtEl>
-                </p:cond>
-              </p:prevCondLst>
-              <p:nextCondLst>
-                <p:cond delay="0" evt="onNext">
-                  <p:tgtEl>
-                    <p:sldTgt/>
-                  </p:tgtEl>
-                </p:cond>
-              </p:nextCondLst>
-            </p:seq>
-          </p:childTnLst>
-        </p:cTn>
-      </p:par>
-    </p:tnLst>
-  </p:timing>
+  <mc:AlternateContent>
+    <mc:Choice Requires="p14">
+      <p:transition spd="slow" p14:dur="2000"/>
+    </mc:Choice>
+    <mc:Fallback>
+      <p:transition spd="slow"/>
+    </mc:Fallback>
+  </mc:AlternateContent>
 </p:sld>
 </file>
 
@@ -2324,14 +2156,14 @@
       </p:grpSpPr>
       <p:sp>
         <p:nvSpPr>
-          <p:cNvPr id="59" name="CustomShape 1"/>
+          <p:cNvPr id="58" name="CustomShape 1"/>
           <p:cNvSpPr/>
           <p:nvPr/>
         </p:nvSpPr>
         <p:spPr>
           <a:xfrm>
             <a:off x="6317280" y="280080"/>
-            <a:ext cx="2594880" cy="4277880"/>
+            <a:ext cx="2594520" cy="4277520"/>
           </a:xfrm>
           <a:prstGeom prst="rect">
             <a:avLst/>
@@ -2348,15 +2180,17 @@
           <a:fontRef idx="minor"/>
         </p:style>
         <p:txBody>
-          <a:bodyPr tIns="91440" bIns="91440"/>
-          <a:p>
-            <a:pPr>
-              <a:lnSpc>
-                <a:spcPct val="100000"/>
-              </a:lnSpc>
-            </a:pPr>
-            <a:r>
-              <a:rPr b="1" lang="pt-BR" sz="1800" spc="-1" strike="noStrike">
+          <a:bodyPr lIns="90000" rIns="90000" tIns="91440" bIns="91440">
+            <a:noAutofit/>
+          </a:bodyPr>
+          <a:p>
+            <a:pPr>
+              <a:lnSpc>
+                <a:spcPct val="100000"/>
+              </a:lnSpc>
+            </a:pPr>
+            <a:r>
+              <a:rPr b="1" lang="en-US" sz="1800" spc="-1" strike="noStrike">
                 <a:solidFill>
                   <a:srgbClr val="1a1a1a"/>
                 </a:solidFill>
@@ -2366,7 +2200,7 @@
               <a:t>Processo</a:t>
             </a:r>
             <a:r>
-              <a:rPr b="0" lang="pt-BR" sz="1800" spc="-1" strike="noStrike">
+              <a:rPr b="0" lang="en-US" sz="1800" spc="-1" strike="noStrike">
                 <a:solidFill>
                   <a:srgbClr val="1a1a1a"/>
                 </a:solidFill>
@@ -2375,18 +2209,18 @@
               </a:rPr>
               <a:t>: Solicitar Preparação dos Itens do pedido</a:t>
             </a:r>
-            <a:endParaRPr b="0" lang="pt-BR" sz="1800" spc="-1" strike="noStrike">
-              <a:latin typeface="Arial"/>
-            </a:endParaRPr>
-          </a:p>
-          <a:p>
-            <a:pPr>
-              <a:lnSpc>
-                <a:spcPct val="100000"/>
-              </a:lnSpc>
-            </a:pPr>
-            <a:r>
-              <a:rPr b="1" lang="pt-BR" sz="1800" spc="-1" strike="noStrike">
+            <a:endParaRPr b="0" lang="en-US" sz="1800" spc="-1" strike="noStrike">
+              <a:latin typeface="Arial"/>
+            </a:endParaRPr>
+          </a:p>
+          <a:p>
+            <a:pPr>
+              <a:lnSpc>
+                <a:spcPct val="100000"/>
+              </a:lnSpc>
+            </a:pPr>
+            <a:r>
+              <a:rPr b="1" lang="en-US" sz="1800" spc="-1" strike="noStrike">
                 <a:solidFill>
                   <a:srgbClr val="1a1a1a"/>
                 </a:solidFill>
@@ -2396,7 +2230,7 @@
               <a:t>Evento</a:t>
             </a:r>
             <a:r>
-              <a:rPr b="0" lang="pt-BR" sz="1800" spc="-1" strike="noStrike">
+              <a:rPr b="0" lang="en-US" sz="1800" spc="-1" strike="noStrike">
                 <a:solidFill>
                   <a:srgbClr val="1a1a1a"/>
                 </a:solidFill>
@@ -2405,18 +2239,18 @@
               </a:rPr>
               <a:t>: Pizzaiolos itens solicitados </a:t>
             </a:r>
-            <a:endParaRPr b="0" lang="pt-BR" sz="1800" spc="-1" strike="noStrike">
-              <a:latin typeface="Arial"/>
-            </a:endParaRPr>
-          </a:p>
-          <a:p>
-            <a:pPr>
-              <a:lnSpc>
-                <a:spcPct val="100000"/>
-              </a:lnSpc>
-            </a:pPr>
-            <a:r>
-              <a:rPr b="1" lang="pt-BR" sz="1800" spc="-1" strike="noStrike">
+            <a:endParaRPr b="0" lang="en-US" sz="1800" spc="-1" strike="noStrike">
+              <a:latin typeface="Arial"/>
+            </a:endParaRPr>
+          </a:p>
+          <a:p>
+            <a:pPr>
+              <a:lnSpc>
+                <a:spcPct val="100000"/>
+              </a:lnSpc>
+            </a:pPr>
+            <a:r>
+              <a:rPr b="1" lang="en-US" sz="1800" spc="-1" strike="noStrike">
                 <a:solidFill>
                   <a:srgbClr val="1a1a1a"/>
                 </a:solidFill>
@@ -2426,7 +2260,7 @@
               <a:t>Trabalhador Envolvido</a:t>
             </a:r>
             <a:r>
-              <a:rPr b="0" lang="pt-BR" sz="1800" spc="-1" strike="noStrike">
+              <a:rPr b="0" lang="en-US" sz="1800" spc="-1" strike="noStrike">
                 <a:solidFill>
                   <a:srgbClr val="1a1a1a"/>
                 </a:solidFill>
@@ -2435,37 +2269,47 @@
               </a:rPr>
               <a:t>: Atendente</a:t>
             </a:r>
-            <a:endParaRPr b="0" lang="pt-BR" sz="1800" spc="-1" strike="noStrike">
-              <a:latin typeface="Arial"/>
-            </a:endParaRPr>
-          </a:p>
-          <a:p>
-            <a:pPr>
-              <a:lnSpc>
-                <a:spcPct val="100000"/>
-              </a:lnSpc>
-            </a:pPr>
-            <a:endParaRPr b="0" lang="pt-BR" sz="1800" spc="-1" strike="noStrike">
-              <a:latin typeface="Arial"/>
-            </a:endParaRPr>
-          </a:p>
-          <a:p>
-            <a:pPr>
-              <a:lnSpc>
-                <a:spcPct val="100000"/>
-              </a:lnSpc>
-            </a:pPr>
-            <a:r>
-              <a:rPr b="0" lang="pt-BR" sz="1900" spc="-1" strike="noStrike">
-                <a:solidFill>
-                  <a:srgbClr val="1a1a1a"/>
-                </a:solidFill>
-                <a:latin typeface="Arial"/>
-                <a:ea typeface="Arial"/>
-              </a:rPr>
-              <a:t>1. Solicitar itens pendentes aos setores responsáveis, marcando os itens solicitados como "solicitado".</a:t>
-            </a:r>
-            <a:endParaRPr b="0" lang="pt-BR" sz="1900" spc="-1" strike="noStrike">
+            <a:endParaRPr b="0" lang="en-US" sz="1800" spc="-1" strike="noStrike">
+              <a:latin typeface="Arial"/>
+            </a:endParaRPr>
+          </a:p>
+          <a:p>
+            <a:pPr>
+              <a:lnSpc>
+                <a:spcPct val="100000"/>
+              </a:lnSpc>
+            </a:pPr>
+            <a:endParaRPr b="0" lang="en-US" sz="1800" spc="-1" strike="noStrike">
+              <a:latin typeface="Arial"/>
+            </a:endParaRPr>
+          </a:p>
+          <a:p>
+            <a:pPr>
+              <a:lnSpc>
+                <a:spcPct val="100000"/>
+              </a:lnSpc>
+            </a:pPr>
+            <a:r>
+              <a:rPr b="1" lang="en-US" sz="1900" spc="-1" strike="noStrike">
+                <a:solidFill>
+                  <a:srgbClr val="1a1a1a"/>
+                </a:solidFill>
+                <a:latin typeface="Arial"/>
+                <a:ea typeface="Arial"/>
+              </a:rPr>
+              <a:t>1. </a:t>
+            </a:r>
+            <a:r>
+              <a:rPr b="0" lang="en-US" sz="1900" spc="-1" strike="noStrike">
+                <a:solidFill>
+                  <a:srgbClr val="1a1a1a"/>
+                </a:solidFill>
+                <a:latin typeface="Arial"/>
+                <a:ea typeface="Arial"/>
+              </a:rPr>
+              <a:t>Solicitar itens pendentes aos setores responsáveis, marcando os itens solicitados como "solicitado".</a:t>
+            </a:r>
+            <a:endParaRPr b="0" lang="en-US" sz="1900" spc="-1" strike="noStrike">
               <a:latin typeface="Arial"/>
             </a:endParaRPr>
           </a:p>
@@ -2473,7 +2317,7 @@
       </p:sp>
       <p:pic>
         <p:nvPicPr>
-          <p:cNvPr id="60" name="" descr=""/>
+          <p:cNvPr id="59" name="" descr=""/>
           <p:cNvPicPr/>
           <p:nvPr/>
         </p:nvPicPr>
@@ -2484,7 +2328,7 @@
         <p:spPr>
           <a:xfrm>
             <a:off x="181080" y="218880"/>
-            <a:ext cx="6175440" cy="4605120"/>
+            <a:ext cx="6175080" cy="4604760"/>
           </a:xfrm>
           <a:prstGeom prst="rect">
             <a:avLst/>
@@ -2496,33 +2340,14 @@
       </p:pic>
     </p:spTree>
   </p:cSld>
-  <p:timing>
-    <p:tnLst>
-      <p:par>
-        <p:cTn id="21" dur="indefinite" restart="never" nodeType="tmRoot">
-          <p:childTnLst>
-            <p:seq>
-              <p:cTn id="22" dur="indefinite" nodeType="mainSeq"/>
-              <p:prevCondLst>
-                <p:cond delay="0" evt="onPrev">
-                  <p:tgtEl>
-                    <p:sldTgt/>
-                  </p:tgtEl>
-                </p:cond>
-              </p:prevCondLst>
-              <p:nextCondLst>
-                <p:cond delay="0" evt="onNext">
-                  <p:tgtEl>
-                    <p:sldTgt/>
-                  </p:tgtEl>
-                </p:cond>
-              </p:nextCondLst>
-            </p:seq>
-          </p:childTnLst>
-        </p:cTn>
-      </p:par>
-    </p:tnLst>
-  </p:timing>
+  <mc:AlternateContent>
+    <mc:Choice Requires="p14">
+      <p:transition spd="slow" p14:dur="2000"/>
+    </mc:Choice>
+    <mc:Fallback>
+      <p:transition spd="slow"/>
+    </mc:Fallback>
+  </mc:AlternateContent>
 </p:sld>
 </file>
 
@@ -2545,14 +2370,14 @@
       </p:grpSpPr>
       <p:sp>
         <p:nvSpPr>
-          <p:cNvPr id="61" name="CustomShape 1"/>
+          <p:cNvPr id="60" name="CustomShape 1"/>
           <p:cNvSpPr/>
           <p:nvPr/>
         </p:nvSpPr>
         <p:spPr>
           <a:xfrm>
             <a:off x="6317280" y="280080"/>
-            <a:ext cx="2594880" cy="4277880"/>
+            <a:ext cx="2594520" cy="4277520"/>
           </a:xfrm>
           <a:prstGeom prst="rect">
             <a:avLst/>
@@ -2569,15 +2394,17 @@
           <a:fontRef idx="minor"/>
         </p:style>
         <p:txBody>
-          <a:bodyPr tIns="91440" bIns="91440"/>
-          <a:p>
-            <a:pPr>
-              <a:lnSpc>
-                <a:spcPct val="100000"/>
-              </a:lnSpc>
-            </a:pPr>
-            <a:r>
-              <a:rPr b="1" lang="pt-BR" sz="1800" spc="-1" strike="noStrike">
+          <a:bodyPr lIns="90000" rIns="90000" tIns="91440" bIns="91440">
+            <a:noAutofit/>
+          </a:bodyPr>
+          <a:p>
+            <a:pPr>
+              <a:lnSpc>
+                <a:spcPct val="100000"/>
+              </a:lnSpc>
+            </a:pPr>
+            <a:r>
+              <a:rPr b="1" lang="en-US" sz="1800" spc="-1" strike="noStrike">
                 <a:solidFill>
                   <a:srgbClr val="1a1a1a"/>
                 </a:solidFill>
@@ -2587,7 +2414,7 @@
               <a:t>Processo</a:t>
             </a:r>
             <a:r>
-              <a:rPr b="0" lang="pt-BR" sz="1800" spc="-1" strike="noStrike">
+              <a:rPr b="0" lang="en-US" sz="1800" spc="-1" strike="noStrike">
                 <a:solidFill>
                   <a:srgbClr val="1a1a1a"/>
                 </a:solidFill>
@@ -2596,18 +2423,18 @@
               </a:rPr>
               <a:t>: Entregar Itens Prontos do setor de Pizzaiolos</a:t>
             </a:r>
-            <a:endParaRPr b="0" lang="pt-BR" sz="1800" spc="-1" strike="noStrike">
-              <a:latin typeface="Arial"/>
-            </a:endParaRPr>
-          </a:p>
-          <a:p>
-            <a:pPr>
-              <a:lnSpc>
-                <a:spcPct val="100000"/>
-              </a:lnSpc>
-            </a:pPr>
-            <a:r>
-              <a:rPr b="1" lang="pt-BR" sz="1800" spc="-1" strike="noStrike">
+            <a:endParaRPr b="0" lang="en-US" sz="1800" spc="-1" strike="noStrike">
+              <a:latin typeface="Arial"/>
+            </a:endParaRPr>
+          </a:p>
+          <a:p>
+            <a:pPr>
+              <a:lnSpc>
+                <a:spcPct val="100000"/>
+              </a:lnSpc>
+            </a:pPr>
+            <a:r>
+              <a:rPr b="1" lang="en-US" sz="1800" spc="-1" strike="noStrike">
                 <a:solidFill>
                   <a:srgbClr val="1a1a1a"/>
                 </a:solidFill>
@@ -2617,7 +2444,7 @@
               <a:t>Evento</a:t>
             </a:r>
             <a:r>
-              <a:rPr b="0" lang="pt-BR" sz="1800" spc="-1" strike="noStrike">
+              <a:rPr b="0" lang="en-US" sz="1800" spc="-1" strike="noStrike">
                 <a:solidFill>
                   <a:srgbClr val="1a1a1a"/>
                 </a:solidFill>
@@ -2626,18 +2453,18 @@
               </a:rPr>
               <a:t>: Pizzaiolos entregam itens prontos  </a:t>
             </a:r>
-            <a:endParaRPr b="0" lang="pt-BR" sz="1800" spc="-1" strike="noStrike">
-              <a:latin typeface="Arial"/>
-            </a:endParaRPr>
-          </a:p>
-          <a:p>
-            <a:pPr>
-              <a:lnSpc>
-                <a:spcPct val="100000"/>
-              </a:lnSpc>
-            </a:pPr>
-            <a:r>
-              <a:rPr b="1" lang="pt-BR" sz="1800" spc="-1" strike="noStrike">
+            <a:endParaRPr b="0" lang="en-US" sz="1800" spc="-1" strike="noStrike">
+              <a:latin typeface="Arial"/>
+            </a:endParaRPr>
+          </a:p>
+          <a:p>
+            <a:pPr>
+              <a:lnSpc>
+                <a:spcPct val="100000"/>
+              </a:lnSpc>
+            </a:pPr>
+            <a:r>
+              <a:rPr b="1" lang="en-US" sz="1800" spc="-1" strike="noStrike">
                 <a:solidFill>
                   <a:srgbClr val="1a1a1a"/>
                 </a:solidFill>
@@ -2647,7 +2474,7 @@
               <a:t>Trabalhador Envolvido</a:t>
             </a:r>
             <a:r>
-              <a:rPr b="0" lang="pt-BR" sz="1800" spc="-1" strike="noStrike">
+              <a:rPr b="0" lang="en-US" sz="1800" spc="-1" strike="noStrike">
                 <a:solidFill>
                   <a:srgbClr val="1a1a1a"/>
                 </a:solidFill>
@@ -2656,37 +2483,47 @@
               </a:rPr>
               <a:t>: Atendente</a:t>
             </a:r>
-            <a:endParaRPr b="0" lang="pt-BR" sz="1800" spc="-1" strike="noStrike">
-              <a:latin typeface="Arial"/>
-            </a:endParaRPr>
-          </a:p>
-          <a:p>
-            <a:pPr>
-              <a:lnSpc>
-                <a:spcPct val="100000"/>
-              </a:lnSpc>
-            </a:pPr>
-            <a:endParaRPr b="0" lang="pt-BR" sz="1800" spc="-1" strike="noStrike">
-              <a:latin typeface="Arial"/>
-            </a:endParaRPr>
-          </a:p>
-          <a:p>
-            <a:pPr>
-              <a:lnSpc>
-                <a:spcPct val="100000"/>
-              </a:lnSpc>
-            </a:pPr>
-            <a:r>
-              <a:rPr b="0" lang="pt-BR" sz="2000" spc="-1" strike="noStrike">
-                <a:solidFill>
-                  <a:srgbClr val="1a1a1a"/>
-                </a:solidFill>
-                <a:latin typeface="Arial"/>
-                <a:ea typeface="Arial"/>
-              </a:rPr>
-              <a:t>1. Entregar os itens prontos do setor de pizzaiolos ao cliente, marcando os itens entregues como "entregue".</a:t>
-            </a:r>
-            <a:endParaRPr b="0" lang="pt-BR" sz="2000" spc="-1" strike="noStrike">
+            <a:endParaRPr b="0" lang="en-US" sz="1800" spc="-1" strike="noStrike">
+              <a:latin typeface="Arial"/>
+            </a:endParaRPr>
+          </a:p>
+          <a:p>
+            <a:pPr>
+              <a:lnSpc>
+                <a:spcPct val="100000"/>
+              </a:lnSpc>
+            </a:pPr>
+            <a:endParaRPr b="0" lang="en-US" sz="1800" spc="-1" strike="noStrike">
+              <a:latin typeface="Arial"/>
+            </a:endParaRPr>
+          </a:p>
+          <a:p>
+            <a:pPr>
+              <a:lnSpc>
+                <a:spcPct val="100000"/>
+              </a:lnSpc>
+            </a:pPr>
+            <a:r>
+              <a:rPr b="1" lang="en-US" sz="2000" spc="-1" strike="noStrike">
+                <a:solidFill>
+                  <a:srgbClr val="1a1a1a"/>
+                </a:solidFill>
+                <a:latin typeface="Arial"/>
+                <a:ea typeface="Arial"/>
+              </a:rPr>
+              <a:t>1.</a:t>
+            </a:r>
+            <a:r>
+              <a:rPr b="0" lang="en-US" sz="2000" spc="-1" strike="noStrike">
+                <a:solidFill>
+                  <a:srgbClr val="1a1a1a"/>
+                </a:solidFill>
+                <a:latin typeface="Arial"/>
+                <a:ea typeface="Arial"/>
+              </a:rPr>
+              <a:t> Entregar os itens prontos do setor de pizzaiolos ao cliente, marcando os itens entregues como "entregue".</a:t>
+            </a:r>
+            <a:endParaRPr b="0" lang="en-US" sz="2000" spc="-1" strike="noStrike">
               <a:latin typeface="Arial"/>
             </a:endParaRPr>
           </a:p>
@@ -2694,7 +2531,7 @@
       </p:sp>
       <p:pic>
         <p:nvPicPr>
-          <p:cNvPr id="62" name="" descr=""/>
+          <p:cNvPr id="61" name="" descr=""/>
           <p:cNvPicPr/>
           <p:nvPr/>
         </p:nvPicPr>
@@ -2705,7 +2542,7 @@
         <p:spPr>
           <a:xfrm>
             <a:off x="181080" y="218880"/>
-            <a:ext cx="6175440" cy="4605120"/>
+            <a:ext cx="6175080" cy="4604760"/>
           </a:xfrm>
           <a:prstGeom prst="rect">
             <a:avLst/>
@@ -2717,33 +2554,14 @@
       </p:pic>
     </p:spTree>
   </p:cSld>
-  <p:timing>
-    <p:tnLst>
-      <p:par>
-        <p:cTn id="23" dur="indefinite" restart="never" nodeType="tmRoot">
-          <p:childTnLst>
-            <p:seq>
-              <p:cTn id="24" dur="indefinite" nodeType="mainSeq"/>
-              <p:prevCondLst>
-                <p:cond delay="0" evt="onPrev">
-                  <p:tgtEl>
-                    <p:sldTgt/>
-                  </p:tgtEl>
-                </p:cond>
-              </p:prevCondLst>
-              <p:nextCondLst>
-                <p:cond delay="0" evt="onNext">
-                  <p:tgtEl>
-                    <p:sldTgt/>
-                  </p:tgtEl>
-                </p:cond>
-              </p:nextCondLst>
-            </p:seq>
-          </p:childTnLst>
-        </p:cTn>
-      </p:par>
-    </p:tnLst>
-  </p:timing>
+  <mc:AlternateContent>
+    <mc:Choice Requires="p14">
+      <p:transition spd="slow" p14:dur="2000"/>
+    </mc:Choice>
+    <mc:Fallback>
+      <p:transition spd="slow"/>
+    </mc:Fallback>
+  </mc:AlternateContent>
 </p:sld>
 </file>
 
@@ -2766,14 +2584,14 @@
       </p:grpSpPr>
       <p:sp>
         <p:nvSpPr>
-          <p:cNvPr id="63" name="CustomShape 1"/>
+          <p:cNvPr id="62" name="CustomShape 1"/>
           <p:cNvSpPr/>
           <p:nvPr/>
         </p:nvSpPr>
         <p:spPr>
           <a:xfrm>
             <a:off x="6317280" y="280080"/>
-            <a:ext cx="2594880" cy="4277880"/>
+            <a:ext cx="2594520" cy="4277520"/>
           </a:xfrm>
           <a:prstGeom prst="rect">
             <a:avLst/>
@@ -2790,15 +2608,17 @@
           <a:fontRef idx="minor"/>
         </p:style>
         <p:txBody>
-          <a:bodyPr tIns="91440" bIns="91440"/>
-          <a:p>
-            <a:pPr>
-              <a:lnSpc>
-                <a:spcPct val="100000"/>
-              </a:lnSpc>
-            </a:pPr>
-            <a:r>
-              <a:rPr b="1" lang="pt-BR" sz="1800" spc="-1" strike="noStrike">
+          <a:bodyPr lIns="90000" rIns="90000" tIns="91440" bIns="91440">
+            <a:noAutofit/>
+          </a:bodyPr>
+          <a:p>
+            <a:pPr>
+              <a:lnSpc>
+                <a:spcPct val="100000"/>
+              </a:lnSpc>
+            </a:pPr>
+            <a:r>
+              <a:rPr b="1" lang="en-US" sz="1800" spc="-1" strike="noStrike">
                 <a:solidFill>
                   <a:srgbClr val="1a1a1a"/>
                 </a:solidFill>
@@ -2808,7 +2628,7 @@
               <a:t>Processo</a:t>
             </a:r>
             <a:r>
-              <a:rPr b="0" lang="pt-BR" sz="1800" spc="-1" strike="noStrike">
+              <a:rPr b="0" lang="en-US" sz="1800" spc="-1" strike="noStrike">
                 <a:solidFill>
                   <a:srgbClr val="1a1a1a"/>
                 </a:solidFill>
@@ -2817,18 +2637,18 @@
               </a:rPr>
               <a:t>: Entregar Itens Prontos do Balcão</a:t>
             </a:r>
-            <a:endParaRPr b="0" lang="pt-BR" sz="1800" spc="-1" strike="noStrike">
-              <a:latin typeface="Arial"/>
-            </a:endParaRPr>
-          </a:p>
-          <a:p>
-            <a:pPr>
-              <a:lnSpc>
-                <a:spcPct val="100000"/>
-              </a:lnSpc>
-            </a:pPr>
-            <a:r>
-              <a:rPr b="1" lang="pt-BR" sz="1800" spc="-1" strike="noStrike">
+            <a:endParaRPr b="0" lang="en-US" sz="1800" spc="-1" strike="noStrike">
+              <a:latin typeface="Arial"/>
+            </a:endParaRPr>
+          </a:p>
+          <a:p>
+            <a:pPr>
+              <a:lnSpc>
+                <a:spcPct val="100000"/>
+              </a:lnSpc>
+            </a:pPr>
+            <a:r>
+              <a:rPr b="1" lang="en-US" sz="1800" spc="-1" strike="noStrike">
                 <a:solidFill>
                   <a:srgbClr val="1a1a1a"/>
                 </a:solidFill>
@@ -2838,7 +2658,7 @@
               <a:t>Evento</a:t>
             </a:r>
             <a:r>
-              <a:rPr b="0" lang="pt-BR" sz="1800" spc="-1" strike="noStrike">
+              <a:rPr b="0" lang="en-US" sz="1800" spc="-1" strike="noStrike">
                 <a:solidFill>
                   <a:srgbClr val="1a1a1a"/>
                 </a:solidFill>
@@ -2847,18 +2667,18 @@
               </a:rPr>
               <a:t>: Balção entrega itens prontos  </a:t>
             </a:r>
-            <a:endParaRPr b="0" lang="pt-BR" sz="1800" spc="-1" strike="noStrike">
-              <a:latin typeface="Arial"/>
-            </a:endParaRPr>
-          </a:p>
-          <a:p>
-            <a:pPr>
-              <a:lnSpc>
-                <a:spcPct val="100000"/>
-              </a:lnSpc>
-            </a:pPr>
-            <a:r>
-              <a:rPr b="1" lang="pt-BR" sz="1800" spc="-1" strike="noStrike">
+            <a:endParaRPr b="0" lang="en-US" sz="1800" spc="-1" strike="noStrike">
+              <a:latin typeface="Arial"/>
+            </a:endParaRPr>
+          </a:p>
+          <a:p>
+            <a:pPr>
+              <a:lnSpc>
+                <a:spcPct val="100000"/>
+              </a:lnSpc>
+            </a:pPr>
+            <a:r>
+              <a:rPr b="1" lang="en-US" sz="1800" spc="-1" strike="noStrike">
                 <a:solidFill>
                   <a:srgbClr val="1a1a1a"/>
                 </a:solidFill>
@@ -2868,7 +2688,7 @@
               <a:t>Trabalhador Envolvido</a:t>
             </a:r>
             <a:r>
-              <a:rPr b="0" lang="pt-BR" sz="1800" spc="-1" strike="noStrike">
+              <a:rPr b="0" lang="en-US" sz="1800" spc="-1" strike="noStrike">
                 <a:solidFill>
                   <a:srgbClr val="1a1a1a"/>
                 </a:solidFill>
@@ -2877,37 +2697,47 @@
               </a:rPr>
               <a:t>: Atendente</a:t>
             </a:r>
-            <a:endParaRPr b="0" lang="pt-BR" sz="1800" spc="-1" strike="noStrike">
-              <a:latin typeface="Arial"/>
-            </a:endParaRPr>
-          </a:p>
-          <a:p>
-            <a:pPr>
-              <a:lnSpc>
-                <a:spcPct val="100000"/>
-              </a:lnSpc>
-            </a:pPr>
-            <a:endParaRPr b="0" lang="pt-BR" sz="1800" spc="-1" strike="noStrike">
-              <a:latin typeface="Arial"/>
-            </a:endParaRPr>
-          </a:p>
-          <a:p>
-            <a:pPr>
-              <a:lnSpc>
-                <a:spcPct val="100000"/>
-              </a:lnSpc>
-            </a:pPr>
-            <a:r>
-              <a:rPr b="0" lang="pt-BR" sz="2000" spc="-1" strike="noStrike">
-                <a:solidFill>
-                  <a:srgbClr val="1a1a1a"/>
-                </a:solidFill>
-                <a:latin typeface="Arial"/>
-                <a:ea typeface="Arial"/>
-              </a:rPr>
-              <a:t>1. Entregar os itens prontos ao cliente, marcando os itens entregues como "entregue".</a:t>
-            </a:r>
-            <a:endParaRPr b="0" lang="pt-BR" sz="2000" spc="-1" strike="noStrike">
+            <a:endParaRPr b="0" lang="en-US" sz="1800" spc="-1" strike="noStrike">
+              <a:latin typeface="Arial"/>
+            </a:endParaRPr>
+          </a:p>
+          <a:p>
+            <a:pPr>
+              <a:lnSpc>
+                <a:spcPct val="100000"/>
+              </a:lnSpc>
+            </a:pPr>
+            <a:endParaRPr b="0" lang="en-US" sz="1800" spc="-1" strike="noStrike">
+              <a:latin typeface="Arial"/>
+            </a:endParaRPr>
+          </a:p>
+          <a:p>
+            <a:pPr>
+              <a:lnSpc>
+                <a:spcPct val="100000"/>
+              </a:lnSpc>
+            </a:pPr>
+            <a:r>
+              <a:rPr b="1" lang="en-US" sz="2000" spc="-1" strike="noStrike">
+                <a:solidFill>
+                  <a:srgbClr val="1a1a1a"/>
+                </a:solidFill>
+                <a:latin typeface="Arial"/>
+                <a:ea typeface="Arial"/>
+              </a:rPr>
+              <a:t>1.</a:t>
+            </a:r>
+            <a:r>
+              <a:rPr b="0" lang="en-US" sz="2000" spc="-1" strike="noStrike">
+                <a:solidFill>
+                  <a:srgbClr val="1a1a1a"/>
+                </a:solidFill>
+                <a:latin typeface="Arial"/>
+                <a:ea typeface="Arial"/>
+              </a:rPr>
+              <a:t> Entregar os itens prontos ao cliente, marcando os itens entregues como "entregue".</a:t>
+            </a:r>
+            <a:endParaRPr b="0" lang="en-US" sz="2000" spc="-1" strike="noStrike">
               <a:latin typeface="Arial"/>
             </a:endParaRPr>
           </a:p>
@@ -2915,7 +2745,7 @@
       </p:sp>
       <p:pic>
         <p:nvPicPr>
-          <p:cNvPr id="64" name="" descr=""/>
+          <p:cNvPr id="63" name="" descr=""/>
           <p:cNvPicPr/>
           <p:nvPr/>
         </p:nvPicPr>
@@ -2926,7 +2756,7 @@
         <p:spPr>
           <a:xfrm>
             <a:off x="181080" y="218880"/>
-            <a:ext cx="6175440" cy="4605120"/>
+            <a:ext cx="6175080" cy="4604760"/>
           </a:xfrm>
           <a:prstGeom prst="rect">
             <a:avLst/>
@@ -2938,33 +2768,14 @@
       </p:pic>
     </p:spTree>
   </p:cSld>
-  <p:timing>
-    <p:tnLst>
-      <p:par>
-        <p:cTn id="25" dur="indefinite" restart="never" nodeType="tmRoot">
-          <p:childTnLst>
-            <p:seq>
-              <p:cTn id="26" dur="indefinite" nodeType="mainSeq"/>
-              <p:prevCondLst>
-                <p:cond delay="0" evt="onPrev">
-                  <p:tgtEl>
-                    <p:sldTgt/>
-                  </p:tgtEl>
-                </p:cond>
-              </p:prevCondLst>
-              <p:nextCondLst>
-                <p:cond delay="0" evt="onNext">
-                  <p:tgtEl>
-                    <p:sldTgt/>
-                  </p:tgtEl>
-                </p:cond>
-              </p:nextCondLst>
-            </p:seq>
-          </p:childTnLst>
-        </p:cTn>
-      </p:par>
-    </p:tnLst>
-  </p:timing>
+  <mc:AlternateContent>
+    <mc:Choice Requires="p14">
+      <p:transition spd="slow" p14:dur="2000"/>
+    </mc:Choice>
+    <mc:Fallback>
+      <p:transition spd="slow"/>
+    </mc:Fallback>
+  </mc:AlternateContent>
 </p:sld>
 </file>
 
@@ -2987,14 +2798,14 @@
       </p:grpSpPr>
       <p:sp>
         <p:nvSpPr>
-          <p:cNvPr id="65" name="CustomShape 1"/>
+          <p:cNvPr id="64" name="CustomShape 1"/>
           <p:cNvSpPr/>
           <p:nvPr/>
         </p:nvSpPr>
         <p:spPr>
           <a:xfrm>
             <a:off x="6317280" y="280080"/>
-            <a:ext cx="2594880" cy="4277880"/>
+            <a:ext cx="2594520" cy="4277520"/>
           </a:xfrm>
           <a:prstGeom prst="rect">
             <a:avLst/>
@@ -3011,15 +2822,17 @@
           <a:fontRef idx="minor"/>
         </p:style>
         <p:txBody>
-          <a:bodyPr tIns="91440" bIns="91440"/>
-          <a:p>
-            <a:pPr>
-              <a:lnSpc>
-                <a:spcPct val="100000"/>
-              </a:lnSpc>
-            </a:pPr>
-            <a:r>
-              <a:rPr b="1" lang="pt-BR" sz="1800" spc="-1" strike="noStrike">
+          <a:bodyPr lIns="90000" rIns="90000" tIns="91440" bIns="91440">
+            <a:noAutofit/>
+          </a:bodyPr>
+          <a:p>
+            <a:pPr>
+              <a:lnSpc>
+                <a:spcPct val="100000"/>
+              </a:lnSpc>
+            </a:pPr>
+            <a:r>
+              <a:rPr b="1" lang="en-US" sz="1800" spc="-1" strike="noStrike">
                 <a:solidFill>
                   <a:srgbClr val="1a1a1a"/>
                 </a:solidFill>
@@ -3029,7 +2842,7 @@
               <a:t>Processo</a:t>
             </a:r>
             <a:r>
-              <a:rPr b="0" lang="pt-BR" sz="1800" spc="-1" strike="noStrike">
+              <a:rPr b="0" lang="en-US" sz="1800" spc="-1" strike="noStrike">
                 <a:solidFill>
                   <a:srgbClr val="1a1a1a"/>
                 </a:solidFill>
@@ -3038,18 +2851,18 @@
               </a:rPr>
               <a:t>: Cancela pedido</a:t>
             </a:r>
-            <a:endParaRPr b="0" lang="pt-BR" sz="1800" spc="-1" strike="noStrike">
-              <a:latin typeface="Arial"/>
-            </a:endParaRPr>
-          </a:p>
-          <a:p>
-            <a:pPr>
-              <a:lnSpc>
-                <a:spcPct val="100000"/>
-              </a:lnSpc>
-            </a:pPr>
-            <a:r>
-              <a:rPr b="1" lang="pt-BR" sz="1800" spc="-1" strike="noStrike">
+            <a:endParaRPr b="0" lang="en-US" sz="1800" spc="-1" strike="noStrike">
+              <a:latin typeface="Arial"/>
+            </a:endParaRPr>
+          </a:p>
+          <a:p>
+            <a:pPr>
+              <a:lnSpc>
+                <a:spcPct val="100000"/>
+              </a:lnSpc>
+            </a:pPr>
+            <a:r>
+              <a:rPr b="1" lang="en-US" sz="1800" spc="-1" strike="noStrike">
                 <a:solidFill>
                   <a:srgbClr val="1a1a1a"/>
                 </a:solidFill>
@@ -3059,7 +2872,7 @@
               <a:t>Evento</a:t>
             </a:r>
             <a:r>
-              <a:rPr b="0" lang="pt-BR" sz="1800" spc="-1" strike="noStrike">
+              <a:rPr b="0" lang="en-US" sz="1800" spc="-1" strike="noStrike">
                 <a:solidFill>
                   <a:srgbClr val="1a1a1a"/>
                 </a:solidFill>
@@ -3068,18 +2881,18 @@
               </a:rPr>
               <a:t>: Cliente cancela pedido. </a:t>
             </a:r>
-            <a:endParaRPr b="0" lang="pt-BR" sz="1800" spc="-1" strike="noStrike">
-              <a:latin typeface="Arial"/>
-            </a:endParaRPr>
-          </a:p>
-          <a:p>
-            <a:pPr>
-              <a:lnSpc>
-                <a:spcPct val="100000"/>
-              </a:lnSpc>
-            </a:pPr>
-            <a:r>
-              <a:rPr b="1" lang="pt-BR" sz="1800" spc="-1" strike="noStrike">
+            <a:endParaRPr b="0" lang="en-US" sz="1800" spc="-1" strike="noStrike">
+              <a:latin typeface="Arial"/>
+            </a:endParaRPr>
+          </a:p>
+          <a:p>
+            <a:pPr>
+              <a:lnSpc>
+                <a:spcPct val="100000"/>
+              </a:lnSpc>
+            </a:pPr>
+            <a:r>
+              <a:rPr b="1" lang="en-US" sz="1800" spc="-1" strike="noStrike">
                 <a:solidFill>
                   <a:srgbClr val="1a1a1a"/>
                 </a:solidFill>
@@ -3089,7 +2902,7 @@
               <a:t>Trabalhador Envolvido</a:t>
             </a:r>
             <a:r>
-              <a:rPr b="0" lang="pt-BR" sz="1800" spc="-1" strike="noStrike">
+              <a:rPr b="0" lang="en-US" sz="1800" spc="-1" strike="noStrike">
                 <a:solidFill>
                   <a:srgbClr val="1a1a1a"/>
                 </a:solidFill>
@@ -3098,57 +2911,77 @@
               </a:rPr>
               <a:t>: Atendente</a:t>
             </a:r>
-            <a:endParaRPr b="0" lang="pt-BR" sz="1800" spc="-1" strike="noStrike">
-              <a:latin typeface="Arial"/>
-            </a:endParaRPr>
-          </a:p>
-          <a:p>
-            <a:pPr>
-              <a:lnSpc>
-                <a:spcPct val="100000"/>
-              </a:lnSpc>
-            </a:pPr>
-            <a:endParaRPr b="0" lang="pt-BR" sz="1800" spc="-1" strike="noStrike">
-              <a:latin typeface="Arial"/>
-            </a:endParaRPr>
-          </a:p>
-          <a:p>
-            <a:pPr>
-              <a:lnSpc>
-                <a:spcPct val="100000"/>
-              </a:lnSpc>
-            </a:pPr>
-            <a:r>
-              <a:rPr b="0" lang="pt-BR" sz="2000" spc="-1" strike="noStrike">
-                <a:solidFill>
-                  <a:srgbClr val="1a1a1a"/>
-                </a:solidFill>
-                <a:latin typeface="Arial"/>
-                <a:ea typeface="Arial"/>
-              </a:rPr>
-              <a:t>1. Cliente cancela pedido, devido alguma falha ou por escolha própria.</a:t>
-            </a:r>
-            <a:endParaRPr b="0" lang="pt-BR" sz="2000" spc="-1" strike="noStrike">
-              <a:latin typeface="Arial"/>
-            </a:endParaRPr>
-          </a:p>
-          <a:p>
-            <a:pPr>
-              <a:lnSpc>
-                <a:spcPct val="100000"/>
-              </a:lnSpc>
-            </a:pPr>
-            <a:r>
-              <a:rPr b="0" lang="pt-BR" sz="1600" spc="-1" strike="noStrike">
-                <a:solidFill>
-                  <a:srgbClr val="1a1a1a"/>
-                </a:solidFill>
-                <a:latin typeface="Arial"/>
-                <a:ea typeface="Arial"/>
-              </a:rPr>
-              <a:t>1.1 Caso o cliente cancele um pedido devido alguma falha, a atendente receberá a reclamação.</a:t>
-            </a:r>
-            <a:endParaRPr b="0" lang="pt-BR" sz="1600" spc="-1" strike="noStrike">
+            <a:endParaRPr b="0" lang="en-US" sz="1800" spc="-1" strike="noStrike">
+              <a:latin typeface="Arial"/>
+            </a:endParaRPr>
+          </a:p>
+          <a:p>
+            <a:pPr>
+              <a:lnSpc>
+                <a:spcPct val="100000"/>
+              </a:lnSpc>
+            </a:pPr>
+            <a:endParaRPr b="0" lang="en-US" sz="1800" spc="-1" strike="noStrike">
+              <a:latin typeface="Arial"/>
+            </a:endParaRPr>
+          </a:p>
+          <a:p>
+            <a:pPr>
+              <a:lnSpc>
+                <a:spcPct val="100000"/>
+              </a:lnSpc>
+            </a:pPr>
+            <a:r>
+              <a:rPr b="1" lang="en-US" sz="2000" spc="-1" strike="noStrike">
+                <a:solidFill>
+                  <a:srgbClr val="1a1a1a"/>
+                </a:solidFill>
+                <a:latin typeface="Arial"/>
+                <a:ea typeface="Arial"/>
+              </a:rPr>
+              <a:t>1.</a:t>
+            </a:r>
+            <a:r>
+              <a:rPr b="0" lang="en-US" sz="2000" spc="-1" strike="noStrike">
+                <a:solidFill>
+                  <a:srgbClr val="1a1a1a"/>
+                </a:solidFill>
+                <a:latin typeface="Arial"/>
+                <a:ea typeface="Arial"/>
+              </a:rPr>
+              <a:t> Cliente cancela pedido, devido alguma falha ou por escolha própria.</a:t>
+            </a:r>
+            <a:endParaRPr b="0" lang="en-US" sz="2000" spc="-1" strike="noStrike">
+              <a:latin typeface="Arial"/>
+            </a:endParaRPr>
+          </a:p>
+          <a:p>
+            <a:pPr>
+              <a:lnSpc>
+                <a:spcPct val="100000"/>
+              </a:lnSpc>
+            </a:pPr>
+            <a:r>
+              <a:rPr b="1" lang="en-US" sz="1600" spc="-1" strike="noStrike">
+                <a:solidFill>
+                  <a:srgbClr val="1a1a1a"/>
+                </a:solidFill>
+                <a:latin typeface="Arial"/>
+                <a:ea typeface="Arial"/>
+              </a:rPr>
+              <a:t>1.1.</a:t>
+            </a:r>
+            <a:r>
+              <a:rPr b="0" lang="en-US" sz="1600" spc="-1" strike="noStrike">
+                <a:solidFill>
+                  <a:srgbClr val="1a1a1a"/>
+                </a:solidFill>
+                <a:latin typeface="Arial"/>
+                <a:ea typeface="Arial"/>
+              </a:rPr>
+              <a:t> Caso o cliente cancele um pedido devido alguma falha, a atendente receberá a reclamação.</a:t>
+            </a:r>
+            <a:endParaRPr b="0" lang="en-US" sz="1600" spc="-1" strike="noStrike">
               <a:latin typeface="Arial"/>
             </a:endParaRPr>
           </a:p>
@@ -3156,7 +2989,7 @@
       </p:sp>
       <p:pic>
         <p:nvPicPr>
-          <p:cNvPr id="66" name="" descr=""/>
+          <p:cNvPr id="65" name="" descr=""/>
           <p:cNvPicPr/>
           <p:nvPr/>
         </p:nvPicPr>
@@ -3167,7 +3000,7 @@
         <p:spPr>
           <a:xfrm>
             <a:off x="181080" y="218880"/>
-            <a:ext cx="6175440" cy="4605120"/>
+            <a:ext cx="6175080" cy="4604760"/>
           </a:xfrm>
           <a:prstGeom prst="rect">
             <a:avLst/>
@@ -3179,33 +3012,14 @@
       </p:pic>
     </p:spTree>
   </p:cSld>
-  <p:timing>
-    <p:tnLst>
-      <p:par>
-        <p:cTn id="27" dur="indefinite" restart="never" nodeType="tmRoot">
-          <p:childTnLst>
-            <p:seq>
-              <p:cTn id="28" dur="indefinite" nodeType="mainSeq"/>
-              <p:prevCondLst>
-                <p:cond delay="0" evt="onPrev">
-                  <p:tgtEl>
-                    <p:sldTgt/>
-                  </p:tgtEl>
-                </p:cond>
-              </p:prevCondLst>
-              <p:nextCondLst>
-                <p:cond delay="0" evt="onNext">
-                  <p:tgtEl>
-                    <p:sldTgt/>
-                  </p:tgtEl>
-                </p:cond>
-              </p:nextCondLst>
-            </p:seq>
-          </p:childTnLst>
-        </p:cTn>
-      </p:par>
-    </p:tnLst>
-  </p:timing>
+  <mc:AlternateContent>
+    <mc:Choice Requires="p14">
+      <p:transition spd="slow" p14:dur="2000"/>
+    </mc:Choice>
+    <mc:Fallback>
+      <p:transition spd="slow"/>
+    </mc:Fallback>
+  </mc:AlternateContent>
 </p:sld>
 </file>
 
@@ -3228,14 +3042,14 @@
       </p:grpSpPr>
       <p:sp>
         <p:nvSpPr>
-          <p:cNvPr id="67" name="CustomShape 1"/>
+          <p:cNvPr id="66" name="CustomShape 1"/>
           <p:cNvSpPr/>
           <p:nvPr/>
         </p:nvSpPr>
         <p:spPr>
           <a:xfrm>
             <a:off x="6317280" y="280080"/>
-            <a:ext cx="2594880" cy="4277880"/>
+            <a:ext cx="2594520" cy="4277520"/>
           </a:xfrm>
           <a:prstGeom prst="rect">
             <a:avLst/>
@@ -3252,15 +3066,17 @@
           <a:fontRef idx="minor"/>
         </p:style>
         <p:txBody>
-          <a:bodyPr tIns="91440" bIns="91440"/>
-          <a:p>
-            <a:pPr>
-              <a:lnSpc>
-                <a:spcPct val="100000"/>
-              </a:lnSpc>
-            </a:pPr>
-            <a:r>
-              <a:rPr b="1" lang="pt-BR" sz="1800" spc="-1" strike="noStrike">
+          <a:bodyPr lIns="90000" rIns="90000" tIns="91440" bIns="91440">
+            <a:noAutofit/>
+          </a:bodyPr>
+          <a:p>
+            <a:pPr>
+              <a:lnSpc>
+                <a:spcPct val="100000"/>
+              </a:lnSpc>
+            </a:pPr>
+            <a:r>
+              <a:rPr b="1" lang="en-US" sz="1800" spc="-1" strike="noStrike">
                 <a:solidFill>
                   <a:srgbClr val="1a1a1a"/>
                 </a:solidFill>
@@ -3270,7 +3086,7 @@
               <a:t>Processo</a:t>
             </a:r>
             <a:r>
-              <a:rPr b="0" lang="pt-BR" sz="1800" spc="-1" strike="noStrike">
+              <a:rPr b="0" lang="en-US" sz="1800" spc="-1" strike="noStrike">
                 <a:solidFill>
                   <a:srgbClr val="1a1a1a"/>
                 </a:solidFill>
@@ -3279,18 +3095,18 @@
               </a:rPr>
               <a:t>: Encaminhar Pedido</a:t>
             </a:r>
-            <a:endParaRPr b="0" lang="pt-BR" sz="1800" spc="-1" strike="noStrike">
-              <a:latin typeface="Arial"/>
-            </a:endParaRPr>
-          </a:p>
-          <a:p>
-            <a:pPr>
-              <a:lnSpc>
-                <a:spcPct val="100000"/>
-              </a:lnSpc>
-            </a:pPr>
-            <a:r>
-              <a:rPr b="1" lang="pt-BR" sz="1800" spc="-1" strike="noStrike">
+            <a:endParaRPr b="0" lang="en-US" sz="1800" spc="-1" strike="noStrike">
+              <a:latin typeface="Arial"/>
+            </a:endParaRPr>
+          </a:p>
+          <a:p>
+            <a:pPr>
+              <a:lnSpc>
+                <a:spcPct val="100000"/>
+              </a:lnSpc>
+            </a:pPr>
+            <a:r>
+              <a:rPr b="1" lang="en-US" sz="1800" spc="-1" strike="noStrike">
                 <a:solidFill>
                   <a:srgbClr val="1a1a1a"/>
                 </a:solidFill>
@@ -3300,7 +3116,7 @@
               <a:t>Evento</a:t>
             </a:r>
             <a:r>
-              <a:rPr b="0" lang="pt-BR" sz="1800" spc="-1" strike="noStrike">
+              <a:rPr b="0" lang="en-US" sz="1800" spc="-1" strike="noStrike">
                 <a:solidFill>
                   <a:srgbClr val="1a1a1a"/>
                 </a:solidFill>
@@ -3309,18 +3125,18 @@
               </a:rPr>
               <a:t>: Entregador entrega itens prontos + conta</a:t>
             </a:r>
-            <a:endParaRPr b="0" lang="pt-BR" sz="1800" spc="-1" strike="noStrike">
-              <a:latin typeface="Arial"/>
-            </a:endParaRPr>
-          </a:p>
-          <a:p>
-            <a:pPr>
-              <a:lnSpc>
-                <a:spcPct val="100000"/>
-              </a:lnSpc>
-            </a:pPr>
-            <a:r>
-              <a:rPr b="1" lang="pt-BR" sz="1800" spc="-1" strike="noStrike">
+            <a:endParaRPr b="0" lang="en-US" sz="1800" spc="-1" strike="noStrike">
+              <a:latin typeface="Arial"/>
+            </a:endParaRPr>
+          </a:p>
+          <a:p>
+            <a:pPr>
+              <a:lnSpc>
+                <a:spcPct val="100000"/>
+              </a:lnSpc>
+            </a:pPr>
+            <a:r>
+              <a:rPr b="1" lang="en-US" sz="1800" spc="-1" strike="noStrike">
                 <a:solidFill>
                   <a:srgbClr val="1a1a1a"/>
                 </a:solidFill>
@@ -3330,7 +3146,7 @@
               <a:t>Trabalhador Envolvido</a:t>
             </a:r>
             <a:r>
-              <a:rPr b="0" lang="pt-BR" sz="1800" spc="-1" strike="noStrike">
+              <a:rPr b="0" lang="en-US" sz="1800" spc="-1" strike="noStrike">
                 <a:solidFill>
                   <a:srgbClr val="1a1a1a"/>
                 </a:solidFill>
@@ -3339,47 +3155,57 @@
               </a:rPr>
               <a:t>: Entregador</a:t>
             </a:r>
-            <a:endParaRPr b="0" lang="pt-BR" sz="1800" spc="-1" strike="noStrike">
-              <a:latin typeface="Arial"/>
-            </a:endParaRPr>
-          </a:p>
-          <a:p>
-            <a:pPr>
-              <a:lnSpc>
-                <a:spcPct val="100000"/>
-              </a:lnSpc>
-            </a:pPr>
-            <a:endParaRPr b="0" lang="pt-BR" sz="1800" spc="-1" strike="noStrike">
-              <a:latin typeface="Arial"/>
-            </a:endParaRPr>
-          </a:p>
-          <a:p>
-            <a:pPr>
-              <a:lnSpc>
-                <a:spcPct val="100000"/>
-              </a:lnSpc>
-            </a:pPr>
-            <a:r>
-              <a:rPr b="0" lang="pt-BR" sz="2000" spc="-1" strike="noStrike">
-                <a:solidFill>
-                  <a:srgbClr val="1a1a1a"/>
-                </a:solidFill>
-                <a:latin typeface="Arial"/>
-                <a:ea typeface="Arial"/>
-              </a:rPr>
-              <a:t>1. O entregador deverá efetuar a entrega do pedido e repassar a conta ao cliente.</a:t>
-            </a:r>
-            <a:endParaRPr b="0" lang="pt-BR" sz="2000" spc="-1" strike="noStrike">
-              <a:latin typeface="Arial"/>
-            </a:endParaRPr>
-          </a:p>
-          <a:p>
-            <a:pPr>
-              <a:lnSpc>
-                <a:spcPct val="100000"/>
-              </a:lnSpc>
-            </a:pPr>
-            <a:endParaRPr b="0" lang="pt-BR" sz="2000" spc="-1" strike="noStrike">
+            <a:endParaRPr b="0" lang="en-US" sz="1800" spc="-1" strike="noStrike">
+              <a:latin typeface="Arial"/>
+            </a:endParaRPr>
+          </a:p>
+          <a:p>
+            <a:pPr>
+              <a:lnSpc>
+                <a:spcPct val="100000"/>
+              </a:lnSpc>
+            </a:pPr>
+            <a:endParaRPr b="0" lang="en-US" sz="1800" spc="-1" strike="noStrike">
+              <a:latin typeface="Arial"/>
+            </a:endParaRPr>
+          </a:p>
+          <a:p>
+            <a:pPr>
+              <a:lnSpc>
+                <a:spcPct val="100000"/>
+              </a:lnSpc>
+            </a:pPr>
+            <a:r>
+              <a:rPr b="1" lang="en-US" sz="2000" spc="-1" strike="noStrike">
+                <a:solidFill>
+                  <a:srgbClr val="1a1a1a"/>
+                </a:solidFill>
+                <a:latin typeface="Arial"/>
+                <a:ea typeface="Arial"/>
+              </a:rPr>
+              <a:t>1.</a:t>
+            </a:r>
+            <a:r>
+              <a:rPr b="0" lang="en-US" sz="2000" spc="-1" strike="noStrike">
+                <a:solidFill>
+                  <a:srgbClr val="1a1a1a"/>
+                </a:solidFill>
+                <a:latin typeface="Arial"/>
+                <a:ea typeface="Arial"/>
+              </a:rPr>
+              <a:t> O entregador deverá efetuar a entrega do pedido e repassar a conta ao cliente.</a:t>
+            </a:r>
+            <a:endParaRPr b="0" lang="en-US" sz="2000" spc="-1" strike="noStrike">
+              <a:latin typeface="Arial"/>
+            </a:endParaRPr>
+          </a:p>
+          <a:p>
+            <a:pPr>
+              <a:lnSpc>
+                <a:spcPct val="100000"/>
+              </a:lnSpc>
+            </a:pPr>
+            <a:endParaRPr b="0" lang="en-US" sz="2000" spc="-1" strike="noStrike">
               <a:latin typeface="Arial"/>
             </a:endParaRPr>
           </a:p>
@@ -3387,7 +3213,7 @@
       </p:sp>
       <p:pic>
         <p:nvPicPr>
-          <p:cNvPr id="68" name="" descr=""/>
+          <p:cNvPr id="67" name="" descr=""/>
           <p:cNvPicPr/>
           <p:nvPr/>
         </p:nvPicPr>
@@ -3398,7 +3224,7 @@
         <p:spPr>
           <a:xfrm>
             <a:off x="181080" y="218880"/>
-            <a:ext cx="6175440" cy="4605120"/>
+            <a:ext cx="6175080" cy="4604760"/>
           </a:xfrm>
           <a:prstGeom prst="rect">
             <a:avLst/>
@@ -3410,33 +3236,14 @@
       </p:pic>
     </p:spTree>
   </p:cSld>
-  <p:timing>
-    <p:tnLst>
-      <p:par>
-        <p:cTn id="29" dur="indefinite" restart="never" nodeType="tmRoot">
-          <p:childTnLst>
-            <p:seq>
-              <p:cTn id="30" dur="indefinite" nodeType="mainSeq"/>
-              <p:prevCondLst>
-                <p:cond delay="0" evt="onPrev">
-                  <p:tgtEl>
-                    <p:sldTgt/>
-                  </p:tgtEl>
-                </p:cond>
-              </p:prevCondLst>
-              <p:nextCondLst>
-                <p:cond delay="0" evt="onNext">
-                  <p:tgtEl>
-                    <p:sldTgt/>
-                  </p:tgtEl>
-                </p:cond>
-              </p:nextCondLst>
-            </p:seq>
-          </p:childTnLst>
-        </p:cTn>
-      </p:par>
-    </p:tnLst>
-  </p:timing>
+  <mc:AlternateContent>
+    <mc:Choice Requires="p14">
+      <p:transition spd="slow" p14:dur="2000"/>
+    </mc:Choice>
+    <mc:Fallback>
+      <p:transition spd="slow"/>
+    </mc:Fallback>
+  </mc:AlternateContent>
 </p:sld>
 </file>
 
@@ -3459,14 +3266,14 @@
       </p:grpSpPr>
       <p:sp>
         <p:nvSpPr>
-          <p:cNvPr id="69" name="CustomShape 1"/>
+          <p:cNvPr id="68" name="CustomShape 1"/>
           <p:cNvSpPr/>
           <p:nvPr/>
         </p:nvSpPr>
         <p:spPr>
           <a:xfrm>
             <a:off x="6317280" y="280080"/>
-            <a:ext cx="2594880" cy="4277880"/>
+            <a:ext cx="2594520" cy="4277520"/>
           </a:xfrm>
           <a:prstGeom prst="rect">
             <a:avLst/>
@@ -3483,15 +3290,17 @@
           <a:fontRef idx="minor"/>
         </p:style>
         <p:txBody>
-          <a:bodyPr tIns="91440" bIns="91440"/>
-          <a:p>
-            <a:pPr>
-              <a:lnSpc>
-                <a:spcPct val="100000"/>
-              </a:lnSpc>
-            </a:pPr>
-            <a:r>
-              <a:rPr b="1" lang="pt-BR" sz="1800" spc="-1" strike="noStrike">
+          <a:bodyPr lIns="90000" rIns="90000" tIns="91440" bIns="91440">
+            <a:noAutofit/>
+          </a:bodyPr>
+          <a:p>
+            <a:pPr>
+              <a:lnSpc>
+                <a:spcPct val="100000"/>
+              </a:lnSpc>
+            </a:pPr>
+            <a:r>
+              <a:rPr b="1" lang="en-US" sz="1800" spc="-1" strike="noStrike">
                 <a:solidFill>
                   <a:srgbClr val="1a1a1a"/>
                 </a:solidFill>
@@ -3501,7 +3310,7 @@
               <a:t>Processo</a:t>
             </a:r>
             <a:r>
-              <a:rPr b="0" lang="pt-BR" sz="1800" spc="-1" strike="noStrike">
+              <a:rPr b="0" lang="en-US" sz="1800" spc="-1" strike="noStrike">
                 <a:solidFill>
                   <a:srgbClr val="1a1a1a"/>
                 </a:solidFill>
@@ -3510,18 +3319,18 @@
               </a:rPr>
               <a:t>: Encaminhar  Conta</a:t>
             </a:r>
-            <a:endParaRPr b="0" lang="pt-BR" sz="1800" spc="-1" strike="noStrike">
-              <a:latin typeface="Arial"/>
-            </a:endParaRPr>
-          </a:p>
-          <a:p>
-            <a:pPr>
-              <a:lnSpc>
-                <a:spcPct val="100000"/>
-              </a:lnSpc>
-            </a:pPr>
-            <a:r>
-              <a:rPr b="1" lang="pt-BR" sz="1800" spc="-1" strike="noStrike">
+            <a:endParaRPr b="0" lang="en-US" sz="1800" spc="-1" strike="noStrike">
+              <a:latin typeface="Arial"/>
+            </a:endParaRPr>
+          </a:p>
+          <a:p>
+            <a:pPr>
+              <a:lnSpc>
+                <a:spcPct val="100000"/>
+              </a:lnSpc>
+            </a:pPr>
+            <a:r>
+              <a:rPr b="1" lang="en-US" sz="1800" spc="-1" strike="noStrike">
                 <a:solidFill>
                   <a:srgbClr val="1a1a1a"/>
                 </a:solidFill>
@@ -3531,7 +3340,7 @@
               <a:t>Evento</a:t>
             </a:r>
             <a:r>
-              <a:rPr b="0" lang="pt-BR" sz="1800" spc="-1" strike="noStrike">
+              <a:rPr b="0" lang="en-US" sz="1800" spc="-1" strike="noStrike">
                 <a:solidFill>
                   <a:srgbClr val="1a1a1a"/>
                 </a:solidFill>
@@ -3540,18 +3349,18 @@
               </a:rPr>
               <a:t>: Caixa encaminha conta</a:t>
             </a:r>
-            <a:endParaRPr b="0" lang="pt-BR" sz="1800" spc="-1" strike="noStrike">
-              <a:latin typeface="Arial"/>
-            </a:endParaRPr>
-          </a:p>
-          <a:p>
-            <a:pPr>
-              <a:lnSpc>
-                <a:spcPct val="100000"/>
-              </a:lnSpc>
-            </a:pPr>
-            <a:r>
-              <a:rPr b="1" lang="pt-BR" sz="1800" spc="-1" strike="noStrike">
+            <a:endParaRPr b="0" lang="en-US" sz="1800" spc="-1" strike="noStrike">
+              <a:latin typeface="Arial"/>
+            </a:endParaRPr>
+          </a:p>
+          <a:p>
+            <a:pPr>
+              <a:lnSpc>
+                <a:spcPct val="100000"/>
+              </a:lnSpc>
+            </a:pPr>
+            <a:r>
+              <a:rPr b="1" lang="en-US" sz="1800" spc="-1" strike="noStrike">
                 <a:solidFill>
                   <a:srgbClr val="1a1a1a"/>
                 </a:solidFill>
@@ -3561,7 +3370,7 @@
               <a:t>Trabalhador Envolvido</a:t>
             </a:r>
             <a:r>
-              <a:rPr b="0" lang="pt-BR" sz="1800" spc="-1" strike="noStrike">
+              <a:rPr b="0" lang="en-US" sz="1800" spc="-1" strike="noStrike">
                 <a:solidFill>
                   <a:srgbClr val="1a1a1a"/>
                 </a:solidFill>
@@ -3570,28 +3379,48 @@
               </a:rPr>
               <a:t>: Entregador</a:t>
             </a:r>
-            <a:endParaRPr b="0" lang="pt-BR" sz="1800" spc="-1" strike="noStrike">
-              <a:latin typeface="Arial"/>
-            </a:endParaRPr>
-          </a:p>
-          <a:p>
-            <a:pPr>
-              <a:lnSpc>
-                <a:spcPct val="100000"/>
-              </a:lnSpc>
-            </a:pPr>
-            <a:endParaRPr b="0" lang="pt-BR" sz="1800" spc="-1" strike="noStrike">
-              <a:latin typeface="Arial"/>
-            </a:endParaRPr>
-          </a:p>
-          <a:p>
-            <a:pPr>
-              <a:lnSpc>
-                <a:spcPct val="100000"/>
-              </a:lnSpc>
-            </a:pPr>
-            <a:r>
-              <a:rPr b="0" lang="pt-BR" sz="1400" spc="-1" strike="noStrike">
+            <a:endParaRPr b="0" lang="en-US" sz="1800" spc="-1" strike="noStrike">
+              <a:latin typeface="Arial"/>
+            </a:endParaRPr>
+          </a:p>
+          <a:p>
+            <a:pPr>
+              <a:lnSpc>
+                <a:spcPct val="100000"/>
+              </a:lnSpc>
+            </a:pPr>
+            <a:endParaRPr b="0" lang="en-US" sz="1800" spc="-1" strike="noStrike">
+              <a:latin typeface="Arial"/>
+            </a:endParaRPr>
+          </a:p>
+          <a:p>
+            <a:pPr>
+              <a:lnSpc>
+                <a:spcPct val="100000"/>
+              </a:lnSpc>
+            </a:pPr>
+            <a:r>
+              <a:rPr b="1" lang="en-US" sz="2000" spc="-1" strike="noStrike">
+                <a:solidFill>
+                  <a:srgbClr val="1a1a1a"/>
+                </a:solidFill>
+                <a:latin typeface="Arial"/>
+                <a:ea typeface="Arial"/>
+              </a:rPr>
+              <a:t>1.</a:t>
+            </a:r>
+            <a:r>
+              <a:rPr b="0" lang="en-US" sz="2000" spc="-1" strike="noStrike">
+                <a:solidFill>
+                  <a:srgbClr val="1a1a1a"/>
+                </a:solidFill>
+                <a:latin typeface="Arial"/>
+                <a:ea typeface="Arial"/>
+              </a:rPr>
+              <a:t> Caixa deverá enviar a conta do pedido ao entregador.</a:t>
+            </a:r>
+            <a:r>
+              <a:rPr b="0" lang="en-US" sz="1400" spc="-1" strike="noStrike">
                 <a:solidFill>
                   <a:srgbClr val="1a1a1a"/>
                 </a:solidFill>
@@ -3600,27 +3429,7 @@
               </a:rPr>
               <a:t> </a:t>
             </a:r>
-            <a:r>
-              <a:rPr b="0" lang="pt-BR" sz="2000" spc="-1" strike="noStrike">
-                <a:solidFill>
-                  <a:srgbClr val="1a1a1a"/>
-                </a:solidFill>
-                <a:latin typeface="Arial"/>
-                <a:ea typeface="Arial"/>
-              </a:rPr>
-              <a:t>1. Caixa deverá enviar a conta do pedido ao entregador.</a:t>
-            </a:r>
-            <a:r>
-              <a:rPr b="0" lang="pt-BR" sz="1400" spc="-1" strike="noStrike">
-                <a:solidFill>
-                  <a:srgbClr val="1a1a1a"/>
-                </a:solidFill>
-                <a:latin typeface="Arial"/>
-                <a:ea typeface="Arial"/>
-              </a:rPr>
-              <a:t> </a:t>
-            </a:r>
-            <a:endParaRPr b="0" lang="pt-BR" sz="1400" spc="-1" strike="noStrike">
+            <a:endParaRPr b="0" lang="en-US" sz="1400" spc="-1" strike="noStrike">
               <a:latin typeface="Arial"/>
             </a:endParaRPr>
           </a:p>
@@ -3628,7 +3437,7 @@
       </p:sp>
       <p:pic>
         <p:nvPicPr>
-          <p:cNvPr id="70" name="" descr=""/>
+          <p:cNvPr id="69" name="" descr=""/>
           <p:cNvPicPr/>
           <p:nvPr/>
         </p:nvPicPr>
@@ -3639,7 +3448,7 @@
         <p:spPr>
           <a:xfrm>
             <a:off x="181080" y="218880"/>
-            <a:ext cx="6175440" cy="4605120"/>
+            <a:ext cx="6175080" cy="4604760"/>
           </a:xfrm>
           <a:prstGeom prst="rect">
             <a:avLst/>
@@ -3651,33 +3460,14 @@
       </p:pic>
     </p:spTree>
   </p:cSld>
-  <p:timing>
-    <p:tnLst>
-      <p:par>
-        <p:cTn id="31" dur="indefinite" restart="never" nodeType="tmRoot">
-          <p:childTnLst>
-            <p:seq>
-              <p:cTn id="32" dur="indefinite" nodeType="mainSeq"/>
-              <p:prevCondLst>
-                <p:cond delay="0" evt="onPrev">
-                  <p:tgtEl>
-                    <p:sldTgt/>
-                  </p:tgtEl>
-                </p:cond>
-              </p:prevCondLst>
-              <p:nextCondLst>
-                <p:cond delay="0" evt="onNext">
-                  <p:tgtEl>
-                    <p:sldTgt/>
-                  </p:tgtEl>
-                </p:cond>
-              </p:nextCondLst>
-            </p:seq>
-          </p:childTnLst>
-        </p:cTn>
-      </p:par>
-    </p:tnLst>
-  </p:timing>
+  <mc:AlternateContent>
+    <mc:Choice Requires="p14">
+      <p:transition spd="slow" p14:dur="2000"/>
+    </mc:Choice>
+    <mc:Fallback>
+      <p:transition spd="slow"/>
+    </mc:Fallback>
+  </mc:AlternateContent>
 </p:sld>
 </file>
 
@@ -3700,14 +3490,14 @@
       </p:grpSpPr>
       <p:sp>
         <p:nvSpPr>
-          <p:cNvPr id="71" name="CustomShape 1"/>
+          <p:cNvPr id="70" name="CustomShape 1"/>
           <p:cNvSpPr/>
           <p:nvPr/>
         </p:nvSpPr>
         <p:spPr>
           <a:xfrm>
             <a:off x="6317280" y="280080"/>
-            <a:ext cx="2594880" cy="4277880"/>
+            <a:ext cx="2594520" cy="4277520"/>
           </a:xfrm>
           <a:prstGeom prst="rect">
             <a:avLst/>
@@ -3724,15 +3514,17 @@
           <a:fontRef idx="minor"/>
         </p:style>
         <p:txBody>
-          <a:bodyPr tIns="91440" bIns="91440"/>
-          <a:p>
-            <a:pPr>
-              <a:lnSpc>
-                <a:spcPct val="100000"/>
-              </a:lnSpc>
-            </a:pPr>
-            <a:r>
-              <a:rPr b="1" lang="pt-BR" sz="1800" spc="-1" strike="noStrike">
+          <a:bodyPr lIns="90000" rIns="90000" tIns="91440" bIns="91440">
+            <a:noAutofit/>
+          </a:bodyPr>
+          <a:p>
+            <a:pPr>
+              <a:lnSpc>
+                <a:spcPct val="100000"/>
+              </a:lnSpc>
+            </a:pPr>
+            <a:r>
+              <a:rPr b="1" lang="en-US" sz="1800" spc="-1" strike="noStrike">
                 <a:solidFill>
                   <a:srgbClr val="1a1a1a"/>
                 </a:solidFill>
@@ -3742,7 +3534,7 @@
               <a:t>Processo</a:t>
             </a:r>
             <a:r>
-              <a:rPr b="0" lang="pt-BR" sz="1800" spc="-1" strike="noStrike">
+              <a:rPr b="0" lang="en-US" sz="1800" spc="-1" strike="noStrike">
                 <a:solidFill>
                   <a:srgbClr val="1a1a1a"/>
                 </a:solidFill>
@@ -3751,18 +3543,18 @@
               </a:rPr>
               <a:t>: Não entregar o produto</a:t>
             </a:r>
-            <a:endParaRPr b="0" lang="pt-BR" sz="1800" spc="-1" strike="noStrike">
-              <a:latin typeface="Arial"/>
-            </a:endParaRPr>
-          </a:p>
-          <a:p>
-            <a:pPr>
-              <a:lnSpc>
-                <a:spcPct val="100000"/>
-              </a:lnSpc>
-            </a:pPr>
-            <a:r>
-              <a:rPr b="1" lang="pt-BR" sz="1800" spc="-1" strike="noStrike">
+            <a:endParaRPr b="0" lang="en-US" sz="1800" spc="-1" strike="noStrike">
+              <a:latin typeface="Arial"/>
+            </a:endParaRPr>
+          </a:p>
+          <a:p>
+            <a:pPr>
+              <a:lnSpc>
+                <a:spcPct val="100000"/>
+              </a:lnSpc>
+            </a:pPr>
+            <a:r>
+              <a:rPr b="1" lang="en-US" sz="1800" spc="-1" strike="noStrike">
                 <a:solidFill>
                   <a:srgbClr val="1a1a1a"/>
                 </a:solidFill>
@@ -3772,7 +3564,7 @@
               <a:t>Evento</a:t>
             </a:r>
             <a:r>
-              <a:rPr b="0" lang="pt-BR" sz="1800" spc="-1" strike="noStrike">
+              <a:rPr b="0" lang="en-US" sz="1800" spc="-1" strike="noStrike">
                 <a:solidFill>
                   <a:srgbClr val="1a1a1a"/>
                 </a:solidFill>
@@ -3781,18 +3573,18 @@
               </a:rPr>
               <a:t>: Entregador não entrega itens prontos + conta</a:t>
             </a:r>
-            <a:endParaRPr b="0" lang="pt-BR" sz="1800" spc="-1" strike="noStrike">
-              <a:latin typeface="Arial"/>
-            </a:endParaRPr>
-          </a:p>
-          <a:p>
-            <a:pPr>
-              <a:lnSpc>
-                <a:spcPct val="100000"/>
-              </a:lnSpc>
-            </a:pPr>
-            <a:r>
-              <a:rPr b="1" lang="pt-BR" sz="1800" spc="-1" strike="noStrike">
+            <a:endParaRPr b="0" lang="en-US" sz="1800" spc="-1" strike="noStrike">
+              <a:latin typeface="Arial"/>
+            </a:endParaRPr>
+          </a:p>
+          <a:p>
+            <a:pPr>
+              <a:lnSpc>
+                <a:spcPct val="100000"/>
+              </a:lnSpc>
+            </a:pPr>
+            <a:r>
+              <a:rPr b="1" lang="en-US" sz="1800" spc="-1" strike="noStrike">
                 <a:solidFill>
                   <a:srgbClr val="1a1a1a"/>
                 </a:solidFill>
@@ -3802,7 +3594,7 @@
               <a:t>Trabalhador Envolvido</a:t>
             </a:r>
             <a:r>
-              <a:rPr b="0" lang="pt-BR" sz="1800" spc="-1" strike="noStrike">
+              <a:rPr b="0" lang="en-US" sz="1800" spc="-1" strike="noStrike">
                 <a:solidFill>
                   <a:srgbClr val="1a1a1a"/>
                 </a:solidFill>
@@ -3811,37 +3603,47 @@
               </a:rPr>
               <a:t>: Atendente e Entregador.</a:t>
             </a:r>
-            <a:endParaRPr b="0" lang="pt-BR" sz="1800" spc="-1" strike="noStrike">
-              <a:latin typeface="Arial"/>
-            </a:endParaRPr>
-          </a:p>
-          <a:p>
-            <a:pPr>
-              <a:lnSpc>
-                <a:spcPct val="100000"/>
-              </a:lnSpc>
-            </a:pPr>
-            <a:endParaRPr b="0" lang="pt-BR" sz="1800" spc="-1" strike="noStrike">
-              <a:latin typeface="Arial"/>
-            </a:endParaRPr>
-          </a:p>
-          <a:p>
-            <a:pPr>
-              <a:lnSpc>
-                <a:spcPct val="100000"/>
-              </a:lnSpc>
-            </a:pPr>
-            <a:r>
-              <a:rPr b="0" lang="pt-BR" sz="2000" spc="-1" strike="noStrike">
-                <a:solidFill>
-                  <a:srgbClr val="1a1a1a"/>
-                </a:solidFill>
-                <a:latin typeface="Arial"/>
-                <a:ea typeface="Arial"/>
-              </a:rPr>
-              <a:t>1.Caso ocorra algum imprevisto em relação ao pedido, a atendente irá notificar o cliente.</a:t>
-            </a:r>
-            <a:endParaRPr b="0" lang="pt-BR" sz="2000" spc="-1" strike="noStrike">
+            <a:endParaRPr b="0" lang="en-US" sz="1800" spc="-1" strike="noStrike">
+              <a:latin typeface="Arial"/>
+            </a:endParaRPr>
+          </a:p>
+          <a:p>
+            <a:pPr>
+              <a:lnSpc>
+                <a:spcPct val="100000"/>
+              </a:lnSpc>
+            </a:pPr>
+            <a:endParaRPr b="0" lang="en-US" sz="1800" spc="-1" strike="noStrike">
+              <a:latin typeface="Arial"/>
+            </a:endParaRPr>
+          </a:p>
+          <a:p>
+            <a:pPr>
+              <a:lnSpc>
+                <a:spcPct val="100000"/>
+              </a:lnSpc>
+            </a:pPr>
+            <a:r>
+              <a:rPr b="1" lang="en-US" sz="2000" spc="-1" strike="noStrike">
+                <a:solidFill>
+                  <a:srgbClr val="1a1a1a"/>
+                </a:solidFill>
+                <a:latin typeface="Arial"/>
+                <a:ea typeface="Arial"/>
+              </a:rPr>
+              <a:t>1. </a:t>
+            </a:r>
+            <a:r>
+              <a:rPr b="0" lang="en-US" sz="2000" spc="-1" strike="noStrike">
+                <a:solidFill>
+                  <a:srgbClr val="1a1a1a"/>
+                </a:solidFill>
+                <a:latin typeface="Arial"/>
+                <a:ea typeface="Arial"/>
+              </a:rPr>
+              <a:t>Caso ocorra algum imprevisto em relação ao pedido, a atendente irá notificar o cliente.</a:t>
+            </a:r>
+            <a:endParaRPr b="0" lang="en-US" sz="2000" spc="-1" strike="noStrike">
               <a:latin typeface="Arial"/>
             </a:endParaRPr>
           </a:p>
@@ -3849,7 +3651,7 @@
       </p:sp>
       <p:pic>
         <p:nvPicPr>
-          <p:cNvPr id="72" name="" descr=""/>
+          <p:cNvPr id="71" name="" descr=""/>
           <p:cNvPicPr/>
           <p:nvPr/>
         </p:nvPicPr>
@@ -3860,7 +3662,7 @@
         <p:spPr>
           <a:xfrm>
             <a:off x="181080" y="218880"/>
-            <a:ext cx="6175440" cy="4605120"/>
+            <a:ext cx="6175080" cy="4604760"/>
           </a:xfrm>
           <a:prstGeom prst="rect">
             <a:avLst/>
@@ -3872,33 +3674,14 @@
       </p:pic>
     </p:spTree>
   </p:cSld>
-  <p:timing>
-    <p:tnLst>
-      <p:par>
-        <p:cTn id="33" dur="indefinite" restart="never" nodeType="tmRoot">
-          <p:childTnLst>
-            <p:seq>
-              <p:cTn id="34" dur="indefinite" nodeType="mainSeq"/>
-              <p:prevCondLst>
-                <p:cond delay="0" evt="onPrev">
-                  <p:tgtEl>
-                    <p:sldTgt/>
-                  </p:tgtEl>
-                </p:cond>
-              </p:prevCondLst>
-              <p:nextCondLst>
-                <p:cond delay="0" evt="onNext">
-                  <p:tgtEl>
-                    <p:sldTgt/>
-                  </p:tgtEl>
-                </p:cond>
-              </p:nextCondLst>
-            </p:seq>
-          </p:childTnLst>
-        </p:cTn>
-      </p:par>
-    </p:tnLst>
-  </p:timing>
+  <mc:AlternateContent>
+    <mc:Choice Requires="p14">
+      <p:transition spd="slow" p14:dur="2000"/>
+    </mc:Choice>
+    <mc:Fallback>
+      <p:transition spd="slow"/>
+    </mc:Fallback>
+  </mc:AlternateContent>
 </p:sld>
 </file>
 
@@ -3921,14 +3704,14 @@
       </p:grpSpPr>
       <p:sp>
         <p:nvSpPr>
-          <p:cNvPr id="73" name="CustomShape 1"/>
+          <p:cNvPr id="72" name="CustomShape 1"/>
           <p:cNvSpPr/>
           <p:nvPr/>
         </p:nvSpPr>
         <p:spPr>
           <a:xfrm>
             <a:off x="6317280" y="280080"/>
-            <a:ext cx="2594880" cy="4277880"/>
+            <a:ext cx="2594520" cy="4277520"/>
           </a:xfrm>
           <a:prstGeom prst="rect">
             <a:avLst/>
@@ -3945,15 +3728,17 @@
           <a:fontRef idx="minor"/>
         </p:style>
         <p:txBody>
-          <a:bodyPr tIns="91440" bIns="91440"/>
-          <a:p>
-            <a:pPr>
-              <a:lnSpc>
-                <a:spcPct val="100000"/>
-              </a:lnSpc>
-            </a:pPr>
-            <a:r>
-              <a:rPr b="1" lang="pt-BR" sz="1800" spc="-1" strike="noStrike">
+          <a:bodyPr lIns="90000" rIns="90000" tIns="91440" bIns="91440">
+            <a:noAutofit/>
+          </a:bodyPr>
+          <a:p>
+            <a:pPr>
+              <a:lnSpc>
+                <a:spcPct val="100000"/>
+              </a:lnSpc>
+            </a:pPr>
+            <a:r>
+              <a:rPr b="1" lang="en-US" sz="1800" spc="-1" strike="noStrike">
                 <a:solidFill>
                   <a:srgbClr val="1a1a1a"/>
                 </a:solidFill>
@@ -3963,7 +3748,7 @@
               <a:t>Processo</a:t>
             </a:r>
             <a:r>
-              <a:rPr b="0" lang="pt-BR" sz="1800" spc="-1" strike="noStrike">
+              <a:rPr b="0" lang="en-US" sz="1800" spc="-1" strike="noStrike">
                 <a:solidFill>
                   <a:srgbClr val="1a1a1a"/>
                 </a:solidFill>
@@ -3972,18 +3757,18 @@
               </a:rPr>
               <a:t>: Receber Reclamação</a:t>
             </a:r>
-            <a:endParaRPr b="0" lang="pt-BR" sz="1800" spc="-1" strike="noStrike">
-              <a:latin typeface="Arial"/>
-            </a:endParaRPr>
-          </a:p>
-          <a:p>
-            <a:pPr>
-              <a:lnSpc>
-                <a:spcPct val="100000"/>
-              </a:lnSpc>
-            </a:pPr>
-            <a:r>
-              <a:rPr b="1" lang="pt-BR" sz="1400" spc="-1" strike="noStrike">
+            <a:endParaRPr b="0" lang="en-US" sz="1800" spc="-1" strike="noStrike">
+              <a:latin typeface="Arial"/>
+            </a:endParaRPr>
+          </a:p>
+          <a:p>
+            <a:pPr>
+              <a:lnSpc>
+                <a:spcPct val="100000"/>
+              </a:lnSpc>
+            </a:pPr>
+            <a:r>
+              <a:rPr b="1" lang="en-US" sz="1400" spc="-1" strike="noStrike">
                 <a:solidFill>
                   <a:srgbClr val="1a1a1a"/>
                 </a:solidFill>
@@ -3993,7 +3778,7 @@
               <a:t>Evento</a:t>
             </a:r>
             <a:r>
-              <a:rPr b="0" lang="pt-BR" sz="1400" spc="-1" strike="noStrike">
+              <a:rPr b="0" lang="en-US" sz="1400" spc="-1" strike="noStrike">
                 <a:solidFill>
                   <a:srgbClr val="1a1a1a"/>
                 </a:solidFill>
@@ -4003,7 +3788,7 @@
               <a:t>: </a:t>
             </a:r>
             <a:r>
-              <a:rPr b="0" lang="pt-BR" sz="1800" spc="-1" strike="noStrike">
+              <a:rPr b="0" lang="en-US" sz="1800" spc="-1" strike="noStrike">
                 <a:solidFill>
                   <a:srgbClr val="1a1a1a"/>
                 </a:solidFill>
@@ -4012,18 +3797,18 @@
               </a:rPr>
               <a:t>Cliente Delivery envia reclamação</a:t>
             </a:r>
-            <a:endParaRPr b="0" lang="pt-BR" sz="1800" spc="-1" strike="noStrike">
-              <a:latin typeface="Arial"/>
-            </a:endParaRPr>
-          </a:p>
-          <a:p>
-            <a:pPr>
-              <a:lnSpc>
-                <a:spcPct val="100000"/>
-              </a:lnSpc>
-            </a:pPr>
-            <a:r>
-              <a:rPr b="1" lang="pt-BR" sz="1800" spc="-1" strike="noStrike">
+            <a:endParaRPr b="0" lang="en-US" sz="1800" spc="-1" strike="noStrike">
+              <a:latin typeface="Arial"/>
+            </a:endParaRPr>
+          </a:p>
+          <a:p>
+            <a:pPr>
+              <a:lnSpc>
+                <a:spcPct val="100000"/>
+              </a:lnSpc>
+            </a:pPr>
+            <a:r>
+              <a:rPr b="1" lang="en-US" sz="1800" spc="-1" strike="noStrike">
                 <a:solidFill>
                   <a:srgbClr val="1a1a1a"/>
                 </a:solidFill>
@@ -4033,7 +3818,7 @@
               <a:t>Trabalhador Envolvido</a:t>
             </a:r>
             <a:r>
-              <a:rPr b="0" lang="pt-BR" sz="1800" spc="-1" strike="noStrike">
+              <a:rPr b="0" lang="en-US" sz="1800" spc="-1" strike="noStrike">
                 <a:solidFill>
                   <a:srgbClr val="1a1a1a"/>
                 </a:solidFill>
@@ -4042,48 +3827,58 @@
               </a:rPr>
               <a:t>: Atendente</a:t>
             </a:r>
-            <a:endParaRPr b="0" lang="pt-BR" sz="1800" spc="-1" strike="noStrike">
-              <a:latin typeface="Arial"/>
-            </a:endParaRPr>
-          </a:p>
-          <a:p>
-            <a:pPr>
-              <a:lnSpc>
-                <a:spcPct val="100000"/>
-              </a:lnSpc>
-            </a:pPr>
-            <a:endParaRPr b="0" lang="pt-BR" sz="1800" spc="-1" strike="noStrike">
-              <a:latin typeface="Arial"/>
-            </a:endParaRPr>
-          </a:p>
-          <a:p>
-            <a:pPr>
-              <a:lnSpc>
-                <a:spcPct val="100000"/>
-              </a:lnSpc>
-            </a:pPr>
-            <a:r>
-              <a:rPr b="0" lang="pt-BR" sz="2000" spc="-1" strike="noStrike">
-                <a:solidFill>
-                  <a:srgbClr val="1a1a1a"/>
-                </a:solidFill>
-                <a:latin typeface="Arial"/>
-                <a:ea typeface="Arial"/>
-              </a:rPr>
-              <a:t>1.Após receber a reclamação, o atendente deverá</a:t>
-            </a:r>
-            <a:endParaRPr b="0" lang="pt-BR" sz="2000" spc="-1" strike="noStrike">
-              <a:latin typeface="Arial"/>
-            </a:endParaRPr>
-          </a:p>
-          <a:p>
-            <a:pPr>
-              <a:lnSpc>
-                <a:spcPct val="100000"/>
-              </a:lnSpc>
-            </a:pPr>
-            <a:r>
-              <a:rPr b="0" lang="pt-BR" sz="2000" spc="-1" strike="noStrike">
+            <a:endParaRPr b="0" lang="en-US" sz="1800" spc="-1" strike="noStrike">
+              <a:latin typeface="Arial"/>
+            </a:endParaRPr>
+          </a:p>
+          <a:p>
+            <a:pPr>
+              <a:lnSpc>
+                <a:spcPct val="100000"/>
+              </a:lnSpc>
+            </a:pPr>
+            <a:endParaRPr b="0" lang="en-US" sz="1800" spc="-1" strike="noStrike">
+              <a:latin typeface="Arial"/>
+            </a:endParaRPr>
+          </a:p>
+          <a:p>
+            <a:pPr>
+              <a:lnSpc>
+                <a:spcPct val="100000"/>
+              </a:lnSpc>
+            </a:pPr>
+            <a:r>
+              <a:rPr b="1" lang="en-US" sz="2000" spc="-1" strike="noStrike">
+                <a:solidFill>
+                  <a:srgbClr val="1a1a1a"/>
+                </a:solidFill>
+                <a:latin typeface="Arial"/>
+                <a:ea typeface="Arial"/>
+              </a:rPr>
+              <a:t>1.</a:t>
+            </a:r>
+            <a:r>
+              <a:rPr b="0" lang="en-US" sz="2000" spc="-1" strike="noStrike">
+                <a:solidFill>
+                  <a:srgbClr val="1a1a1a"/>
+                </a:solidFill>
+                <a:latin typeface="Arial"/>
+                <a:ea typeface="Arial"/>
+              </a:rPr>
+              <a:t> Após receber a reclamação, o atendente deverá</a:t>
+            </a:r>
+            <a:endParaRPr b="0" lang="en-US" sz="2000" spc="-1" strike="noStrike">
+              <a:latin typeface="Arial"/>
+            </a:endParaRPr>
+          </a:p>
+          <a:p>
+            <a:pPr>
+              <a:lnSpc>
+                <a:spcPct val="100000"/>
+              </a:lnSpc>
+            </a:pPr>
+            <a:r>
+              <a:rPr b="0" lang="en-US" sz="2000" spc="-1" strike="noStrike">
                 <a:solidFill>
                   <a:srgbClr val="1a1a1a"/>
                 </a:solidFill>
@@ -4092,27 +3887,27 @@
               </a:rPr>
               <a:t>armazenar as informações sobre o problema.</a:t>
             </a:r>
-            <a:endParaRPr b="0" lang="pt-BR" sz="2000" spc="-1" strike="noStrike">
-              <a:latin typeface="Arial"/>
-            </a:endParaRPr>
-          </a:p>
-          <a:p>
-            <a:pPr>
-              <a:lnSpc>
-                <a:spcPct val="100000"/>
-              </a:lnSpc>
-            </a:pPr>
-            <a:endParaRPr b="0" lang="pt-BR" sz="2000" spc="-1" strike="noStrike">
-              <a:latin typeface="Arial"/>
-            </a:endParaRPr>
-          </a:p>
-          <a:p>
-            <a:pPr>
-              <a:lnSpc>
-                <a:spcPct val="100000"/>
-              </a:lnSpc>
-            </a:pPr>
-            <a:endParaRPr b="0" lang="pt-BR" sz="2000" spc="-1" strike="noStrike">
+            <a:endParaRPr b="0" lang="en-US" sz="2000" spc="-1" strike="noStrike">
+              <a:latin typeface="Arial"/>
+            </a:endParaRPr>
+          </a:p>
+          <a:p>
+            <a:pPr>
+              <a:lnSpc>
+                <a:spcPct val="100000"/>
+              </a:lnSpc>
+            </a:pPr>
+            <a:endParaRPr b="0" lang="en-US" sz="2000" spc="-1" strike="noStrike">
+              <a:latin typeface="Arial"/>
+            </a:endParaRPr>
+          </a:p>
+          <a:p>
+            <a:pPr>
+              <a:lnSpc>
+                <a:spcPct val="100000"/>
+              </a:lnSpc>
+            </a:pPr>
+            <a:endParaRPr b="0" lang="en-US" sz="2000" spc="-1" strike="noStrike">
               <a:latin typeface="Arial"/>
             </a:endParaRPr>
           </a:p>
@@ -4120,7 +3915,7 @@
       </p:sp>
       <p:pic>
         <p:nvPicPr>
-          <p:cNvPr id="74" name="" descr=""/>
+          <p:cNvPr id="73" name="" descr=""/>
           <p:cNvPicPr/>
           <p:nvPr/>
         </p:nvPicPr>
@@ -4131,7 +3926,7 @@
         <p:spPr>
           <a:xfrm>
             <a:off x="288000" y="216000"/>
-            <a:ext cx="5303520" cy="4680000"/>
+            <a:ext cx="5303160" cy="4679640"/>
           </a:xfrm>
           <a:prstGeom prst="rect">
             <a:avLst/>
@@ -4143,33 +3938,14 @@
       </p:pic>
     </p:spTree>
   </p:cSld>
-  <p:timing>
-    <p:tnLst>
-      <p:par>
-        <p:cTn id="35" dur="indefinite" restart="never" nodeType="tmRoot">
-          <p:childTnLst>
-            <p:seq>
-              <p:cTn id="36" dur="indefinite" nodeType="mainSeq"/>
-              <p:prevCondLst>
-                <p:cond delay="0" evt="onPrev">
-                  <p:tgtEl>
-                    <p:sldTgt/>
-                  </p:tgtEl>
-                </p:cond>
-              </p:prevCondLst>
-              <p:nextCondLst>
-                <p:cond delay="0" evt="onNext">
-                  <p:tgtEl>
-                    <p:sldTgt/>
-                  </p:tgtEl>
-                </p:cond>
-              </p:nextCondLst>
-            </p:seq>
-          </p:childTnLst>
-        </p:cTn>
-      </p:par>
-    </p:tnLst>
-  </p:timing>
+  <mc:AlternateContent>
+    <mc:Choice Requires="p14">
+      <p:transition spd="slow" p14:dur="2000"/>
+    </mc:Choice>
+    <mc:Fallback>
+      <p:transition spd="slow"/>
+    </mc:Fallback>
+  </mc:AlternateContent>
 </p:sld>
 </file>
 
@@ -4192,14 +3968,14 @@
       </p:grpSpPr>
       <p:sp>
         <p:nvSpPr>
-          <p:cNvPr id="75" name="CustomShape 1"/>
+          <p:cNvPr id="74" name="CustomShape 1"/>
           <p:cNvSpPr/>
           <p:nvPr/>
         </p:nvSpPr>
         <p:spPr>
           <a:xfrm>
             <a:off x="6317280" y="280080"/>
-            <a:ext cx="2594880" cy="4277880"/>
+            <a:ext cx="2594520" cy="4277520"/>
           </a:xfrm>
           <a:prstGeom prst="rect">
             <a:avLst/>
@@ -4216,15 +3992,17 @@
           <a:fontRef idx="minor"/>
         </p:style>
         <p:txBody>
-          <a:bodyPr tIns="91440" bIns="91440"/>
-          <a:p>
-            <a:pPr>
-              <a:lnSpc>
-                <a:spcPct val="100000"/>
-              </a:lnSpc>
-            </a:pPr>
-            <a:r>
-              <a:rPr b="1" lang="pt-BR" sz="1800" spc="-1" strike="noStrike">
+          <a:bodyPr lIns="90000" rIns="90000" tIns="91440" bIns="91440">
+            <a:noAutofit/>
+          </a:bodyPr>
+          <a:p>
+            <a:pPr>
+              <a:lnSpc>
+                <a:spcPct val="100000"/>
+              </a:lnSpc>
+            </a:pPr>
+            <a:r>
+              <a:rPr b="1" lang="en-US" sz="1800" spc="-1" strike="noStrike">
                 <a:solidFill>
                   <a:srgbClr val="1a1a1a"/>
                 </a:solidFill>
@@ -4234,7 +4012,7 @@
               <a:t>Processo</a:t>
             </a:r>
             <a:r>
-              <a:rPr b="0" lang="pt-BR" sz="1800" spc="-1" strike="noStrike">
+              <a:rPr b="0" lang="en-US" sz="1800" spc="-1" strike="noStrike">
                 <a:solidFill>
                   <a:srgbClr val="1a1a1a"/>
                 </a:solidFill>
@@ -4243,18 +4021,18 @@
               </a:rPr>
               <a:t>: Informar Reclamações</a:t>
             </a:r>
-            <a:endParaRPr b="0" lang="pt-BR" sz="1800" spc="-1" strike="noStrike">
-              <a:latin typeface="Arial"/>
-            </a:endParaRPr>
-          </a:p>
-          <a:p>
-            <a:pPr>
-              <a:lnSpc>
-                <a:spcPct val="100000"/>
-              </a:lnSpc>
-            </a:pPr>
-            <a:r>
-              <a:rPr b="1" lang="pt-BR" sz="1800" spc="-1" strike="noStrike">
+            <a:endParaRPr b="0" lang="en-US" sz="1800" spc="-1" strike="noStrike">
+              <a:latin typeface="Arial"/>
+            </a:endParaRPr>
+          </a:p>
+          <a:p>
+            <a:pPr>
+              <a:lnSpc>
+                <a:spcPct val="100000"/>
+              </a:lnSpc>
+            </a:pPr>
+            <a:r>
+              <a:rPr b="1" lang="en-US" sz="1800" spc="-1" strike="noStrike">
                 <a:solidFill>
                   <a:srgbClr val="1a1a1a"/>
                 </a:solidFill>
@@ -4264,7 +4042,7 @@
               <a:t>Evento</a:t>
             </a:r>
             <a:r>
-              <a:rPr b="0" lang="pt-BR" sz="1800" spc="-1" strike="noStrike">
+              <a:rPr b="0" lang="en-US" sz="1800" spc="-1" strike="noStrike">
                 <a:solidFill>
                   <a:srgbClr val="1a1a1a"/>
                 </a:solidFill>
@@ -4273,18 +4051,18 @@
               </a:rPr>
               <a:t>: Balção recebe reclamação</a:t>
             </a:r>
-            <a:endParaRPr b="0" lang="pt-BR" sz="1800" spc="-1" strike="noStrike">
-              <a:latin typeface="Arial"/>
-            </a:endParaRPr>
-          </a:p>
-          <a:p>
-            <a:pPr>
-              <a:lnSpc>
-                <a:spcPct val="100000"/>
-              </a:lnSpc>
-            </a:pPr>
-            <a:r>
-              <a:rPr b="1" lang="pt-BR" sz="1800" spc="-1" strike="noStrike">
+            <a:endParaRPr b="0" lang="en-US" sz="1800" spc="-1" strike="noStrike">
+              <a:latin typeface="Arial"/>
+            </a:endParaRPr>
+          </a:p>
+          <a:p>
+            <a:pPr>
+              <a:lnSpc>
+                <a:spcPct val="100000"/>
+              </a:lnSpc>
+            </a:pPr>
+            <a:r>
+              <a:rPr b="1" lang="en-US" sz="1800" spc="-1" strike="noStrike">
                 <a:solidFill>
                   <a:srgbClr val="1a1a1a"/>
                 </a:solidFill>
@@ -4294,7 +4072,7 @@
               <a:t>Trabalhador Envolvido</a:t>
             </a:r>
             <a:r>
-              <a:rPr b="0" lang="pt-BR" sz="1800" spc="-1" strike="noStrike">
+              <a:rPr b="0" lang="en-US" sz="1800" spc="-1" strike="noStrike">
                 <a:solidFill>
                   <a:srgbClr val="1a1a1a"/>
                 </a:solidFill>
@@ -4303,37 +4081,47 @@
               </a:rPr>
               <a:t>: Atendente</a:t>
             </a:r>
-            <a:endParaRPr b="0" lang="pt-BR" sz="1800" spc="-1" strike="noStrike">
-              <a:latin typeface="Arial"/>
-            </a:endParaRPr>
-          </a:p>
-          <a:p>
-            <a:pPr>
-              <a:lnSpc>
-                <a:spcPct val="100000"/>
-              </a:lnSpc>
-            </a:pPr>
-            <a:endParaRPr b="0" lang="pt-BR" sz="1800" spc="-1" strike="noStrike">
-              <a:latin typeface="Arial"/>
-            </a:endParaRPr>
-          </a:p>
-          <a:p>
-            <a:pPr>
-              <a:lnSpc>
-                <a:spcPct val="100000"/>
-              </a:lnSpc>
-            </a:pPr>
-            <a:r>
-              <a:rPr b="0" lang="pt-BR" sz="2000" spc="-1" strike="noStrike">
-                <a:solidFill>
-                  <a:srgbClr val="1a1a1a"/>
-                </a:solidFill>
-                <a:latin typeface="Arial"/>
-                <a:ea typeface="Arial"/>
-              </a:rPr>
-              <a:t>1.Após receber a reclamação, o atendente deverá tomar as devidas providências.</a:t>
-            </a:r>
-            <a:endParaRPr b="0" lang="pt-BR" sz="2000" spc="-1" strike="noStrike">
+            <a:endParaRPr b="0" lang="en-US" sz="1800" spc="-1" strike="noStrike">
+              <a:latin typeface="Arial"/>
+            </a:endParaRPr>
+          </a:p>
+          <a:p>
+            <a:pPr>
+              <a:lnSpc>
+                <a:spcPct val="100000"/>
+              </a:lnSpc>
+            </a:pPr>
+            <a:endParaRPr b="0" lang="en-US" sz="1800" spc="-1" strike="noStrike">
+              <a:latin typeface="Arial"/>
+            </a:endParaRPr>
+          </a:p>
+          <a:p>
+            <a:pPr>
+              <a:lnSpc>
+                <a:spcPct val="100000"/>
+              </a:lnSpc>
+            </a:pPr>
+            <a:r>
+              <a:rPr b="1" lang="en-US" sz="2000" spc="-1" strike="noStrike">
+                <a:solidFill>
+                  <a:srgbClr val="1a1a1a"/>
+                </a:solidFill>
+                <a:latin typeface="Arial"/>
+                <a:ea typeface="Arial"/>
+              </a:rPr>
+              <a:t>1.</a:t>
+            </a:r>
+            <a:r>
+              <a:rPr b="0" lang="en-US" sz="2000" spc="-1" strike="noStrike">
+                <a:solidFill>
+                  <a:srgbClr val="1a1a1a"/>
+                </a:solidFill>
+                <a:latin typeface="Arial"/>
+                <a:ea typeface="Arial"/>
+              </a:rPr>
+              <a:t> Após receber a reclamação, o atendente deverá tomar as devidas providências.</a:t>
+            </a:r>
+            <a:endParaRPr b="0" lang="en-US" sz="2000" spc="-1" strike="noStrike">
               <a:latin typeface="Arial"/>
             </a:endParaRPr>
           </a:p>
@@ -4341,7 +4129,7 @@
       </p:sp>
       <p:pic>
         <p:nvPicPr>
-          <p:cNvPr id="76" name="" descr=""/>
+          <p:cNvPr id="75" name="" descr=""/>
           <p:cNvPicPr/>
           <p:nvPr/>
         </p:nvPicPr>
@@ -4352,7 +4140,7 @@
         <p:spPr>
           <a:xfrm>
             <a:off x="288000" y="216000"/>
-            <a:ext cx="5303520" cy="4680000"/>
+            <a:ext cx="5303160" cy="4679640"/>
           </a:xfrm>
           <a:prstGeom prst="rect">
             <a:avLst/>
@@ -4364,33 +4152,14 @@
       </p:pic>
     </p:spTree>
   </p:cSld>
-  <p:timing>
-    <p:tnLst>
-      <p:par>
-        <p:cTn id="37" dur="indefinite" restart="never" nodeType="tmRoot">
-          <p:childTnLst>
-            <p:seq>
-              <p:cTn id="38" dur="indefinite" nodeType="mainSeq"/>
-              <p:prevCondLst>
-                <p:cond delay="0" evt="onPrev">
-                  <p:tgtEl>
-                    <p:sldTgt/>
-                  </p:tgtEl>
-                </p:cond>
-              </p:prevCondLst>
-              <p:nextCondLst>
-                <p:cond delay="0" evt="onNext">
-                  <p:tgtEl>
-                    <p:sldTgt/>
-                  </p:tgtEl>
-                </p:cond>
-              </p:nextCondLst>
-            </p:seq>
-          </p:childTnLst>
-        </p:cTn>
-      </p:par>
-    </p:tnLst>
-  </p:timing>
+  <mc:AlternateContent>
+    <mc:Choice Requires="p14">
+      <p:transition spd="slow" p14:dur="2000"/>
+    </mc:Choice>
+    <mc:Fallback>
+      <p:transition spd="slow"/>
+    </mc:Fallback>
+  </mc:AlternateContent>
 </p:sld>
 </file>
 
@@ -4413,14 +4182,14 @@
       </p:grpSpPr>
       <p:sp>
         <p:nvSpPr>
-          <p:cNvPr id="41" name="CustomShape 1"/>
+          <p:cNvPr id="40" name="CustomShape 1"/>
           <p:cNvSpPr/>
           <p:nvPr/>
         </p:nvSpPr>
         <p:spPr>
           <a:xfrm>
             <a:off x="6317280" y="280080"/>
-            <a:ext cx="2594880" cy="4277880"/>
+            <a:ext cx="2594520" cy="4277520"/>
           </a:xfrm>
           <a:prstGeom prst="rect">
             <a:avLst/>
@@ -4437,15 +4206,17 @@
           <a:fontRef idx="minor"/>
         </p:style>
         <p:txBody>
-          <a:bodyPr tIns="91440" bIns="91440"/>
-          <a:p>
-            <a:pPr>
-              <a:lnSpc>
-                <a:spcPct val="100000"/>
-              </a:lnSpc>
-            </a:pPr>
-            <a:r>
-              <a:rPr b="1" lang="pt-BR" sz="1800" spc="-1" strike="noStrike">
+          <a:bodyPr lIns="90000" rIns="90000" tIns="91440" bIns="91440">
+            <a:noAutofit/>
+          </a:bodyPr>
+          <a:p>
+            <a:pPr>
+              <a:lnSpc>
+                <a:spcPct val="100000"/>
+              </a:lnSpc>
+            </a:pPr>
+            <a:r>
+              <a:rPr b="1" lang="en-US" sz="1800" spc="-1" strike="noStrike">
                 <a:solidFill>
                   <a:srgbClr val="1a1a1a"/>
                 </a:solidFill>
@@ -4455,7 +4226,7 @@
               <a:t>Processo</a:t>
             </a:r>
             <a:r>
-              <a:rPr b="0" lang="pt-BR" sz="1800" spc="-1" strike="noStrike">
+              <a:rPr b="0" lang="en-US" sz="1800" spc="-1" strike="noStrike">
                 <a:solidFill>
                   <a:srgbClr val="1a1a1a"/>
                 </a:solidFill>
@@ -4464,18 +4235,18 @@
               </a:rPr>
               <a:t>: Anotar Pedido</a:t>
             </a:r>
-            <a:endParaRPr b="0" lang="pt-BR" sz="1800" spc="-1" strike="noStrike">
-              <a:latin typeface="Arial"/>
-            </a:endParaRPr>
-          </a:p>
-          <a:p>
-            <a:pPr>
-              <a:lnSpc>
-                <a:spcPct val="100000"/>
-              </a:lnSpc>
-            </a:pPr>
-            <a:r>
-              <a:rPr b="1" lang="pt-BR" sz="1800" spc="-1" strike="noStrike">
+            <a:endParaRPr b="0" lang="en-US" sz="1800" spc="-1" strike="noStrike">
+              <a:latin typeface="Arial"/>
+            </a:endParaRPr>
+          </a:p>
+          <a:p>
+            <a:pPr>
+              <a:lnSpc>
+                <a:spcPct val="100000"/>
+              </a:lnSpc>
+            </a:pPr>
+            <a:r>
+              <a:rPr b="1" lang="en-US" sz="1800" spc="-1" strike="noStrike">
                 <a:solidFill>
                   <a:srgbClr val="1a1a1a"/>
                 </a:solidFill>
@@ -4485,7 +4256,7 @@
               <a:t>Evento</a:t>
             </a:r>
             <a:r>
-              <a:rPr b="0" lang="pt-BR" sz="1800" spc="-1" strike="noStrike">
+              <a:rPr b="0" lang="en-US" sz="1800" spc="-1" strike="noStrike">
                 <a:solidFill>
                   <a:srgbClr val="1a1a1a"/>
                 </a:solidFill>
@@ -4494,18 +4265,18 @@
               </a:rPr>
               <a:t>: Cliente realiza pedido</a:t>
             </a:r>
-            <a:endParaRPr b="0" lang="pt-BR" sz="1800" spc="-1" strike="noStrike">
-              <a:latin typeface="Arial"/>
-            </a:endParaRPr>
-          </a:p>
-          <a:p>
-            <a:pPr>
-              <a:lnSpc>
-                <a:spcPct val="100000"/>
-              </a:lnSpc>
-            </a:pPr>
-            <a:r>
-              <a:rPr b="1" lang="pt-BR" sz="1800" spc="-1" strike="noStrike">
+            <a:endParaRPr b="0" lang="en-US" sz="1800" spc="-1" strike="noStrike">
+              <a:latin typeface="Arial"/>
+            </a:endParaRPr>
+          </a:p>
+          <a:p>
+            <a:pPr>
+              <a:lnSpc>
+                <a:spcPct val="100000"/>
+              </a:lnSpc>
+            </a:pPr>
+            <a:r>
+              <a:rPr b="1" lang="en-US" sz="1800" spc="-1" strike="noStrike">
                 <a:solidFill>
                   <a:srgbClr val="1a1a1a"/>
                 </a:solidFill>
@@ -4515,7 +4286,7 @@
               <a:t>Trabalhador Envolvido</a:t>
             </a:r>
             <a:r>
-              <a:rPr b="0" lang="pt-BR" sz="1800" spc="-1" strike="noStrike">
+              <a:rPr b="0" lang="en-US" sz="1800" spc="-1" strike="noStrike">
                 <a:solidFill>
                   <a:srgbClr val="1a1a1a"/>
                 </a:solidFill>
@@ -4524,77 +4295,107 @@
               </a:rPr>
               <a:t>: Garçom</a:t>
             </a:r>
-            <a:endParaRPr b="0" lang="pt-BR" sz="1800" spc="-1" strike="noStrike">
-              <a:latin typeface="Arial"/>
-            </a:endParaRPr>
-          </a:p>
-          <a:p>
-            <a:pPr>
-              <a:lnSpc>
-                <a:spcPct val="100000"/>
-              </a:lnSpc>
-            </a:pPr>
-            <a:endParaRPr b="0" lang="pt-BR" sz="1800" spc="-1" strike="noStrike">
-              <a:latin typeface="Arial"/>
-            </a:endParaRPr>
-          </a:p>
-          <a:p>
-            <a:pPr>
-              <a:lnSpc>
-                <a:spcPct val="100000"/>
-              </a:lnSpc>
-            </a:pPr>
-            <a:r>
-              <a:rPr b="0" lang="pt-BR" sz="1800" spc="-1" strike="noStrike">
-                <a:solidFill>
-                  <a:srgbClr val="1a1a1a"/>
-                </a:solidFill>
-                <a:latin typeface="Arial"/>
-                <a:ea typeface="Arial"/>
-              </a:rPr>
-              <a:t>1. Verificar se o pedido realizado pelo cliente pode ser atendido.</a:t>
-            </a:r>
-            <a:endParaRPr b="0" lang="pt-BR" sz="1800" spc="-1" strike="noStrike">
-              <a:latin typeface="Arial"/>
-            </a:endParaRPr>
-          </a:p>
-          <a:p>
-            <a:pPr>
-              <a:lnSpc>
-                <a:spcPct val="100000"/>
-              </a:lnSpc>
-            </a:pPr>
-            <a:r>
-              <a:rPr b="0" lang="pt-BR" sz="1800" spc="-1" strike="noStrike">
-                <a:solidFill>
-                  <a:srgbClr val="1a1a1a"/>
-                </a:solidFill>
-                <a:latin typeface="Arial"/>
-                <a:ea typeface="Arial"/>
-              </a:rPr>
-              <a:t>1.1. Se algum item não puder ser atendido, recusar o pedido e finalizar.</a:t>
-            </a:r>
-            <a:endParaRPr b="0" lang="pt-BR" sz="1800" spc="-1" strike="noStrike">
-              <a:latin typeface="Arial"/>
-            </a:endParaRPr>
-          </a:p>
-          <a:p>
-            <a:pPr>
-              <a:lnSpc>
-                <a:spcPct val="100000"/>
-              </a:lnSpc>
-            </a:pPr>
-            <a:r>
-              <a:rPr b="0" lang="pt-BR" sz="1800" spc="-1" strike="noStrike">
-                <a:solidFill>
-                  <a:srgbClr val="1a1a1a"/>
-                </a:solidFill>
-                <a:latin typeface="Arial"/>
-                <a:ea typeface="Arial"/>
-              </a:rPr>
-              <a:t>2. Criar um novo pedido.</a:t>
-            </a:r>
-            <a:endParaRPr b="0" lang="pt-BR" sz="1800" spc="-1" strike="noStrike">
+            <a:endParaRPr b="0" lang="en-US" sz="1800" spc="-1" strike="noStrike">
+              <a:latin typeface="Arial"/>
+            </a:endParaRPr>
+          </a:p>
+          <a:p>
+            <a:pPr>
+              <a:lnSpc>
+                <a:spcPct val="100000"/>
+              </a:lnSpc>
+            </a:pPr>
+            <a:endParaRPr b="0" lang="en-US" sz="1800" spc="-1" strike="noStrike">
+              <a:latin typeface="Arial"/>
+            </a:endParaRPr>
+          </a:p>
+          <a:p>
+            <a:pPr>
+              <a:lnSpc>
+                <a:spcPct val="100000"/>
+              </a:lnSpc>
+            </a:pPr>
+            <a:r>
+              <a:rPr b="1" lang="en-US" sz="1800" spc="-1" strike="noStrike">
+                <a:solidFill>
+                  <a:srgbClr val="1a1a1a"/>
+                </a:solidFill>
+                <a:latin typeface="Arial"/>
+                <a:ea typeface="Arial"/>
+              </a:rPr>
+              <a:t>1.</a:t>
+            </a:r>
+            <a:r>
+              <a:rPr b="0" lang="en-US" sz="1800" spc="-1" strike="noStrike">
+                <a:solidFill>
+                  <a:srgbClr val="1a1a1a"/>
+                </a:solidFill>
+                <a:latin typeface="Arial"/>
+                <a:ea typeface="Arial"/>
+              </a:rPr>
+              <a:t> Verificar se o pedido realizado pelo cliente pode ser atendido.</a:t>
+            </a:r>
+            <a:endParaRPr b="0" lang="en-US" sz="1800" spc="-1" strike="noStrike">
+              <a:latin typeface="Arial"/>
+            </a:endParaRPr>
+          </a:p>
+          <a:p>
+            <a:pPr>
+              <a:lnSpc>
+                <a:spcPct val="100000"/>
+              </a:lnSpc>
+            </a:pPr>
+            <a:r>
+              <a:rPr b="1" lang="en-US" sz="1800" spc="-1" strike="noStrike">
+                <a:solidFill>
+                  <a:srgbClr val="1a1a1a"/>
+                </a:solidFill>
+                <a:latin typeface="Arial"/>
+                <a:ea typeface="Arial"/>
+              </a:rPr>
+              <a:t>1.1.</a:t>
+            </a:r>
+            <a:r>
+              <a:rPr b="0" lang="en-US" sz="1800" spc="-1" strike="noStrike">
+                <a:solidFill>
+                  <a:srgbClr val="1a1a1a"/>
+                </a:solidFill>
+                <a:latin typeface="Arial"/>
+                <a:ea typeface="Arial"/>
+              </a:rPr>
+              <a:t> Se algum item não puder ser atendido, recusar o pedido e finalizar.</a:t>
+            </a:r>
+            <a:endParaRPr b="0" lang="en-US" sz="1800" spc="-1" strike="noStrike">
+              <a:latin typeface="Arial"/>
+            </a:endParaRPr>
+          </a:p>
+          <a:p>
+            <a:pPr>
+              <a:lnSpc>
+                <a:spcPct val="100000"/>
+              </a:lnSpc>
+            </a:pPr>
+            <a:r>
+              <a:rPr b="1" lang="en-US" sz="1800" spc="-1" strike="noStrike">
+                <a:solidFill>
+                  <a:srgbClr val="1a1a1a"/>
+                </a:solidFill>
+                <a:latin typeface="Arial"/>
+                <a:ea typeface="Arial"/>
+              </a:rPr>
+              <a:t>2.</a:t>
+            </a:r>
+            <a:r>
+              <a:rPr b="0" lang="en-US" sz="1800" spc="-1" strike="noStrike">
+                <a:solidFill>
+                  <a:srgbClr val="1a1a1a"/>
+                </a:solidFill>
+                <a:latin typeface="Arial"/>
+                <a:ea typeface="Arial"/>
+              </a:rPr>
+              <a:t> Criar um novo pedido.</a:t>
+            </a:r>
+            <a:endParaRPr b="0" lang="en-US" sz="1800" spc="-1" strike="noStrike">
               <a:latin typeface="Arial"/>
             </a:endParaRPr>
           </a:p>
@@ -4602,7 +4403,7 @@
       </p:sp>
       <p:pic>
         <p:nvPicPr>
-          <p:cNvPr id="42" name="" descr=""/>
+          <p:cNvPr id="41" name="" descr=""/>
           <p:cNvPicPr/>
           <p:nvPr/>
         </p:nvPicPr>
@@ -4613,7 +4414,7 @@
         <p:spPr>
           <a:xfrm>
             <a:off x="594000" y="385920"/>
-            <a:ext cx="5526360" cy="3934440"/>
+            <a:ext cx="5526000" cy="3934080"/>
           </a:xfrm>
           <a:prstGeom prst="rect">
             <a:avLst/>
@@ -4625,33 +4426,14 @@
       </p:pic>
     </p:spTree>
   </p:cSld>
-  <p:timing>
-    <p:tnLst>
-      <p:par>
-        <p:cTn id="3" dur="indefinite" restart="never" nodeType="tmRoot">
-          <p:childTnLst>
-            <p:seq>
-              <p:cTn id="4" dur="indefinite" nodeType="mainSeq"/>
-              <p:prevCondLst>
-                <p:cond delay="0" evt="onPrev">
-                  <p:tgtEl>
-                    <p:sldTgt/>
-                  </p:tgtEl>
-                </p:cond>
-              </p:prevCondLst>
-              <p:nextCondLst>
-                <p:cond delay="0" evt="onNext">
-                  <p:tgtEl>
-                    <p:sldTgt/>
-                  </p:tgtEl>
-                </p:cond>
-              </p:nextCondLst>
-            </p:seq>
-          </p:childTnLst>
-        </p:cTn>
-      </p:par>
-    </p:tnLst>
-  </p:timing>
+  <mc:AlternateContent>
+    <mc:Choice Requires="p14">
+      <p:transition spd="slow" p14:dur="2000"/>
+    </mc:Choice>
+    <mc:Fallback>
+      <p:transition spd="slow"/>
+    </mc:Fallback>
+  </mc:AlternateContent>
 </p:sld>
 </file>
 
@@ -4674,14 +4456,14 @@
       </p:grpSpPr>
       <p:sp>
         <p:nvSpPr>
-          <p:cNvPr id="77" name="CustomShape 1"/>
+          <p:cNvPr id="76" name="CustomShape 1"/>
           <p:cNvSpPr/>
           <p:nvPr/>
         </p:nvSpPr>
         <p:spPr>
           <a:xfrm>
             <a:off x="6317280" y="280080"/>
-            <a:ext cx="2594880" cy="4277880"/>
+            <a:ext cx="2594520" cy="4277520"/>
           </a:xfrm>
           <a:prstGeom prst="rect">
             <a:avLst/>
@@ -4698,15 +4480,17 @@
           <a:fontRef idx="minor"/>
         </p:style>
         <p:txBody>
-          <a:bodyPr tIns="91440" bIns="91440"/>
-          <a:p>
-            <a:pPr>
-              <a:lnSpc>
-                <a:spcPct val="100000"/>
-              </a:lnSpc>
-            </a:pPr>
-            <a:r>
-              <a:rPr b="1" lang="pt-BR" sz="1800" spc="-1" strike="noStrike">
+          <a:bodyPr lIns="90000" rIns="90000" tIns="91440" bIns="91440">
+            <a:noAutofit/>
+          </a:bodyPr>
+          <a:p>
+            <a:pPr>
+              <a:lnSpc>
+                <a:spcPct val="100000"/>
+              </a:lnSpc>
+            </a:pPr>
+            <a:r>
+              <a:rPr b="1" lang="en-US" sz="1800" spc="-1" strike="noStrike">
                 <a:solidFill>
                   <a:srgbClr val="1a1a1a"/>
                 </a:solidFill>
@@ -4716,37 +4500,27 @@
               <a:t>Processo</a:t>
             </a:r>
             <a:r>
-              <a:rPr b="0" lang="pt-BR" sz="1800" spc="-1" strike="noStrike">
-                <a:solidFill>
-                  <a:srgbClr val="1a1a1a"/>
-                </a:solidFill>
-                <a:latin typeface="Arial"/>
-                <a:ea typeface="Arial"/>
-              </a:rPr>
-              <a:t>: Receber </a:t>
-            </a:r>
-            <a:r>
-              <a:rPr b="0" lang="pt-BR" sz="1800" spc="-1" strike="noStrike">
-                <a:solidFill>
-                  <a:srgbClr val="1a1a1a"/>
-                </a:solidFill>
-                <a:latin typeface="Arial"/>
-                <a:ea typeface="Arial"/>
-              </a:rPr>
-              <a:t>lista de produtos</a:t>
-            </a:r>
-            <a:endParaRPr b="0" lang="pt-BR" sz="1800" spc="-1" strike="noStrike">
-              <a:latin typeface="Arial"/>
-            </a:endParaRPr>
-          </a:p>
-          <a:p>
-            <a:pPr>
-              <a:lnSpc>
-                <a:spcPct val="100000"/>
-              </a:lnSpc>
-            </a:pPr>
-            <a:r>
-              <a:rPr b="1" lang="pt-BR" sz="1800" spc="-1" strike="noStrike">
+              <a:rPr b="0" lang="en-US" sz="1800" spc="-1" strike="noStrike">
+                <a:solidFill>
+                  <a:srgbClr val="1a1a1a"/>
+                </a:solidFill>
+                <a:latin typeface="Arial"/>
+                <a:ea typeface="Arial"/>
+              </a:rPr>
+              <a:t>: Receber lista de produtos</a:t>
+            </a:r>
+            <a:endParaRPr b="0" lang="en-US" sz="1800" spc="-1" strike="noStrike">
+              <a:latin typeface="Arial"/>
+            </a:endParaRPr>
+          </a:p>
+          <a:p>
+            <a:pPr>
+              <a:lnSpc>
+                <a:spcPct val="100000"/>
+              </a:lnSpc>
+            </a:pPr>
+            <a:r>
+              <a:rPr b="1" lang="en-US" sz="1800" spc="-1" strike="noStrike">
                 <a:solidFill>
                   <a:srgbClr val="1a1a1a"/>
                 </a:solidFill>
@@ -4756,57 +4530,37 @@
               <a:t>Evento</a:t>
             </a:r>
             <a:r>
-              <a:rPr b="0" lang="pt-BR" sz="1800" spc="-1" strike="noStrike">
-                <a:solidFill>
-                  <a:srgbClr val="1a1a1a"/>
-                </a:solidFill>
-                <a:latin typeface="Arial"/>
-                <a:ea typeface="Arial"/>
-              </a:rPr>
-              <a:t>: Gerente </a:t>
-            </a:r>
-            <a:r>
-              <a:rPr b="0" lang="pt-BR" sz="1800" spc="-1" strike="noStrike">
-                <a:solidFill>
-                  <a:srgbClr val="1a1a1a"/>
-                </a:solidFill>
-                <a:latin typeface="Arial"/>
-                <a:ea typeface="Arial"/>
-              </a:rPr>
-              <a:t>solicita lista de produtos</a:t>
-            </a:r>
-            <a:endParaRPr b="0" lang="pt-BR" sz="1800" spc="-1" strike="noStrike">
-              <a:latin typeface="Arial"/>
-            </a:endParaRPr>
-          </a:p>
-          <a:p>
-            <a:pPr>
-              <a:lnSpc>
-                <a:spcPct val="100000"/>
-              </a:lnSpc>
-            </a:pPr>
-            <a:r>
-              <a:rPr b="1" lang="pt-BR" sz="1800" spc="-1" strike="noStrike">
-                <a:solidFill>
-                  <a:srgbClr val="1a1a1a"/>
-                </a:solidFill>
-                <a:latin typeface="Arial"/>
-                <a:ea typeface="Arial"/>
-              </a:rPr>
-              <a:t>Trabalhador </a:t>
-            </a:r>
-            <a:r>
-              <a:rPr b="1" lang="pt-BR" sz="1800" spc="-1" strike="noStrike">
-                <a:solidFill>
-                  <a:srgbClr val="1a1a1a"/>
-                </a:solidFill>
-                <a:latin typeface="Arial"/>
-                <a:ea typeface="Arial"/>
-              </a:rPr>
-              <a:t>Envolvido</a:t>
-            </a:r>
-            <a:r>
-              <a:rPr b="0" lang="pt-BR" sz="1800" spc="-1" strike="noStrike">
+              <a:rPr b="0" lang="en-US" sz="1800" spc="-1" strike="noStrike">
+                <a:solidFill>
+                  <a:srgbClr val="1a1a1a"/>
+                </a:solidFill>
+                <a:latin typeface="Arial"/>
+                <a:ea typeface="Arial"/>
+              </a:rPr>
+              <a:t>: Gerente solicita lista de produtos</a:t>
+            </a:r>
+            <a:endParaRPr b="0" lang="en-US" sz="1800" spc="-1" strike="noStrike">
+              <a:latin typeface="Arial"/>
+            </a:endParaRPr>
+          </a:p>
+          <a:p>
+            <a:pPr>
+              <a:lnSpc>
+                <a:spcPct val="100000"/>
+              </a:lnSpc>
+            </a:pPr>
+            <a:r>
+              <a:rPr b="1" lang="en-US" sz="1800" spc="-1" strike="noStrike">
+                <a:solidFill>
+                  <a:srgbClr val="1a1a1a"/>
+                </a:solidFill>
+                <a:latin typeface="Arial"/>
+                <a:ea typeface="Arial"/>
+              </a:rPr>
+              <a:t>Trabalhador Envolvido</a:t>
+            </a:r>
+            <a:r>
+              <a:rPr b="0" lang="en-US" sz="1800" spc="-1" strike="noStrike">
                 <a:solidFill>
                   <a:srgbClr val="1a1a1a"/>
                 </a:solidFill>
@@ -4815,67 +4569,47 @@
               </a:rPr>
               <a:t>: Gerente</a:t>
             </a:r>
-            <a:endParaRPr b="0" lang="pt-BR" sz="1800" spc="-1" strike="noStrike">
-              <a:latin typeface="Arial"/>
-            </a:endParaRPr>
-          </a:p>
-          <a:p>
-            <a:pPr>
-              <a:lnSpc>
-                <a:spcPct val="100000"/>
-              </a:lnSpc>
-            </a:pPr>
-            <a:endParaRPr b="0" lang="pt-BR" sz="1800" spc="-1" strike="noStrike">
-              <a:latin typeface="Arial"/>
-            </a:endParaRPr>
-          </a:p>
-          <a:p>
-            <a:pPr>
-              <a:lnSpc>
-                <a:spcPct val="100000"/>
-              </a:lnSpc>
-            </a:pPr>
-            <a:r>
-              <a:rPr b="0" lang="pt-BR" sz="2000" spc="-1" strike="noStrike">
-                <a:solidFill>
-                  <a:srgbClr val="1a1a1a"/>
-                </a:solidFill>
-                <a:latin typeface="Arial"/>
-                <a:ea typeface="Arial"/>
-              </a:rPr>
-              <a:t>1.O Gerente deve </a:t>
-            </a:r>
-            <a:r>
-              <a:rPr b="0" lang="pt-BR" sz="2000" spc="-1" strike="noStrike">
-                <a:solidFill>
-                  <a:srgbClr val="1a1a1a"/>
-                </a:solidFill>
-                <a:latin typeface="Arial"/>
-                <a:ea typeface="Arial"/>
-              </a:rPr>
-              <a:t>listar os produtos </a:t>
-            </a:r>
-            <a:r>
-              <a:rPr b="0" lang="pt-BR" sz="2000" spc="-1" strike="noStrike">
-                <a:solidFill>
-                  <a:srgbClr val="1a1a1a"/>
-                </a:solidFill>
-                <a:latin typeface="Arial"/>
-                <a:ea typeface="Arial"/>
-              </a:rPr>
-              <a:t>que estão faltando </a:t>
-            </a:r>
-            <a:r>
-              <a:rPr b="0" lang="pt-BR" sz="2000" spc="-1" strike="noStrike">
-                <a:solidFill>
-                  <a:srgbClr val="1a1a1a"/>
-                </a:solidFill>
-                <a:latin typeface="Arial"/>
-                <a:ea typeface="Arial"/>
-              </a:rPr>
-              <a:t>em seu estoque.</a:t>
-            </a:r>
-            <a:endParaRPr b="0" lang="pt-BR" sz="2000" spc="-1" strike="noStrike">
+            <a:endParaRPr b="0" lang="en-US" sz="1800" spc="-1" strike="noStrike">
+              <a:latin typeface="Arial"/>
+            </a:endParaRPr>
+          </a:p>
+          <a:p>
+            <a:pPr>
+              <a:lnSpc>
+                <a:spcPct val="100000"/>
+              </a:lnSpc>
+            </a:pPr>
+            <a:endParaRPr b="0" lang="en-US" sz="1800" spc="-1" strike="noStrike">
+              <a:latin typeface="Arial"/>
+            </a:endParaRPr>
+          </a:p>
+          <a:p>
+            <a:pPr>
+              <a:lnSpc>
+                <a:spcPct val="100000"/>
+              </a:lnSpc>
+            </a:pPr>
+            <a:r>
+              <a:rPr b="1" lang="en-US" sz="2000" spc="-1" strike="noStrike">
+                <a:solidFill>
+                  <a:srgbClr val="1a1a1a"/>
+                </a:solidFill>
+                <a:latin typeface="Arial"/>
+                <a:ea typeface="Arial"/>
+              </a:rPr>
+              <a:t>1.</a:t>
+            </a:r>
+            <a:r>
+              <a:rPr b="0" lang="en-US" sz="2000" spc="-1" strike="noStrike">
+                <a:solidFill>
+                  <a:srgbClr val="1a1a1a"/>
+                </a:solidFill>
+                <a:latin typeface="Arial"/>
+                <a:ea typeface="Arial"/>
+              </a:rPr>
+              <a:t> O Gerente deve listar os produtos que estão faltando em seu estoque.</a:t>
+            </a:r>
+            <a:endParaRPr b="0" lang="en-US" sz="2000" spc="-1" strike="noStrike">
               <a:latin typeface="Arial"/>
             </a:endParaRPr>
           </a:p>
@@ -4883,7 +4617,7 @@
       </p:sp>
       <p:pic>
         <p:nvPicPr>
-          <p:cNvPr id="78" name="" descr=""/>
+          <p:cNvPr id="77" name="" descr=""/>
           <p:cNvPicPr/>
           <p:nvPr/>
         </p:nvPicPr>
@@ -4894,7 +4628,7 @@
         <p:spPr>
           <a:xfrm>
             <a:off x="406800" y="144000"/>
-            <a:ext cx="5641200" cy="4499280"/>
+            <a:ext cx="5640840" cy="4498920"/>
           </a:xfrm>
           <a:prstGeom prst="rect">
             <a:avLst/>
@@ -4906,33 +4640,14 @@
       </p:pic>
     </p:spTree>
   </p:cSld>
-  <p:timing>
-    <p:tnLst>
-      <p:par>
-        <p:cTn id="39" dur="indefinite" restart="never" nodeType="tmRoot">
-          <p:childTnLst>
-            <p:seq>
-              <p:cTn id="40" dur="indefinite" nodeType="mainSeq"/>
-              <p:prevCondLst>
-                <p:cond delay="0" evt="onPrev">
-                  <p:tgtEl>
-                    <p:sldTgt/>
-                  </p:tgtEl>
-                </p:cond>
-              </p:prevCondLst>
-              <p:nextCondLst>
-                <p:cond delay="0" evt="onNext">
-                  <p:tgtEl>
-                    <p:sldTgt/>
-                  </p:tgtEl>
-                </p:cond>
-              </p:nextCondLst>
-            </p:seq>
-          </p:childTnLst>
-        </p:cTn>
-      </p:par>
-    </p:tnLst>
-  </p:timing>
+  <mc:AlternateContent>
+    <mc:Choice Requires="p14">
+      <p:transition spd="slow" p14:dur="2000"/>
+    </mc:Choice>
+    <mc:Fallback>
+      <p:transition spd="slow"/>
+    </mc:Fallback>
+  </mc:AlternateContent>
 </p:sld>
 </file>
 
@@ -4955,14 +4670,14 @@
       </p:grpSpPr>
       <p:sp>
         <p:nvSpPr>
-          <p:cNvPr id="79" name="CustomShape 1"/>
+          <p:cNvPr id="78" name="CustomShape 1"/>
           <p:cNvSpPr/>
           <p:nvPr/>
         </p:nvSpPr>
         <p:spPr>
           <a:xfrm>
             <a:off x="6317280" y="280080"/>
-            <a:ext cx="2594880" cy="4277880"/>
+            <a:ext cx="2594520" cy="4277520"/>
           </a:xfrm>
           <a:prstGeom prst="rect">
             <a:avLst/>
@@ -4979,15 +4694,17 @@
           <a:fontRef idx="minor"/>
         </p:style>
         <p:txBody>
-          <a:bodyPr tIns="91440" bIns="91440"/>
-          <a:p>
-            <a:pPr>
-              <a:lnSpc>
-                <a:spcPct val="100000"/>
-              </a:lnSpc>
-            </a:pPr>
-            <a:r>
-              <a:rPr b="1" lang="pt-BR" sz="1800" spc="-1" strike="noStrike">
+          <a:bodyPr lIns="90000" rIns="90000" tIns="91440" bIns="91440">
+            <a:noAutofit/>
+          </a:bodyPr>
+          <a:p>
+            <a:pPr>
+              <a:lnSpc>
+                <a:spcPct val="100000"/>
+              </a:lnSpc>
+            </a:pPr>
+            <a:r>
+              <a:rPr b="1" lang="en-US" sz="1800" spc="-1" strike="noStrike">
                 <a:solidFill>
                   <a:srgbClr val="1a1a1a"/>
                 </a:solidFill>
@@ -4997,7 +4714,7 @@
               <a:t>Processo</a:t>
             </a:r>
             <a:r>
-              <a:rPr b="0" lang="pt-BR" sz="1800" spc="-1" strike="noStrike">
+              <a:rPr b="0" lang="en-US" sz="1800" spc="-1" strike="noStrike">
                 <a:solidFill>
                   <a:srgbClr val="1a1a1a"/>
                 </a:solidFill>
@@ -5006,18 +4723,18 @@
               </a:rPr>
               <a:t>: Enviar pagamento dos Produtos</a:t>
             </a:r>
-            <a:endParaRPr b="0" lang="pt-BR" sz="1800" spc="-1" strike="noStrike">
-              <a:latin typeface="Arial"/>
-            </a:endParaRPr>
-          </a:p>
-          <a:p>
-            <a:pPr>
-              <a:lnSpc>
-                <a:spcPct val="100000"/>
-              </a:lnSpc>
-            </a:pPr>
-            <a:r>
-              <a:rPr b="1" lang="pt-BR" sz="1800" spc="-1" strike="noStrike">
+            <a:endParaRPr b="0" lang="en-US" sz="1800" spc="-1" strike="noStrike">
+              <a:latin typeface="Arial"/>
+            </a:endParaRPr>
+          </a:p>
+          <a:p>
+            <a:pPr>
+              <a:lnSpc>
+                <a:spcPct val="100000"/>
+              </a:lnSpc>
+            </a:pPr>
+            <a:r>
+              <a:rPr b="1" lang="en-US" sz="1800" spc="-1" strike="noStrike">
                 <a:solidFill>
                   <a:srgbClr val="1a1a1a"/>
                 </a:solidFill>
@@ -5027,7 +4744,7 @@
               <a:t>Evento</a:t>
             </a:r>
             <a:r>
-              <a:rPr b="0" lang="pt-BR" sz="1800" spc="-1" strike="noStrike">
+              <a:rPr b="0" lang="en-US" sz="1800" spc="-1" strike="noStrike">
                 <a:solidFill>
                   <a:srgbClr val="1a1a1a"/>
                 </a:solidFill>
@@ -5036,18 +4753,18 @@
               </a:rPr>
               <a:t>: Caixa envia pagamento</a:t>
             </a:r>
-            <a:endParaRPr b="0" lang="pt-BR" sz="1800" spc="-1" strike="noStrike">
-              <a:latin typeface="Arial"/>
-            </a:endParaRPr>
-          </a:p>
-          <a:p>
-            <a:pPr>
-              <a:lnSpc>
-                <a:spcPct val="100000"/>
-              </a:lnSpc>
-            </a:pPr>
-            <a:r>
-              <a:rPr b="1" lang="pt-BR" sz="1800" spc="-1" strike="noStrike">
+            <a:endParaRPr b="0" lang="en-US" sz="1800" spc="-1" strike="noStrike">
+              <a:latin typeface="Arial"/>
+            </a:endParaRPr>
+          </a:p>
+          <a:p>
+            <a:pPr>
+              <a:lnSpc>
+                <a:spcPct val="100000"/>
+              </a:lnSpc>
+            </a:pPr>
+            <a:r>
+              <a:rPr b="1" lang="en-US" sz="1800" spc="-1" strike="noStrike">
                 <a:solidFill>
                   <a:srgbClr val="1a1a1a"/>
                 </a:solidFill>
@@ -5057,7 +4774,7 @@
               <a:t>Trabalhador Envolvido</a:t>
             </a:r>
             <a:r>
-              <a:rPr b="0" lang="pt-BR" sz="1800" spc="-1" strike="noStrike">
+              <a:rPr b="0" lang="en-US" sz="1800" spc="-1" strike="noStrike">
                 <a:solidFill>
                   <a:srgbClr val="1a1a1a"/>
                 </a:solidFill>
@@ -5066,47 +4783,57 @@
               </a:rPr>
               <a:t>: Gerente</a:t>
             </a:r>
-            <a:endParaRPr b="0" lang="pt-BR" sz="1800" spc="-1" strike="noStrike">
-              <a:latin typeface="Arial"/>
-            </a:endParaRPr>
-          </a:p>
-          <a:p>
-            <a:pPr>
-              <a:lnSpc>
-                <a:spcPct val="100000"/>
-              </a:lnSpc>
-            </a:pPr>
-            <a:endParaRPr b="0" lang="pt-BR" sz="1800" spc="-1" strike="noStrike">
-              <a:latin typeface="Arial"/>
-            </a:endParaRPr>
-          </a:p>
-          <a:p>
-            <a:pPr>
-              <a:lnSpc>
-                <a:spcPct val="100000"/>
-              </a:lnSpc>
-            </a:pPr>
-            <a:r>
-              <a:rPr b="0" lang="pt-BR" sz="2000" spc="-1" strike="noStrike">
-                <a:solidFill>
-                  <a:srgbClr val="1a1a1a"/>
-                </a:solidFill>
-                <a:latin typeface="Arial"/>
-                <a:ea typeface="Arial"/>
-              </a:rPr>
-              <a:t>1.Após receber o orçamento da lista de produtos, o gerente irá enviar o pagamento necessário.</a:t>
-            </a:r>
-            <a:endParaRPr b="0" lang="pt-BR" sz="2000" spc="-1" strike="noStrike">
-              <a:latin typeface="Arial"/>
-            </a:endParaRPr>
-          </a:p>
-          <a:p>
-            <a:pPr>
-              <a:lnSpc>
-                <a:spcPct val="100000"/>
-              </a:lnSpc>
-            </a:pPr>
-            <a:endParaRPr b="0" lang="pt-BR" sz="2000" spc="-1" strike="noStrike">
+            <a:endParaRPr b="0" lang="en-US" sz="1800" spc="-1" strike="noStrike">
+              <a:latin typeface="Arial"/>
+            </a:endParaRPr>
+          </a:p>
+          <a:p>
+            <a:pPr>
+              <a:lnSpc>
+                <a:spcPct val="100000"/>
+              </a:lnSpc>
+            </a:pPr>
+            <a:endParaRPr b="0" lang="en-US" sz="1800" spc="-1" strike="noStrike">
+              <a:latin typeface="Arial"/>
+            </a:endParaRPr>
+          </a:p>
+          <a:p>
+            <a:pPr>
+              <a:lnSpc>
+                <a:spcPct val="100000"/>
+              </a:lnSpc>
+            </a:pPr>
+            <a:r>
+              <a:rPr b="1" lang="en-US" sz="2000" spc="-1" strike="noStrike">
+                <a:solidFill>
+                  <a:srgbClr val="1a1a1a"/>
+                </a:solidFill>
+                <a:latin typeface="Arial"/>
+                <a:ea typeface="Arial"/>
+              </a:rPr>
+              <a:t>1.</a:t>
+            </a:r>
+            <a:r>
+              <a:rPr b="0" lang="en-US" sz="2000" spc="-1" strike="noStrike">
+                <a:solidFill>
+                  <a:srgbClr val="1a1a1a"/>
+                </a:solidFill>
+                <a:latin typeface="Arial"/>
+                <a:ea typeface="Arial"/>
+              </a:rPr>
+              <a:t> Após receber o orçamento da lista de produtos, o gerente irá enviar o pagamento necessário.</a:t>
+            </a:r>
+            <a:endParaRPr b="0" lang="en-US" sz="2000" spc="-1" strike="noStrike">
+              <a:latin typeface="Arial"/>
+            </a:endParaRPr>
+          </a:p>
+          <a:p>
+            <a:pPr>
+              <a:lnSpc>
+                <a:spcPct val="100000"/>
+              </a:lnSpc>
+            </a:pPr>
+            <a:endParaRPr b="0" lang="en-US" sz="2000" spc="-1" strike="noStrike">
               <a:latin typeface="Arial"/>
             </a:endParaRPr>
           </a:p>
@@ -5114,7 +4841,7 @@
       </p:sp>
       <p:pic>
         <p:nvPicPr>
-          <p:cNvPr id="80" name="" descr=""/>
+          <p:cNvPr id="79" name="" descr=""/>
           <p:cNvPicPr/>
           <p:nvPr/>
         </p:nvPicPr>
@@ -5125,7 +4852,7 @@
         <p:spPr>
           <a:xfrm>
             <a:off x="406800" y="144000"/>
-            <a:ext cx="5641200" cy="4499280"/>
+            <a:ext cx="5640840" cy="4498920"/>
           </a:xfrm>
           <a:prstGeom prst="rect">
             <a:avLst/>
@@ -5137,33 +4864,14 @@
       </p:pic>
     </p:spTree>
   </p:cSld>
-  <p:timing>
-    <p:tnLst>
-      <p:par>
-        <p:cTn id="41" dur="indefinite" restart="never" nodeType="tmRoot">
-          <p:childTnLst>
-            <p:seq>
-              <p:cTn id="42" dur="indefinite" nodeType="mainSeq"/>
-              <p:prevCondLst>
-                <p:cond delay="0" evt="onPrev">
-                  <p:tgtEl>
-                    <p:sldTgt/>
-                  </p:tgtEl>
-                </p:cond>
-              </p:prevCondLst>
-              <p:nextCondLst>
-                <p:cond delay="0" evt="onNext">
-                  <p:tgtEl>
-                    <p:sldTgt/>
-                  </p:tgtEl>
-                </p:cond>
-              </p:nextCondLst>
-            </p:seq>
-          </p:childTnLst>
-        </p:cTn>
-      </p:par>
-    </p:tnLst>
-  </p:timing>
+  <mc:AlternateContent>
+    <mc:Choice Requires="p14">
+      <p:transition spd="slow" p14:dur="2000"/>
+    </mc:Choice>
+    <mc:Fallback>
+      <p:transition spd="slow"/>
+    </mc:Fallback>
+  </mc:AlternateContent>
 </p:sld>
 </file>
 
@@ -5186,14 +4894,14 @@
       </p:grpSpPr>
       <p:sp>
         <p:nvSpPr>
-          <p:cNvPr id="81" name="CustomShape 1"/>
+          <p:cNvPr id="80" name="CustomShape 1"/>
           <p:cNvSpPr/>
           <p:nvPr/>
         </p:nvSpPr>
         <p:spPr>
           <a:xfrm>
             <a:off x="6317280" y="280080"/>
-            <a:ext cx="2594880" cy="4277880"/>
+            <a:ext cx="2594520" cy="4277520"/>
           </a:xfrm>
           <a:prstGeom prst="rect">
             <a:avLst/>
@@ -5210,15 +4918,17 @@
           <a:fontRef idx="minor"/>
         </p:style>
         <p:txBody>
-          <a:bodyPr tIns="91440" bIns="91440"/>
-          <a:p>
-            <a:pPr>
-              <a:lnSpc>
-                <a:spcPct val="100000"/>
-              </a:lnSpc>
-            </a:pPr>
-            <a:r>
-              <a:rPr b="1" lang="pt-BR" sz="1800" spc="-1" strike="noStrike">
+          <a:bodyPr lIns="90000" rIns="90000" tIns="91440" bIns="91440">
+            <a:noAutofit/>
+          </a:bodyPr>
+          <a:p>
+            <a:pPr>
+              <a:lnSpc>
+                <a:spcPct val="100000"/>
+              </a:lnSpc>
+            </a:pPr>
+            <a:r>
+              <a:rPr b="1" lang="en-US" sz="1800" spc="-1" strike="noStrike">
                 <a:solidFill>
                   <a:srgbClr val="1a1a1a"/>
                 </a:solidFill>
@@ -5228,7 +4938,7 @@
               <a:t>Processo</a:t>
             </a:r>
             <a:r>
-              <a:rPr b="0" lang="pt-BR" sz="1800" spc="-1" strike="noStrike">
+              <a:rPr b="0" lang="en-US" sz="1800" spc="-1" strike="noStrike">
                 <a:solidFill>
                   <a:srgbClr val="1a1a1a"/>
                 </a:solidFill>
@@ -5237,18 +4947,18 @@
               </a:rPr>
               <a:t>: Enviar Lista de Produtos</a:t>
             </a:r>
-            <a:endParaRPr b="0" lang="pt-BR" sz="1800" spc="-1" strike="noStrike">
-              <a:latin typeface="Arial"/>
-            </a:endParaRPr>
-          </a:p>
-          <a:p>
-            <a:pPr>
-              <a:lnSpc>
-                <a:spcPct val="100000"/>
-              </a:lnSpc>
-            </a:pPr>
-            <a:r>
-              <a:rPr b="1" lang="pt-BR" sz="1800" spc="-1" strike="noStrike">
+            <a:endParaRPr b="0" lang="en-US" sz="1800" spc="-1" strike="noStrike">
+              <a:latin typeface="Arial"/>
+            </a:endParaRPr>
+          </a:p>
+          <a:p>
+            <a:pPr>
+              <a:lnSpc>
+                <a:spcPct val="100000"/>
+              </a:lnSpc>
+            </a:pPr>
+            <a:r>
+              <a:rPr b="1" lang="en-US" sz="1800" spc="-1" strike="noStrike">
                 <a:solidFill>
                   <a:srgbClr val="1a1a1a"/>
                 </a:solidFill>
@@ -5258,7 +4968,7 @@
               <a:t>Evento</a:t>
             </a:r>
             <a:r>
-              <a:rPr b="0" lang="pt-BR" sz="1800" spc="-1" strike="noStrike">
+              <a:rPr b="0" lang="en-US" sz="1800" spc="-1" strike="noStrike">
                 <a:solidFill>
                   <a:srgbClr val="1a1a1a"/>
                 </a:solidFill>
@@ -5267,18 +4977,18 @@
               </a:rPr>
               <a:t>: Fornecedor recebe lista de produtos</a:t>
             </a:r>
-            <a:endParaRPr b="0" lang="pt-BR" sz="1800" spc="-1" strike="noStrike">
-              <a:latin typeface="Arial"/>
-            </a:endParaRPr>
-          </a:p>
-          <a:p>
-            <a:pPr>
-              <a:lnSpc>
-                <a:spcPct val="100000"/>
-              </a:lnSpc>
-            </a:pPr>
-            <a:r>
-              <a:rPr b="1" lang="pt-BR" sz="1800" spc="-1" strike="noStrike">
+            <a:endParaRPr b="0" lang="en-US" sz="1800" spc="-1" strike="noStrike">
+              <a:latin typeface="Arial"/>
+            </a:endParaRPr>
+          </a:p>
+          <a:p>
+            <a:pPr>
+              <a:lnSpc>
+                <a:spcPct val="100000"/>
+              </a:lnSpc>
+            </a:pPr>
+            <a:r>
+              <a:rPr b="1" lang="en-US" sz="1800" spc="-1" strike="noStrike">
                 <a:solidFill>
                   <a:srgbClr val="1a1a1a"/>
                 </a:solidFill>
@@ -5288,7 +4998,7 @@
               <a:t>Trabalhador Envolvido</a:t>
             </a:r>
             <a:r>
-              <a:rPr b="0" lang="pt-BR" sz="1800" spc="-1" strike="noStrike">
+              <a:rPr b="0" lang="en-US" sz="1800" spc="-1" strike="noStrike">
                 <a:solidFill>
                   <a:srgbClr val="1a1a1a"/>
                 </a:solidFill>
@@ -5297,37 +5007,47 @@
               </a:rPr>
               <a:t>: Gerente</a:t>
             </a:r>
-            <a:endParaRPr b="0" lang="pt-BR" sz="1800" spc="-1" strike="noStrike">
-              <a:latin typeface="Arial"/>
-            </a:endParaRPr>
-          </a:p>
-          <a:p>
-            <a:pPr>
-              <a:lnSpc>
-                <a:spcPct val="100000"/>
-              </a:lnSpc>
-            </a:pPr>
-            <a:endParaRPr b="0" lang="pt-BR" sz="1800" spc="-1" strike="noStrike">
-              <a:latin typeface="Arial"/>
-            </a:endParaRPr>
-          </a:p>
-          <a:p>
-            <a:pPr>
-              <a:lnSpc>
-                <a:spcPct val="100000"/>
-              </a:lnSpc>
-            </a:pPr>
-            <a:r>
-              <a:rPr b="0" lang="pt-BR" sz="2000" spc="-1" strike="noStrike">
-                <a:solidFill>
-                  <a:srgbClr val="1a1a1a"/>
-                </a:solidFill>
-                <a:latin typeface="Arial"/>
-                <a:ea typeface="Arial"/>
-              </a:rPr>
-              <a:t>1.O gerente recebe os produtos solicitados.</a:t>
-            </a:r>
-            <a:endParaRPr b="0" lang="pt-BR" sz="2000" spc="-1" strike="noStrike">
+            <a:endParaRPr b="0" lang="en-US" sz="1800" spc="-1" strike="noStrike">
+              <a:latin typeface="Arial"/>
+            </a:endParaRPr>
+          </a:p>
+          <a:p>
+            <a:pPr>
+              <a:lnSpc>
+                <a:spcPct val="100000"/>
+              </a:lnSpc>
+            </a:pPr>
+            <a:endParaRPr b="0" lang="en-US" sz="1800" spc="-1" strike="noStrike">
+              <a:latin typeface="Arial"/>
+            </a:endParaRPr>
+          </a:p>
+          <a:p>
+            <a:pPr>
+              <a:lnSpc>
+                <a:spcPct val="100000"/>
+              </a:lnSpc>
+            </a:pPr>
+            <a:r>
+              <a:rPr b="1" lang="en-US" sz="2000" spc="-1" strike="noStrike">
+                <a:solidFill>
+                  <a:srgbClr val="1a1a1a"/>
+                </a:solidFill>
+                <a:latin typeface="Arial"/>
+                <a:ea typeface="Arial"/>
+              </a:rPr>
+              <a:t>1.</a:t>
+            </a:r>
+            <a:r>
+              <a:rPr b="0" lang="en-US" sz="2000" spc="-1" strike="noStrike">
+                <a:solidFill>
+                  <a:srgbClr val="1a1a1a"/>
+                </a:solidFill>
+                <a:latin typeface="Arial"/>
+                <a:ea typeface="Arial"/>
+              </a:rPr>
+              <a:t> O gerente recebe os produtos solicitados.</a:t>
+            </a:r>
+            <a:endParaRPr b="0" lang="en-US" sz="2000" spc="-1" strike="noStrike">
               <a:latin typeface="Arial"/>
             </a:endParaRPr>
           </a:p>
@@ -5335,7 +5055,7 @@
       </p:sp>
       <p:pic>
         <p:nvPicPr>
-          <p:cNvPr id="82" name="" descr=""/>
+          <p:cNvPr id="81" name="" descr=""/>
           <p:cNvPicPr/>
           <p:nvPr/>
         </p:nvPicPr>
@@ -5346,7 +5066,7 @@
         <p:spPr>
           <a:xfrm>
             <a:off x="406800" y="144000"/>
-            <a:ext cx="5641200" cy="4499280"/>
+            <a:ext cx="5640840" cy="4498920"/>
           </a:xfrm>
           <a:prstGeom prst="rect">
             <a:avLst/>
@@ -5358,33 +5078,14 @@
       </p:pic>
     </p:spTree>
   </p:cSld>
-  <p:timing>
-    <p:tnLst>
-      <p:par>
-        <p:cTn id="43" dur="indefinite" restart="never" nodeType="tmRoot">
-          <p:childTnLst>
-            <p:seq>
-              <p:cTn id="44" dur="indefinite" nodeType="mainSeq"/>
-              <p:prevCondLst>
-                <p:cond delay="0" evt="onPrev">
-                  <p:tgtEl>
-                    <p:sldTgt/>
-                  </p:tgtEl>
-                </p:cond>
-              </p:prevCondLst>
-              <p:nextCondLst>
-                <p:cond delay="0" evt="onNext">
-                  <p:tgtEl>
-                    <p:sldTgt/>
-                  </p:tgtEl>
-                </p:cond>
-              </p:nextCondLst>
-            </p:seq>
-          </p:childTnLst>
-        </p:cTn>
-      </p:par>
-    </p:tnLst>
-  </p:timing>
+  <mc:AlternateContent>
+    <mc:Choice Requires="p14">
+      <p:transition spd="slow" p14:dur="2000"/>
+    </mc:Choice>
+    <mc:Fallback>
+      <p:transition spd="slow"/>
+    </mc:Fallback>
+  </mc:AlternateContent>
 </p:sld>
 </file>
 
@@ -5407,14 +5108,14 @@
       </p:grpSpPr>
       <p:sp>
         <p:nvSpPr>
-          <p:cNvPr id="43" name="CustomShape 1"/>
+          <p:cNvPr id="42" name="CustomShape 1"/>
           <p:cNvSpPr/>
           <p:nvPr/>
         </p:nvSpPr>
         <p:spPr>
           <a:xfrm>
             <a:off x="6352920" y="280080"/>
-            <a:ext cx="2594880" cy="4277880"/>
+            <a:ext cx="2594520" cy="4277520"/>
           </a:xfrm>
           <a:prstGeom prst="rect">
             <a:avLst/>
@@ -5431,15 +5132,17 @@
           <a:fontRef idx="minor"/>
         </p:style>
         <p:txBody>
-          <a:bodyPr tIns="91440" bIns="91440"/>
-          <a:p>
-            <a:pPr>
-              <a:lnSpc>
-                <a:spcPct val="100000"/>
-              </a:lnSpc>
-            </a:pPr>
-            <a:r>
-              <a:rPr b="1" lang="pt-BR" sz="1900" spc="-1" strike="noStrike">
+          <a:bodyPr lIns="90000" rIns="90000" tIns="91440" bIns="91440">
+            <a:noAutofit/>
+          </a:bodyPr>
+          <a:p>
+            <a:pPr>
+              <a:lnSpc>
+                <a:spcPct val="100000"/>
+              </a:lnSpc>
+            </a:pPr>
+            <a:r>
+              <a:rPr b="1" lang="en-US" sz="1900" spc="-1" strike="noStrike">
                 <a:solidFill>
                   <a:srgbClr val="1a1a1a"/>
                 </a:solidFill>
@@ -5449,7 +5152,7 @@
               <a:t>Processo</a:t>
             </a:r>
             <a:r>
-              <a:rPr b="0" lang="pt-BR" sz="1900" spc="-1" strike="noStrike">
+              <a:rPr b="0" lang="en-US" sz="1900" spc="-1" strike="noStrike">
                 <a:solidFill>
                   <a:srgbClr val="1a1a1a"/>
                 </a:solidFill>
@@ -5458,18 +5161,18 @@
               </a:rPr>
               <a:t>: Solicitar Preparação dos Itens do Pedido</a:t>
             </a:r>
-            <a:endParaRPr b="0" lang="pt-BR" sz="1900" spc="-1" strike="noStrike">
-              <a:latin typeface="Arial"/>
-            </a:endParaRPr>
-          </a:p>
-          <a:p>
-            <a:pPr>
-              <a:lnSpc>
-                <a:spcPct val="100000"/>
-              </a:lnSpc>
-            </a:pPr>
-            <a:r>
-              <a:rPr b="1" lang="pt-BR" sz="1900" spc="-1" strike="noStrike">
+            <a:endParaRPr b="0" lang="en-US" sz="1900" spc="-1" strike="noStrike">
+              <a:latin typeface="Arial"/>
+            </a:endParaRPr>
+          </a:p>
+          <a:p>
+            <a:pPr>
+              <a:lnSpc>
+                <a:spcPct val="100000"/>
+              </a:lnSpc>
+            </a:pPr>
+            <a:r>
+              <a:rPr b="1" lang="en-US" sz="1900" spc="-1" strike="noStrike">
                 <a:solidFill>
                   <a:srgbClr val="1a1a1a"/>
                 </a:solidFill>
@@ -5479,37 +5182,27 @@
               <a:t>Evento</a:t>
             </a:r>
             <a:r>
-              <a:rPr b="0" lang="pt-BR" sz="1900" spc="-1" strike="noStrike">
-                <a:solidFill>
-                  <a:srgbClr val="1a1a1a"/>
-                </a:solidFill>
-                <a:latin typeface="Arial"/>
-                <a:ea typeface="Arial"/>
-              </a:rPr>
-              <a:t>:</a:t>
-            </a:r>
-            <a:r>
-              <a:rPr b="0" lang="pt-BR" sz="1900" spc="-1" strike="noStrike">
-                <a:solidFill>
-                  <a:srgbClr val="1a1a1a"/>
-                </a:solidFill>
-                <a:latin typeface="Arial"/>
-                <a:ea typeface="Arial"/>
-              </a:rPr>
-              <a:t>Balcão solicita preparação dos itens.</a:t>
-            </a:r>
-            <a:endParaRPr b="0" lang="pt-BR" sz="1900" spc="-1" strike="noStrike">
-              <a:latin typeface="Arial"/>
-            </a:endParaRPr>
-          </a:p>
-          <a:p>
-            <a:pPr>
-              <a:lnSpc>
-                <a:spcPct val="100000"/>
-              </a:lnSpc>
-            </a:pPr>
-            <a:r>
-              <a:rPr b="1" lang="pt-BR" sz="1900" spc="-1" strike="noStrike">
+              <a:rPr b="0" lang="en-US" sz="1900" spc="-1" strike="noStrike">
+                <a:solidFill>
+                  <a:srgbClr val="1a1a1a"/>
+                </a:solidFill>
+                <a:latin typeface="Arial"/>
+                <a:ea typeface="Arial"/>
+              </a:rPr>
+              <a:t>:Balcão solicita preparação dos itens.</a:t>
+            </a:r>
+            <a:endParaRPr b="0" lang="en-US" sz="1900" spc="-1" strike="noStrike">
+              <a:latin typeface="Arial"/>
+            </a:endParaRPr>
+          </a:p>
+          <a:p>
+            <a:pPr>
+              <a:lnSpc>
+                <a:spcPct val="100000"/>
+              </a:lnSpc>
+            </a:pPr>
+            <a:r>
+              <a:rPr b="1" lang="en-US" sz="1900" spc="-1" strike="noStrike">
                 <a:solidFill>
                   <a:srgbClr val="1a1a1a"/>
                 </a:solidFill>
@@ -5519,7 +5212,7 @@
               <a:t>Trabalhador Envolvido</a:t>
             </a:r>
             <a:r>
-              <a:rPr b="0" lang="pt-BR" sz="1900" spc="-1" strike="noStrike">
+              <a:rPr b="0" lang="en-US" sz="1900" spc="-1" strike="noStrike">
                 <a:solidFill>
                   <a:srgbClr val="1a1a1a"/>
                 </a:solidFill>
@@ -5528,37 +5221,47 @@
               </a:rPr>
               <a:t>: Atendente</a:t>
             </a:r>
-            <a:endParaRPr b="0" lang="pt-BR" sz="1900" spc="-1" strike="noStrike">
-              <a:latin typeface="Arial"/>
-            </a:endParaRPr>
-          </a:p>
-          <a:p>
-            <a:pPr>
-              <a:lnSpc>
-                <a:spcPct val="100000"/>
-              </a:lnSpc>
-            </a:pPr>
-            <a:endParaRPr b="0" lang="pt-BR" sz="1900" spc="-1" strike="noStrike">
-              <a:latin typeface="Arial"/>
-            </a:endParaRPr>
-          </a:p>
-          <a:p>
-            <a:pPr>
-              <a:lnSpc>
-                <a:spcPct val="100000"/>
-              </a:lnSpc>
-            </a:pPr>
-            <a:r>
-              <a:rPr b="0" lang="pt-BR" sz="1900" spc="-1" strike="noStrike">
-                <a:solidFill>
-                  <a:srgbClr val="1a1a1a"/>
-                </a:solidFill>
-                <a:latin typeface="Arial"/>
-                <a:ea typeface="Arial"/>
-              </a:rPr>
-              <a:t>1. Solicitar itens pendentes aos setores responsáveis, marcando os itens solicitados como "solicitado".</a:t>
-            </a:r>
-            <a:endParaRPr b="0" lang="pt-BR" sz="1900" spc="-1" strike="noStrike">
+            <a:endParaRPr b="0" lang="en-US" sz="1900" spc="-1" strike="noStrike">
+              <a:latin typeface="Arial"/>
+            </a:endParaRPr>
+          </a:p>
+          <a:p>
+            <a:pPr>
+              <a:lnSpc>
+                <a:spcPct val="100000"/>
+              </a:lnSpc>
+            </a:pPr>
+            <a:endParaRPr b="0" lang="en-US" sz="1900" spc="-1" strike="noStrike">
+              <a:latin typeface="Arial"/>
+            </a:endParaRPr>
+          </a:p>
+          <a:p>
+            <a:pPr>
+              <a:lnSpc>
+                <a:spcPct val="100000"/>
+              </a:lnSpc>
+            </a:pPr>
+            <a:r>
+              <a:rPr b="1" lang="en-US" sz="1900" spc="-1" strike="noStrike">
+                <a:solidFill>
+                  <a:srgbClr val="1a1a1a"/>
+                </a:solidFill>
+                <a:latin typeface="Arial"/>
+                <a:ea typeface="Arial"/>
+              </a:rPr>
+              <a:t>1.</a:t>
+            </a:r>
+            <a:r>
+              <a:rPr b="0" lang="en-US" sz="1900" spc="-1" strike="noStrike">
+                <a:solidFill>
+                  <a:srgbClr val="1a1a1a"/>
+                </a:solidFill>
+                <a:latin typeface="Arial"/>
+                <a:ea typeface="Arial"/>
+              </a:rPr>
+              <a:t> Solicitar itens pendentes aos setores responsáveis, marcando os itens solicitados como "solicitado".</a:t>
+            </a:r>
+            <a:endParaRPr b="0" lang="en-US" sz="1900" spc="-1" strike="noStrike">
               <a:latin typeface="Arial"/>
             </a:endParaRPr>
           </a:p>
@@ -5566,7 +5269,7 @@
       </p:sp>
       <p:pic>
         <p:nvPicPr>
-          <p:cNvPr id="44" name="" descr=""/>
+          <p:cNvPr id="43" name="" descr=""/>
           <p:cNvPicPr/>
           <p:nvPr/>
         </p:nvPicPr>
@@ -5577,7 +5280,7 @@
         <p:spPr>
           <a:xfrm>
             <a:off x="594000" y="385920"/>
-            <a:ext cx="5526360" cy="3934440"/>
+            <a:ext cx="5526000" cy="3934080"/>
           </a:xfrm>
           <a:prstGeom prst="rect">
             <a:avLst/>
@@ -5589,33 +5292,14 @@
       </p:pic>
     </p:spTree>
   </p:cSld>
-  <p:timing>
-    <p:tnLst>
-      <p:par>
-        <p:cTn id="5" dur="indefinite" restart="never" nodeType="tmRoot">
-          <p:childTnLst>
-            <p:seq>
-              <p:cTn id="6" dur="indefinite" nodeType="mainSeq"/>
-              <p:prevCondLst>
-                <p:cond delay="0" evt="onPrev">
-                  <p:tgtEl>
-                    <p:sldTgt/>
-                  </p:tgtEl>
-                </p:cond>
-              </p:prevCondLst>
-              <p:nextCondLst>
-                <p:cond delay="0" evt="onNext">
-                  <p:tgtEl>
-                    <p:sldTgt/>
-                  </p:tgtEl>
-                </p:cond>
-              </p:nextCondLst>
-            </p:seq>
-          </p:childTnLst>
-        </p:cTn>
-      </p:par>
-    </p:tnLst>
-  </p:timing>
+  <mc:AlternateContent>
+    <mc:Choice Requires="p14">
+      <p:transition spd="slow" p14:dur="2000"/>
+    </mc:Choice>
+    <mc:Fallback>
+      <p:transition spd="slow"/>
+    </mc:Fallback>
+  </mc:AlternateContent>
 </p:sld>
 </file>
 
@@ -5638,14 +5322,14 @@
       </p:grpSpPr>
       <p:sp>
         <p:nvSpPr>
-          <p:cNvPr id="45" name="CustomShape 1"/>
+          <p:cNvPr id="44" name="CustomShape 1"/>
           <p:cNvSpPr/>
           <p:nvPr/>
         </p:nvSpPr>
         <p:spPr>
           <a:xfrm>
             <a:off x="6352920" y="280080"/>
-            <a:ext cx="2594880" cy="4277880"/>
+            <a:ext cx="2594520" cy="4277520"/>
           </a:xfrm>
           <a:prstGeom prst="rect">
             <a:avLst/>
@@ -5662,15 +5346,17 @@
           <a:fontRef idx="minor"/>
         </p:style>
         <p:txBody>
-          <a:bodyPr tIns="91440" bIns="91440"/>
-          <a:p>
-            <a:pPr>
-              <a:lnSpc>
-                <a:spcPct val="100000"/>
-              </a:lnSpc>
-            </a:pPr>
-            <a:r>
-              <a:rPr b="1" lang="pt-BR" sz="1900" spc="-1" strike="noStrike">
+          <a:bodyPr lIns="90000" rIns="90000" tIns="91440" bIns="91440">
+            <a:noAutofit/>
+          </a:bodyPr>
+          <a:p>
+            <a:pPr>
+              <a:lnSpc>
+                <a:spcPct val="100000"/>
+              </a:lnSpc>
+            </a:pPr>
+            <a:r>
+              <a:rPr b="1" lang="en-US" sz="1900" spc="-1" strike="noStrike">
                 <a:solidFill>
                   <a:srgbClr val="1a1a1a"/>
                 </a:solidFill>
@@ -5680,7 +5366,7 @@
               <a:t>Processo</a:t>
             </a:r>
             <a:r>
-              <a:rPr b="0" lang="pt-BR" sz="1900" spc="-1" strike="noStrike">
+              <a:rPr b="0" lang="en-US" sz="1900" spc="-1" strike="noStrike">
                 <a:solidFill>
                   <a:srgbClr val="1a1a1a"/>
                 </a:solidFill>
@@ -5689,18 +5375,18 @@
               </a:rPr>
               <a:t>: Entregar Itens Prontos do Balcão</a:t>
             </a:r>
-            <a:endParaRPr b="0" lang="pt-BR" sz="1900" spc="-1" strike="noStrike">
-              <a:latin typeface="Arial"/>
-            </a:endParaRPr>
-          </a:p>
-          <a:p>
-            <a:pPr>
-              <a:lnSpc>
-                <a:spcPct val="100000"/>
-              </a:lnSpc>
-            </a:pPr>
-            <a:r>
-              <a:rPr b="1" lang="pt-BR" sz="1900" spc="-1" strike="noStrike">
+            <a:endParaRPr b="0" lang="en-US" sz="1900" spc="-1" strike="noStrike">
+              <a:latin typeface="Arial"/>
+            </a:endParaRPr>
+          </a:p>
+          <a:p>
+            <a:pPr>
+              <a:lnSpc>
+                <a:spcPct val="100000"/>
+              </a:lnSpc>
+            </a:pPr>
+            <a:r>
+              <a:rPr b="1" lang="en-US" sz="1900" spc="-1" strike="noStrike">
                 <a:solidFill>
                   <a:srgbClr val="1a1a1a"/>
                 </a:solidFill>
@@ -5710,37 +5396,27 @@
               <a:t>Evento</a:t>
             </a:r>
             <a:r>
-              <a:rPr b="0" lang="pt-BR" sz="1900" spc="-1" strike="noStrike">
-                <a:solidFill>
-                  <a:srgbClr val="1a1a1a"/>
-                </a:solidFill>
-                <a:latin typeface="Arial"/>
-                <a:ea typeface="Arial"/>
-              </a:rPr>
-              <a:t>:</a:t>
-            </a:r>
-            <a:r>
-              <a:rPr b="0" lang="pt-BR" sz="1900" spc="-1" strike="noStrike">
-                <a:solidFill>
-                  <a:srgbClr val="1a1a1a"/>
-                </a:solidFill>
-                <a:latin typeface="Arial"/>
-                <a:ea typeface="Arial"/>
-              </a:rPr>
-              <a:t>Balcão entrega itens prontos.</a:t>
-            </a:r>
-            <a:endParaRPr b="0" lang="pt-BR" sz="1900" spc="-1" strike="noStrike">
-              <a:latin typeface="Arial"/>
-            </a:endParaRPr>
-          </a:p>
-          <a:p>
-            <a:pPr>
-              <a:lnSpc>
-                <a:spcPct val="100000"/>
-              </a:lnSpc>
-            </a:pPr>
-            <a:r>
-              <a:rPr b="1" lang="pt-BR" sz="1900" spc="-1" strike="noStrike">
+              <a:rPr b="0" lang="en-US" sz="1900" spc="-1" strike="noStrike">
+                <a:solidFill>
+                  <a:srgbClr val="1a1a1a"/>
+                </a:solidFill>
+                <a:latin typeface="Arial"/>
+                <a:ea typeface="Arial"/>
+              </a:rPr>
+              <a:t>:Balcão entrega itens prontos.</a:t>
+            </a:r>
+            <a:endParaRPr b="0" lang="en-US" sz="1900" spc="-1" strike="noStrike">
+              <a:latin typeface="Arial"/>
+            </a:endParaRPr>
+          </a:p>
+          <a:p>
+            <a:pPr>
+              <a:lnSpc>
+                <a:spcPct val="100000"/>
+              </a:lnSpc>
+            </a:pPr>
+            <a:r>
+              <a:rPr b="1" lang="en-US" sz="1900" spc="-1" strike="noStrike">
                 <a:solidFill>
                   <a:srgbClr val="1a1a1a"/>
                 </a:solidFill>
@@ -5750,7 +5426,7 @@
               <a:t>Trabalhador Envolvido</a:t>
             </a:r>
             <a:r>
-              <a:rPr b="0" lang="pt-BR" sz="1900" spc="-1" strike="noStrike">
+              <a:rPr b="0" lang="en-US" sz="1900" spc="-1" strike="noStrike">
                 <a:solidFill>
                   <a:srgbClr val="1a1a1a"/>
                 </a:solidFill>
@@ -5759,37 +5435,47 @@
               </a:rPr>
               <a:t>: Atendente</a:t>
             </a:r>
-            <a:endParaRPr b="0" lang="pt-BR" sz="1900" spc="-1" strike="noStrike">
-              <a:latin typeface="Arial"/>
-            </a:endParaRPr>
-          </a:p>
-          <a:p>
-            <a:pPr>
-              <a:lnSpc>
-                <a:spcPct val="100000"/>
-              </a:lnSpc>
-            </a:pPr>
-            <a:endParaRPr b="0" lang="pt-BR" sz="1900" spc="-1" strike="noStrike">
-              <a:latin typeface="Arial"/>
-            </a:endParaRPr>
-          </a:p>
-          <a:p>
-            <a:pPr>
-              <a:lnSpc>
-                <a:spcPct val="100000"/>
-              </a:lnSpc>
-            </a:pPr>
-            <a:r>
-              <a:rPr b="0" lang="pt-BR" sz="2000" spc="-1" strike="noStrike">
-                <a:solidFill>
-                  <a:srgbClr val="1a1a1a"/>
-                </a:solidFill>
-                <a:latin typeface="Arial"/>
-                <a:ea typeface="Arial"/>
-              </a:rPr>
-              <a:t>1. Entregar os itens prontos ao cliente, marcando os itens entregues como "entregue".</a:t>
-            </a:r>
-            <a:endParaRPr b="0" lang="pt-BR" sz="2000" spc="-1" strike="noStrike">
+            <a:endParaRPr b="0" lang="en-US" sz="1900" spc="-1" strike="noStrike">
+              <a:latin typeface="Arial"/>
+            </a:endParaRPr>
+          </a:p>
+          <a:p>
+            <a:pPr>
+              <a:lnSpc>
+                <a:spcPct val="100000"/>
+              </a:lnSpc>
+            </a:pPr>
+            <a:endParaRPr b="0" lang="en-US" sz="1900" spc="-1" strike="noStrike">
+              <a:latin typeface="Arial"/>
+            </a:endParaRPr>
+          </a:p>
+          <a:p>
+            <a:pPr>
+              <a:lnSpc>
+                <a:spcPct val="100000"/>
+              </a:lnSpc>
+            </a:pPr>
+            <a:r>
+              <a:rPr b="1" lang="en-US" sz="2000" spc="-1" strike="noStrike">
+                <a:solidFill>
+                  <a:srgbClr val="1a1a1a"/>
+                </a:solidFill>
+                <a:latin typeface="Arial"/>
+                <a:ea typeface="Arial"/>
+              </a:rPr>
+              <a:t>1.</a:t>
+            </a:r>
+            <a:r>
+              <a:rPr b="0" lang="en-US" sz="2000" spc="-1" strike="noStrike">
+                <a:solidFill>
+                  <a:srgbClr val="1a1a1a"/>
+                </a:solidFill>
+                <a:latin typeface="Arial"/>
+                <a:ea typeface="Arial"/>
+              </a:rPr>
+              <a:t> Entregar os itens prontos ao cliente, marcando os itens entregues como "entregue".</a:t>
+            </a:r>
+            <a:endParaRPr b="0" lang="en-US" sz="2000" spc="-1" strike="noStrike">
               <a:latin typeface="Arial"/>
             </a:endParaRPr>
           </a:p>
@@ -5797,7 +5483,7 @@
       </p:sp>
       <p:pic>
         <p:nvPicPr>
-          <p:cNvPr id="46" name="" descr=""/>
+          <p:cNvPr id="45" name="" descr=""/>
           <p:cNvPicPr/>
           <p:nvPr/>
         </p:nvPicPr>
@@ -5808,7 +5494,7 @@
         <p:spPr>
           <a:xfrm>
             <a:off x="594000" y="385920"/>
-            <a:ext cx="5526360" cy="3934440"/>
+            <a:ext cx="5526000" cy="3934080"/>
           </a:xfrm>
           <a:prstGeom prst="rect">
             <a:avLst/>
@@ -5820,33 +5506,14 @@
       </p:pic>
     </p:spTree>
   </p:cSld>
-  <p:timing>
-    <p:tnLst>
-      <p:par>
-        <p:cTn id="7" dur="indefinite" restart="never" nodeType="tmRoot">
-          <p:childTnLst>
-            <p:seq>
-              <p:cTn id="8" dur="indefinite" nodeType="mainSeq"/>
-              <p:prevCondLst>
-                <p:cond delay="0" evt="onPrev">
-                  <p:tgtEl>
-                    <p:sldTgt/>
-                  </p:tgtEl>
-                </p:cond>
-              </p:prevCondLst>
-              <p:nextCondLst>
-                <p:cond delay="0" evt="onNext">
-                  <p:tgtEl>
-                    <p:sldTgt/>
-                  </p:tgtEl>
-                </p:cond>
-              </p:nextCondLst>
-            </p:seq>
-          </p:childTnLst>
-        </p:cTn>
-      </p:par>
-    </p:tnLst>
-  </p:timing>
+  <mc:AlternateContent>
+    <mc:Choice Requires="p14">
+      <p:transition spd="slow" p14:dur="2000"/>
+    </mc:Choice>
+    <mc:Fallback>
+      <p:transition spd="slow"/>
+    </mc:Fallback>
+  </mc:AlternateContent>
 </p:sld>
 </file>
 
@@ -5869,14 +5536,14 @@
       </p:grpSpPr>
       <p:sp>
         <p:nvSpPr>
-          <p:cNvPr id="47" name="CustomShape 1"/>
+          <p:cNvPr id="46" name="CustomShape 1"/>
           <p:cNvSpPr/>
           <p:nvPr/>
         </p:nvSpPr>
         <p:spPr>
           <a:xfrm>
             <a:off x="6352920" y="280080"/>
-            <a:ext cx="2594880" cy="4277880"/>
+            <a:ext cx="2594520" cy="4277520"/>
           </a:xfrm>
           <a:prstGeom prst="rect">
             <a:avLst/>
@@ -5893,15 +5560,17 @@
           <a:fontRef idx="minor"/>
         </p:style>
         <p:txBody>
-          <a:bodyPr tIns="91440" bIns="91440"/>
-          <a:p>
-            <a:pPr>
-              <a:lnSpc>
-                <a:spcPct val="100000"/>
-              </a:lnSpc>
-            </a:pPr>
-            <a:r>
-              <a:rPr b="1" lang="pt-BR" sz="2000" spc="-1" strike="noStrike">
+          <a:bodyPr lIns="90000" rIns="90000" tIns="91440" bIns="91440">
+            <a:noAutofit/>
+          </a:bodyPr>
+          <a:p>
+            <a:pPr>
+              <a:lnSpc>
+                <a:spcPct val="100000"/>
+              </a:lnSpc>
+            </a:pPr>
+            <a:r>
+              <a:rPr b="1" lang="en-US" sz="2000" spc="-1" strike="noStrike">
                 <a:solidFill>
                   <a:srgbClr val="1a1a1a"/>
                 </a:solidFill>
@@ -5911,7 +5580,7 @@
               <a:t>Processo</a:t>
             </a:r>
             <a:r>
-              <a:rPr b="0" lang="pt-BR" sz="2000" spc="-1" strike="noStrike">
+              <a:rPr b="0" lang="en-US" sz="2000" spc="-1" strike="noStrike">
                 <a:solidFill>
                   <a:srgbClr val="1a1a1a"/>
                 </a:solidFill>
@@ -5920,18 +5589,18 @@
               </a:rPr>
               <a:t>: Entregar Itens Prontos do Setor de Pizzaiolos</a:t>
             </a:r>
-            <a:endParaRPr b="0" lang="pt-BR" sz="2000" spc="-1" strike="noStrike">
-              <a:latin typeface="Arial"/>
-            </a:endParaRPr>
-          </a:p>
-          <a:p>
-            <a:pPr>
-              <a:lnSpc>
-                <a:spcPct val="100000"/>
-              </a:lnSpc>
-            </a:pPr>
-            <a:r>
-              <a:rPr b="1" lang="pt-BR" sz="2000" spc="-1" strike="noStrike">
+            <a:endParaRPr b="0" lang="en-US" sz="2000" spc="-1" strike="noStrike">
+              <a:latin typeface="Arial"/>
+            </a:endParaRPr>
+          </a:p>
+          <a:p>
+            <a:pPr>
+              <a:lnSpc>
+                <a:spcPct val="100000"/>
+              </a:lnSpc>
+            </a:pPr>
+            <a:r>
+              <a:rPr b="1" lang="en-US" sz="2000" spc="-1" strike="noStrike">
                 <a:solidFill>
                   <a:srgbClr val="1a1a1a"/>
                 </a:solidFill>
@@ -5941,7 +5610,7 @@
               <a:t>Evento</a:t>
             </a:r>
             <a:r>
-              <a:rPr b="0" lang="pt-BR" sz="2000" spc="-1" strike="noStrike">
+              <a:rPr b="0" lang="en-US" sz="2000" spc="-1" strike="noStrike">
                 <a:solidFill>
                   <a:srgbClr val="1a1a1a"/>
                 </a:solidFill>
@@ -5950,18 +5619,18 @@
               </a:rPr>
               <a:t>: Pizzaiolos entregam itens prontos</a:t>
             </a:r>
-            <a:endParaRPr b="0" lang="pt-BR" sz="2000" spc="-1" strike="noStrike">
-              <a:latin typeface="Arial"/>
-            </a:endParaRPr>
-          </a:p>
-          <a:p>
-            <a:pPr>
-              <a:lnSpc>
-                <a:spcPct val="100000"/>
-              </a:lnSpc>
-            </a:pPr>
-            <a:r>
-              <a:rPr b="1" lang="pt-BR" sz="2000" spc="-1" strike="noStrike">
+            <a:endParaRPr b="0" lang="en-US" sz="2000" spc="-1" strike="noStrike">
+              <a:latin typeface="Arial"/>
+            </a:endParaRPr>
+          </a:p>
+          <a:p>
+            <a:pPr>
+              <a:lnSpc>
+                <a:spcPct val="100000"/>
+              </a:lnSpc>
+            </a:pPr>
+            <a:r>
+              <a:rPr b="1" lang="en-US" sz="2000" spc="-1" strike="noStrike">
                 <a:solidFill>
                   <a:srgbClr val="1a1a1a"/>
                 </a:solidFill>
@@ -5971,7 +5640,7 @@
               <a:t>Trabalhador Envolvido</a:t>
             </a:r>
             <a:r>
-              <a:rPr b="0" lang="pt-BR" sz="2000" spc="-1" strike="noStrike">
+              <a:rPr b="0" lang="en-US" sz="2000" spc="-1" strike="noStrike">
                 <a:solidFill>
                   <a:srgbClr val="1a1a1a"/>
                 </a:solidFill>
@@ -5980,27 +5649,37 @@
               </a:rPr>
               <a:t>: Atendente</a:t>
             </a:r>
-            <a:endParaRPr b="0" lang="pt-BR" sz="2000" spc="-1" strike="noStrike">
-              <a:latin typeface="Arial"/>
-            </a:endParaRPr>
-          </a:p>
-          <a:p>
-            <a:pPr>
-              <a:lnSpc>
-                <a:spcPct val="100000"/>
-              </a:lnSpc>
-            </a:pPr>
-            <a:r>
-              <a:rPr b="0" lang="pt-BR" sz="2000" spc="-1" strike="noStrike">
-                <a:solidFill>
-                  <a:srgbClr val="1a1a1a"/>
-                </a:solidFill>
-                <a:latin typeface="Arial"/>
-                <a:ea typeface="Arial"/>
-              </a:rPr>
-              <a:t>1. Entregar os itens prontos do setor de pizzaiolos ao cliente, marcando os itens entregues como "entregue".</a:t>
-            </a:r>
-            <a:endParaRPr b="0" lang="pt-BR" sz="2000" spc="-1" strike="noStrike">
+            <a:endParaRPr b="0" lang="en-US" sz="2000" spc="-1" strike="noStrike">
+              <a:latin typeface="Arial"/>
+            </a:endParaRPr>
+          </a:p>
+          <a:p>
+            <a:pPr>
+              <a:lnSpc>
+                <a:spcPct val="100000"/>
+              </a:lnSpc>
+            </a:pPr>
+            <a:r>
+              <a:rPr b="1" lang="en-US" sz="2000" spc="-1" strike="noStrike">
+                <a:solidFill>
+                  <a:srgbClr val="1a1a1a"/>
+                </a:solidFill>
+                <a:latin typeface="Arial"/>
+                <a:ea typeface="Arial"/>
+              </a:rPr>
+              <a:t>1.</a:t>
+            </a:r>
+            <a:r>
+              <a:rPr b="0" lang="en-US" sz="2000" spc="-1" strike="noStrike">
+                <a:solidFill>
+                  <a:srgbClr val="1a1a1a"/>
+                </a:solidFill>
+                <a:latin typeface="Arial"/>
+                <a:ea typeface="Arial"/>
+              </a:rPr>
+              <a:t> Entregar os itens prontos do setor de pizzaiolos ao cliente, marcando os itens entregues como "entregue".</a:t>
+            </a:r>
+            <a:endParaRPr b="0" lang="en-US" sz="2000" spc="-1" strike="noStrike">
               <a:latin typeface="Arial"/>
             </a:endParaRPr>
           </a:p>
@@ -6008,7 +5687,7 @@
       </p:sp>
       <p:pic>
         <p:nvPicPr>
-          <p:cNvPr id="48" name="" descr=""/>
+          <p:cNvPr id="47" name="" descr=""/>
           <p:cNvPicPr/>
           <p:nvPr/>
         </p:nvPicPr>
@@ -6019,7 +5698,7 @@
         <p:spPr>
           <a:xfrm>
             <a:off x="594000" y="385920"/>
-            <a:ext cx="5526360" cy="3934440"/>
+            <a:ext cx="5526000" cy="3934080"/>
           </a:xfrm>
           <a:prstGeom prst="rect">
             <a:avLst/>
@@ -6031,33 +5710,14 @@
       </p:pic>
     </p:spTree>
   </p:cSld>
-  <p:timing>
-    <p:tnLst>
-      <p:par>
-        <p:cTn id="9" dur="indefinite" restart="never" nodeType="tmRoot">
-          <p:childTnLst>
-            <p:seq>
-              <p:cTn id="10" dur="indefinite" nodeType="mainSeq"/>
-              <p:prevCondLst>
-                <p:cond delay="0" evt="onPrev">
-                  <p:tgtEl>
-                    <p:sldTgt/>
-                  </p:tgtEl>
-                </p:cond>
-              </p:prevCondLst>
-              <p:nextCondLst>
-                <p:cond delay="0" evt="onNext">
-                  <p:tgtEl>
-                    <p:sldTgt/>
-                  </p:tgtEl>
-                </p:cond>
-              </p:nextCondLst>
-            </p:seq>
-          </p:childTnLst>
-        </p:cTn>
-      </p:par>
-    </p:tnLst>
-  </p:timing>
+  <mc:AlternateContent>
+    <mc:Choice Requires="p14">
+      <p:transition spd="slow" p14:dur="2000"/>
+    </mc:Choice>
+    <mc:Fallback>
+      <p:transition spd="slow"/>
+    </mc:Fallback>
+  </mc:AlternateContent>
 </p:sld>
 </file>
 
@@ -6080,14 +5740,14 @@
       </p:grpSpPr>
       <p:sp>
         <p:nvSpPr>
-          <p:cNvPr id="49" name="CustomShape 1"/>
+          <p:cNvPr id="48" name="CustomShape 1"/>
           <p:cNvSpPr/>
           <p:nvPr/>
         </p:nvSpPr>
         <p:spPr>
           <a:xfrm>
             <a:off x="6352920" y="280080"/>
-            <a:ext cx="2594880" cy="4277880"/>
+            <a:ext cx="2594520" cy="4277520"/>
           </a:xfrm>
           <a:prstGeom prst="rect">
             <a:avLst/>
@@ -6104,15 +5764,17 @@
           <a:fontRef idx="minor"/>
         </p:style>
         <p:txBody>
-          <a:bodyPr tIns="91440" bIns="91440"/>
-          <a:p>
-            <a:pPr>
-              <a:lnSpc>
-                <a:spcPct val="100000"/>
-              </a:lnSpc>
-            </a:pPr>
-            <a:r>
-              <a:rPr b="1" lang="pt-BR" sz="2000" spc="-1" strike="noStrike">
+          <a:bodyPr lIns="90000" rIns="90000" tIns="91440" bIns="91440">
+            <a:noAutofit/>
+          </a:bodyPr>
+          <a:p>
+            <a:pPr>
+              <a:lnSpc>
+                <a:spcPct val="100000"/>
+              </a:lnSpc>
+            </a:pPr>
+            <a:r>
+              <a:rPr b="1" lang="en-US" sz="2000" spc="-1" strike="noStrike">
                 <a:solidFill>
                   <a:srgbClr val="1a1a1a"/>
                 </a:solidFill>
@@ -6122,7 +5784,7 @@
               <a:t>Processo</a:t>
             </a:r>
             <a:r>
-              <a:rPr b="0" lang="pt-BR" sz="2000" spc="-1" strike="noStrike">
+              <a:rPr b="0" lang="en-US" sz="2000" spc="-1" strike="noStrike">
                 <a:solidFill>
                   <a:srgbClr val="1a1a1a"/>
                 </a:solidFill>
@@ -6131,18 +5793,18 @@
               </a:rPr>
               <a:t>: Entregar Conta ao Cliente</a:t>
             </a:r>
-            <a:endParaRPr b="0" lang="pt-BR" sz="2000" spc="-1" strike="noStrike">
-              <a:latin typeface="Arial"/>
-            </a:endParaRPr>
-          </a:p>
-          <a:p>
-            <a:pPr>
-              <a:lnSpc>
-                <a:spcPct val="100000"/>
-              </a:lnSpc>
-            </a:pPr>
-            <a:r>
-              <a:rPr b="1" lang="pt-BR" sz="2000" spc="-1" strike="noStrike">
+            <a:endParaRPr b="0" lang="en-US" sz="2000" spc="-1" strike="noStrike">
+              <a:latin typeface="Arial"/>
+            </a:endParaRPr>
+          </a:p>
+          <a:p>
+            <a:pPr>
+              <a:lnSpc>
+                <a:spcPct val="100000"/>
+              </a:lnSpc>
+            </a:pPr>
+            <a:r>
+              <a:rPr b="1" lang="en-US" sz="2000" spc="-1" strike="noStrike">
                 <a:solidFill>
                   <a:srgbClr val="1a1a1a"/>
                 </a:solidFill>
@@ -6152,7 +5814,7 @@
               <a:t>Evento</a:t>
             </a:r>
             <a:r>
-              <a:rPr b="0" lang="pt-BR" sz="2000" spc="-1" strike="noStrike">
+              <a:rPr b="0" lang="en-US" sz="2000" spc="-1" strike="noStrike">
                 <a:solidFill>
                   <a:srgbClr val="1a1a1a"/>
                 </a:solidFill>
@@ -6161,18 +5823,18 @@
               </a:rPr>
               <a:t>: Caixa envia conta</a:t>
             </a:r>
-            <a:endParaRPr b="0" lang="pt-BR" sz="2000" spc="-1" strike="noStrike">
-              <a:latin typeface="Arial"/>
-            </a:endParaRPr>
-          </a:p>
-          <a:p>
-            <a:pPr>
-              <a:lnSpc>
-                <a:spcPct val="100000"/>
-              </a:lnSpc>
-            </a:pPr>
-            <a:r>
-              <a:rPr b="1" lang="pt-BR" sz="2000" spc="-1" strike="noStrike">
+            <a:endParaRPr b="0" lang="en-US" sz="2000" spc="-1" strike="noStrike">
+              <a:latin typeface="Arial"/>
+            </a:endParaRPr>
+          </a:p>
+          <a:p>
+            <a:pPr>
+              <a:lnSpc>
+                <a:spcPct val="100000"/>
+              </a:lnSpc>
+            </a:pPr>
+            <a:r>
+              <a:rPr b="1" lang="en-US" sz="2000" spc="-1" strike="noStrike">
                 <a:solidFill>
                   <a:srgbClr val="1a1a1a"/>
                 </a:solidFill>
@@ -6182,7 +5844,7 @@
               <a:t>Trabalhador Envolvido</a:t>
             </a:r>
             <a:r>
-              <a:rPr b="0" lang="pt-BR" sz="2000" spc="-1" strike="noStrike">
+              <a:rPr b="0" lang="en-US" sz="2000" spc="-1" strike="noStrike">
                 <a:solidFill>
                   <a:srgbClr val="1a1a1a"/>
                 </a:solidFill>
@@ -6191,37 +5853,47 @@
               </a:rPr>
               <a:t>: Atendente</a:t>
             </a:r>
-            <a:endParaRPr b="0" lang="pt-BR" sz="2000" spc="-1" strike="noStrike">
-              <a:latin typeface="Arial"/>
-            </a:endParaRPr>
-          </a:p>
-          <a:p>
-            <a:pPr>
-              <a:lnSpc>
-                <a:spcPct val="100000"/>
-              </a:lnSpc>
-            </a:pPr>
-            <a:endParaRPr b="0" lang="pt-BR" sz="2000" spc="-1" strike="noStrike">
-              <a:latin typeface="Arial"/>
-            </a:endParaRPr>
-          </a:p>
-          <a:p>
-            <a:pPr>
-              <a:lnSpc>
-                <a:spcPct val="100000"/>
-              </a:lnSpc>
-            </a:pPr>
-            <a:r>
-              <a:rPr b="0" lang="pt-BR" sz="2000" spc="-1" strike="noStrike">
-                <a:solidFill>
-                  <a:srgbClr val="1a1a1a"/>
-                </a:solidFill>
-                <a:latin typeface="Arial"/>
-                <a:ea typeface="Arial"/>
-              </a:rPr>
-              <a:t>1. Atendente deverá enviar a conta ao cliente.</a:t>
-            </a:r>
-            <a:endParaRPr b="0" lang="pt-BR" sz="2000" spc="-1" strike="noStrike">
+            <a:endParaRPr b="0" lang="en-US" sz="2000" spc="-1" strike="noStrike">
+              <a:latin typeface="Arial"/>
+            </a:endParaRPr>
+          </a:p>
+          <a:p>
+            <a:pPr>
+              <a:lnSpc>
+                <a:spcPct val="100000"/>
+              </a:lnSpc>
+            </a:pPr>
+            <a:endParaRPr b="0" lang="en-US" sz="2000" spc="-1" strike="noStrike">
+              <a:latin typeface="Arial"/>
+            </a:endParaRPr>
+          </a:p>
+          <a:p>
+            <a:pPr>
+              <a:lnSpc>
+                <a:spcPct val="100000"/>
+              </a:lnSpc>
+            </a:pPr>
+            <a:r>
+              <a:rPr b="1" lang="en-US" sz="2000" spc="-1" strike="noStrike">
+                <a:solidFill>
+                  <a:srgbClr val="1a1a1a"/>
+                </a:solidFill>
+                <a:latin typeface="Arial"/>
+                <a:ea typeface="Arial"/>
+              </a:rPr>
+              <a:t>1.</a:t>
+            </a:r>
+            <a:r>
+              <a:rPr b="0" lang="en-US" sz="2000" spc="-1" strike="noStrike">
+                <a:solidFill>
+                  <a:srgbClr val="1a1a1a"/>
+                </a:solidFill>
+                <a:latin typeface="Arial"/>
+                <a:ea typeface="Arial"/>
+              </a:rPr>
+              <a:t> Atendente deverá enviar a conta ao cliente.</a:t>
+            </a:r>
+            <a:endParaRPr b="0" lang="en-US" sz="2000" spc="-1" strike="noStrike">
               <a:latin typeface="Arial"/>
             </a:endParaRPr>
           </a:p>
@@ -6229,7 +5901,7 @@
       </p:sp>
       <p:pic>
         <p:nvPicPr>
-          <p:cNvPr id="50" name="" descr=""/>
+          <p:cNvPr id="49" name="" descr=""/>
           <p:cNvPicPr/>
           <p:nvPr/>
         </p:nvPicPr>
@@ -6240,7 +5912,7 @@
         <p:spPr>
           <a:xfrm>
             <a:off x="594000" y="385920"/>
-            <a:ext cx="5526360" cy="3934440"/>
+            <a:ext cx="5526000" cy="3934080"/>
           </a:xfrm>
           <a:prstGeom prst="rect">
             <a:avLst/>
@@ -6252,33 +5924,14 @@
       </p:pic>
     </p:spTree>
   </p:cSld>
-  <p:timing>
-    <p:tnLst>
-      <p:par>
-        <p:cTn id="11" dur="indefinite" restart="never" nodeType="tmRoot">
-          <p:childTnLst>
-            <p:seq>
-              <p:cTn id="12" dur="indefinite" nodeType="mainSeq"/>
-              <p:prevCondLst>
-                <p:cond delay="0" evt="onPrev">
-                  <p:tgtEl>
-                    <p:sldTgt/>
-                  </p:tgtEl>
-                </p:cond>
-              </p:prevCondLst>
-              <p:nextCondLst>
-                <p:cond delay="0" evt="onNext">
-                  <p:tgtEl>
-                    <p:sldTgt/>
-                  </p:tgtEl>
-                </p:cond>
-              </p:nextCondLst>
-            </p:seq>
-          </p:childTnLst>
-        </p:cTn>
-      </p:par>
-    </p:tnLst>
-  </p:timing>
+  <mc:AlternateContent>
+    <mc:Choice Requires="p14">
+      <p:transition spd="slow" p14:dur="2000"/>
+    </mc:Choice>
+    <mc:Fallback>
+      <p:transition spd="slow"/>
+    </mc:Fallback>
+  </mc:AlternateContent>
 </p:sld>
 </file>
 
@@ -6301,14 +5954,14 @@
       </p:grpSpPr>
       <p:sp>
         <p:nvSpPr>
-          <p:cNvPr id="51" name="CustomShape 1"/>
+          <p:cNvPr id="50" name="CustomShape 1"/>
           <p:cNvSpPr/>
           <p:nvPr/>
         </p:nvSpPr>
         <p:spPr>
           <a:xfrm>
             <a:off x="6352920" y="280080"/>
-            <a:ext cx="2594880" cy="4277880"/>
+            <a:ext cx="2594520" cy="4277520"/>
           </a:xfrm>
           <a:prstGeom prst="rect">
             <a:avLst/>
@@ -6325,15 +5978,17 @@
           <a:fontRef idx="minor"/>
         </p:style>
         <p:txBody>
-          <a:bodyPr tIns="91440" bIns="91440"/>
-          <a:p>
-            <a:pPr>
-              <a:lnSpc>
-                <a:spcPct val="100000"/>
-              </a:lnSpc>
-            </a:pPr>
-            <a:r>
-              <a:rPr b="1" lang="pt-BR" sz="2000" spc="-1" strike="noStrike">
+          <a:bodyPr lIns="90000" rIns="90000" tIns="91440" bIns="91440">
+            <a:noAutofit/>
+          </a:bodyPr>
+          <a:p>
+            <a:pPr>
+              <a:lnSpc>
+                <a:spcPct val="100000"/>
+              </a:lnSpc>
+            </a:pPr>
+            <a:r>
+              <a:rPr b="1" lang="en-US" sz="2000" spc="-1" strike="noStrike">
                 <a:solidFill>
                   <a:srgbClr val="1a1a1a"/>
                 </a:solidFill>
@@ -6343,7 +5998,7 @@
               <a:t>Processo</a:t>
             </a:r>
             <a:r>
-              <a:rPr b="0" lang="pt-BR" sz="2000" spc="-1" strike="noStrike">
+              <a:rPr b="0" lang="en-US" sz="2000" spc="-1" strike="noStrike">
                 <a:solidFill>
                   <a:srgbClr val="1a1a1a"/>
                 </a:solidFill>
@@ -6352,18 +6007,18 @@
               </a:rPr>
               <a:t>: Encaminhar Solicitação de Conta</a:t>
             </a:r>
-            <a:endParaRPr b="0" lang="pt-BR" sz="2000" spc="-1" strike="noStrike">
-              <a:latin typeface="Arial"/>
-            </a:endParaRPr>
-          </a:p>
-          <a:p>
-            <a:pPr>
-              <a:lnSpc>
-                <a:spcPct val="100000"/>
-              </a:lnSpc>
-            </a:pPr>
-            <a:r>
-              <a:rPr b="1" lang="pt-BR" sz="2000" spc="-1" strike="noStrike">
+            <a:endParaRPr b="0" lang="en-US" sz="2000" spc="-1" strike="noStrike">
+              <a:latin typeface="Arial"/>
+            </a:endParaRPr>
+          </a:p>
+          <a:p>
+            <a:pPr>
+              <a:lnSpc>
+                <a:spcPct val="100000"/>
+              </a:lnSpc>
+            </a:pPr>
+            <a:r>
+              <a:rPr b="1" lang="en-US" sz="2000" spc="-1" strike="noStrike">
                 <a:solidFill>
                   <a:srgbClr val="1a1a1a"/>
                 </a:solidFill>
@@ -6373,7 +6028,7 @@
               <a:t>Evento</a:t>
             </a:r>
             <a:r>
-              <a:rPr b="0" lang="pt-BR" sz="2000" spc="-1" strike="noStrike">
+              <a:rPr b="0" lang="en-US" sz="2000" spc="-1" strike="noStrike">
                 <a:solidFill>
                   <a:srgbClr val="1a1a1a"/>
                 </a:solidFill>
@@ -6382,18 +6037,18 @@
               </a:rPr>
               <a:t>: Cliente solicita conta</a:t>
             </a:r>
-            <a:endParaRPr b="0" lang="pt-BR" sz="2000" spc="-1" strike="noStrike">
-              <a:latin typeface="Arial"/>
-            </a:endParaRPr>
-          </a:p>
-          <a:p>
-            <a:pPr>
-              <a:lnSpc>
-                <a:spcPct val="100000"/>
-              </a:lnSpc>
-            </a:pPr>
-            <a:r>
-              <a:rPr b="1" lang="pt-BR" sz="2000" spc="-1" strike="noStrike">
+            <a:endParaRPr b="0" lang="en-US" sz="2000" spc="-1" strike="noStrike">
+              <a:latin typeface="Arial"/>
+            </a:endParaRPr>
+          </a:p>
+          <a:p>
+            <a:pPr>
+              <a:lnSpc>
+                <a:spcPct val="100000"/>
+              </a:lnSpc>
+            </a:pPr>
+            <a:r>
+              <a:rPr b="1" lang="en-US" sz="2000" spc="-1" strike="noStrike">
                 <a:solidFill>
                   <a:srgbClr val="1a1a1a"/>
                 </a:solidFill>
@@ -6403,7 +6058,7 @@
               <a:t>Trabalhador Envolvido</a:t>
             </a:r>
             <a:r>
-              <a:rPr b="0" lang="pt-BR" sz="2000" spc="-1" strike="noStrike">
+              <a:rPr b="0" lang="en-US" sz="2000" spc="-1" strike="noStrike">
                 <a:solidFill>
                   <a:srgbClr val="1a1a1a"/>
                 </a:solidFill>
@@ -6412,27 +6067,37 @@
               </a:rPr>
               <a:t>: Atendente</a:t>
             </a:r>
-            <a:endParaRPr b="0" lang="pt-BR" sz="2000" spc="-1" strike="noStrike">
-              <a:latin typeface="Arial"/>
-            </a:endParaRPr>
-          </a:p>
-          <a:p>
-            <a:pPr>
-              <a:lnSpc>
-                <a:spcPct val="100000"/>
-              </a:lnSpc>
-            </a:pPr>
-            <a:r>
-              <a:rPr b="0" lang="pt-BR" sz="2000" spc="-1" strike="noStrike">
-                <a:solidFill>
-                  <a:srgbClr val="1a1a1a"/>
-                </a:solidFill>
-                <a:latin typeface="Arial"/>
-                <a:ea typeface="Arial"/>
-              </a:rPr>
-              <a:t>1. Encaminhar a solicitação de conta ao Caixa, marcando o pedido correspondente como "conta solicitada".</a:t>
-            </a:r>
-            <a:endParaRPr b="0" lang="pt-BR" sz="2000" spc="-1" strike="noStrike">
+            <a:endParaRPr b="0" lang="en-US" sz="2000" spc="-1" strike="noStrike">
+              <a:latin typeface="Arial"/>
+            </a:endParaRPr>
+          </a:p>
+          <a:p>
+            <a:pPr>
+              <a:lnSpc>
+                <a:spcPct val="100000"/>
+              </a:lnSpc>
+            </a:pPr>
+            <a:r>
+              <a:rPr b="1" lang="en-US" sz="2000" spc="-1" strike="noStrike">
+                <a:solidFill>
+                  <a:srgbClr val="1a1a1a"/>
+                </a:solidFill>
+                <a:latin typeface="Arial"/>
+                <a:ea typeface="Arial"/>
+              </a:rPr>
+              <a:t>1.</a:t>
+            </a:r>
+            <a:r>
+              <a:rPr b="0" lang="en-US" sz="2000" spc="-1" strike="noStrike">
+                <a:solidFill>
+                  <a:srgbClr val="1a1a1a"/>
+                </a:solidFill>
+                <a:latin typeface="Arial"/>
+                <a:ea typeface="Arial"/>
+              </a:rPr>
+              <a:t> Encaminhar a solicitação de conta ao Caixa, marcando o pedido correspondente como "conta solicitada".</a:t>
+            </a:r>
+            <a:endParaRPr b="0" lang="en-US" sz="2000" spc="-1" strike="noStrike">
               <a:latin typeface="Arial"/>
             </a:endParaRPr>
           </a:p>
@@ -6440,7 +6105,7 @@
       </p:sp>
       <p:pic>
         <p:nvPicPr>
-          <p:cNvPr id="52" name="" descr=""/>
+          <p:cNvPr id="51" name="" descr=""/>
           <p:cNvPicPr/>
           <p:nvPr/>
         </p:nvPicPr>
@@ -6451,7 +6116,7 @@
         <p:spPr>
           <a:xfrm>
             <a:off x="594000" y="385920"/>
-            <a:ext cx="5526360" cy="3934440"/>
+            <a:ext cx="5526000" cy="3934080"/>
           </a:xfrm>
           <a:prstGeom prst="rect">
             <a:avLst/>
@@ -6463,33 +6128,14 @@
       </p:pic>
     </p:spTree>
   </p:cSld>
-  <p:timing>
-    <p:tnLst>
-      <p:par>
-        <p:cTn id="13" dur="indefinite" restart="never" nodeType="tmRoot">
-          <p:childTnLst>
-            <p:seq>
-              <p:cTn id="14" dur="indefinite" nodeType="mainSeq"/>
-              <p:prevCondLst>
-                <p:cond delay="0" evt="onPrev">
-                  <p:tgtEl>
-                    <p:sldTgt/>
-                  </p:tgtEl>
-                </p:cond>
-              </p:prevCondLst>
-              <p:nextCondLst>
-                <p:cond delay="0" evt="onNext">
-                  <p:tgtEl>
-                    <p:sldTgt/>
-                  </p:tgtEl>
-                </p:cond>
-              </p:nextCondLst>
-            </p:seq>
-          </p:childTnLst>
-        </p:cTn>
-      </p:par>
-    </p:tnLst>
-  </p:timing>
+  <mc:AlternateContent>
+    <mc:Choice Requires="p14">
+      <p:transition spd="slow" p14:dur="2000"/>
+    </mc:Choice>
+    <mc:Fallback>
+      <p:transition spd="slow"/>
+    </mc:Fallback>
+  </mc:AlternateContent>
 </p:sld>
 </file>
 
@@ -6512,14 +6158,14 @@
       </p:grpSpPr>
       <p:sp>
         <p:nvSpPr>
-          <p:cNvPr id="53" name="CustomShape 1"/>
+          <p:cNvPr id="52" name="CustomShape 1"/>
           <p:cNvSpPr/>
           <p:nvPr/>
         </p:nvSpPr>
         <p:spPr>
           <a:xfrm>
             <a:off x="6388200" y="432720"/>
-            <a:ext cx="2594880" cy="4277880"/>
+            <a:ext cx="2594520" cy="4277520"/>
           </a:xfrm>
           <a:prstGeom prst="rect">
             <a:avLst/>
@@ -6536,15 +6182,17 @@
           <a:fontRef idx="minor"/>
         </p:style>
         <p:txBody>
-          <a:bodyPr tIns="91440" bIns="91440"/>
-          <a:p>
-            <a:pPr>
-              <a:lnSpc>
-                <a:spcPct val="100000"/>
-              </a:lnSpc>
-            </a:pPr>
-            <a:r>
-              <a:rPr b="1" lang="pt-BR" sz="2000" spc="-1" strike="noStrike">
+          <a:bodyPr lIns="90000" rIns="90000" tIns="91440" bIns="91440">
+            <a:noAutofit/>
+          </a:bodyPr>
+          <a:p>
+            <a:pPr>
+              <a:lnSpc>
+                <a:spcPct val="100000"/>
+              </a:lnSpc>
+            </a:pPr>
+            <a:r>
+              <a:rPr b="1" lang="en-US" sz="2000" spc="-1" strike="noStrike">
                 <a:solidFill>
                   <a:srgbClr val="1a1a1a"/>
                 </a:solidFill>
@@ -6554,7 +6202,7 @@
               <a:t>Processo</a:t>
             </a:r>
             <a:r>
-              <a:rPr b="0" lang="pt-BR" sz="2000" spc="-1" strike="noStrike">
+              <a:rPr b="0" lang="en-US" sz="2000" spc="-1" strike="noStrike">
                 <a:solidFill>
                   <a:srgbClr val="1a1a1a"/>
                 </a:solidFill>
@@ -6563,18 +6211,18 @@
               </a:rPr>
               <a:t>: Pagamento</a:t>
             </a:r>
-            <a:endParaRPr b="0" lang="pt-BR" sz="2000" spc="-1" strike="noStrike">
-              <a:latin typeface="Arial"/>
-            </a:endParaRPr>
-          </a:p>
-          <a:p>
-            <a:pPr>
-              <a:lnSpc>
-                <a:spcPct val="100000"/>
-              </a:lnSpc>
-            </a:pPr>
-            <a:r>
-              <a:rPr b="1" lang="pt-BR" sz="2000" spc="-1" strike="noStrike">
+            <a:endParaRPr b="0" lang="en-US" sz="2000" spc="-1" strike="noStrike">
+              <a:latin typeface="Arial"/>
+            </a:endParaRPr>
+          </a:p>
+          <a:p>
+            <a:pPr>
+              <a:lnSpc>
+                <a:spcPct val="100000"/>
+              </a:lnSpc>
+            </a:pPr>
+            <a:r>
+              <a:rPr b="1" lang="en-US" sz="2000" spc="-1" strike="noStrike">
                 <a:solidFill>
                   <a:srgbClr val="1a1a1a"/>
                 </a:solidFill>
@@ -6584,7 +6232,7 @@
               <a:t>Evento</a:t>
             </a:r>
             <a:r>
-              <a:rPr b="0" lang="pt-BR" sz="2000" spc="-1" strike="noStrike">
+              <a:rPr b="0" lang="en-US" sz="2000" spc="-1" strike="noStrike">
                 <a:solidFill>
                   <a:srgbClr val="1a1a1a"/>
                 </a:solidFill>
@@ -6593,18 +6241,18 @@
               </a:rPr>
               <a:t>: Cliente efetua pagamento</a:t>
             </a:r>
-            <a:endParaRPr b="0" lang="pt-BR" sz="2000" spc="-1" strike="noStrike">
-              <a:latin typeface="Arial"/>
-            </a:endParaRPr>
-          </a:p>
-          <a:p>
-            <a:pPr>
-              <a:lnSpc>
-                <a:spcPct val="100000"/>
-              </a:lnSpc>
-            </a:pPr>
-            <a:r>
-              <a:rPr b="1" lang="pt-BR" sz="2000" spc="-1" strike="noStrike">
+            <a:endParaRPr b="0" lang="en-US" sz="2000" spc="-1" strike="noStrike">
+              <a:latin typeface="Arial"/>
+            </a:endParaRPr>
+          </a:p>
+          <a:p>
+            <a:pPr>
+              <a:lnSpc>
+                <a:spcPct val="100000"/>
+              </a:lnSpc>
+            </a:pPr>
+            <a:r>
+              <a:rPr b="1" lang="en-US" sz="2000" spc="-1" strike="noStrike">
                 <a:solidFill>
                   <a:srgbClr val="1a1a1a"/>
                 </a:solidFill>
@@ -6614,7 +6262,7 @@
               <a:t>Trabalhador Envolvido</a:t>
             </a:r>
             <a:r>
-              <a:rPr b="0" lang="pt-BR" sz="2000" spc="-1" strike="noStrike">
+              <a:rPr b="0" lang="en-US" sz="2000" spc="-1" strike="noStrike">
                 <a:solidFill>
                   <a:srgbClr val="1a1a1a"/>
                 </a:solidFill>
@@ -6623,68 +6271,88 @@
               </a:rPr>
               <a:t>: Atendente</a:t>
             </a:r>
-            <a:endParaRPr b="0" lang="pt-BR" sz="2000" spc="-1" strike="noStrike">
-              <a:latin typeface="Arial"/>
-            </a:endParaRPr>
-          </a:p>
-          <a:p>
-            <a:pPr>
-              <a:lnSpc>
-                <a:spcPct val="100000"/>
-              </a:lnSpc>
-            </a:pPr>
-            <a:endParaRPr b="0" lang="pt-BR" sz="2000" spc="-1" strike="noStrike">
-              <a:latin typeface="Arial"/>
-            </a:endParaRPr>
-          </a:p>
-          <a:p>
-            <a:pPr>
-              <a:lnSpc>
-                <a:spcPct val="100000"/>
-              </a:lnSpc>
-            </a:pPr>
-            <a:r>
-              <a:rPr b="0" lang="pt-BR" sz="2000" spc="-1" strike="noStrike">
-                <a:solidFill>
-                  <a:srgbClr val="1a1a1a"/>
-                </a:solidFill>
-                <a:latin typeface="Arial"/>
-                <a:ea typeface="Arial"/>
-              </a:rPr>
-              <a:t>1. Cliente deverá efetuar o pagamento do valor devido</a:t>
-            </a:r>
-            <a:endParaRPr b="0" lang="pt-BR" sz="2000" spc="-1" strike="noStrike">
-              <a:latin typeface="Arial"/>
-            </a:endParaRPr>
-          </a:p>
-          <a:p>
-            <a:pPr>
-              <a:lnSpc>
-                <a:spcPct val="100000"/>
-              </a:lnSpc>
-            </a:pPr>
-            <a:r>
-              <a:rPr b="0" lang="pt-BR" sz="1800" spc="-1" strike="noStrike">
-                <a:solidFill>
-                  <a:srgbClr val="1a1a1a"/>
-                </a:solidFill>
-                <a:latin typeface="Arial"/>
-                <a:ea typeface="Arial"/>
-              </a:rPr>
-              <a:t>1.1 Caso o cliente não efetue o pagamento, o gerente tomará as devidas providências</a:t>
-            </a:r>
-            <a:endParaRPr b="0" lang="pt-BR" sz="1800" spc="-1" strike="noStrike">
-              <a:latin typeface="Arial"/>
-            </a:endParaRPr>
-          </a:p>
-          <a:p>
-            <a:pPr>
-              <a:lnSpc>
-                <a:spcPct val="100000"/>
-              </a:lnSpc>
-            </a:pPr>
-            <a:r>
-              <a:rPr b="0" lang="pt-BR" sz="2000" spc="-1" strike="noStrike">
+            <a:endParaRPr b="0" lang="en-US" sz="2000" spc="-1" strike="noStrike">
+              <a:latin typeface="Arial"/>
+            </a:endParaRPr>
+          </a:p>
+          <a:p>
+            <a:pPr>
+              <a:lnSpc>
+                <a:spcPct val="100000"/>
+              </a:lnSpc>
+            </a:pPr>
+            <a:endParaRPr b="0" lang="en-US" sz="2000" spc="-1" strike="noStrike">
+              <a:latin typeface="Arial"/>
+            </a:endParaRPr>
+          </a:p>
+          <a:p>
+            <a:pPr>
+              <a:lnSpc>
+                <a:spcPct val="100000"/>
+              </a:lnSpc>
+            </a:pPr>
+            <a:r>
+              <a:rPr b="1" lang="en-US" sz="2000" spc="-1" strike="noStrike">
+                <a:solidFill>
+                  <a:srgbClr val="1a1a1a"/>
+                </a:solidFill>
+                <a:latin typeface="Arial"/>
+                <a:ea typeface="Arial"/>
+              </a:rPr>
+              <a:t>1.</a:t>
+            </a:r>
+            <a:r>
+              <a:rPr b="0" lang="en-US" sz="2000" spc="-1" strike="noStrike">
+                <a:solidFill>
+                  <a:srgbClr val="1a1a1a"/>
+                </a:solidFill>
+                <a:latin typeface="Arial"/>
+                <a:ea typeface="Arial"/>
+              </a:rPr>
+              <a:t> Cliente deverá efetuar o pagamento do valor devido</a:t>
+            </a:r>
+            <a:endParaRPr b="0" lang="en-US" sz="2000" spc="-1" strike="noStrike">
+              <a:latin typeface="Arial"/>
+            </a:endParaRPr>
+          </a:p>
+          <a:p>
+            <a:pPr>
+              <a:lnSpc>
+                <a:spcPct val="100000"/>
+              </a:lnSpc>
+            </a:pPr>
+            <a:r>
+              <a:rPr b="1" lang="en-US" sz="1800" spc="-1" strike="noStrike">
+                <a:solidFill>
+                  <a:srgbClr val="1a1a1a"/>
+                </a:solidFill>
+                <a:latin typeface="Arial"/>
+                <a:ea typeface="Arial"/>
+              </a:rPr>
+              <a:t>1.1.</a:t>
+            </a:r>
+            <a:r>
+              <a:rPr b="0" lang="en-US" sz="1800" spc="-1" strike="noStrike">
+                <a:solidFill>
+                  <a:srgbClr val="1a1a1a"/>
+                </a:solidFill>
+                <a:latin typeface="Arial"/>
+                <a:ea typeface="Arial"/>
+              </a:rPr>
+              <a:t> Caso o cliente não efetue o pagamento, o gerente tomará as devidas providências</a:t>
+            </a:r>
+            <a:endParaRPr b="0" lang="en-US" sz="1800" spc="-1" strike="noStrike">
+              <a:latin typeface="Arial"/>
+            </a:endParaRPr>
+          </a:p>
+          <a:p>
+            <a:pPr>
+              <a:lnSpc>
+                <a:spcPct val="100000"/>
+              </a:lnSpc>
+            </a:pPr>
+            <a:r>
+              <a:rPr b="0" lang="en-US" sz="2000" spc="-1" strike="noStrike">
                 <a:solidFill>
                   <a:srgbClr val="1a1a1a"/>
                 </a:solidFill>
@@ -6693,7 +6361,7 @@
               </a:rPr>
               <a:t>	</a:t>
             </a:r>
-            <a:endParaRPr b="0" lang="pt-BR" sz="2000" spc="-1" strike="noStrike">
+            <a:endParaRPr b="0" lang="en-US" sz="2000" spc="-1" strike="noStrike">
               <a:latin typeface="Arial"/>
             </a:endParaRPr>
           </a:p>
@@ -6701,7 +6369,7 @@
       </p:sp>
       <p:pic>
         <p:nvPicPr>
-          <p:cNvPr id="54" name="" descr=""/>
+          <p:cNvPr id="53" name="" descr=""/>
           <p:cNvPicPr/>
           <p:nvPr/>
         </p:nvPicPr>
@@ -6712,7 +6380,7 @@
         <p:spPr>
           <a:xfrm>
             <a:off x="594000" y="385920"/>
-            <a:ext cx="5526360" cy="3934440"/>
+            <a:ext cx="5526000" cy="3934080"/>
           </a:xfrm>
           <a:prstGeom prst="rect">
             <a:avLst/>
@@ -6724,33 +6392,14 @@
       </p:pic>
     </p:spTree>
   </p:cSld>
-  <p:timing>
-    <p:tnLst>
-      <p:par>
-        <p:cTn id="15" dur="indefinite" restart="never" nodeType="tmRoot">
-          <p:childTnLst>
-            <p:seq>
-              <p:cTn id="16" dur="indefinite" nodeType="mainSeq"/>
-              <p:prevCondLst>
-                <p:cond delay="0" evt="onPrev">
-                  <p:tgtEl>
-                    <p:sldTgt/>
-                  </p:tgtEl>
-                </p:cond>
-              </p:prevCondLst>
-              <p:nextCondLst>
-                <p:cond delay="0" evt="onNext">
-                  <p:tgtEl>
-                    <p:sldTgt/>
-                  </p:tgtEl>
-                </p:cond>
-              </p:nextCondLst>
-            </p:seq>
-          </p:childTnLst>
-        </p:cTn>
-      </p:par>
-    </p:tnLst>
-  </p:timing>
+  <mc:AlternateContent>
+    <mc:Choice Requires="p14">
+      <p:transition spd="slow" p14:dur="2000"/>
+    </mc:Choice>
+    <mc:Fallback>
+      <p:transition spd="slow"/>
+    </mc:Fallback>
+  </mc:AlternateContent>
 </p:sld>
 </file>
 
@@ -6773,14 +6422,14 @@
       </p:grpSpPr>
       <p:sp>
         <p:nvSpPr>
-          <p:cNvPr id="55" name="CustomShape 1"/>
+          <p:cNvPr id="54" name="CustomShape 1"/>
           <p:cNvSpPr/>
           <p:nvPr/>
         </p:nvSpPr>
         <p:spPr>
           <a:xfrm>
             <a:off x="6388200" y="288000"/>
-            <a:ext cx="2594880" cy="3959280"/>
+            <a:ext cx="2594520" cy="3958920"/>
           </a:xfrm>
           <a:prstGeom prst="rect">
             <a:avLst/>
@@ -6797,15 +6446,17 @@
           <a:fontRef idx="minor"/>
         </p:style>
         <p:txBody>
-          <a:bodyPr tIns="91440" bIns="91440"/>
-          <a:p>
-            <a:pPr>
-              <a:lnSpc>
-                <a:spcPct val="100000"/>
-              </a:lnSpc>
-            </a:pPr>
-            <a:r>
-              <a:rPr b="1" lang="pt-BR" sz="2000" spc="-1" strike="noStrike">
+          <a:bodyPr lIns="90000" rIns="90000" tIns="91440" bIns="91440">
+            <a:noAutofit/>
+          </a:bodyPr>
+          <a:p>
+            <a:pPr>
+              <a:lnSpc>
+                <a:spcPct val="100000"/>
+              </a:lnSpc>
+            </a:pPr>
+            <a:r>
+              <a:rPr b="1" lang="en-US" sz="2000" spc="-1" strike="noStrike">
                 <a:solidFill>
                   <a:srgbClr val="1a1a1a"/>
                 </a:solidFill>
@@ -6815,7 +6466,7 @@
               <a:t>Processo</a:t>
             </a:r>
             <a:r>
-              <a:rPr b="0" lang="pt-BR" sz="2000" spc="-1" strike="noStrike">
+              <a:rPr b="0" lang="en-US" sz="2000" spc="-1" strike="noStrike">
                 <a:solidFill>
                   <a:srgbClr val="1a1a1a"/>
                 </a:solidFill>
@@ -6824,18 +6475,18 @@
               </a:rPr>
               <a:t>: Cancelar Pedido</a:t>
             </a:r>
-            <a:endParaRPr b="0" lang="pt-BR" sz="2000" spc="-1" strike="noStrike">
-              <a:latin typeface="Arial"/>
-            </a:endParaRPr>
-          </a:p>
-          <a:p>
-            <a:pPr>
-              <a:lnSpc>
-                <a:spcPct val="100000"/>
-              </a:lnSpc>
-            </a:pPr>
-            <a:r>
-              <a:rPr b="1" lang="pt-BR" sz="2000" spc="-1" strike="noStrike">
+            <a:endParaRPr b="0" lang="en-US" sz="2000" spc="-1" strike="noStrike">
+              <a:latin typeface="Arial"/>
+            </a:endParaRPr>
+          </a:p>
+          <a:p>
+            <a:pPr>
+              <a:lnSpc>
+                <a:spcPct val="100000"/>
+              </a:lnSpc>
+            </a:pPr>
+            <a:r>
+              <a:rPr b="1" lang="en-US" sz="2000" spc="-1" strike="noStrike">
                 <a:solidFill>
                   <a:srgbClr val="1a1a1a"/>
                 </a:solidFill>
@@ -6845,7 +6496,7 @@
               <a:t>Evento</a:t>
             </a:r>
             <a:r>
-              <a:rPr b="0" lang="pt-BR" sz="2000" spc="-1" strike="noStrike">
+              <a:rPr b="0" lang="en-US" sz="2000" spc="-1" strike="noStrike">
                 <a:solidFill>
                   <a:srgbClr val="1a1a1a"/>
                 </a:solidFill>
@@ -6854,18 +6505,18 @@
               </a:rPr>
               <a:t>: Cliente cancela pedido</a:t>
             </a:r>
-            <a:endParaRPr b="0" lang="pt-BR" sz="2000" spc="-1" strike="noStrike">
-              <a:latin typeface="Arial"/>
-            </a:endParaRPr>
-          </a:p>
-          <a:p>
-            <a:pPr>
-              <a:lnSpc>
-                <a:spcPct val="100000"/>
-              </a:lnSpc>
-            </a:pPr>
-            <a:r>
-              <a:rPr b="1" lang="pt-BR" sz="2000" spc="-1" strike="noStrike">
+            <a:endParaRPr b="0" lang="en-US" sz="2000" spc="-1" strike="noStrike">
+              <a:latin typeface="Arial"/>
+            </a:endParaRPr>
+          </a:p>
+          <a:p>
+            <a:pPr>
+              <a:lnSpc>
+                <a:spcPct val="100000"/>
+              </a:lnSpc>
+            </a:pPr>
+            <a:r>
+              <a:rPr b="1" lang="en-US" sz="2000" spc="-1" strike="noStrike">
                 <a:solidFill>
                   <a:srgbClr val="1a1a1a"/>
                 </a:solidFill>
@@ -6875,7 +6526,7 @@
               <a:t>Trabalhador Envolvido</a:t>
             </a:r>
             <a:r>
-              <a:rPr b="0" lang="pt-BR" sz="2000" spc="-1" strike="noStrike">
+              <a:rPr b="0" lang="en-US" sz="2000" spc="-1" strike="noStrike">
                 <a:solidFill>
                   <a:srgbClr val="1a1a1a"/>
                 </a:solidFill>
@@ -6884,68 +6535,88 @@
               </a:rPr>
               <a:t>: Atendente</a:t>
             </a:r>
-            <a:endParaRPr b="0" lang="pt-BR" sz="2000" spc="-1" strike="noStrike">
-              <a:latin typeface="Arial"/>
-            </a:endParaRPr>
-          </a:p>
-          <a:p>
-            <a:pPr>
-              <a:lnSpc>
-                <a:spcPct val="100000"/>
-              </a:lnSpc>
-            </a:pPr>
-            <a:endParaRPr b="0" lang="pt-BR" sz="2000" spc="-1" strike="noStrike">
-              <a:latin typeface="Arial"/>
-            </a:endParaRPr>
-          </a:p>
-          <a:p>
-            <a:pPr>
-              <a:lnSpc>
-                <a:spcPct val="100000"/>
-              </a:lnSpc>
-            </a:pPr>
-            <a:r>
-              <a:rPr b="0" lang="pt-BR" sz="2000" spc="-1" strike="noStrike">
-                <a:solidFill>
-                  <a:srgbClr val="1a1a1a"/>
-                </a:solidFill>
-                <a:latin typeface="Arial"/>
-                <a:ea typeface="Arial"/>
-              </a:rPr>
-              <a:t>1. Cliente cancela pedido, devido alguma falha ou por escolha própria.</a:t>
-            </a:r>
-            <a:endParaRPr b="0" lang="pt-BR" sz="2000" spc="-1" strike="noStrike">
-              <a:latin typeface="Arial"/>
-            </a:endParaRPr>
-          </a:p>
-          <a:p>
-            <a:pPr>
-              <a:lnSpc>
-                <a:spcPct val="100000"/>
-              </a:lnSpc>
-            </a:pPr>
-            <a:r>
-              <a:rPr b="0" lang="pt-BR" sz="1600" spc="-1" strike="noStrike">
-                <a:solidFill>
-                  <a:srgbClr val="1a1a1a"/>
-                </a:solidFill>
-                <a:latin typeface="Arial"/>
-                <a:ea typeface="Arial"/>
-              </a:rPr>
-              <a:t>1.1 Caso o cliente cancele um pedido devido alguma falha, a atendente receberá a reclamação.</a:t>
-            </a:r>
-            <a:endParaRPr b="0" lang="pt-BR" sz="1600" spc="-1" strike="noStrike">
-              <a:latin typeface="Arial"/>
-            </a:endParaRPr>
-          </a:p>
-          <a:p>
-            <a:pPr>
-              <a:lnSpc>
-                <a:spcPct val="100000"/>
-              </a:lnSpc>
-            </a:pPr>
-            <a:r>
-              <a:rPr b="0" lang="pt-BR" sz="2000" spc="-1" strike="noStrike">
+            <a:endParaRPr b="0" lang="en-US" sz="2000" spc="-1" strike="noStrike">
+              <a:latin typeface="Arial"/>
+            </a:endParaRPr>
+          </a:p>
+          <a:p>
+            <a:pPr>
+              <a:lnSpc>
+                <a:spcPct val="100000"/>
+              </a:lnSpc>
+            </a:pPr>
+            <a:endParaRPr b="0" lang="en-US" sz="2000" spc="-1" strike="noStrike">
+              <a:latin typeface="Arial"/>
+            </a:endParaRPr>
+          </a:p>
+          <a:p>
+            <a:pPr>
+              <a:lnSpc>
+                <a:spcPct val="100000"/>
+              </a:lnSpc>
+            </a:pPr>
+            <a:r>
+              <a:rPr b="1" lang="en-US" sz="2000" spc="-1" strike="noStrike">
+                <a:solidFill>
+                  <a:srgbClr val="1a1a1a"/>
+                </a:solidFill>
+                <a:latin typeface="Arial"/>
+                <a:ea typeface="Arial"/>
+              </a:rPr>
+              <a:t>1.</a:t>
+            </a:r>
+            <a:r>
+              <a:rPr b="0" lang="en-US" sz="2000" spc="-1" strike="noStrike">
+                <a:solidFill>
+                  <a:srgbClr val="1a1a1a"/>
+                </a:solidFill>
+                <a:latin typeface="Arial"/>
+                <a:ea typeface="Arial"/>
+              </a:rPr>
+              <a:t> Cliente cancela pedido, devido alguma falha ou por escolha própria.</a:t>
+            </a:r>
+            <a:endParaRPr b="0" lang="en-US" sz="2000" spc="-1" strike="noStrike">
+              <a:latin typeface="Arial"/>
+            </a:endParaRPr>
+          </a:p>
+          <a:p>
+            <a:pPr>
+              <a:lnSpc>
+                <a:spcPct val="100000"/>
+              </a:lnSpc>
+            </a:pPr>
+            <a:r>
+              <a:rPr b="1" lang="en-US" sz="1600" spc="-1" strike="noStrike">
+                <a:solidFill>
+                  <a:srgbClr val="1a1a1a"/>
+                </a:solidFill>
+                <a:latin typeface="Arial"/>
+                <a:ea typeface="Arial"/>
+              </a:rPr>
+              <a:t>1.1.</a:t>
+            </a:r>
+            <a:r>
+              <a:rPr b="0" lang="en-US" sz="1600" spc="-1" strike="noStrike">
+                <a:solidFill>
+                  <a:srgbClr val="1a1a1a"/>
+                </a:solidFill>
+                <a:latin typeface="Arial"/>
+                <a:ea typeface="Arial"/>
+              </a:rPr>
+              <a:t> Caso o cliente cancele um pedido devido alguma falha, a atendente receberá a reclamação.</a:t>
+            </a:r>
+            <a:endParaRPr b="0" lang="en-US" sz="1600" spc="-1" strike="noStrike">
+              <a:latin typeface="Arial"/>
+            </a:endParaRPr>
+          </a:p>
+          <a:p>
+            <a:pPr>
+              <a:lnSpc>
+                <a:spcPct val="100000"/>
+              </a:lnSpc>
+            </a:pPr>
+            <a:r>
+              <a:rPr b="0" lang="en-US" sz="2000" spc="-1" strike="noStrike">
                 <a:solidFill>
                   <a:srgbClr val="1a1a1a"/>
                 </a:solidFill>
@@ -6954,7 +6625,7 @@
               </a:rPr>
               <a:t>	</a:t>
             </a:r>
-            <a:endParaRPr b="0" lang="pt-BR" sz="2000" spc="-1" strike="noStrike">
+            <a:endParaRPr b="0" lang="en-US" sz="2000" spc="-1" strike="noStrike">
               <a:latin typeface="Arial"/>
             </a:endParaRPr>
           </a:p>
@@ -6962,7 +6633,7 @@
       </p:sp>
       <p:pic>
         <p:nvPicPr>
-          <p:cNvPr id="56" name="" descr=""/>
+          <p:cNvPr id="55" name="" descr=""/>
           <p:cNvPicPr/>
           <p:nvPr/>
         </p:nvPicPr>
@@ -6973,7 +6644,7 @@
         <p:spPr>
           <a:xfrm>
             <a:off x="594000" y="385920"/>
-            <a:ext cx="5526360" cy="3934440"/>
+            <a:ext cx="5526000" cy="3934080"/>
           </a:xfrm>
           <a:prstGeom prst="rect">
             <a:avLst/>
@@ -6985,33 +6656,14 @@
       </p:pic>
     </p:spTree>
   </p:cSld>
-  <p:timing>
-    <p:tnLst>
-      <p:par>
-        <p:cTn id="17" dur="indefinite" restart="never" nodeType="tmRoot">
-          <p:childTnLst>
-            <p:seq>
-              <p:cTn id="18" dur="indefinite" nodeType="mainSeq"/>
-              <p:prevCondLst>
-                <p:cond delay="0" evt="onPrev">
-                  <p:tgtEl>
-                    <p:sldTgt/>
-                  </p:tgtEl>
-                </p:cond>
-              </p:prevCondLst>
-              <p:nextCondLst>
-                <p:cond delay="0" evt="onNext">
-                  <p:tgtEl>
-                    <p:sldTgt/>
-                  </p:tgtEl>
-                </p:cond>
-              </p:nextCondLst>
-            </p:seq>
-          </p:childTnLst>
-        </p:cTn>
-      </p:par>
-    </p:tnLst>
-  </p:timing>
+  <mc:AlternateContent>
+    <mc:Choice Requires="p14">
+      <p:transition spd="slow" p14:dur="2000"/>
+    </mc:Choice>
+    <mc:Fallback>
+      <p:transition spd="slow"/>
+    </mc:Fallback>
+  </mc:AlternateContent>
 </p:sld>
 </file>
 
@@ -7129,18 +6781,21 @@
             </a:schemeClr>
           </a:solidFill>
           <a:prstDash val="solid"/>
+          <a:miter/>
         </a:ln>
         <a:ln w="25400" cap="flat" cmpd="sng" algn="ctr">
           <a:solidFill>
             <a:schemeClr val="phClr"/>
           </a:solidFill>
           <a:prstDash val="solid"/>
+          <a:miter/>
         </a:ln>
         <a:ln w="38100" cap="flat" cmpd="sng" algn="ctr">
           <a:solidFill>
             <a:schemeClr val="phClr"/>
           </a:solidFill>
           <a:prstDash val="solid"/>
+          <a:miter/>
         </a:ln>
       </a:lnStyleLst>
       <a:effectStyleLst>

--- a/Artefatos/18. Descrição dos Processos de Negócio.pptx
+++ b/Artefatos/18. Descrição dos Processos de Negócio.pptx
@@ -1,40 +1,135 @@
 
 <file path=ppt/presentation.xml><?xml version="1.0" encoding="utf-8"?>
-<p:presentation xmlns:a="http://schemas.openxmlformats.org/drawingml/2006/main" xmlns:p="http://schemas.openxmlformats.org/presentationml/2006/main" xmlns:r="http://schemas.openxmlformats.org/officeDocument/2006/relationships" xmlns:p14="http://schemas.microsoft.com/office/powerpoint/2010/main" xmlns:p15="http://schemas.microsoft.com/office/powerpoint/2012/main" xmlns:mc="http://schemas.openxmlformats.org/markup-compatibility/2006">
+<p:presentation xmlns:a="http://schemas.openxmlformats.org/drawingml/2006/main" xmlns:r="http://schemas.openxmlformats.org/officeDocument/2006/relationships" xmlns:p="http://schemas.openxmlformats.org/presentationml/2006/main">
   <p:sldMasterIdLst>
-    <p:sldMasterId id="2147483648" r:id="rId2"/>
+    <p:sldMasterId id="2147483648" r:id="rId1"/>
   </p:sldMasterIdLst>
   <p:sldIdLst>
-    <p:sldId id="256" r:id="rId3"/>
-    <p:sldId id="257" r:id="rId4"/>
-    <p:sldId id="258" r:id="rId5"/>
-    <p:sldId id="259" r:id="rId6"/>
-    <p:sldId id="260" r:id="rId7"/>
-    <p:sldId id="261" r:id="rId8"/>
-    <p:sldId id="262" r:id="rId9"/>
-    <p:sldId id="263" r:id="rId10"/>
-    <p:sldId id="264" r:id="rId11"/>
-    <p:sldId id="265" r:id="rId12"/>
-    <p:sldId id="266" r:id="rId13"/>
-    <p:sldId id="267" r:id="rId14"/>
-    <p:sldId id="268" r:id="rId15"/>
-    <p:sldId id="269" r:id="rId16"/>
-    <p:sldId id="270" r:id="rId17"/>
-    <p:sldId id="271" r:id="rId18"/>
-    <p:sldId id="272" r:id="rId19"/>
-    <p:sldId id="273" r:id="rId20"/>
-    <p:sldId id="274" r:id="rId21"/>
-    <p:sldId id="275" r:id="rId22"/>
-    <p:sldId id="276" r:id="rId23"/>
-    <p:sldId id="277" r:id="rId24"/>
+    <p:sldId id="256" r:id="rId2"/>
+    <p:sldId id="257" r:id="rId3"/>
+    <p:sldId id="258" r:id="rId4"/>
+    <p:sldId id="259" r:id="rId5"/>
+    <p:sldId id="260" r:id="rId6"/>
+    <p:sldId id="261" r:id="rId7"/>
+    <p:sldId id="262" r:id="rId8"/>
+    <p:sldId id="263" r:id="rId9"/>
+    <p:sldId id="264" r:id="rId10"/>
+    <p:sldId id="265" r:id="rId11"/>
+    <p:sldId id="266" r:id="rId12"/>
+    <p:sldId id="267" r:id="rId13"/>
+    <p:sldId id="268" r:id="rId14"/>
+    <p:sldId id="269" r:id="rId15"/>
+    <p:sldId id="270" r:id="rId16"/>
+    <p:sldId id="271" r:id="rId17"/>
+    <p:sldId id="272" r:id="rId18"/>
+    <p:sldId id="273" r:id="rId19"/>
+    <p:sldId id="274" r:id="rId20"/>
+    <p:sldId id="275" r:id="rId21"/>
+    <p:sldId id="276" r:id="rId22"/>
+    <p:sldId id="277" r:id="rId23"/>
   </p:sldIdLst>
-  <p:sldSz cx="9144000" cy="5143500"/>
+  <p:sldSz cx="9144000" cy="5143500" type="screen16x9"/>
   <p:notesSz cx="7772400" cy="10058400"/>
+  <p:defaultTextStyle>
+    <a:defPPr>
+      <a:defRPr lang="pt-BR"/>
+    </a:defPPr>
+    <a:lvl1pPr marL="0" algn="l" defTabSz="914400" rtl="0" eaLnBrk="1" latinLnBrk="0" hangingPunct="1">
+      <a:defRPr sz="1800" kern="1200">
+        <a:solidFill>
+          <a:schemeClr val="tx1"/>
+        </a:solidFill>
+        <a:latin typeface="+mn-lt"/>
+        <a:ea typeface="+mn-ea"/>
+        <a:cs typeface="+mn-cs"/>
+      </a:defRPr>
+    </a:lvl1pPr>
+    <a:lvl2pPr marL="457200" algn="l" defTabSz="914400" rtl="0" eaLnBrk="1" latinLnBrk="0" hangingPunct="1">
+      <a:defRPr sz="1800" kern="1200">
+        <a:solidFill>
+          <a:schemeClr val="tx1"/>
+        </a:solidFill>
+        <a:latin typeface="+mn-lt"/>
+        <a:ea typeface="+mn-ea"/>
+        <a:cs typeface="+mn-cs"/>
+      </a:defRPr>
+    </a:lvl2pPr>
+    <a:lvl3pPr marL="914400" algn="l" defTabSz="914400" rtl="0" eaLnBrk="1" latinLnBrk="0" hangingPunct="1">
+      <a:defRPr sz="1800" kern="1200">
+        <a:solidFill>
+          <a:schemeClr val="tx1"/>
+        </a:solidFill>
+        <a:latin typeface="+mn-lt"/>
+        <a:ea typeface="+mn-ea"/>
+        <a:cs typeface="+mn-cs"/>
+      </a:defRPr>
+    </a:lvl3pPr>
+    <a:lvl4pPr marL="1371600" algn="l" defTabSz="914400" rtl="0" eaLnBrk="1" latinLnBrk="0" hangingPunct="1">
+      <a:defRPr sz="1800" kern="1200">
+        <a:solidFill>
+          <a:schemeClr val="tx1"/>
+        </a:solidFill>
+        <a:latin typeface="+mn-lt"/>
+        <a:ea typeface="+mn-ea"/>
+        <a:cs typeface="+mn-cs"/>
+      </a:defRPr>
+    </a:lvl4pPr>
+    <a:lvl5pPr marL="1828800" algn="l" defTabSz="914400" rtl="0" eaLnBrk="1" latinLnBrk="0" hangingPunct="1">
+      <a:defRPr sz="1800" kern="1200">
+        <a:solidFill>
+          <a:schemeClr val="tx1"/>
+        </a:solidFill>
+        <a:latin typeface="+mn-lt"/>
+        <a:ea typeface="+mn-ea"/>
+        <a:cs typeface="+mn-cs"/>
+      </a:defRPr>
+    </a:lvl5pPr>
+    <a:lvl6pPr marL="2286000" algn="l" defTabSz="914400" rtl="0" eaLnBrk="1" latinLnBrk="0" hangingPunct="1">
+      <a:defRPr sz="1800" kern="1200">
+        <a:solidFill>
+          <a:schemeClr val="tx1"/>
+        </a:solidFill>
+        <a:latin typeface="+mn-lt"/>
+        <a:ea typeface="+mn-ea"/>
+        <a:cs typeface="+mn-cs"/>
+      </a:defRPr>
+    </a:lvl6pPr>
+    <a:lvl7pPr marL="2743200" algn="l" defTabSz="914400" rtl="0" eaLnBrk="1" latinLnBrk="0" hangingPunct="1">
+      <a:defRPr sz="1800" kern="1200">
+        <a:solidFill>
+          <a:schemeClr val="tx1"/>
+        </a:solidFill>
+        <a:latin typeface="+mn-lt"/>
+        <a:ea typeface="+mn-ea"/>
+        <a:cs typeface="+mn-cs"/>
+      </a:defRPr>
+    </a:lvl7pPr>
+    <a:lvl8pPr marL="3200400" algn="l" defTabSz="914400" rtl="0" eaLnBrk="1" latinLnBrk="0" hangingPunct="1">
+      <a:defRPr sz="1800" kern="1200">
+        <a:solidFill>
+          <a:schemeClr val="tx1"/>
+        </a:solidFill>
+        <a:latin typeface="+mn-lt"/>
+        <a:ea typeface="+mn-ea"/>
+        <a:cs typeface="+mn-cs"/>
+      </a:defRPr>
+    </a:lvl8pPr>
+    <a:lvl9pPr marL="3657600" algn="l" defTabSz="914400" rtl="0" eaLnBrk="1" latinLnBrk="0" hangingPunct="1">
+      <a:defRPr sz="1800" kern="1200">
+        <a:solidFill>
+          <a:schemeClr val="tx1"/>
+        </a:solidFill>
+        <a:latin typeface="+mn-lt"/>
+        <a:ea typeface="+mn-ea"/>
+        <a:cs typeface="+mn-cs"/>
+      </a:defRPr>
+    </a:lvl9pPr>
+  </p:defaultTextStyle>
 </p:presentation>
 </file>
 
 <file path=ppt/slideLayouts/slideLayout1.xml><?xml version="1.0" encoding="utf-8"?>
-<p:sldLayout xmlns:a="http://schemas.openxmlformats.org/drawingml/2006/main" xmlns:p="http://schemas.openxmlformats.org/presentationml/2006/main" xmlns:r="http://schemas.openxmlformats.org/officeDocument/2006/relationships" xmlns:p14="http://schemas.microsoft.com/office/powerpoint/2010/main" xmlns:p15="http://schemas.microsoft.com/office/powerpoint/2012/main" xmlns:mc="http://schemas.openxmlformats.org/markup-compatibility/2006" type="blank" preserve="1">
+<p:sldLayout xmlns:a="http://schemas.openxmlformats.org/drawingml/2006/main" xmlns:r="http://schemas.openxmlformats.org/officeDocument/2006/relationships" xmlns:p="http://schemas.openxmlformats.org/presentationml/2006/main" type="blank" preserve="1">
   <p:cSld name="Blank Slide">
     <p:spTree>
       <p:nvGrpSpPr>
@@ -52,11 +147,14 @@
       </p:grpSpPr>
     </p:spTree>
   </p:cSld>
+  <p:clrMapOvr>
+    <a:masterClrMapping/>
+  </p:clrMapOvr>
 </p:sldLayout>
 </file>
 
 <file path=ppt/slideLayouts/slideLayout10.xml><?xml version="1.0" encoding="utf-8"?>
-<p:sldLayout xmlns:a="http://schemas.openxmlformats.org/drawingml/2006/main" xmlns:p="http://schemas.openxmlformats.org/presentationml/2006/main" xmlns:r="http://schemas.openxmlformats.org/officeDocument/2006/relationships" xmlns:p14="http://schemas.microsoft.com/office/powerpoint/2010/main" xmlns:p15="http://schemas.microsoft.com/office/powerpoint/2012/main" xmlns:mc="http://schemas.openxmlformats.org/markup-compatibility/2006" type="objOverTx" preserve="1">
+<p:sldLayout xmlns:a="http://schemas.openxmlformats.org/drawingml/2006/main" xmlns:r="http://schemas.openxmlformats.org/officeDocument/2006/relationships" xmlns:p="http://schemas.openxmlformats.org/presentationml/2006/main" type="objOverTx" preserve="1">
   <p:cSld name="Title, Content over Content">
     <p:spTree>
       <p:nvGrpSpPr>
@@ -92,12 +190,13 @@
           </a:prstGeom>
         </p:spPr>
         <p:txBody>
-          <a:bodyPr lIns="0" rIns="0" tIns="0" bIns="0" anchor="ctr">
+          <a:bodyPr lIns="0" tIns="0" rIns="0" bIns="0" anchor="ctr">
             <a:noAutofit/>
           </a:bodyPr>
+          <a:lstStyle/>
           <a:p>
             <a:pPr algn="ctr"/>
-            <a:endParaRPr b="0" lang="en-US" sz="4400" spc="-1" strike="noStrike">
+            <a:endParaRPr lang="en-US" sz="4400" b="0" strike="noStrike" spc="-1">
               <a:latin typeface="Arial"/>
             </a:endParaRPr>
           </a:p>
@@ -123,11 +222,12 @@
           </a:prstGeom>
         </p:spPr>
         <p:txBody>
-          <a:bodyPr lIns="0" rIns="0" tIns="0" bIns="0">
+          <a:bodyPr lIns="0" tIns="0" rIns="0" bIns="0">
             <a:normAutofit/>
           </a:bodyPr>
-          <a:p>
-            <a:endParaRPr b="0" lang="en-US" sz="3200" spc="-1" strike="noStrike">
+          <a:lstStyle/>
+          <a:p>
+            <a:endParaRPr lang="en-US" sz="3200" b="0" strike="noStrike" spc="-1">
               <a:latin typeface="Arial"/>
             </a:endParaRPr>
           </a:p>
@@ -153,11 +253,12 @@
           </a:prstGeom>
         </p:spPr>
         <p:txBody>
-          <a:bodyPr lIns="0" rIns="0" tIns="0" bIns="0">
+          <a:bodyPr lIns="0" tIns="0" rIns="0" bIns="0">
             <a:normAutofit/>
           </a:bodyPr>
-          <a:p>
-            <a:endParaRPr b="0" lang="en-US" sz="3200" spc="-1" strike="noStrike">
+          <a:lstStyle/>
+          <a:p>
+            <a:endParaRPr lang="en-US" sz="3200" b="0" strike="noStrike" spc="-1">
               <a:latin typeface="Arial"/>
             </a:endParaRPr>
           </a:p>
@@ -165,11 +266,14 @@
       </p:sp>
     </p:spTree>
   </p:cSld>
+  <p:clrMapOvr>
+    <a:masterClrMapping/>
+  </p:clrMapOvr>
 </p:sldLayout>
 </file>
 
 <file path=ppt/slideLayouts/slideLayout11.xml><?xml version="1.0" encoding="utf-8"?>
-<p:sldLayout xmlns:a="http://schemas.openxmlformats.org/drawingml/2006/main" xmlns:p="http://schemas.openxmlformats.org/presentationml/2006/main" xmlns:r="http://schemas.openxmlformats.org/officeDocument/2006/relationships" xmlns:p14="http://schemas.microsoft.com/office/powerpoint/2010/main" xmlns:p15="http://schemas.microsoft.com/office/powerpoint/2012/main" xmlns:mc="http://schemas.openxmlformats.org/markup-compatibility/2006" type="fourObj" preserve="1">
+<p:sldLayout xmlns:a="http://schemas.openxmlformats.org/drawingml/2006/main" xmlns:r="http://schemas.openxmlformats.org/officeDocument/2006/relationships" xmlns:p="http://schemas.openxmlformats.org/presentationml/2006/main" type="fourObj" preserve="1">
   <p:cSld name="Title, 4 Content">
     <p:spTree>
       <p:nvGrpSpPr>
@@ -205,12 +309,13 @@
           </a:prstGeom>
         </p:spPr>
         <p:txBody>
-          <a:bodyPr lIns="0" rIns="0" tIns="0" bIns="0" anchor="ctr">
+          <a:bodyPr lIns="0" tIns="0" rIns="0" bIns="0" anchor="ctr">
             <a:noAutofit/>
           </a:bodyPr>
+          <a:lstStyle/>
           <a:p>
             <a:pPr algn="ctr"/>
-            <a:endParaRPr b="0" lang="en-US" sz="4400" spc="-1" strike="noStrike">
+            <a:endParaRPr lang="en-US" sz="4400" b="0" strike="noStrike" spc="-1">
               <a:latin typeface="Arial"/>
             </a:endParaRPr>
           </a:p>
@@ -236,11 +341,12 @@
           </a:prstGeom>
         </p:spPr>
         <p:txBody>
-          <a:bodyPr lIns="0" rIns="0" tIns="0" bIns="0">
+          <a:bodyPr lIns="0" tIns="0" rIns="0" bIns="0">
             <a:normAutofit/>
           </a:bodyPr>
-          <a:p>
-            <a:endParaRPr b="0" lang="en-US" sz="3200" spc="-1" strike="noStrike">
+          <a:lstStyle/>
+          <a:p>
+            <a:endParaRPr lang="en-US" sz="3200" b="0" strike="noStrike" spc="-1">
               <a:latin typeface="Arial"/>
             </a:endParaRPr>
           </a:p>
@@ -266,11 +372,12 @@
           </a:prstGeom>
         </p:spPr>
         <p:txBody>
-          <a:bodyPr lIns="0" rIns="0" tIns="0" bIns="0">
+          <a:bodyPr lIns="0" tIns="0" rIns="0" bIns="0">
             <a:normAutofit/>
           </a:bodyPr>
-          <a:p>
-            <a:endParaRPr b="0" lang="en-US" sz="3200" spc="-1" strike="noStrike">
+          <a:lstStyle/>
+          <a:p>
+            <a:endParaRPr lang="en-US" sz="3200" b="0" strike="noStrike" spc="-1">
               <a:latin typeface="Arial"/>
             </a:endParaRPr>
           </a:p>
@@ -296,11 +403,12 @@
           </a:prstGeom>
         </p:spPr>
         <p:txBody>
-          <a:bodyPr lIns="0" rIns="0" tIns="0" bIns="0">
+          <a:bodyPr lIns="0" tIns="0" rIns="0" bIns="0">
             <a:normAutofit/>
           </a:bodyPr>
-          <a:p>
-            <a:endParaRPr b="0" lang="en-US" sz="3200" spc="-1" strike="noStrike">
+          <a:lstStyle/>
+          <a:p>
+            <a:endParaRPr lang="en-US" sz="3200" b="0" strike="noStrike" spc="-1">
               <a:latin typeface="Arial"/>
             </a:endParaRPr>
           </a:p>
@@ -326,11 +434,12 @@
           </a:prstGeom>
         </p:spPr>
         <p:txBody>
-          <a:bodyPr lIns="0" rIns="0" tIns="0" bIns="0">
+          <a:bodyPr lIns="0" tIns="0" rIns="0" bIns="0">
             <a:normAutofit/>
           </a:bodyPr>
-          <a:p>
-            <a:endParaRPr b="0" lang="en-US" sz="3200" spc="-1" strike="noStrike">
+          <a:lstStyle/>
+          <a:p>
+            <a:endParaRPr lang="en-US" sz="3200" b="0" strike="noStrike" spc="-1">
               <a:latin typeface="Arial"/>
             </a:endParaRPr>
           </a:p>
@@ -338,11 +447,14 @@
       </p:sp>
     </p:spTree>
   </p:cSld>
+  <p:clrMapOvr>
+    <a:masterClrMapping/>
+  </p:clrMapOvr>
 </p:sldLayout>
 </file>
 
 <file path=ppt/slideLayouts/slideLayout12.xml><?xml version="1.0" encoding="utf-8"?>
-<p:sldLayout xmlns:a="http://schemas.openxmlformats.org/drawingml/2006/main" xmlns:p="http://schemas.openxmlformats.org/presentationml/2006/main" xmlns:r="http://schemas.openxmlformats.org/officeDocument/2006/relationships" xmlns:p14="http://schemas.microsoft.com/office/powerpoint/2010/main" xmlns:p15="http://schemas.microsoft.com/office/powerpoint/2012/main" xmlns:mc="http://schemas.openxmlformats.org/markup-compatibility/2006" type="blank" preserve="1">
+<p:sldLayout xmlns:a="http://schemas.openxmlformats.org/drawingml/2006/main" xmlns:r="http://schemas.openxmlformats.org/officeDocument/2006/relationships" xmlns:p="http://schemas.openxmlformats.org/presentationml/2006/main" type="blank" preserve="1">
   <p:cSld name="Title, 6 Content">
     <p:spTree>
       <p:nvGrpSpPr>
@@ -378,12 +490,13 @@
           </a:prstGeom>
         </p:spPr>
         <p:txBody>
-          <a:bodyPr lIns="0" rIns="0" tIns="0" bIns="0" anchor="ctr">
+          <a:bodyPr lIns="0" tIns="0" rIns="0" bIns="0" anchor="ctr">
             <a:noAutofit/>
           </a:bodyPr>
+          <a:lstStyle/>
           <a:p>
             <a:pPr algn="ctr"/>
-            <a:endParaRPr b="0" lang="en-US" sz="4400" spc="-1" strike="noStrike">
+            <a:endParaRPr lang="en-US" sz="4400" b="0" strike="noStrike" spc="-1">
               <a:latin typeface="Arial"/>
             </a:endParaRPr>
           </a:p>
@@ -409,11 +522,12 @@
           </a:prstGeom>
         </p:spPr>
         <p:txBody>
-          <a:bodyPr lIns="0" rIns="0" tIns="0" bIns="0">
+          <a:bodyPr lIns="0" tIns="0" rIns="0" bIns="0">
             <a:normAutofit/>
           </a:bodyPr>
-          <a:p>
-            <a:endParaRPr b="0" lang="en-US" sz="3200" spc="-1" strike="noStrike">
+          <a:lstStyle/>
+          <a:p>
+            <a:endParaRPr lang="en-US" sz="3200" b="0" strike="noStrike" spc="-1">
               <a:latin typeface="Arial"/>
             </a:endParaRPr>
           </a:p>
@@ -439,11 +553,12 @@
           </a:prstGeom>
         </p:spPr>
         <p:txBody>
-          <a:bodyPr lIns="0" rIns="0" tIns="0" bIns="0">
+          <a:bodyPr lIns="0" tIns="0" rIns="0" bIns="0">
             <a:normAutofit/>
           </a:bodyPr>
-          <a:p>
-            <a:endParaRPr b="0" lang="en-US" sz="3200" spc="-1" strike="noStrike">
+          <a:lstStyle/>
+          <a:p>
+            <a:endParaRPr lang="en-US" sz="3200" b="0" strike="noStrike" spc="-1">
               <a:latin typeface="Arial"/>
             </a:endParaRPr>
           </a:p>
@@ -469,11 +584,12 @@
           </a:prstGeom>
         </p:spPr>
         <p:txBody>
-          <a:bodyPr lIns="0" rIns="0" tIns="0" bIns="0">
+          <a:bodyPr lIns="0" tIns="0" rIns="0" bIns="0">
             <a:normAutofit/>
           </a:bodyPr>
-          <a:p>
-            <a:endParaRPr b="0" lang="en-US" sz="3200" spc="-1" strike="noStrike">
+          <a:lstStyle/>
+          <a:p>
+            <a:endParaRPr lang="en-US" sz="3200" b="0" strike="noStrike" spc="-1">
               <a:latin typeface="Arial"/>
             </a:endParaRPr>
           </a:p>
@@ -499,11 +615,12 @@
           </a:prstGeom>
         </p:spPr>
         <p:txBody>
-          <a:bodyPr lIns="0" rIns="0" tIns="0" bIns="0">
+          <a:bodyPr lIns="0" tIns="0" rIns="0" bIns="0">
             <a:normAutofit/>
           </a:bodyPr>
-          <a:p>
-            <a:endParaRPr b="0" lang="en-US" sz="3200" spc="-1" strike="noStrike">
+          <a:lstStyle/>
+          <a:p>
+            <a:endParaRPr lang="en-US" sz="3200" b="0" strike="noStrike" spc="-1">
               <a:latin typeface="Arial"/>
             </a:endParaRPr>
           </a:p>
@@ -529,11 +646,12 @@
           </a:prstGeom>
         </p:spPr>
         <p:txBody>
-          <a:bodyPr lIns="0" rIns="0" tIns="0" bIns="0">
+          <a:bodyPr lIns="0" tIns="0" rIns="0" bIns="0">
             <a:normAutofit/>
           </a:bodyPr>
-          <a:p>
-            <a:endParaRPr b="0" lang="en-US" sz="3200" spc="-1" strike="noStrike">
+          <a:lstStyle/>
+          <a:p>
+            <a:endParaRPr lang="en-US" sz="3200" b="0" strike="noStrike" spc="-1">
               <a:latin typeface="Arial"/>
             </a:endParaRPr>
           </a:p>
@@ -559,11 +677,12 @@
           </a:prstGeom>
         </p:spPr>
         <p:txBody>
-          <a:bodyPr lIns="0" rIns="0" tIns="0" bIns="0">
+          <a:bodyPr lIns="0" tIns="0" rIns="0" bIns="0">
             <a:normAutofit/>
           </a:bodyPr>
-          <a:p>
-            <a:endParaRPr b="0" lang="en-US" sz="3200" spc="-1" strike="noStrike">
+          <a:lstStyle/>
+          <a:p>
+            <a:endParaRPr lang="en-US" sz="3200" b="0" strike="noStrike" spc="-1">
               <a:latin typeface="Arial"/>
             </a:endParaRPr>
           </a:p>
@@ -571,11 +690,14 @@
       </p:sp>
     </p:spTree>
   </p:cSld>
+  <p:clrMapOvr>
+    <a:masterClrMapping/>
+  </p:clrMapOvr>
 </p:sldLayout>
 </file>
 
 <file path=ppt/slideLayouts/slideLayout2.xml><?xml version="1.0" encoding="utf-8"?>
-<p:sldLayout xmlns:a="http://schemas.openxmlformats.org/drawingml/2006/main" xmlns:p="http://schemas.openxmlformats.org/presentationml/2006/main" xmlns:r="http://schemas.openxmlformats.org/officeDocument/2006/relationships" xmlns:p14="http://schemas.microsoft.com/office/powerpoint/2010/main" xmlns:p15="http://schemas.microsoft.com/office/powerpoint/2012/main" xmlns:mc="http://schemas.openxmlformats.org/markup-compatibility/2006" type="tx" preserve="1">
+<p:sldLayout xmlns:a="http://schemas.openxmlformats.org/drawingml/2006/main" xmlns:r="http://schemas.openxmlformats.org/officeDocument/2006/relationships" xmlns:p="http://schemas.openxmlformats.org/presentationml/2006/main" type="tx" preserve="1">
   <p:cSld name="Title Slide">
     <p:spTree>
       <p:nvGrpSpPr>
@@ -611,12 +733,13 @@
           </a:prstGeom>
         </p:spPr>
         <p:txBody>
-          <a:bodyPr lIns="0" rIns="0" tIns="0" bIns="0" anchor="ctr">
+          <a:bodyPr lIns="0" tIns="0" rIns="0" bIns="0" anchor="ctr">
             <a:noAutofit/>
           </a:bodyPr>
+          <a:lstStyle/>
           <a:p>
             <a:pPr algn="ctr"/>
-            <a:endParaRPr b="0" lang="en-US" sz="4400" spc="-1" strike="noStrike">
+            <a:endParaRPr lang="en-US" sz="4400" b="0" strike="noStrike" spc="-1">
               <a:latin typeface="Arial"/>
             </a:endParaRPr>
           </a:p>
@@ -642,12 +765,13 @@
           </a:prstGeom>
         </p:spPr>
         <p:txBody>
-          <a:bodyPr lIns="0" rIns="0" tIns="0" bIns="0" anchor="ctr">
+          <a:bodyPr lIns="0" tIns="0" rIns="0" bIns="0" anchor="ctr">
             <a:noAutofit/>
           </a:bodyPr>
+          <a:lstStyle/>
           <a:p>
             <a:pPr algn="ctr"/>
-            <a:endParaRPr b="0" lang="en-US" sz="3200" spc="-1" strike="noStrike">
+            <a:endParaRPr lang="en-US" sz="3200" b="0" strike="noStrike" spc="-1">
               <a:latin typeface="Arial"/>
             </a:endParaRPr>
           </a:p>
@@ -655,11 +779,14 @@
       </p:sp>
     </p:spTree>
   </p:cSld>
+  <p:clrMapOvr>
+    <a:masterClrMapping/>
+  </p:clrMapOvr>
 </p:sldLayout>
 </file>
 
 <file path=ppt/slideLayouts/slideLayout3.xml><?xml version="1.0" encoding="utf-8"?>
-<p:sldLayout xmlns:a="http://schemas.openxmlformats.org/drawingml/2006/main" xmlns:p="http://schemas.openxmlformats.org/presentationml/2006/main" xmlns:r="http://schemas.openxmlformats.org/officeDocument/2006/relationships" xmlns:p14="http://schemas.microsoft.com/office/powerpoint/2010/main" xmlns:p15="http://schemas.microsoft.com/office/powerpoint/2012/main" xmlns:mc="http://schemas.openxmlformats.org/markup-compatibility/2006" type="obj" preserve="1">
+<p:sldLayout xmlns:a="http://schemas.openxmlformats.org/drawingml/2006/main" xmlns:r="http://schemas.openxmlformats.org/officeDocument/2006/relationships" xmlns:p="http://schemas.openxmlformats.org/presentationml/2006/main" type="obj" preserve="1">
   <p:cSld name="Title, Content">
     <p:spTree>
       <p:nvGrpSpPr>
@@ -695,12 +822,13 @@
           </a:prstGeom>
         </p:spPr>
         <p:txBody>
-          <a:bodyPr lIns="0" rIns="0" tIns="0" bIns="0" anchor="ctr">
+          <a:bodyPr lIns="0" tIns="0" rIns="0" bIns="0" anchor="ctr">
             <a:noAutofit/>
           </a:bodyPr>
+          <a:lstStyle/>
           <a:p>
             <a:pPr algn="ctr"/>
-            <a:endParaRPr b="0" lang="en-US" sz="4400" spc="-1" strike="noStrike">
+            <a:endParaRPr lang="en-US" sz="4400" b="0" strike="noStrike" spc="-1">
               <a:latin typeface="Arial"/>
             </a:endParaRPr>
           </a:p>
@@ -726,11 +854,12 @@
           </a:prstGeom>
         </p:spPr>
         <p:txBody>
-          <a:bodyPr lIns="0" rIns="0" tIns="0" bIns="0">
+          <a:bodyPr lIns="0" tIns="0" rIns="0" bIns="0">
             <a:normAutofit/>
           </a:bodyPr>
-          <a:p>
-            <a:endParaRPr b="0" lang="en-US" sz="3200" spc="-1" strike="noStrike">
+          <a:lstStyle/>
+          <a:p>
+            <a:endParaRPr lang="en-US" sz="3200" b="0" strike="noStrike" spc="-1">
               <a:latin typeface="Arial"/>
             </a:endParaRPr>
           </a:p>
@@ -738,11 +867,14 @@
       </p:sp>
     </p:spTree>
   </p:cSld>
+  <p:clrMapOvr>
+    <a:masterClrMapping/>
+  </p:clrMapOvr>
 </p:sldLayout>
 </file>
 
 <file path=ppt/slideLayouts/slideLayout4.xml><?xml version="1.0" encoding="utf-8"?>
-<p:sldLayout xmlns:a="http://schemas.openxmlformats.org/drawingml/2006/main" xmlns:p="http://schemas.openxmlformats.org/presentationml/2006/main" xmlns:r="http://schemas.openxmlformats.org/officeDocument/2006/relationships" xmlns:p14="http://schemas.microsoft.com/office/powerpoint/2010/main" xmlns:p15="http://schemas.microsoft.com/office/powerpoint/2012/main" xmlns:mc="http://schemas.openxmlformats.org/markup-compatibility/2006" type="twoObj" preserve="1">
+<p:sldLayout xmlns:a="http://schemas.openxmlformats.org/drawingml/2006/main" xmlns:r="http://schemas.openxmlformats.org/officeDocument/2006/relationships" xmlns:p="http://schemas.openxmlformats.org/presentationml/2006/main" type="twoObj" preserve="1">
   <p:cSld name="Title, 2 Content">
     <p:spTree>
       <p:nvGrpSpPr>
@@ -778,12 +910,13 @@
           </a:prstGeom>
         </p:spPr>
         <p:txBody>
-          <a:bodyPr lIns="0" rIns="0" tIns="0" bIns="0" anchor="ctr">
+          <a:bodyPr lIns="0" tIns="0" rIns="0" bIns="0" anchor="ctr">
             <a:noAutofit/>
           </a:bodyPr>
+          <a:lstStyle/>
           <a:p>
             <a:pPr algn="ctr"/>
-            <a:endParaRPr b="0" lang="en-US" sz="4400" spc="-1" strike="noStrike">
+            <a:endParaRPr lang="en-US" sz="4400" b="0" strike="noStrike" spc="-1">
               <a:latin typeface="Arial"/>
             </a:endParaRPr>
           </a:p>
@@ -809,11 +942,12 @@
           </a:prstGeom>
         </p:spPr>
         <p:txBody>
-          <a:bodyPr lIns="0" rIns="0" tIns="0" bIns="0">
+          <a:bodyPr lIns="0" tIns="0" rIns="0" bIns="0">
             <a:normAutofit/>
           </a:bodyPr>
-          <a:p>
-            <a:endParaRPr b="0" lang="en-US" sz="3200" spc="-1" strike="noStrike">
+          <a:lstStyle/>
+          <a:p>
+            <a:endParaRPr lang="en-US" sz="3200" b="0" strike="noStrike" spc="-1">
               <a:latin typeface="Arial"/>
             </a:endParaRPr>
           </a:p>
@@ -839,11 +973,12 @@
           </a:prstGeom>
         </p:spPr>
         <p:txBody>
-          <a:bodyPr lIns="0" rIns="0" tIns="0" bIns="0">
+          <a:bodyPr lIns="0" tIns="0" rIns="0" bIns="0">
             <a:normAutofit/>
           </a:bodyPr>
-          <a:p>
-            <a:endParaRPr b="0" lang="en-US" sz="3200" spc="-1" strike="noStrike">
+          <a:lstStyle/>
+          <a:p>
+            <a:endParaRPr lang="en-US" sz="3200" b="0" strike="noStrike" spc="-1">
               <a:latin typeface="Arial"/>
             </a:endParaRPr>
           </a:p>
@@ -851,11 +986,14 @@
       </p:sp>
     </p:spTree>
   </p:cSld>
+  <p:clrMapOvr>
+    <a:masterClrMapping/>
+  </p:clrMapOvr>
 </p:sldLayout>
 </file>
 
 <file path=ppt/slideLayouts/slideLayout5.xml><?xml version="1.0" encoding="utf-8"?>
-<p:sldLayout xmlns:a="http://schemas.openxmlformats.org/drawingml/2006/main" xmlns:p="http://schemas.openxmlformats.org/presentationml/2006/main" xmlns:r="http://schemas.openxmlformats.org/officeDocument/2006/relationships" xmlns:p14="http://schemas.microsoft.com/office/powerpoint/2010/main" xmlns:p15="http://schemas.microsoft.com/office/powerpoint/2012/main" xmlns:mc="http://schemas.openxmlformats.org/markup-compatibility/2006" type="titleOnly" preserve="1">
+<p:sldLayout xmlns:a="http://schemas.openxmlformats.org/drawingml/2006/main" xmlns:r="http://schemas.openxmlformats.org/officeDocument/2006/relationships" xmlns:p="http://schemas.openxmlformats.org/presentationml/2006/main" type="titleOnly" preserve="1">
   <p:cSld name="Title Only">
     <p:spTree>
       <p:nvGrpSpPr>
@@ -891,12 +1029,13 @@
           </a:prstGeom>
         </p:spPr>
         <p:txBody>
-          <a:bodyPr lIns="0" rIns="0" tIns="0" bIns="0" anchor="ctr">
+          <a:bodyPr lIns="0" tIns="0" rIns="0" bIns="0" anchor="ctr">
             <a:noAutofit/>
           </a:bodyPr>
+          <a:lstStyle/>
           <a:p>
             <a:pPr algn="ctr"/>
-            <a:endParaRPr b="0" lang="en-US" sz="4400" spc="-1" strike="noStrike">
+            <a:endParaRPr lang="en-US" sz="4400" b="0" strike="noStrike" spc="-1">
               <a:latin typeface="Arial"/>
             </a:endParaRPr>
           </a:p>
@@ -904,11 +1043,14 @@
       </p:sp>
     </p:spTree>
   </p:cSld>
+  <p:clrMapOvr>
+    <a:masterClrMapping/>
+  </p:clrMapOvr>
 </p:sldLayout>
 </file>
 
 <file path=ppt/slideLayouts/slideLayout6.xml><?xml version="1.0" encoding="utf-8"?>
-<p:sldLayout xmlns:a="http://schemas.openxmlformats.org/drawingml/2006/main" xmlns:p="http://schemas.openxmlformats.org/presentationml/2006/main" xmlns:r="http://schemas.openxmlformats.org/officeDocument/2006/relationships" xmlns:p14="http://schemas.microsoft.com/office/powerpoint/2010/main" xmlns:p15="http://schemas.microsoft.com/office/powerpoint/2012/main" xmlns:mc="http://schemas.openxmlformats.org/markup-compatibility/2006" type="objOnly" preserve="1">
+<p:sldLayout xmlns:a="http://schemas.openxmlformats.org/drawingml/2006/main" xmlns:r="http://schemas.openxmlformats.org/officeDocument/2006/relationships" xmlns:p="http://schemas.openxmlformats.org/presentationml/2006/main" type="objOnly" preserve="1">
   <p:cSld name="Centered Text">
     <p:spTree>
       <p:nvGrpSpPr>
@@ -944,12 +1086,13 @@
           </a:prstGeom>
         </p:spPr>
         <p:txBody>
-          <a:bodyPr lIns="0" rIns="0" tIns="0" bIns="0" anchor="ctr">
+          <a:bodyPr lIns="0" tIns="0" rIns="0" bIns="0" anchor="ctr">
             <a:noAutofit/>
           </a:bodyPr>
+          <a:lstStyle/>
           <a:p>
             <a:pPr algn="ctr"/>
-            <a:endParaRPr b="0" lang="en-US" sz="3200" spc="-1" strike="noStrike">
+            <a:endParaRPr lang="en-US" sz="3200" b="0" strike="noStrike" spc="-1">
               <a:latin typeface="Arial"/>
             </a:endParaRPr>
           </a:p>
@@ -957,11 +1100,14 @@
       </p:sp>
     </p:spTree>
   </p:cSld>
+  <p:clrMapOvr>
+    <a:masterClrMapping/>
+  </p:clrMapOvr>
 </p:sldLayout>
 </file>
 
 <file path=ppt/slideLayouts/slideLayout7.xml><?xml version="1.0" encoding="utf-8"?>
-<p:sldLayout xmlns:a="http://schemas.openxmlformats.org/drawingml/2006/main" xmlns:p="http://schemas.openxmlformats.org/presentationml/2006/main" xmlns:r="http://schemas.openxmlformats.org/officeDocument/2006/relationships" xmlns:p14="http://schemas.microsoft.com/office/powerpoint/2010/main" xmlns:p15="http://schemas.microsoft.com/office/powerpoint/2012/main" xmlns:mc="http://schemas.openxmlformats.org/markup-compatibility/2006" type="twoObjAndObj" preserve="1">
+<p:sldLayout xmlns:a="http://schemas.openxmlformats.org/drawingml/2006/main" xmlns:r="http://schemas.openxmlformats.org/officeDocument/2006/relationships" xmlns:p="http://schemas.openxmlformats.org/presentationml/2006/main" type="twoObjAndObj" preserve="1">
   <p:cSld name="Title, 2 Content and Content">
     <p:spTree>
       <p:nvGrpSpPr>
@@ -997,12 +1143,13 @@
           </a:prstGeom>
         </p:spPr>
         <p:txBody>
-          <a:bodyPr lIns="0" rIns="0" tIns="0" bIns="0" anchor="ctr">
+          <a:bodyPr lIns="0" tIns="0" rIns="0" bIns="0" anchor="ctr">
             <a:noAutofit/>
           </a:bodyPr>
+          <a:lstStyle/>
           <a:p>
             <a:pPr algn="ctr"/>
-            <a:endParaRPr b="0" lang="en-US" sz="4400" spc="-1" strike="noStrike">
+            <a:endParaRPr lang="en-US" sz="4400" b="0" strike="noStrike" spc="-1">
               <a:latin typeface="Arial"/>
             </a:endParaRPr>
           </a:p>
@@ -1028,11 +1175,12 @@
           </a:prstGeom>
         </p:spPr>
         <p:txBody>
-          <a:bodyPr lIns="0" rIns="0" tIns="0" bIns="0">
+          <a:bodyPr lIns="0" tIns="0" rIns="0" bIns="0">
             <a:normAutofit/>
           </a:bodyPr>
-          <a:p>
-            <a:endParaRPr b="0" lang="en-US" sz="3200" spc="-1" strike="noStrike">
+          <a:lstStyle/>
+          <a:p>
+            <a:endParaRPr lang="en-US" sz="3200" b="0" strike="noStrike" spc="-1">
               <a:latin typeface="Arial"/>
             </a:endParaRPr>
           </a:p>
@@ -1058,11 +1206,12 @@
           </a:prstGeom>
         </p:spPr>
         <p:txBody>
-          <a:bodyPr lIns="0" rIns="0" tIns="0" bIns="0">
+          <a:bodyPr lIns="0" tIns="0" rIns="0" bIns="0">
             <a:normAutofit/>
           </a:bodyPr>
-          <a:p>
-            <a:endParaRPr b="0" lang="en-US" sz="3200" spc="-1" strike="noStrike">
+          <a:lstStyle/>
+          <a:p>
+            <a:endParaRPr lang="en-US" sz="3200" b="0" strike="noStrike" spc="-1">
               <a:latin typeface="Arial"/>
             </a:endParaRPr>
           </a:p>
@@ -1088,11 +1237,12 @@
           </a:prstGeom>
         </p:spPr>
         <p:txBody>
-          <a:bodyPr lIns="0" rIns="0" tIns="0" bIns="0">
+          <a:bodyPr lIns="0" tIns="0" rIns="0" bIns="0">
             <a:normAutofit/>
           </a:bodyPr>
-          <a:p>
-            <a:endParaRPr b="0" lang="en-US" sz="3200" spc="-1" strike="noStrike">
+          <a:lstStyle/>
+          <a:p>
+            <a:endParaRPr lang="en-US" sz="3200" b="0" strike="noStrike" spc="-1">
               <a:latin typeface="Arial"/>
             </a:endParaRPr>
           </a:p>
@@ -1100,11 +1250,14 @@
       </p:sp>
     </p:spTree>
   </p:cSld>
+  <p:clrMapOvr>
+    <a:masterClrMapping/>
+  </p:clrMapOvr>
 </p:sldLayout>
 </file>
 
 <file path=ppt/slideLayouts/slideLayout8.xml><?xml version="1.0" encoding="utf-8"?>
-<p:sldLayout xmlns:a="http://schemas.openxmlformats.org/drawingml/2006/main" xmlns:p="http://schemas.openxmlformats.org/presentationml/2006/main" xmlns:r="http://schemas.openxmlformats.org/officeDocument/2006/relationships" xmlns:p14="http://schemas.microsoft.com/office/powerpoint/2010/main" xmlns:p15="http://schemas.microsoft.com/office/powerpoint/2012/main" xmlns:mc="http://schemas.openxmlformats.org/markup-compatibility/2006" type="objAndTwoObj" preserve="1">
+<p:sldLayout xmlns:a="http://schemas.openxmlformats.org/drawingml/2006/main" xmlns:r="http://schemas.openxmlformats.org/officeDocument/2006/relationships" xmlns:p="http://schemas.openxmlformats.org/presentationml/2006/main" type="objAndTwoObj" preserve="1">
   <p:cSld name="Title Content and 2 Content">
     <p:spTree>
       <p:nvGrpSpPr>
@@ -1140,12 +1293,13 @@
           </a:prstGeom>
         </p:spPr>
         <p:txBody>
-          <a:bodyPr lIns="0" rIns="0" tIns="0" bIns="0" anchor="ctr">
+          <a:bodyPr lIns="0" tIns="0" rIns="0" bIns="0" anchor="ctr">
             <a:noAutofit/>
           </a:bodyPr>
+          <a:lstStyle/>
           <a:p>
             <a:pPr algn="ctr"/>
-            <a:endParaRPr b="0" lang="en-US" sz="4400" spc="-1" strike="noStrike">
+            <a:endParaRPr lang="en-US" sz="4400" b="0" strike="noStrike" spc="-1">
               <a:latin typeface="Arial"/>
             </a:endParaRPr>
           </a:p>
@@ -1171,11 +1325,12 @@
           </a:prstGeom>
         </p:spPr>
         <p:txBody>
-          <a:bodyPr lIns="0" rIns="0" tIns="0" bIns="0">
+          <a:bodyPr lIns="0" tIns="0" rIns="0" bIns="0">
             <a:normAutofit/>
           </a:bodyPr>
-          <a:p>
-            <a:endParaRPr b="0" lang="en-US" sz="3200" spc="-1" strike="noStrike">
+          <a:lstStyle/>
+          <a:p>
+            <a:endParaRPr lang="en-US" sz="3200" b="0" strike="noStrike" spc="-1">
               <a:latin typeface="Arial"/>
             </a:endParaRPr>
           </a:p>
@@ -1201,11 +1356,12 @@
           </a:prstGeom>
         </p:spPr>
         <p:txBody>
-          <a:bodyPr lIns="0" rIns="0" tIns="0" bIns="0">
+          <a:bodyPr lIns="0" tIns="0" rIns="0" bIns="0">
             <a:normAutofit/>
           </a:bodyPr>
-          <a:p>
-            <a:endParaRPr b="0" lang="en-US" sz="3200" spc="-1" strike="noStrike">
+          <a:lstStyle/>
+          <a:p>
+            <a:endParaRPr lang="en-US" sz="3200" b="0" strike="noStrike" spc="-1">
               <a:latin typeface="Arial"/>
             </a:endParaRPr>
           </a:p>
@@ -1231,11 +1387,12 @@
           </a:prstGeom>
         </p:spPr>
         <p:txBody>
-          <a:bodyPr lIns="0" rIns="0" tIns="0" bIns="0">
+          <a:bodyPr lIns="0" tIns="0" rIns="0" bIns="0">
             <a:normAutofit/>
           </a:bodyPr>
-          <a:p>
-            <a:endParaRPr b="0" lang="en-US" sz="3200" spc="-1" strike="noStrike">
+          <a:lstStyle/>
+          <a:p>
+            <a:endParaRPr lang="en-US" sz="3200" b="0" strike="noStrike" spc="-1">
               <a:latin typeface="Arial"/>
             </a:endParaRPr>
           </a:p>
@@ -1243,11 +1400,14 @@
       </p:sp>
     </p:spTree>
   </p:cSld>
+  <p:clrMapOvr>
+    <a:masterClrMapping/>
+  </p:clrMapOvr>
 </p:sldLayout>
 </file>
 
 <file path=ppt/slideLayouts/slideLayout9.xml><?xml version="1.0" encoding="utf-8"?>
-<p:sldLayout xmlns:a="http://schemas.openxmlformats.org/drawingml/2006/main" xmlns:p="http://schemas.openxmlformats.org/presentationml/2006/main" xmlns:r="http://schemas.openxmlformats.org/officeDocument/2006/relationships" xmlns:p14="http://schemas.microsoft.com/office/powerpoint/2010/main" xmlns:p15="http://schemas.microsoft.com/office/powerpoint/2012/main" xmlns:mc="http://schemas.openxmlformats.org/markup-compatibility/2006" type="twoObjOverTx" preserve="1">
+<p:sldLayout xmlns:a="http://schemas.openxmlformats.org/drawingml/2006/main" xmlns:r="http://schemas.openxmlformats.org/officeDocument/2006/relationships" xmlns:p="http://schemas.openxmlformats.org/presentationml/2006/main" type="twoObjOverTx" preserve="1">
   <p:cSld name="Title, 2 Content over Content">
     <p:spTree>
       <p:nvGrpSpPr>
@@ -1283,12 +1443,13 @@
           </a:prstGeom>
         </p:spPr>
         <p:txBody>
-          <a:bodyPr lIns="0" rIns="0" tIns="0" bIns="0" anchor="ctr">
+          <a:bodyPr lIns="0" tIns="0" rIns="0" bIns="0" anchor="ctr">
             <a:noAutofit/>
           </a:bodyPr>
+          <a:lstStyle/>
           <a:p>
             <a:pPr algn="ctr"/>
-            <a:endParaRPr b="0" lang="en-US" sz="4400" spc="-1" strike="noStrike">
+            <a:endParaRPr lang="en-US" sz="4400" b="0" strike="noStrike" spc="-1">
               <a:latin typeface="Arial"/>
             </a:endParaRPr>
           </a:p>
@@ -1314,11 +1475,12 @@
           </a:prstGeom>
         </p:spPr>
         <p:txBody>
-          <a:bodyPr lIns="0" rIns="0" tIns="0" bIns="0">
+          <a:bodyPr lIns="0" tIns="0" rIns="0" bIns="0">
             <a:normAutofit/>
           </a:bodyPr>
-          <a:p>
-            <a:endParaRPr b="0" lang="en-US" sz="3200" spc="-1" strike="noStrike">
+          <a:lstStyle/>
+          <a:p>
+            <a:endParaRPr lang="en-US" sz="3200" b="0" strike="noStrike" spc="-1">
               <a:latin typeface="Arial"/>
             </a:endParaRPr>
           </a:p>
@@ -1344,11 +1506,12 @@
           </a:prstGeom>
         </p:spPr>
         <p:txBody>
-          <a:bodyPr lIns="0" rIns="0" tIns="0" bIns="0">
+          <a:bodyPr lIns="0" tIns="0" rIns="0" bIns="0">
             <a:normAutofit/>
           </a:bodyPr>
-          <a:p>
-            <a:endParaRPr b="0" lang="en-US" sz="3200" spc="-1" strike="noStrike">
+          <a:lstStyle/>
+          <a:p>
+            <a:endParaRPr lang="en-US" sz="3200" b="0" strike="noStrike" spc="-1">
               <a:latin typeface="Arial"/>
             </a:endParaRPr>
           </a:p>
@@ -1374,11 +1537,12 @@
           </a:prstGeom>
         </p:spPr>
         <p:txBody>
-          <a:bodyPr lIns="0" rIns="0" tIns="0" bIns="0">
+          <a:bodyPr lIns="0" tIns="0" rIns="0" bIns="0">
             <a:normAutofit/>
           </a:bodyPr>
-          <a:p>
-            <a:endParaRPr b="0" lang="en-US" sz="3200" spc="-1" strike="noStrike">
+          <a:lstStyle/>
+          <a:p>
+            <a:endParaRPr lang="en-US" sz="3200" b="0" strike="noStrike" spc="-1">
               <a:latin typeface="Arial"/>
             </a:endParaRPr>
           </a:p>
@@ -1386,17 +1550,21 @@
       </p:sp>
     </p:spTree>
   </p:cSld>
+  <p:clrMapOvr>
+    <a:masterClrMapping/>
+  </p:clrMapOvr>
 </p:sldLayout>
 </file>
 
 <file path=ppt/slideMasters/slideMaster1.xml><?xml version="1.0" encoding="utf-8"?>
-<p:sldMaster xmlns:a="http://schemas.openxmlformats.org/drawingml/2006/main" xmlns:p="http://schemas.openxmlformats.org/presentationml/2006/main" xmlns:r="http://schemas.openxmlformats.org/officeDocument/2006/relationships" xmlns:p14="http://schemas.microsoft.com/office/powerpoint/2010/main" xmlns:p15="http://schemas.microsoft.com/office/powerpoint/2012/main" xmlns:mc="http://schemas.openxmlformats.org/markup-compatibility/2006">
+<p:sldMaster xmlns:a="http://schemas.openxmlformats.org/drawingml/2006/main" xmlns:r="http://schemas.openxmlformats.org/officeDocument/2006/relationships" xmlns:p="http://schemas.openxmlformats.org/presentationml/2006/main">
   <p:cSld>
     <p:bg>
       <p:bgPr>
         <a:solidFill>
-          <a:srgbClr val="ffffff"/>
+          <a:srgbClr val="FFFFFF"/>
         </a:solidFill>
+        <a:effectLst/>
       </p:bgPr>
     </p:bg>
     <p:spTree>
@@ -1415,7 +1583,7 @@
       </p:grpSpPr>
       <p:sp>
         <p:nvSpPr>
-          <p:cNvPr id="0" name="PlaceHolder 1"/>
+          <p:cNvPr id="2" name="PlaceHolder 1"/>
           <p:cNvSpPr>
             <a:spLocks noGrp="1"/>
           </p:cNvSpPr>
@@ -1433,26 +1601,24 @@
           </a:prstGeom>
         </p:spPr>
         <p:txBody>
-          <a:bodyPr lIns="0" rIns="0" tIns="0" bIns="0" anchor="ctr">
+          <a:bodyPr lIns="0" tIns="0" rIns="0" bIns="0" anchor="ctr">
             <a:noAutofit/>
           </a:bodyPr>
+          <a:lstStyle/>
           <a:p>
             <a:pPr algn="ctr"/>
             <a:r>
-              <a:rPr b="0" lang="en-US" sz="1800" spc="-1" strike="noStrike">
+              <a:rPr lang="en-US" sz="1800" b="0" strike="noStrike" spc="-1">
                 <a:latin typeface="Arial"/>
               </a:rPr>
               <a:t>Click to edit the title text format</a:t>
             </a:r>
-            <a:endParaRPr b="0" lang="en-US" sz="1800" spc="-1" strike="noStrike">
-              <a:latin typeface="Arial"/>
-            </a:endParaRPr>
           </a:p>
         </p:txBody>
       </p:sp>
       <p:sp>
         <p:nvSpPr>
-          <p:cNvPr id="1" name="PlaceHolder 2"/>
+          <p:cNvPr id="3" name="PlaceHolder 2"/>
           <p:cNvSpPr>
             <a:spLocks noGrp="1"/>
           </p:cNvSpPr>
@@ -1470,9 +1636,10 @@
           </a:prstGeom>
         </p:spPr>
         <p:txBody>
-          <a:bodyPr lIns="0" rIns="0" tIns="0" bIns="0">
+          <a:bodyPr lIns="0" tIns="0" rIns="0" bIns="0">
             <a:normAutofit/>
           </a:bodyPr>
+          <a:lstStyle/>
           <a:p>
             <a:pPr marL="432000" indent="-324000">
               <a:spcBef>
@@ -1486,17 +1653,14 @@
               <a:buChar char=""/>
             </a:pPr>
             <a:r>
-              <a:rPr b="0" lang="en-US" sz="3200" spc="-1" strike="noStrike">
+              <a:rPr lang="en-US" sz="3200" b="0" strike="noStrike" spc="-1">
                 <a:latin typeface="Arial"/>
               </a:rPr>
               <a:t>Click to edit the outline text format</a:t>
             </a:r>
-            <a:endParaRPr b="0" lang="en-US" sz="3200" spc="-1" strike="noStrike">
-              <a:latin typeface="Arial"/>
-            </a:endParaRPr>
-          </a:p>
-          <a:p>
-            <a:pPr lvl="1" marL="864000" indent="-324000">
+          </a:p>
+          <a:p>
+            <a:pPr marL="864000" lvl="1" indent="-324000">
               <a:spcBef>
                 <a:spcPts val="1134"/>
               </a:spcBef>
@@ -1508,17 +1672,14 @@
               <a:buChar char=""/>
             </a:pPr>
             <a:r>
-              <a:rPr b="0" lang="en-US" sz="2800" spc="-1" strike="noStrike">
+              <a:rPr lang="en-US" sz="2800" b="0" strike="noStrike" spc="-1">
                 <a:latin typeface="Arial"/>
               </a:rPr>
               <a:t>Second Outline Level</a:t>
             </a:r>
-            <a:endParaRPr b="0" lang="en-US" sz="2800" spc="-1" strike="noStrike">
-              <a:latin typeface="Arial"/>
-            </a:endParaRPr>
-          </a:p>
-          <a:p>
-            <a:pPr lvl="2" marL="1296000" indent="-288000">
+          </a:p>
+          <a:p>
+            <a:pPr marL="1296000" lvl="2" indent="-288000">
               <a:spcBef>
                 <a:spcPts val="850"/>
               </a:spcBef>
@@ -1530,17 +1691,14 @@
               <a:buChar char=""/>
             </a:pPr>
             <a:r>
-              <a:rPr b="0" lang="en-US" sz="2400" spc="-1" strike="noStrike">
+              <a:rPr lang="en-US" sz="2400" b="0" strike="noStrike" spc="-1">
                 <a:latin typeface="Arial"/>
               </a:rPr>
               <a:t>Third Outline Level</a:t>
             </a:r>
-            <a:endParaRPr b="0" lang="en-US" sz="2400" spc="-1" strike="noStrike">
-              <a:latin typeface="Arial"/>
-            </a:endParaRPr>
-          </a:p>
-          <a:p>
-            <a:pPr lvl="3" marL="1728000" indent="-216000">
+          </a:p>
+          <a:p>
+            <a:pPr marL="1728000" lvl="3" indent="-216000">
               <a:spcBef>
                 <a:spcPts val="567"/>
               </a:spcBef>
@@ -1552,17 +1710,14 @@
               <a:buChar char=""/>
             </a:pPr>
             <a:r>
-              <a:rPr b="0" lang="en-US" sz="2000" spc="-1" strike="noStrike">
+              <a:rPr lang="en-US" sz="2000" b="0" strike="noStrike" spc="-1">
                 <a:latin typeface="Arial"/>
               </a:rPr>
               <a:t>Fourth Outline Level</a:t>
             </a:r>
-            <a:endParaRPr b="0" lang="en-US" sz="2000" spc="-1" strike="noStrike">
-              <a:latin typeface="Arial"/>
-            </a:endParaRPr>
-          </a:p>
-          <a:p>
-            <a:pPr lvl="4" marL="2160000" indent="-216000">
+          </a:p>
+          <a:p>
+            <a:pPr marL="2160000" lvl="4" indent="-216000">
               <a:spcBef>
                 <a:spcPts val="283"/>
               </a:spcBef>
@@ -1574,17 +1729,14 @@
               <a:buChar char=""/>
             </a:pPr>
             <a:r>
-              <a:rPr b="0" lang="en-US" sz="2000" spc="-1" strike="noStrike">
+              <a:rPr lang="en-US" sz="2000" b="0" strike="noStrike" spc="-1">
                 <a:latin typeface="Arial"/>
               </a:rPr>
               <a:t>Fifth Outline Level</a:t>
             </a:r>
-            <a:endParaRPr b="0" lang="en-US" sz="2000" spc="-1" strike="noStrike">
-              <a:latin typeface="Arial"/>
-            </a:endParaRPr>
-          </a:p>
-          <a:p>
-            <a:pPr lvl="5" marL="2592000" indent="-216000">
+          </a:p>
+          <a:p>
+            <a:pPr marL="2592000" lvl="5" indent="-216000">
               <a:spcBef>
                 <a:spcPts val="283"/>
               </a:spcBef>
@@ -1596,17 +1748,14 @@
               <a:buChar char=""/>
             </a:pPr>
             <a:r>
-              <a:rPr b="0" lang="en-US" sz="2000" spc="-1" strike="noStrike">
+              <a:rPr lang="en-US" sz="2000" b="0" strike="noStrike" spc="-1">
                 <a:latin typeface="Arial"/>
               </a:rPr>
               <a:t>Sixth Outline Level</a:t>
             </a:r>
-            <a:endParaRPr b="0" lang="en-US" sz="2000" spc="-1" strike="noStrike">
-              <a:latin typeface="Arial"/>
-            </a:endParaRPr>
-          </a:p>
-          <a:p>
-            <a:pPr lvl="6" marL="3024000" indent="-216000">
+          </a:p>
+          <a:p>
+            <a:pPr marL="3024000" lvl="6" indent="-216000">
               <a:spcBef>
                 <a:spcPts val="283"/>
               </a:spcBef>
@@ -1618,39 +1767,316 @@
               <a:buChar char=""/>
             </a:pPr>
             <a:r>
-              <a:rPr b="0" lang="en-US" sz="2000" spc="-1" strike="noStrike">
+              <a:rPr lang="en-US" sz="2000" b="0" strike="noStrike" spc="-1">
                 <a:latin typeface="Arial"/>
               </a:rPr>
               <a:t>Seventh Outline Level</a:t>
             </a:r>
-            <a:endParaRPr b="0" lang="en-US" sz="2000" spc="-1" strike="noStrike">
-              <a:latin typeface="Arial"/>
-            </a:endParaRPr>
           </a:p>
         </p:txBody>
       </p:sp>
     </p:spTree>
   </p:cSld>
-  <p:clrMap bg1="lt1" bg2="lt2" tx1="dk1" tx2="dk2" accent1="accent1" accent2="accent2" accent3="accent3" accent4="accent4" accent5="accent5" accent6="accent6" hlink="hlink" folHlink="folHlink"/>
+  <p:clrMap bg1="lt1" tx1="dk1" bg2="lt2" tx2="dk2" accent1="accent1" accent2="accent2" accent3="accent3" accent4="accent4" accent5="accent5" accent6="accent6" hlink="hlink" folHlink="folHlink"/>
   <p:sldLayoutIdLst>
-    <p:sldLayoutId id="2147483649" r:id="rId2"/>
-    <p:sldLayoutId id="2147483650" r:id="rId3"/>
-    <p:sldLayoutId id="2147483651" r:id="rId4"/>
-    <p:sldLayoutId id="2147483652" r:id="rId5"/>
-    <p:sldLayoutId id="2147483653" r:id="rId6"/>
-    <p:sldLayoutId id="2147483654" r:id="rId7"/>
-    <p:sldLayoutId id="2147483655" r:id="rId8"/>
-    <p:sldLayoutId id="2147483656" r:id="rId9"/>
-    <p:sldLayoutId id="2147483657" r:id="rId10"/>
-    <p:sldLayoutId id="2147483658" r:id="rId11"/>
-    <p:sldLayoutId id="2147483659" r:id="rId12"/>
-    <p:sldLayoutId id="2147483660" r:id="rId13"/>
+    <p:sldLayoutId id="2147483649" r:id="rId1"/>
+    <p:sldLayoutId id="2147483650" r:id="rId2"/>
+    <p:sldLayoutId id="2147483651" r:id="rId3"/>
+    <p:sldLayoutId id="2147483652" r:id="rId4"/>
+    <p:sldLayoutId id="2147483653" r:id="rId5"/>
+    <p:sldLayoutId id="2147483654" r:id="rId6"/>
+    <p:sldLayoutId id="2147483655" r:id="rId7"/>
+    <p:sldLayoutId id="2147483656" r:id="rId8"/>
+    <p:sldLayoutId id="2147483657" r:id="rId9"/>
+    <p:sldLayoutId id="2147483658" r:id="rId10"/>
+    <p:sldLayoutId id="2147483659" r:id="rId11"/>
+    <p:sldLayoutId id="2147483660" r:id="rId12"/>
   </p:sldLayoutIdLst>
+  <p:txStyles>
+    <p:titleStyle>
+      <a:lvl1pPr algn="l" defTabSz="914400" rtl="0" eaLnBrk="1" latinLnBrk="0" hangingPunct="1">
+        <a:lnSpc>
+          <a:spcPct val="90000"/>
+        </a:lnSpc>
+        <a:spcBef>
+          <a:spcPct val="0"/>
+        </a:spcBef>
+        <a:buNone/>
+        <a:defRPr sz="4400" kern="1200">
+          <a:solidFill>
+            <a:schemeClr val="tx1"/>
+          </a:solidFill>
+          <a:latin typeface="+mj-lt"/>
+          <a:ea typeface="+mj-ea"/>
+          <a:cs typeface="+mj-cs"/>
+        </a:defRPr>
+      </a:lvl1pPr>
+    </p:titleStyle>
+    <p:bodyStyle>
+      <a:lvl1pPr marL="228600" indent="-228600" algn="l" defTabSz="914400" rtl="0" eaLnBrk="1" latinLnBrk="0" hangingPunct="1">
+        <a:lnSpc>
+          <a:spcPct val="90000"/>
+        </a:lnSpc>
+        <a:spcBef>
+          <a:spcPts val="1000"/>
+        </a:spcBef>
+        <a:buFont typeface="Arial" panose="020B0604020202020204" pitchFamily="34" charset="0"/>
+        <a:buChar char="•"/>
+        <a:defRPr sz="2800" kern="1200">
+          <a:solidFill>
+            <a:schemeClr val="tx1"/>
+          </a:solidFill>
+          <a:latin typeface="+mn-lt"/>
+          <a:ea typeface="+mn-ea"/>
+          <a:cs typeface="+mn-cs"/>
+        </a:defRPr>
+      </a:lvl1pPr>
+      <a:lvl2pPr marL="685800" indent="-228600" algn="l" defTabSz="914400" rtl="0" eaLnBrk="1" latinLnBrk="0" hangingPunct="1">
+        <a:lnSpc>
+          <a:spcPct val="90000"/>
+        </a:lnSpc>
+        <a:spcBef>
+          <a:spcPts val="500"/>
+        </a:spcBef>
+        <a:buFont typeface="Arial" panose="020B0604020202020204" pitchFamily="34" charset="0"/>
+        <a:buChar char="•"/>
+        <a:defRPr sz="2400" kern="1200">
+          <a:solidFill>
+            <a:schemeClr val="tx1"/>
+          </a:solidFill>
+          <a:latin typeface="+mn-lt"/>
+          <a:ea typeface="+mn-ea"/>
+          <a:cs typeface="+mn-cs"/>
+        </a:defRPr>
+      </a:lvl2pPr>
+      <a:lvl3pPr marL="1143000" indent="-228600" algn="l" defTabSz="914400" rtl="0" eaLnBrk="1" latinLnBrk="0" hangingPunct="1">
+        <a:lnSpc>
+          <a:spcPct val="90000"/>
+        </a:lnSpc>
+        <a:spcBef>
+          <a:spcPts val="500"/>
+        </a:spcBef>
+        <a:buFont typeface="Arial" panose="020B0604020202020204" pitchFamily="34" charset="0"/>
+        <a:buChar char="•"/>
+        <a:defRPr sz="2000" kern="1200">
+          <a:solidFill>
+            <a:schemeClr val="tx1"/>
+          </a:solidFill>
+          <a:latin typeface="+mn-lt"/>
+          <a:ea typeface="+mn-ea"/>
+          <a:cs typeface="+mn-cs"/>
+        </a:defRPr>
+      </a:lvl3pPr>
+      <a:lvl4pPr marL="1600200" indent="-228600" algn="l" defTabSz="914400" rtl="0" eaLnBrk="1" latinLnBrk="0" hangingPunct="1">
+        <a:lnSpc>
+          <a:spcPct val="90000"/>
+        </a:lnSpc>
+        <a:spcBef>
+          <a:spcPts val="500"/>
+        </a:spcBef>
+        <a:buFont typeface="Arial" panose="020B0604020202020204" pitchFamily="34" charset="0"/>
+        <a:buChar char="•"/>
+        <a:defRPr sz="1800" kern="1200">
+          <a:solidFill>
+            <a:schemeClr val="tx1"/>
+          </a:solidFill>
+          <a:latin typeface="+mn-lt"/>
+          <a:ea typeface="+mn-ea"/>
+          <a:cs typeface="+mn-cs"/>
+        </a:defRPr>
+      </a:lvl4pPr>
+      <a:lvl5pPr marL="2057400" indent="-228600" algn="l" defTabSz="914400" rtl="0" eaLnBrk="1" latinLnBrk="0" hangingPunct="1">
+        <a:lnSpc>
+          <a:spcPct val="90000"/>
+        </a:lnSpc>
+        <a:spcBef>
+          <a:spcPts val="500"/>
+        </a:spcBef>
+        <a:buFont typeface="Arial" panose="020B0604020202020204" pitchFamily="34" charset="0"/>
+        <a:buChar char="•"/>
+        <a:defRPr sz="1800" kern="1200">
+          <a:solidFill>
+            <a:schemeClr val="tx1"/>
+          </a:solidFill>
+          <a:latin typeface="+mn-lt"/>
+          <a:ea typeface="+mn-ea"/>
+          <a:cs typeface="+mn-cs"/>
+        </a:defRPr>
+      </a:lvl5pPr>
+      <a:lvl6pPr marL="2514600" indent="-228600" algn="l" defTabSz="914400" rtl="0" eaLnBrk="1" latinLnBrk="0" hangingPunct="1">
+        <a:lnSpc>
+          <a:spcPct val="90000"/>
+        </a:lnSpc>
+        <a:spcBef>
+          <a:spcPts val="500"/>
+        </a:spcBef>
+        <a:buFont typeface="Arial" panose="020B0604020202020204" pitchFamily="34" charset="0"/>
+        <a:buChar char="•"/>
+        <a:defRPr sz="1800" kern="1200">
+          <a:solidFill>
+            <a:schemeClr val="tx1"/>
+          </a:solidFill>
+          <a:latin typeface="+mn-lt"/>
+          <a:ea typeface="+mn-ea"/>
+          <a:cs typeface="+mn-cs"/>
+        </a:defRPr>
+      </a:lvl6pPr>
+      <a:lvl7pPr marL="2971800" indent="-228600" algn="l" defTabSz="914400" rtl="0" eaLnBrk="1" latinLnBrk="0" hangingPunct="1">
+        <a:lnSpc>
+          <a:spcPct val="90000"/>
+        </a:lnSpc>
+        <a:spcBef>
+          <a:spcPts val="500"/>
+        </a:spcBef>
+        <a:buFont typeface="Arial" panose="020B0604020202020204" pitchFamily="34" charset="0"/>
+        <a:buChar char="•"/>
+        <a:defRPr sz="1800" kern="1200">
+          <a:solidFill>
+            <a:schemeClr val="tx1"/>
+          </a:solidFill>
+          <a:latin typeface="+mn-lt"/>
+          <a:ea typeface="+mn-ea"/>
+          <a:cs typeface="+mn-cs"/>
+        </a:defRPr>
+      </a:lvl7pPr>
+      <a:lvl8pPr marL="3429000" indent="-228600" algn="l" defTabSz="914400" rtl="0" eaLnBrk="1" latinLnBrk="0" hangingPunct="1">
+        <a:lnSpc>
+          <a:spcPct val="90000"/>
+        </a:lnSpc>
+        <a:spcBef>
+          <a:spcPts val="500"/>
+        </a:spcBef>
+        <a:buFont typeface="Arial" panose="020B0604020202020204" pitchFamily="34" charset="0"/>
+        <a:buChar char="•"/>
+        <a:defRPr sz="1800" kern="1200">
+          <a:solidFill>
+            <a:schemeClr val="tx1"/>
+          </a:solidFill>
+          <a:latin typeface="+mn-lt"/>
+          <a:ea typeface="+mn-ea"/>
+          <a:cs typeface="+mn-cs"/>
+        </a:defRPr>
+      </a:lvl8pPr>
+      <a:lvl9pPr marL="3886200" indent="-228600" algn="l" defTabSz="914400" rtl="0" eaLnBrk="1" latinLnBrk="0" hangingPunct="1">
+        <a:lnSpc>
+          <a:spcPct val="90000"/>
+        </a:lnSpc>
+        <a:spcBef>
+          <a:spcPts val="500"/>
+        </a:spcBef>
+        <a:buFont typeface="Arial" panose="020B0604020202020204" pitchFamily="34" charset="0"/>
+        <a:buChar char="•"/>
+        <a:defRPr sz="1800" kern="1200">
+          <a:solidFill>
+            <a:schemeClr val="tx1"/>
+          </a:solidFill>
+          <a:latin typeface="+mn-lt"/>
+          <a:ea typeface="+mn-ea"/>
+          <a:cs typeface="+mn-cs"/>
+        </a:defRPr>
+      </a:lvl9pPr>
+    </p:bodyStyle>
+    <p:otherStyle>
+      <a:defPPr>
+        <a:defRPr lang="pt-BR"/>
+      </a:defPPr>
+      <a:lvl1pPr marL="0" algn="l" defTabSz="914400" rtl="0" eaLnBrk="1" latinLnBrk="0" hangingPunct="1">
+        <a:defRPr sz="1800" kern="1200">
+          <a:solidFill>
+            <a:schemeClr val="tx1"/>
+          </a:solidFill>
+          <a:latin typeface="+mn-lt"/>
+          <a:ea typeface="+mn-ea"/>
+          <a:cs typeface="+mn-cs"/>
+        </a:defRPr>
+      </a:lvl1pPr>
+      <a:lvl2pPr marL="457200" algn="l" defTabSz="914400" rtl="0" eaLnBrk="1" latinLnBrk="0" hangingPunct="1">
+        <a:defRPr sz="1800" kern="1200">
+          <a:solidFill>
+            <a:schemeClr val="tx1"/>
+          </a:solidFill>
+          <a:latin typeface="+mn-lt"/>
+          <a:ea typeface="+mn-ea"/>
+          <a:cs typeface="+mn-cs"/>
+        </a:defRPr>
+      </a:lvl2pPr>
+      <a:lvl3pPr marL="914400" algn="l" defTabSz="914400" rtl="0" eaLnBrk="1" latinLnBrk="0" hangingPunct="1">
+        <a:defRPr sz="1800" kern="1200">
+          <a:solidFill>
+            <a:schemeClr val="tx1"/>
+          </a:solidFill>
+          <a:latin typeface="+mn-lt"/>
+          <a:ea typeface="+mn-ea"/>
+          <a:cs typeface="+mn-cs"/>
+        </a:defRPr>
+      </a:lvl3pPr>
+      <a:lvl4pPr marL="1371600" algn="l" defTabSz="914400" rtl="0" eaLnBrk="1" latinLnBrk="0" hangingPunct="1">
+        <a:defRPr sz="1800" kern="1200">
+          <a:solidFill>
+            <a:schemeClr val="tx1"/>
+          </a:solidFill>
+          <a:latin typeface="+mn-lt"/>
+          <a:ea typeface="+mn-ea"/>
+          <a:cs typeface="+mn-cs"/>
+        </a:defRPr>
+      </a:lvl4pPr>
+      <a:lvl5pPr marL="1828800" algn="l" defTabSz="914400" rtl="0" eaLnBrk="1" latinLnBrk="0" hangingPunct="1">
+        <a:defRPr sz="1800" kern="1200">
+          <a:solidFill>
+            <a:schemeClr val="tx1"/>
+          </a:solidFill>
+          <a:latin typeface="+mn-lt"/>
+          <a:ea typeface="+mn-ea"/>
+          <a:cs typeface="+mn-cs"/>
+        </a:defRPr>
+      </a:lvl5pPr>
+      <a:lvl6pPr marL="2286000" algn="l" defTabSz="914400" rtl="0" eaLnBrk="1" latinLnBrk="0" hangingPunct="1">
+        <a:defRPr sz="1800" kern="1200">
+          <a:solidFill>
+            <a:schemeClr val="tx1"/>
+          </a:solidFill>
+          <a:latin typeface="+mn-lt"/>
+          <a:ea typeface="+mn-ea"/>
+          <a:cs typeface="+mn-cs"/>
+        </a:defRPr>
+      </a:lvl6pPr>
+      <a:lvl7pPr marL="2743200" algn="l" defTabSz="914400" rtl="0" eaLnBrk="1" latinLnBrk="0" hangingPunct="1">
+        <a:defRPr sz="1800" kern="1200">
+          <a:solidFill>
+            <a:schemeClr val="tx1"/>
+          </a:solidFill>
+          <a:latin typeface="+mn-lt"/>
+          <a:ea typeface="+mn-ea"/>
+          <a:cs typeface="+mn-cs"/>
+        </a:defRPr>
+      </a:lvl7pPr>
+      <a:lvl8pPr marL="3200400" algn="l" defTabSz="914400" rtl="0" eaLnBrk="1" latinLnBrk="0" hangingPunct="1">
+        <a:defRPr sz="1800" kern="1200">
+          <a:solidFill>
+            <a:schemeClr val="tx1"/>
+          </a:solidFill>
+          <a:latin typeface="+mn-lt"/>
+          <a:ea typeface="+mn-ea"/>
+          <a:cs typeface="+mn-cs"/>
+        </a:defRPr>
+      </a:lvl8pPr>
+      <a:lvl9pPr marL="3657600" algn="l" defTabSz="914400" rtl="0" eaLnBrk="1" latinLnBrk="0" hangingPunct="1">
+        <a:defRPr sz="1800" kern="1200">
+          <a:solidFill>
+            <a:schemeClr val="tx1"/>
+          </a:solidFill>
+          <a:latin typeface="+mn-lt"/>
+          <a:ea typeface="+mn-ea"/>
+          <a:cs typeface="+mn-cs"/>
+        </a:defRPr>
+      </a:lvl9pPr>
+    </p:otherStyle>
+  </p:txStyles>
 </p:sldMaster>
 </file>
 
 <file path=ppt/slides/slide1.xml><?xml version="1.0" encoding="utf-8"?>
-<p:sld xmlns:a="http://schemas.openxmlformats.org/drawingml/2006/main" xmlns:p="http://schemas.openxmlformats.org/presentationml/2006/main" xmlns:r="http://schemas.openxmlformats.org/officeDocument/2006/relationships" xmlns:p14="http://schemas.microsoft.com/office/powerpoint/2010/main" xmlns:p15="http://schemas.microsoft.com/office/powerpoint/2012/main" xmlns:mc="http://schemas.openxmlformats.org/markup-compatibility/2006">
+<p:sld xmlns:a="http://schemas.openxmlformats.org/drawingml/2006/main" xmlns:r="http://schemas.openxmlformats.org/officeDocument/2006/relationships" xmlns:p="http://schemas.openxmlformats.org/presentationml/2006/main">
   <p:cSld>
     <p:spTree>
       <p:nvGrpSpPr>
@@ -1686,25 +2112,32 @@
           </a:ln>
         </p:spPr>
         <p:style>
-          <a:lnRef idx="0"/>
-          <a:fillRef idx="0"/>
-          <a:effectRef idx="0"/>
+          <a:lnRef idx="0">
+            <a:scrgbClr r="0" g="0" b="0"/>
+          </a:lnRef>
+          <a:fillRef idx="0">
+            <a:scrgbClr r="0" g="0" b="0"/>
+          </a:fillRef>
+          <a:effectRef idx="0">
+            <a:scrgbClr r="0" g="0" b="0"/>
+          </a:effectRef>
           <a:fontRef idx="minor"/>
         </p:style>
         <p:txBody>
-          <a:bodyPr lIns="90000" rIns="90000" tIns="91440" bIns="91440">
+          <a:bodyPr lIns="90000" tIns="91440" rIns="90000" bIns="91440">
             <a:noAutofit/>
           </a:bodyPr>
-          <a:p>
-            <a:pPr>
-              <a:lnSpc>
-                <a:spcPct val="100000"/>
-              </a:lnSpc>
-            </a:pPr>
-            <a:r>
-              <a:rPr b="1" lang="en-US" sz="2200" spc="-1" strike="noStrike">
-                <a:solidFill>
-                  <a:srgbClr val="1a1a1a"/>
+          <a:lstStyle/>
+          <a:p>
+            <a:pPr>
+              <a:lnSpc>
+                <a:spcPct val="100000"/>
+              </a:lnSpc>
+            </a:pPr>
+            <a:r>
+              <a:rPr lang="pt-BR" b="1" strike="noStrike" spc="-1" dirty="0">
+                <a:solidFill>
+                  <a:srgbClr val="1A1A1A"/>
                 </a:solidFill>
                 <a:latin typeface="Arial"/>
                 <a:ea typeface="Arial"/>
@@ -1712,29 +2145,29 @@
               <a:t>Processo</a:t>
             </a:r>
             <a:r>
-              <a:rPr b="0" lang="en-US" sz="2200" spc="-1" strike="noStrike">
-                <a:solidFill>
-                  <a:srgbClr val="1a1a1a"/>
+              <a:rPr lang="pt-BR" b="0" strike="noStrike" spc="-1" dirty="0">
+                <a:solidFill>
+                  <a:srgbClr val="1A1A1A"/>
                 </a:solidFill>
                 <a:latin typeface="Arial"/>
                 <a:ea typeface="Arial"/>
               </a:rPr>
               <a:t>: Entregar Cardápio</a:t>
             </a:r>
-            <a:endParaRPr b="0" lang="en-US" sz="2200" spc="-1" strike="noStrike">
-              <a:latin typeface="Arial"/>
-            </a:endParaRPr>
-          </a:p>
-          <a:p>
-            <a:pPr>
-              <a:lnSpc>
-                <a:spcPct val="100000"/>
-              </a:lnSpc>
-            </a:pPr>
-            <a:r>
-              <a:rPr b="1" lang="en-US" sz="2200" spc="-1" strike="noStrike">
-                <a:solidFill>
-                  <a:srgbClr val="1a1a1a"/>
+            <a:endParaRPr lang="pt-BR" b="0" strike="noStrike" spc="-1" dirty="0">
+              <a:latin typeface="Arial"/>
+            </a:endParaRPr>
+          </a:p>
+          <a:p>
+            <a:pPr>
+              <a:lnSpc>
+                <a:spcPct val="100000"/>
+              </a:lnSpc>
+            </a:pPr>
+            <a:r>
+              <a:rPr lang="pt-BR" b="1" strike="noStrike" spc="-1" dirty="0">
+                <a:solidFill>
+                  <a:srgbClr val="1A1A1A"/>
                 </a:solidFill>
                 <a:latin typeface="Arial"/>
                 <a:ea typeface="Arial"/>
@@ -1742,29 +2175,29 @@
               <a:t>Evento</a:t>
             </a:r>
             <a:r>
-              <a:rPr b="0" lang="en-US" sz="2200" spc="-1" strike="noStrike">
-                <a:solidFill>
-                  <a:srgbClr val="1a1a1a"/>
+              <a:rPr lang="pt-BR" b="0" strike="noStrike" spc="-1" dirty="0">
+                <a:solidFill>
+                  <a:srgbClr val="1A1A1A"/>
                 </a:solidFill>
                 <a:latin typeface="Arial"/>
                 <a:ea typeface="Arial"/>
               </a:rPr>
               <a:t>: Cliente solicita cardápio</a:t>
             </a:r>
-            <a:endParaRPr b="0" lang="en-US" sz="2200" spc="-1" strike="noStrike">
-              <a:latin typeface="Arial"/>
-            </a:endParaRPr>
-          </a:p>
-          <a:p>
-            <a:pPr>
-              <a:lnSpc>
-                <a:spcPct val="100000"/>
-              </a:lnSpc>
-            </a:pPr>
-            <a:r>
-              <a:rPr b="1" lang="en-US" sz="2200" spc="-1" strike="noStrike">
-                <a:solidFill>
-                  <a:srgbClr val="1a1a1a"/>
+            <a:endParaRPr lang="pt-BR" b="0" strike="noStrike" spc="-1" dirty="0">
+              <a:latin typeface="Arial"/>
+            </a:endParaRPr>
+          </a:p>
+          <a:p>
+            <a:pPr>
+              <a:lnSpc>
+                <a:spcPct val="100000"/>
+              </a:lnSpc>
+            </a:pPr>
+            <a:r>
+              <a:rPr lang="pt-BR" b="1" strike="noStrike" spc="-1" dirty="0">
+                <a:solidFill>
+                  <a:srgbClr val="1A1A1A"/>
                 </a:solidFill>
                 <a:latin typeface="Arial"/>
                 <a:ea typeface="Arial"/>
@@ -1772,39 +2205,39 @@
               <a:t>Trabalhador Envolvido</a:t>
             </a:r>
             <a:r>
-              <a:rPr b="0" lang="en-US" sz="2200" spc="-1" strike="noStrike">
-                <a:solidFill>
-                  <a:srgbClr val="1a1a1a"/>
+              <a:rPr lang="pt-BR" b="0" strike="noStrike" spc="-1" dirty="0">
+                <a:solidFill>
+                  <a:srgbClr val="1A1A1A"/>
                 </a:solidFill>
                 <a:latin typeface="Arial"/>
                 <a:ea typeface="Arial"/>
               </a:rPr>
               <a:t>: Garçom</a:t>
             </a:r>
-            <a:endParaRPr b="0" lang="en-US" sz="2200" spc="-1" strike="noStrike">
-              <a:latin typeface="Arial"/>
-            </a:endParaRPr>
-          </a:p>
-          <a:p>
-            <a:pPr>
-              <a:lnSpc>
-                <a:spcPct val="100000"/>
-              </a:lnSpc>
-            </a:pPr>
-            <a:endParaRPr b="0" lang="en-US" sz="2200" spc="-1" strike="noStrike">
-              <a:latin typeface="Arial"/>
-            </a:endParaRPr>
-          </a:p>
-          <a:p>
-            <a:pPr>
-              <a:lnSpc>
-                <a:spcPct val="100000"/>
-              </a:lnSpc>
-            </a:pPr>
-            <a:r>
-              <a:rPr b="1" lang="en-US" sz="2200" spc="-1" strike="noStrike">
-                <a:solidFill>
-                  <a:srgbClr val="1a1a1a"/>
+            <a:endParaRPr lang="pt-BR" b="0" strike="noStrike" spc="-1" dirty="0">
+              <a:latin typeface="Arial"/>
+            </a:endParaRPr>
+          </a:p>
+          <a:p>
+            <a:pPr>
+              <a:lnSpc>
+                <a:spcPct val="100000"/>
+              </a:lnSpc>
+            </a:pPr>
+            <a:endParaRPr lang="pt-BR" b="0" strike="noStrike" spc="-1" dirty="0">
+              <a:latin typeface="Arial"/>
+            </a:endParaRPr>
+          </a:p>
+          <a:p>
+            <a:pPr>
+              <a:lnSpc>
+                <a:spcPct val="100000"/>
+              </a:lnSpc>
+            </a:pPr>
+            <a:r>
+              <a:rPr lang="pt-BR" b="1" strike="noStrike" spc="-1" dirty="0">
+                <a:solidFill>
+                  <a:srgbClr val="1A1A1A"/>
                 </a:solidFill>
                 <a:latin typeface="Arial"/>
                 <a:ea typeface="Arial"/>
@@ -1812,16 +2245,16 @@
               <a:t>1.</a:t>
             </a:r>
             <a:r>
-              <a:rPr b="0" lang="en-US" sz="2200" spc="-1" strike="noStrike">
-                <a:solidFill>
-                  <a:srgbClr val="1a1a1a"/>
+              <a:rPr lang="pt-BR" b="0" strike="noStrike" spc="-1" dirty="0">
+                <a:solidFill>
+                  <a:srgbClr val="1A1A1A"/>
                 </a:solidFill>
                 <a:latin typeface="Arial"/>
                 <a:ea typeface="Arial"/>
               </a:rPr>
               <a:t> Entregar cardápio ao cliente.</a:t>
             </a:r>
-            <a:endParaRPr b="0" lang="en-US" sz="2200" spc="-1" strike="noStrike">
+            <a:endParaRPr lang="pt-BR" b="0" strike="noStrike" spc="-1" dirty="0">
               <a:latin typeface="Arial"/>
             </a:endParaRPr>
           </a:p>
@@ -1829,12 +2262,12 @@
       </p:sp>
       <p:pic>
         <p:nvPicPr>
-          <p:cNvPr id="39" name="" descr=""/>
+          <p:cNvPr id="39" name="Imagem 38"/>
           <p:cNvPicPr/>
           <p:nvPr/>
         </p:nvPicPr>
         <p:blipFill>
-          <a:blip r:embed="rId1"/>
+          <a:blip r:embed="rId2"/>
           <a:stretch/>
         </p:blipFill>
         <p:spPr>
@@ -1852,19 +2285,14 @@
       </p:pic>
     </p:spTree>
   </p:cSld>
-  <mc:AlternateContent>
-    <mc:Choice Requires="p14">
-      <p:transition spd="slow" p14:dur="2000"/>
-    </mc:Choice>
-    <mc:Fallback>
-      <p:transition spd="slow"/>
-    </mc:Fallback>
-  </mc:AlternateContent>
+  <p:clrMapOvr>
+    <a:masterClrMapping/>
+  </p:clrMapOvr>
 </p:sld>
 </file>
 
 <file path=ppt/slides/slide10.xml><?xml version="1.0" encoding="utf-8"?>
-<p:sld xmlns:a="http://schemas.openxmlformats.org/drawingml/2006/main" xmlns:p="http://schemas.openxmlformats.org/presentationml/2006/main" xmlns:r="http://schemas.openxmlformats.org/officeDocument/2006/relationships" xmlns:p14="http://schemas.microsoft.com/office/powerpoint/2010/main" xmlns:p15="http://schemas.microsoft.com/office/powerpoint/2012/main" xmlns:mc="http://schemas.openxmlformats.org/markup-compatibility/2006">
+<p:sld xmlns:a="http://schemas.openxmlformats.org/drawingml/2006/main" xmlns:r="http://schemas.openxmlformats.org/officeDocument/2006/relationships" xmlns:p="http://schemas.openxmlformats.org/presentationml/2006/main">
   <p:cSld>
     <p:spTree>
       <p:nvGrpSpPr>
@@ -1900,25 +2328,32 @@
           </a:ln>
         </p:spPr>
         <p:style>
-          <a:lnRef idx="0"/>
-          <a:fillRef idx="0"/>
-          <a:effectRef idx="0"/>
+          <a:lnRef idx="0">
+            <a:scrgbClr r="0" g="0" b="0"/>
+          </a:lnRef>
+          <a:fillRef idx="0">
+            <a:scrgbClr r="0" g="0" b="0"/>
+          </a:fillRef>
+          <a:effectRef idx="0">
+            <a:scrgbClr r="0" g="0" b="0"/>
+          </a:effectRef>
           <a:fontRef idx="minor"/>
         </p:style>
         <p:txBody>
-          <a:bodyPr lIns="90000" rIns="90000" tIns="91440" bIns="91440">
+          <a:bodyPr lIns="90000" tIns="91440" rIns="90000" bIns="91440">
             <a:noAutofit/>
           </a:bodyPr>
-          <a:p>
-            <a:pPr>
-              <a:lnSpc>
-                <a:spcPct val="100000"/>
-              </a:lnSpc>
-            </a:pPr>
-            <a:r>
-              <a:rPr b="1" lang="en-US" sz="1800" spc="-1" strike="noStrike">
-                <a:solidFill>
-                  <a:srgbClr val="1a1a1a"/>
+          <a:lstStyle/>
+          <a:p>
+            <a:pPr>
+              <a:lnSpc>
+                <a:spcPct val="100000"/>
+              </a:lnSpc>
+            </a:pPr>
+            <a:r>
+              <a:rPr lang="pt-BR" sz="1800" b="1" strike="noStrike" spc="-1" dirty="0">
+                <a:solidFill>
+                  <a:srgbClr val="1A1A1A"/>
                 </a:solidFill>
                 <a:latin typeface="Arial"/>
                 <a:ea typeface="Arial"/>
@@ -1926,29 +2361,29 @@
               <a:t>Processo</a:t>
             </a:r>
             <a:r>
-              <a:rPr b="0" lang="en-US" sz="1800" spc="-1" strike="noStrike">
-                <a:solidFill>
-                  <a:srgbClr val="1a1a1a"/>
+              <a:rPr lang="pt-BR" sz="1800" b="0" strike="noStrike" spc="-1" dirty="0">
+                <a:solidFill>
+                  <a:srgbClr val="1A1A1A"/>
                 </a:solidFill>
                 <a:latin typeface="Arial"/>
                 <a:ea typeface="Arial"/>
               </a:rPr>
               <a:t>: Anotar Pedido</a:t>
             </a:r>
-            <a:endParaRPr b="0" lang="en-US" sz="1800" spc="-1" strike="noStrike">
-              <a:latin typeface="Arial"/>
-            </a:endParaRPr>
-          </a:p>
-          <a:p>
-            <a:pPr>
-              <a:lnSpc>
-                <a:spcPct val="100000"/>
-              </a:lnSpc>
-            </a:pPr>
-            <a:r>
-              <a:rPr b="1" lang="en-US" sz="1800" spc="-1" strike="noStrike">
-                <a:solidFill>
-                  <a:srgbClr val="1a1a1a"/>
+            <a:endParaRPr lang="pt-BR" sz="1800" b="0" strike="noStrike" spc="-1" dirty="0">
+              <a:latin typeface="Arial"/>
+            </a:endParaRPr>
+          </a:p>
+          <a:p>
+            <a:pPr>
+              <a:lnSpc>
+                <a:spcPct val="100000"/>
+              </a:lnSpc>
+            </a:pPr>
+            <a:r>
+              <a:rPr lang="pt-BR" sz="1800" b="1" strike="noStrike" spc="-1" dirty="0">
+                <a:solidFill>
+                  <a:srgbClr val="1A1A1A"/>
                 </a:solidFill>
                 <a:latin typeface="Arial"/>
                 <a:ea typeface="Arial"/>
@@ -1956,29 +2391,29 @@
               <a:t>Evento</a:t>
             </a:r>
             <a:r>
-              <a:rPr b="0" lang="en-US" sz="1800" spc="-1" strike="noStrike">
-                <a:solidFill>
-                  <a:srgbClr val="1a1a1a"/>
+              <a:rPr lang="pt-BR" sz="1800" b="0" strike="noStrike" spc="-1" dirty="0">
+                <a:solidFill>
+                  <a:srgbClr val="1A1A1A"/>
                 </a:solidFill>
                 <a:latin typeface="Arial"/>
                 <a:ea typeface="Arial"/>
               </a:rPr>
               <a:t>: Cliente Delivery solicita pedido</a:t>
             </a:r>
-            <a:endParaRPr b="0" lang="en-US" sz="1800" spc="-1" strike="noStrike">
-              <a:latin typeface="Arial"/>
-            </a:endParaRPr>
-          </a:p>
-          <a:p>
-            <a:pPr>
-              <a:lnSpc>
-                <a:spcPct val="100000"/>
-              </a:lnSpc>
-            </a:pPr>
-            <a:r>
-              <a:rPr b="1" lang="en-US" sz="1800" spc="-1" strike="noStrike">
-                <a:solidFill>
-                  <a:srgbClr val="1a1a1a"/>
+            <a:endParaRPr lang="pt-BR" sz="1800" b="0" strike="noStrike" spc="-1" dirty="0">
+              <a:latin typeface="Arial"/>
+            </a:endParaRPr>
+          </a:p>
+          <a:p>
+            <a:pPr>
+              <a:lnSpc>
+                <a:spcPct val="100000"/>
+              </a:lnSpc>
+            </a:pPr>
+            <a:r>
+              <a:rPr lang="pt-BR" sz="1800" b="1" strike="noStrike" spc="-1" dirty="0">
+                <a:solidFill>
+                  <a:srgbClr val="1A1A1A"/>
                 </a:solidFill>
                 <a:latin typeface="Arial"/>
                 <a:ea typeface="Arial"/>
@@ -1986,39 +2421,39 @@
               <a:t>Trabalhador Envolvido</a:t>
             </a:r>
             <a:r>
-              <a:rPr b="0" lang="en-US" sz="1800" spc="-1" strike="noStrike">
-                <a:solidFill>
-                  <a:srgbClr val="1a1a1a"/>
+              <a:rPr lang="pt-BR" sz="1800" b="0" strike="noStrike" spc="-1" dirty="0">
+                <a:solidFill>
+                  <a:srgbClr val="1A1A1A"/>
                 </a:solidFill>
                 <a:latin typeface="Arial"/>
                 <a:ea typeface="Arial"/>
               </a:rPr>
               <a:t>: Atendente</a:t>
             </a:r>
-            <a:endParaRPr b="0" lang="en-US" sz="1800" spc="-1" strike="noStrike">
-              <a:latin typeface="Arial"/>
-            </a:endParaRPr>
-          </a:p>
-          <a:p>
-            <a:pPr>
-              <a:lnSpc>
-                <a:spcPct val="100000"/>
-              </a:lnSpc>
-            </a:pPr>
-            <a:endParaRPr b="0" lang="en-US" sz="1800" spc="-1" strike="noStrike">
-              <a:latin typeface="Arial"/>
-            </a:endParaRPr>
-          </a:p>
-          <a:p>
-            <a:pPr>
-              <a:lnSpc>
-                <a:spcPct val="100000"/>
-              </a:lnSpc>
-            </a:pPr>
-            <a:r>
-              <a:rPr b="1" lang="en-US" sz="1800" spc="-1" strike="noStrike">
-                <a:solidFill>
-                  <a:srgbClr val="1a1a1a"/>
+            <a:endParaRPr lang="pt-BR" sz="1800" b="0" strike="noStrike" spc="-1" dirty="0">
+              <a:latin typeface="Arial"/>
+            </a:endParaRPr>
+          </a:p>
+          <a:p>
+            <a:pPr>
+              <a:lnSpc>
+                <a:spcPct val="100000"/>
+              </a:lnSpc>
+            </a:pPr>
+            <a:endParaRPr lang="pt-BR" sz="1800" b="0" strike="noStrike" spc="-1" dirty="0">
+              <a:latin typeface="Arial"/>
+            </a:endParaRPr>
+          </a:p>
+          <a:p>
+            <a:pPr>
+              <a:lnSpc>
+                <a:spcPct val="100000"/>
+              </a:lnSpc>
+            </a:pPr>
+            <a:r>
+              <a:rPr lang="pt-BR" sz="1800" b="1" strike="noStrike" spc="-1" dirty="0">
+                <a:solidFill>
+                  <a:srgbClr val="1A1A1A"/>
                 </a:solidFill>
                 <a:latin typeface="Arial"/>
                 <a:ea typeface="Arial"/>
@@ -2026,29 +2461,29 @@
               <a:t>1.</a:t>
             </a:r>
             <a:r>
-              <a:rPr b="0" lang="en-US" sz="1800" spc="-1" strike="noStrike">
-                <a:solidFill>
-                  <a:srgbClr val="1a1a1a"/>
+              <a:rPr lang="pt-BR" sz="1800" b="0" strike="noStrike" spc="-1" dirty="0">
+                <a:solidFill>
+                  <a:srgbClr val="1A1A1A"/>
                 </a:solidFill>
                 <a:latin typeface="Arial"/>
                 <a:ea typeface="Arial"/>
               </a:rPr>
               <a:t> Verificar se o pedido realizado pelo cliente pode ser atendido.</a:t>
             </a:r>
-            <a:endParaRPr b="0" lang="en-US" sz="1800" spc="-1" strike="noStrike">
-              <a:latin typeface="Arial"/>
-            </a:endParaRPr>
-          </a:p>
-          <a:p>
-            <a:pPr>
-              <a:lnSpc>
-                <a:spcPct val="100000"/>
-              </a:lnSpc>
-            </a:pPr>
-            <a:r>
-              <a:rPr b="1" lang="en-US" sz="1800" spc="-1" strike="noStrike">
-                <a:solidFill>
-                  <a:srgbClr val="1a1a1a"/>
+            <a:endParaRPr lang="pt-BR" sz="1800" b="0" strike="noStrike" spc="-1" dirty="0">
+              <a:latin typeface="Arial"/>
+            </a:endParaRPr>
+          </a:p>
+          <a:p>
+            <a:pPr>
+              <a:lnSpc>
+                <a:spcPct val="100000"/>
+              </a:lnSpc>
+            </a:pPr>
+            <a:r>
+              <a:rPr lang="pt-BR" sz="1800" b="1" strike="noStrike" spc="-1" dirty="0">
+                <a:solidFill>
+                  <a:srgbClr val="1A1A1A"/>
                 </a:solidFill>
                 <a:latin typeface="Arial"/>
                 <a:ea typeface="Arial"/>
@@ -2056,29 +2491,29 @@
               <a:t>1.1.</a:t>
             </a:r>
             <a:r>
-              <a:rPr b="0" lang="en-US" sz="1800" spc="-1" strike="noStrike">
-                <a:solidFill>
-                  <a:srgbClr val="1a1a1a"/>
+              <a:rPr lang="pt-BR" sz="1800" b="0" strike="noStrike" spc="-1" dirty="0">
+                <a:solidFill>
+                  <a:srgbClr val="1A1A1A"/>
                 </a:solidFill>
                 <a:latin typeface="Arial"/>
                 <a:ea typeface="Arial"/>
               </a:rPr>
               <a:t> Se algum item não puder ser atendido, recusar o pedido e finalizar.</a:t>
             </a:r>
-            <a:endParaRPr b="0" lang="en-US" sz="1800" spc="-1" strike="noStrike">
-              <a:latin typeface="Arial"/>
-            </a:endParaRPr>
-          </a:p>
-          <a:p>
-            <a:pPr>
-              <a:lnSpc>
-                <a:spcPct val="100000"/>
-              </a:lnSpc>
-            </a:pPr>
-            <a:r>
-              <a:rPr b="1" lang="en-US" sz="1800" spc="-1" strike="noStrike">
-                <a:solidFill>
-                  <a:srgbClr val="1a1a1a"/>
+            <a:endParaRPr lang="pt-BR" sz="1800" b="0" strike="noStrike" spc="-1" dirty="0">
+              <a:latin typeface="Arial"/>
+            </a:endParaRPr>
+          </a:p>
+          <a:p>
+            <a:pPr>
+              <a:lnSpc>
+                <a:spcPct val="100000"/>
+              </a:lnSpc>
+            </a:pPr>
+            <a:r>
+              <a:rPr lang="pt-BR" sz="1800" b="1" strike="noStrike" spc="-1" dirty="0">
+                <a:solidFill>
+                  <a:srgbClr val="1A1A1A"/>
                 </a:solidFill>
                 <a:latin typeface="Arial"/>
                 <a:ea typeface="Arial"/>
@@ -2086,16 +2521,16 @@
               <a:t>2.</a:t>
             </a:r>
             <a:r>
-              <a:rPr b="0" lang="en-US" sz="1800" spc="-1" strike="noStrike">
-                <a:solidFill>
-                  <a:srgbClr val="1a1a1a"/>
+              <a:rPr lang="pt-BR" sz="1800" b="0" strike="noStrike" spc="-1" dirty="0">
+                <a:solidFill>
+                  <a:srgbClr val="1A1A1A"/>
                 </a:solidFill>
                 <a:latin typeface="Arial"/>
                 <a:ea typeface="Arial"/>
               </a:rPr>
               <a:t> Criar um novo pedido.</a:t>
             </a:r>
-            <a:endParaRPr b="0" lang="en-US" sz="1800" spc="-1" strike="noStrike">
+            <a:endParaRPr lang="pt-BR" sz="1800" b="0" strike="noStrike" spc="-1" dirty="0">
               <a:latin typeface="Arial"/>
             </a:endParaRPr>
           </a:p>
@@ -2103,12 +2538,12 @@
       </p:sp>
       <p:pic>
         <p:nvPicPr>
-          <p:cNvPr id="57" name="" descr=""/>
+          <p:cNvPr id="57" name="Imagem 56"/>
           <p:cNvPicPr/>
           <p:nvPr/>
         </p:nvPicPr>
         <p:blipFill>
-          <a:blip r:embed="rId1"/>
+          <a:blip r:embed="rId2"/>
           <a:stretch/>
         </p:blipFill>
         <p:spPr>
@@ -2126,19 +2561,14 @@
       </p:pic>
     </p:spTree>
   </p:cSld>
-  <mc:AlternateContent>
-    <mc:Choice Requires="p14">
-      <p:transition spd="slow" p14:dur="2000"/>
-    </mc:Choice>
-    <mc:Fallback>
-      <p:transition spd="slow"/>
-    </mc:Fallback>
-  </mc:AlternateContent>
+  <p:clrMapOvr>
+    <a:masterClrMapping/>
+  </p:clrMapOvr>
 </p:sld>
 </file>
 
 <file path=ppt/slides/slide11.xml><?xml version="1.0" encoding="utf-8"?>
-<p:sld xmlns:a="http://schemas.openxmlformats.org/drawingml/2006/main" xmlns:p="http://schemas.openxmlformats.org/presentationml/2006/main" xmlns:r="http://schemas.openxmlformats.org/officeDocument/2006/relationships" xmlns:p14="http://schemas.microsoft.com/office/powerpoint/2010/main" xmlns:p15="http://schemas.microsoft.com/office/powerpoint/2012/main" xmlns:mc="http://schemas.openxmlformats.org/markup-compatibility/2006">
+<p:sld xmlns:a="http://schemas.openxmlformats.org/drawingml/2006/main" xmlns:r="http://schemas.openxmlformats.org/officeDocument/2006/relationships" xmlns:p="http://schemas.openxmlformats.org/presentationml/2006/main">
   <p:cSld>
     <p:spTree>
       <p:nvGrpSpPr>
@@ -2174,25 +2604,32 @@
           </a:ln>
         </p:spPr>
         <p:style>
-          <a:lnRef idx="0"/>
-          <a:fillRef idx="0"/>
-          <a:effectRef idx="0"/>
+          <a:lnRef idx="0">
+            <a:scrgbClr r="0" g="0" b="0"/>
+          </a:lnRef>
+          <a:fillRef idx="0">
+            <a:scrgbClr r="0" g="0" b="0"/>
+          </a:fillRef>
+          <a:effectRef idx="0">
+            <a:scrgbClr r="0" g="0" b="0"/>
+          </a:effectRef>
           <a:fontRef idx="minor"/>
         </p:style>
         <p:txBody>
-          <a:bodyPr lIns="90000" rIns="90000" tIns="91440" bIns="91440">
+          <a:bodyPr lIns="90000" tIns="91440" rIns="90000" bIns="91440">
             <a:noAutofit/>
           </a:bodyPr>
-          <a:p>
-            <a:pPr>
-              <a:lnSpc>
-                <a:spcPct val="100000"/>
-              </a:lnSpc>
-            </a:pPr>
-            <a:r>
-              <a:rPr b="1" lang="en-US" sz="1800" spc="-1" strike="noStrike">
-                <a:solidFill>
-                  <a:srgbClr val="1a1a1a"/>
+          <a:lstStyle/>
+          <a:p>
+            <a:pPr>
+              <a:lnSpc>
+                <a:spcPct val="100000"/>
+              </a:lnSpc>
+            </a:pPr>
+            <a:r>
+              <a:rPr lang="pt-BR" sz="1800" b="1" strike="noStrike" spc="-1">
+                <a:solidFill>
+                  <a:srgbClr val="1A1A1A"/>
                 </a:solidFill>
                 <a:latin typeface="Arial"/>
                 <a:ea typeface="Arial"/>
@@ -2200,29 +2637,29 @@
               <a:t>Processo</a:t>
             </a:r>
             <a:r>
-              <a:rPr b="0" lang="en-US" sz="1800" spc="-1" strike="noStrike">
-                <a:solidFill>
-                  <a:srgbClr val="1a1a1a"/>
+              <a:rPr lang="pt-BR" sz="1800" b="0" strike="noStrike" spc="-1">
+                <a:solidFill>
+                  <a:srgbClr val="1A1A1A"/>
                 </a:solidFill>
                 <a:latin typeface="Arial"/>
                 <a:ea typeface="Arial"/>
               </a:rPr>
               <a:t>: Solicitar Preparação dos Itens do pedido</a:t>
             </a:r>
-            <a:endParaRPr b="0" lang="en-US" sz="1800" spc="-1" strike="noStrike">
-              <a:latin typeface="Arial"/>
-            </a:endParaRPr>
-          </a:p>
-          <a:p>
-            <a:pPr>
-              <a:lnSpc>
-                <a:spcPct val="100000"/>
-              </a:lnSpc>
-            </a:pPr>
-            <a:r>
-              <a:rPr b="1" lang="en-US" sz="1800" spc="-1" strike="noStrike">
-                <a:solidFill>
-                  <a:srgbClr val="1a1a1a"/>
+            <a:endParaRPr lang="pt-BR" sz="1800" b="0" strike="noStrike" spc="-1">
+              <a:latin typeface="Arial"/>
+            </a:endParaRPr>
+          </a:p>
+          <a:p>
+            <a:pPr>
+              <a:lnSpc>
+                <a:spcPct val="100000"/>
+              </a:lnSpc>
+            </a:pPr>
+            <a:r>
+              <a:rPr lang="pt-BR" sz="1800" b="1" strike="noStrike" spc="-1">
+                <a:solidFill>
+                  <a:srgbClr val="1A1A1A"/>
                 </a:solidFill>
                 <a:latin typeface="Arial"/>
                 <a:ea typeface="Arial"/>
@@ -2230,29 +2667,29 @@
               <a:t>Evento</a:t>
             </a:r>
             <a:r>
-              <a:rPr b="0" lang="en-US" sz="1800" spc="-1" strike="noStrike">
-                <a:solidFill>
-                  <a:srgbClr val="1a1a1a"/>
+              <a:rPr lang="pt-BR" sz="1800" b="0" strike="noStrike" spc="-1">
+                <a:solidFill>
+                  <a:srgbClr val="1A1A1A"/>
                 </a:solidFill>
                 <a:latin typeface="Arial"/>
                 <a:ea typeface="Arial"/>
               </a:rPr>
               <a:t>: Pizzaiolos itens solicitados </a:t>
             </a:r>
-            <a:endParaRPr b="0" lang="en-US" sz="1800" spc="-1" strike="noStrike">
-              <a:latin typeface="Arial"/>
-            </a:endParaRPr>
-          </a:p>
-          <a:p>
-            <a:pPr>
-              <a:lnSpc>
-                <a:spcPct val="100000"/>
-              </a:lnSpc>
-            </a:pPr>
-            <a:r>
-              <a:rPr b="1" lang="en-US" sz="1800" spc="-1" strike="noStrike">
-                <a:solidFill>
-                  <a:srgbClr val="1a1a1a"/>
+            <a:endParaRPr lang="pt-BR" sz="1800" b="0" strike="noStrike" spc="-1">
+              <a:latin typeface="Arial"/>
+            </a:endParaRPr>
+          </a:p>
+          <a:p>
+            <a:pPr>
+              <a:lnSpc>
+                <a:spcPct val="100000"/>
+              </a:lnSpc>
+            </a:pPr>
+            <a:r>
+              <a:rPr lang="pt-BR" sz="1800" b="1" strike="noStrike" spc="-1">
+                <a:solidFill>
+                  <a:srgbClr val="1A1A1A"/>
                 </a:solidFill>
                 <a:latin typeface="Arial"/>
                 <a:ea typeface="Arial"/>
@@ -2260,39 +2697,39 @@
               <a:t>Trabalhador Envolvido</a:t>
             </a:r>
             <a:r>
-              <a:rPr b="0" lang="en-US" sz="1800" spc="-1" strike="noStrike">
-                <a:solidFill>
-                  <a:srgbClr val="1a1a1a"/>
+              <a:rPr lang="pt-BR" sz="1800" b="0" strike="noStrike" spc="-1">
+                <a:solidFill>
+                  <a:srgbClr val="1A1A1A"/>
                 </a:solidFill>
                 <a:latin typeface="Arial"/>
                 <a:ea typeface="Arial"/>
               </a:rPr>
               <a:t>: Atendente</a:t>
             </a:r>
-            <a:endParaRPr b="0" lang="en-US" sz="1800" spc="-1" strike="noStrike">
-              <a:latin typeface="Arial"/>
-            </a:endParaRPr>
-          </a:p>
-          <a:p>
-            <a:pPr>
-              <a:lnSpc>
-                <a:spcPct val="100000"/>
-              </a:lnSpc>
-            </a:pPr>
-            <a:endParaRPr b="0" lang="en-US" sz="1800" spc="-1" strike="noStrike">
-              <a:latin typeface="Arial"/>
-            </a:endParaRPr>
-          </a:p>
-          <a:p>
-            <a:pPr>
-              <a:lnSpc>
-                <a:spcPct val="100000"/>
-              </a:lnSpc>
-            </a:pPr>
-            <a:r>
-              <a:rPr b="1" lang="en-US" sz="1900" spc="-1" strike="noStrike">
-                <a:solidFill>
-                  <a:srgbClr val="1a1a1a"/>
+            <a:endParaRPr lang="pt-BR" sz="1800" b="0" strike="noStrike" spc="-1">
+              <a:latin typeface="Arial"/>
+            </a:endParaRPr>
+          </a:p>
+          <a:p>
+            <a:pPr>
+              <a:lnSpc>
+                <a:spcPct val="100000"/>
+              </a:lnSpc>
+            </a:pPr>
+            <a:endParaRPr lang="pt-BR" sz="1800" b="0" strike="noStrike" spc="-1">
+              <a:latin typeface="Arial"/>
+            </a:endParaRPr>
+          </a:p>
+          <a:p>
+            <a:pPr>
+              <a:lnSpc>
+                <a:spcPct val="100000"/>
+              </a:lnSpc>
+            </a:pPr>
+            <a:r>
+              <a:rPr lang="pt-BR" sz="1900" b="1" strike="noStrike" spc="-1">
+                <a:solidFill>
+                  <a:srgbClr val="1A1A1A"/>
                 </a:solidFill>
                 <a:latin typeface="Arial"/>
                 <a:ea typeface="Arial"/>
@@ -2300,16 +2737,16 @@
               <a:t>1. </a:t>
             </a:r>
             <a:r>
-              <a:rPr b="0" lang="en-US" sz="1900" spc="-1" strike="noStrike">
-                <a:solidFill>
-                  <a:srgbClr val="1a1a1a"/>
+              <a:rPr lang="pt-BR" sz="1900" b="0" strike="noStrike" spc="-1">
+                <a:solidFill>
+                  <a:srgbClr val="1A1A1A"/>
                 </a:solidFill>
                 <a:latin typeface="Arial"/>
                 <a:ea typeface="Arial"/>
               </a:rPr>
               <a:t>Solicitar itens pendentes aos setores responsáveis, marcando os itens solicitados como "solicitado".</a:t>
             </a:r>
-            <a:endParaRPr b="0" lang="en-US" sz="1900" spc="-1" strike="noStrike">
+            <a:endParaRPr lang="pt-BR" sz="1900" b="0" strike="noStrike" spc="-1">
               <a:latin typeface="Arial"/>
             </a:endParaRPr>
           </a:p>
@@ -2317,12 +2754,12 @@
       </p:sp>
       <p:pic>
         <p:nvPicPr>
-          <p:cNvPr id="59" name="" descr=""/>
+          <p:cNvPr id="59" name="Imagem 58"/>
           <p:cNvPicPr/>
           <p:nvPr/>
         </p:nvPicPr>
         <p:blipFill>
-          <a:blip r:embed="rId1"/>
+          <a:blip r:embed="rId2"/>
           <a:stretch/>
         </p:blipFill>
         <p:spPr>
@@ -2340,19 +2777,14 @@
       </p:pic>
     </p:spTree>
   </p:cSld>
-  <mc:AlternateContent>
-    <mc:Choice Requires="p14">
-      <p:transition spd="slow" p14:dur="2000"/>
-    </mc:Choice>
-    <mc:Fallback>
-      <p:transition spd="slow"/>
-    </mc:Fallback>
-  </mc:AlternateContent>
+  <p:clrMapOvr>
+    <a:masterClrMapping/>
+  </p:clrMapOvr>
 </p:sld>
 </file>
 
 <file path=ppt/slides/slide12.xml><?xml version="1.0" encoding="utf-8"?>
-<p:sld xmlns:a="http://schemas.openxmlformats.org/drawingml/2006/main" xmlns:p="http://schemas.openxmlformats.org/presentationml/2006/main" xmlns:r="http://schemas.openxmlformats.org/officeDocument/2006/relationships" xmlns:p14="http://schemas.microsoft.com/office/powerpoint/2010/main" xmlns:p15="http://schemas.microsoft.com/office/powerpoint/2012/main" xmlns:mc="http://schemas.openxmlformats.org/markup-compatibility/2006">
+<p:sld xmlns:a="http://schemas.openxmlformats.org/drawingml/2006/main" xmlns:r="http://schemas.openxmlformats.org/officeDocument/2006/relationships" xmlns:p="http://schemas.openxmlformats.org/presentationml/2006/main">
   <p:cSld>
     <p:spTree>
       <p:nvGrpSpPr>
@@ -2388,25 +2820,32 @@
           </a:ln>
         </p:spPr>
         <p:style>
-          <a:lnRef idx="0"/>
-          <a:fillRef idx="0"/>
-          <a:effectRef idx="0"/>
+          <a:lnRef idx="0">
+            <a:scrgbClr r="0" g="0" b="0"/>
+          </a:lnRef>
+          <a:fillRef idx="0">
+            <a:scrgbClr r="0" g="0" b="0"/>
+          </a:fillRef>
+          <a:effectRef idx="0">
+            <a:scrgbClr r="0" g="0" b="0"/>
+          </a:effectRef>
           <a:fontRef idx="minor"/>
         </p:style>
         <p:txBody>
-          <a:bodyPr lIns="90000" rIns="90000" tIns="91440" bIns="91440">
+          <a:bodyPr lIns="90000" tIns="91440" rIns="90000" bIns="91440">
             <a:noAutofit/>
           </a:bodyPr>
-          <a:p>
-            <a:pPr>
-              <a:lnSpc>
-                <a:spcPct val="100000"/>
-              </a:lnSpc>
-            </a:pPr>
-            <a:r>
-              <a:rPr b="1" lang="en-US" sz="1800" spc="-1" strike="noStrike">
-                <a:solidFill>
-                  <a:srgbClr val="1a1a1a"/>
+          <a:lstStyle/>
+          <a:p>
+            <a:pPr>
+              <a:lnSpc>
+                <a:spcPct val="100000"/>
+              </a:lnSpc>
+            </a:pPr>
+            <a:r>
+              <a:rPr lang="pt-BR" sz="1800" b="1" strike="noStrike" spc="-1">
+                <a:solidFill>
+                  <a:srgbClr val="1A1A1A"/>
                 </a:solidFill>
                 <a:latin typeface="Arial"/>
                 <a:ea typeface="Arial"/>
@@ -2414,29 +2853,29 @@
               <a:t>Processo</a:t>
             </a:r>
             <a:r>
-              <a:rPr b="0" lang="en-US" sz="1800" spc="-1" strike="noStrike">
-                <a:solidFill>
-                  <a:srgbClr val="1a1a1a"/>
+              <a:rPr lang="pt-BR" sz="1800" b="0" strike="noStrike" spc="-1">
+                <a:solidFill>
+                  <a:srgbClr val="1A1A1A"/>
                 </a:solidFill>
                 <a:latin typeface="Arial"/>
                 <a:ea typeface="Arial"/>
               </a:rPr>
               <a:t>: Entregar Itens Prontos do setor de Pizzaiolos</a:t>
             </a:r>
-            <a:endParaRPr b="0" lang="en-US" sz="1800" spc="-1" strike="noStrike">
-              <a:latin typeface="Arial"/>
-            </a:endParaRPr>
-          </a:p>
-          <a:p>
-            <a:pPr>
-              <a:lnSpc>
-                <a:spcPct val="100000"/>
-              </a:lnSpc>
-            </a:pPr>
-            <a:r>
-              <a:rPr b="1" lang="en-US" sz="1800" spc="-1" strike="noStrike">
-                <a:solidFill>
-                  <a:srgbClr val="1a1a1a"/>
+            <a:endParaRPr lang="pt-BR" sz="1800" b="0" strike="noStrike" spc="-1">
+              <a:latin typeface="Arial"/>
+            </a:endParaRPr>
+          </a:p>
+          <a:p>
+            <a:pPr>
+              <a:lnSpc>
+                <a:spcPct val="100000"/>
+              </a:lnSpc>
+            </a:pPr>
+            <a:r>
+              <a:rPr lang="pt-BR" sz="1800" b="1" strike="noStrike" spc="-1">
+                <a:solidFill>
+                  <a:srgbClr val="1A1A1A"/>
                 </a:solidFill>
                 <a:latin typeface="Arial"/>
                 <a:ea typeface="Arial"/>
@@ -2444,29 +2883,29 @@
               <a:t>Evento</a:t>
             </a:r>
             <a:r>
-              <a:rPr b="0" lang="en-US" sz="1800" spc="-1" strike="noStrike">
-                <a:solidFill>
-                  <a:srgbClr val="1a1a1a"/>
+              <a:rPr lang="pt-BR" sz="1800" b="0" strike="noStrike" spc="-1">
+                <a:solidFill>
+                  <a:srgbClr val="1A1A1A"/>
                 </a:solidFill>
                 <a:latin typeface="Arial"/>
                 <a:ea typeface="Arial"/>
               </a:rPr>
               <a:t>: Pizzaiolos entregam itens prontos  </a:t>
             </a:r>
-            <a:endParaRPr b="0" lang="en-US" sz="1800" spc="-1" strike="noStrike">
-              <a:latin typeface="Arial"/>
-            </a:endParaRPr>
-          </a:p>
-          <a:p>
-            <a:pPr>
-              <a:lnSpc>
-                <a:spcPct val="100000"/>
-              </a:lnSpc>
-            </a:pPr>
-            <a:r>
-              <a:rPr b="1" lang="en-US" sz="1800" spc="-1" strike="noStrike">
-                <a:solidFill>
-                  <a:srgbClr val="1a1a1a"/>
+            <a:endParaRPr lang="pt-BR" sz="1800" b="0" strike="noStrike" spc="-1">
+              <a:latin typeface="Arial"/>
+            </a:endParaRPr>
+          </a:p>
+          <a:p>
+            <a:pPr>
+              <a:lnSpc>
+                <a:spcPct val="100000"/>
+              </a:lnSpc>
+            </a:pPr>
+            <a:r>
+              <a:rPr lang="pt-BR" sz="1800" b="1" strike="noStrike" spc="-1">
+                <a:solidFill>
+                  <a:srgbClr val="1A1A1A"/>
                 </a:solidFill>
                 <a:latin typeface="Arial"/>
                 <a:ea typeface="Arial"/>
@@ -2474,39 +2913,39 @@
               <a:t>Trabalhador Envolvido</a:t>
             </a:r>
             <a:r>
-              <a:rPr b="0" lang="en-US" sz="1800" spc="-1" strike="noStrike">
-                <a:solidFill>
-                  <a:srgbClr val="1a1a1a"/>
+              <a:rPr lang="pt-BR" sz="1800" b="0" strike="noStrike" spc="-1">
+                <a:solidFill>
+                  <a:srgbClr val="1A1A1A"/>
                 </a:solidFill>
                 <a:latin typeface="Arial"/>
                 <a:ea typeface="Arial"/>
               </a:rPr>
               <a:t>: Atendente</a:t>
             </a:r>
-            <a:endParaRPr b="0" lang="en-US" sz="1800" spc="-1" strike="noStrike">
-              <a:latin typeface="Arial"/>
-            </a:endParaRPr>
-          </a:p>
-          <a:p>
-            <a:pPr>
-              <a:lnSpc>
-                <a:spcPct val="100000"/>
-              </a:lnSpc>
-            </a:pPr>
-            <a:endParaRPr b="0" lang="en-US" sz="1800" spc="-1" strike="noStrike">
-              <a:latin typeface="Arial"/>
-            </a:endParaRPr>
-          </a:p>
-          <a:p>
-            <a:pPr>
-              <a:lnSpc>
-                <a:spcPct val="100000"/>
-              </a:lnSpc>
-            </a:pPr>
-            <a:r>
-              <a:rPr b="1" lang="en-US" sz="2000" spc="-1" strike="noStrike">
-                <a:solidFill>
-                  <a:srgbClr val="1a1a1a"/>
+            <a:endParaRPr lang="pt-BR" sz="1800" b="0" strike="noStrike" spc="-1">
+              <a:latin typeface="Arial"/>
+            </a:endParaRPr>
+          </a:p>
+          <a:p>
+            <a:pPr>
+              <a:lnSpc>
+                <a:spcPct val="100000"/>
+              </a:lnSpc>
+            </a:pPr>
+            <a:endParaRPr lang="pt-BR" sz="1800" b="0" strike="noStrike" spc="-1">
+              <a:latin typeface="Arial"/>
+            </a:endParaRPr>
+          </a:p>
+          <a:p>
+            <a:pPr>
+              <a:lnSpc>
+                <a:spcPct val="100000"/>
+              </a:lnSpc>
+            </a:pPr>
+            <a:r>
+              <a:rPr lang="pt-BR" sz="2000" b="1" strike="noStrike" spc="-1">
+                <a:solidFill>
+                  <a:srgbClr val="1A1A1A"/>
                 </a:solidFill>
                 <a:latin typeface="Arial"/>
                 <a:ea typeface="Arial"/>
@@ -2514,16 +2953,16 @@
               <a:t>1.</a:t>
             </a:r>
             <a:r>
-              <a:rPr b="0" lang="en-US" sz="2000" spc="-1" strike="noStrike">
-                <a:solidFill>
-                  <a:srgbClr val="1a1a1a"/>
+              <a:rPr lang="pt-BR" sz="2000" b="0" strike="noStrike" spc="-1">
+                <a:solidFill>
+                  <a:srgbClr val="1A1A1A"/>
                 </a:solidFill>
                 <a:latin typeface="Arial"/>
                 <a:ea typeface="Arial"/>
               </a:rPr>
               <a:t> Entregar os itens prontos do setor de pizzaiolos ao cliente, marcando os itens entregues como "entregue".</a:t>
             </a:r>
-            <a:endParaRPr b="0" lang="en-US" sz="2000" spc="-1" strike="noStrike">
+            <a:endParaRPr lang="pt-BR" sz="2000" b="0" strike="noStrike" spc="-1">
               <a:latin typeface="Arial"/>
             </a:endParaRPr>
           </a:p>
@@ -2531,12 +2970,12 @@
       </p:sp>
       <p:pic>
         <p:nvPicPr>
-          <p:cNvPr id="61" name="" descr=""/>
+          <p:cNvPr id="61" name="Imagem 60"/>
           <p:cNvPicPr/>
           <p:nvPr/>
         </p:nvPicPr>
         <p:blipFill>
-          <a:blip r:embed="rId1"/>
+          <a:blip r:embed="rId2"/>
           <a:stretch/>
         </p:blipFill>
         <p:spPr>
@@ -2554,19 +2993,14 @@
       </p:pic>
     </p:spTree>
   </p:cSld>
-  <mc:AlternateContent>
-    <mc:Choice Requires="p14">
-      <p:transition spd="slow" p14:dur="2000"/>
-    </mc:Choice>
-    <mc:Fallback>
-      <p:transition spd="slow"/>
-    </mc:Fallback>
-  </mc:AlternateContent>
+  <p:clrMapOvr>
+    <a:masterClrMapping/>
+  </p:clrMapOvr>
 </p:sld>
 </file>
 
 <file path=ppt/slides/slide13.xml><?xml version="1.0" encoding="utf-8"?>
-<p:sld xmlns:a="http://schemas.openxmlformats.org/drawingml/2006/main" xmlns:p="http://schemas.openxmlformats.org/presentationml/2006/main" xmlns:r="http://schemas.openxmlformats.org/officeDocument/2006/relationships" xmlns:p14="http://schemas.microsoft.com/office/powerpoint/2010/main" xmlns:p15="http://schemas.microsoft.com/office/powerpoint/2012/main" xmlns:mc="http://schemas.openxmlformats.org/markup-compatibility/2006">
+<p:sld xmlns:a="http://schemas.openxmlformats.org/drawingml/2006/main" xmlns:r="http://schemas.openxmlformats.org/officeDocument/2006/relationships" xmlns:p="http://schemas.openxmlformats.org/presentationml/2006/main">
   <p:cSld>
     <p:spTree>
       <p:nvGrpSpPr>
@@ -2602,25 +3036,32 @@
           </a:ln>
         </p:spPr>
         <p:style>
-          <a:lnRef idx="0"/>
-          <a:fillRef idx="0"/>
-          <a:effectRef idx="0"/>
+          <a:lnRef idx="0">
+            <a:scrgbClr r="0" g="0" b="0"/>
+          </a:lnRef>
+          <a:fillRef idx="0">
+            <a:scrgbClr r="0" g="0" b="0"/>
+          </a:fillRef>
+          <a:effectRef idx="0">
+            <a:scrgbClr r="0" g="0" b="0"/>
+          </a:effectRef>
           <a:fontRef idx="minor"/>
         </p:style>
         <p:txBody>
-          <a:bodyPr lIns="90000" rIns="90000" tIns="91440" bIns="91440">
+          <a:bodyPr lIns="90000" tIns="91440" rIns="90000" bIns="91440">
             <a:noAutofit/>
           </a:bodyPr>
-          <a:p>
-            <a:pPr>
-              <a:lnSpc>
-                <a:spcPct val="100000"/>
-              </a:lnSpc>
-            </a:pPr>
-            <a:r>
-              <a:rPr b="1" lang="en-US" sz="1800" spc="-1" strike="noStrike">
-                <a:solidFill>
-                  <a:srgbClr val="1a1a1a"/>
+          <a:lstStyle/>
+          <a:p>
+            <a:pPr>
+              <a:lnSpc>
+                <a:spcPct val="100000"/>
+              </a:lnSpc>
+            </a:pPr>
+            <a:r>
+              <a:rPr lang="pt-BR" sz="1800" b="1" strike="noStrike" spc="-1">
+                <a:solidFill>
+                  <a:srgbClr val="1A1A1A"/>
                 </a:solidFill>
                 <a:latin typeface="Arial"/>
                 <a:ea typeface="Arial"/>
@@ -2628,29 +3069,29 @@
               <a:t>Processo</a:t>
             </a:r>
             <a:r>
-              <a:rPr b="0" lang="en-US" sz="1800" spc="-1" strike="noStrike">
-                <a:solidFill>
-                  <a:srgbClr val="1a1a1a"/>
+              <a:rPr lang="pt-BR" sz="1800" b="0" strike="noStrike" spc="-1">
+                <a:solidFill>
+                  <a:srgbClr val="1A1A1A"/>
                 </a:solidFill>
                 <a:latin typeface="Arial"/>
                 <a:ea typeface="Arial"/>
               </a:rPr>
               <a:t>: Entregar Itens Prontos do Balcão</a:t>
             </a:r>
-            <a:endParaRPr b="0" lang="en-US" sz="1800" spc="-1" strike="noStrike">
-              <a:latin typeface="Arial"/>
-            </a:endParaRPr>
-          </a:p>
-          <a:p>
-            <a:pPr>
-              <a:lnSpc>
-                <a:spcPct val="100000"/>
-              </a:lnSpc>
-            </a:pPr>
-            <a:r>
-              <a:rPr b="1" lang="en-US" sz="1800" spc="-1" strike="noStrike">
-                <a:solidFill>
-                  <a:srgbClr val="1a1a1a"/>
+            <a:endParaRPr lang="pt-BR" sz="1800" b="0" strike="noStrike" spc="-1">
+              <a:latin typeface="Arial"/>
+            </a:endParaRPr>
+          </a:p>
+          <a:p>
+            <a:pPr>
+              <a:lnSpc>
+                <a:spcPct val="100000"/>
+              </a:lnSpc>
+            </a:pPr>
+            <a:r>
+              <a:rPr lang="pt-BR" sz="1800" b="1" strike="noStrike" spc="-1">
+                <a:solidFill>
+                  <a:srgbClr val="1A1A1A"/>
                 </a:solidFill>
                 <a:latin typeface="Arial"/>
                 <a:ea typeface="Arial"/>
@@ -2658,29 +3099,29 @@
               <a:t>Evento</a:t>
             </a:r>
             <a:r>
-              <a:rPr b="0" lang="en-US" sz="1800" spc="-1" strike="noStrike">
-                <a:solidFill>
-                  <a:srgbClr val="1a1a1a"/>
+              <a:rPr lang="pt-BR" sz="1800" b="0" strike="noStrike" spc="-1">
+                <a:solidFill>
+                  <a:srgbClr val="1A1A1A"/>
                 </a:solidFill>
                 <a:latin typeface="Arial"/>
                 <a:ea typeface="Arial"/>
               </a:rPr>
               <a:t>: Balção entrega itens prontos  </a:t>
             </a:r>
-            <a:endParaRPr b="0" lang="en-US" sz="1800" spc="-1" strike="noStrike">
-              <a:latin typeface="Arial"/>
-            </a:endParaRPr>
-          </a:p>
-          <a:p>
-            <a:pPr>
-              <a:lnSpc>
-                <a:spcPct val="100000"/>
-              </a:lnSpc>
-            </a:pPr>
-            <a:r>
-              <a:rPr b="1" lang="en-US" sz="1800" spc="-1" strike="noStrike">
-                <a:solidFill>
-                  <a:srgbClr val="1a1a1a"/>
+            <a:endParaRPr lang="pt-BR" sz="1800" b="0" strike="noStrike" spc="-1">
+              <a:latin typeface="Arial"/>
+            </a:endParaRPr>
+          </a:p>
+          <a:p>
+            <a:pPr>
+              <a:lnSpc>
+                <a:spcPct val="100000"/>
+              </a:lnSpc>
+            </a:pPr>
+            <a:r>
+              <a:rPr lang="pt-BR" sz="1800" b="1" strike="noStrike" spc="-1">
+                <a:solidFill>
+                  <a:srgbClr val="1A1A1A"/>
                 </a:solidFill>
                 <a:latin typeface="Arial"/>
                 <a:ea typeface="Arial"/>
@@ -2688,39 +3129,39 @@
               <a:t>Trabalhador Envolvido</a:t>
             </a:r>
             <a:r>
-              <a:rPr b="0" lang="en-US" sz="1800" spc="-1" strike="noStrike">
-                <a:solidFill>
-                  <a:srgbClr val="1a1a1a"/>
+              <a:rPr lang="pt-BR" sz="1800" b="0" strike="noStrike" spc="-1">
+                <a:solidFill>
+                  <a:srgbClr val="1A1A1A"/>
                 </a:solidFill>
                 <a:latin typeface="Arial"/>
                 <a:ea typeface="Arial"/>
               </a:rPr>
               <a:t>: Atendente</a:t>
             </a:r>
-            <a:endParaRPr b="0" lang="en-US" sz="1800" spc="-1" strike="noStrike">
-              <a:latin typeface="Arial"/>
-            </a:endParaRPr>
-          </a:p>
-          <a:p>
-            <a:pPr>
-              <a:lnSpc>
-                <a:spcPct val="100000"/>
-              </a:lnSpc>
-            </a:pPr>
-            <a:endParaRPr b="0" lang="en-US" sz="1800" spc="-1" strike="noStrike">
-              <a:latin typeface="Arial"/>
-            </a:endParaRPr>
-          </a:p>
-          <a:p>
-            <a:pPr>
-              <a:lnSpc>
-                <a:spcPct val="100000"/>
-              </a:lnSpc>
-            </a:pPr>
-            <a:r>
-              <a:rPr b="1" lang="en-US" sz="2000" spc="-1" strike="noStrike">
-                <a:solidFill>
-                  <a:srgbClr val="1a1a1a"/>
+            <a:endParaRPr lang="pt-BR" sz="1800" b="0" strike="noStrike" spc="-1">
+              <a:latin typeface="Arial"/>
+            </a:endParaRPr>
+          </a:p>
+          <a:p>
+            <a:pPr>
+              <a:lnSpc>
+                <a:spcPct val="100000"/>
+              </a:lnSpc>
+            </a:pPr>
+            <a:endParaRPr lang="pt-BR" sz="1800" b="0" strike="noStrike" spc="-1">
+              <a:latin typeface="Arial"/>
+            </a:endParaRPr>
+          </a:p>
+          <a:p>
+            <a:pPr>
+              <a:lnSpc>
+                <a:spcPct val="100000"/>
+              </a:lnSpc>
+            </a:pPr>
+            <a:r>
+              <a:rPr lang="pt-BR" sz="2000" b="1" strike="noStrike" spc="-1">
+                <a:solidFill>
+                  <a:srgbClr val="1A1A1A"/>
                 </a:solidFill>
                 <a:latin typeface="Arial"/>
                 <a:ea typeface="Arial"/>
@@ -2728,16 +3169,16 @@
               <a:t>1.</a:t>
             </a:r>
             <a:r>
-              <a:rPr b="0" lang="en-US" sz="2000" spc="-1" strike="noStrike">
-                <a:solidFill>
-                  <a:srgbClr val="1a1a1a"/>
+              <a:rPr lang="pt-BR" sz="2000" b="0" strike="noStrike" spc="-1">
+                <a:solidFill>
+                  <a:srgbClr val="1A1A1A"/>
                 </a:solidFill>
                 <a:latin typeface="Arial"/>
                 <a:ea typeface="Arial"/>
               </a:rPr>
               <a:t> Entregar os itens prontos ao cliente, marcando os itens entregues como "entregue".</a:t>
             </a:r>
-            <a:endParaRPr b="0" lang="en-US" sz="2000" spc="-1" strike="noStrike">
+            <a:endParaRPr lang="pt-BR" sz="2000" b="0" strike="noStrike" spc="-1">
               <a:latin typeface="Arial"/>
             </a:endParaRPr>
           </a:p>
@@ -2745,12 +3186,12 @@
       </p:sp>
       <p:pic>
         <p:nvPicPr>
-          <p:cNvPr id="63" name="" descr=""/>
+          <p:cNvPr id="63" name="Imagem 62"/>
           <p:cNvPicPr/>
           <p:nvPr/>
         </p:nvPicPr>
         <p:blipFill>
-          <a:blip r:embed="rId1"/>
+          <a:blip r:embed="rId2"/>
           <a:stretch/>
         </p:blipFill>
         <p:spPr>
@@ -2768,19 +3209,14 @@
       </p:pic>
     </p:spTree>
   </p:cSld>
-  <mc:AlternateContent>
-    <mc:Choice Requires="p14">
-      <p:transition spd="slow" p14:dur="2000"/>
-    </mc:Choice>
-    <mc:Fallback>
-      <p:transition spd="slow"/>
-    </mc:Fallback>
-  </mc:AlternateContent>
+  <p:clrMapOvr>
+    <a:masterClrMapping/>
+  </p:clrMapOvr>
 </p:sld>
 </file>
 
 <file path=ppt/slides/slide14.xml><?xml version="1.0" encoding="utf-8"?>
-<p:sld xmlns:a="http://schemas.openxmlformats.org/drawingml/2006/main" xmlns:p="http://schemas.openxmlformats.org/presentationml/2006/main" xmlns:r="http://schemas.openxmlformats.org/officeDocument/2006/relationships" xmlns:p14="http://schemas.microsoft.com/office/powerpoint/2010/main" xmlns:p15="http://schemas.microsoft.com/office/powerpoint/2012/main" xmlns:mc="http://schemas.openxmlformats.org/markup-compatibility/2006">
+<p:sld xmlns:a="http://schemas.openxmlformats.org/drawingml/2006/main" xmlns:r="http://schemas.openxmlformats.org/officeDocument/2006/relationships" xmlns:p="http://schemas.openxmlformats.org/presentationml/2006/main">
   <p:cSld>
     <p:spTree>
       <p:nvGrpSpPr>
@@ -2816,25 +3252,32 @@
           </a:ln>
         </p:spPr>
         <p:style>
-          <a:lnRef idx="0"/>
-          <a:fillRef idx="0"/>
-          <a:effectRef idx="0"/>
+          <a:lnRef idx="0">
+            <a:scrgbClr r="0" g="0" b="0"/>
+          </a:lnRef>
+          <a:fillRef idx="0">
+            <a:scrgbClr r="0" g="0" b="0"/>
+          </a:fillRef>
+          <a:effectRef idx="0">
+            <a:scrgbClr r="0" g="0" b="0"/>
+          </a:effectRef>
           <a:fontRef idx="minor"/>
         </p:style>
         <p:txBody>
-          <a:bodyPr lIns="90000" rIns="90000" tIns="91440" bIns="91440">
+          <a:bodyPr lIns="90000" tIns="91440" rIns="90000" bIns="91440">
             <a:noAutofit/>
           </a:bodyPr>
-          <a:p>
-            <a:pPr>
-              <a:lnSpc>
-                <a:spcPct val="100000"/>
-              </a:lnSpc>
-            </a:pPr>
-            <a:r>
-              <a:rPr b="1" lang="en-US" sz="1800" spc="-1" strike="noStrike">
-                <a:solidFill>
-                  <a:srgbClr val="1a1a1a"/>
+          <a:lstStyle/>
+          <a:p>
+            <a:pPr>
+              <a:lnSpc>
+                <a:spcPct val="100000"/>
+              </a:lnSpc>
+            </a:pPr>
+            <a:r>
+              <a:rPr lang="pt-BR" sz="1800" b="1" strike="noStrike" spc="-1">
+                <a:solidFill>
+                  <a:srgbClr val="1A1A1A"/>
                 </a:solidFill>
                 <a:latin typeface="Arial"/>
                 <a:ea typeface="Arial"/>
@@ -2842,29 +3285,29 @@
               <a:t>Processo</a:t>
             </a:r>
             <a:r>
-              <a:rPr b="0" lang="en-US" sz="1800" spc="-1" strike="noStrike">
-                <a:solidFill>
-                  <a:srgbClr val="1a1a1a"/>
+              <a:rPr lang="pt-BR" sz="1800" b="0" strike="noStrike" spc="-1">
+                <a:solidFill>
+                  <a:srgbClr val="1A1A1A"/>
                 </a:solidFill>
                 <a:latin typeface="Arial"/>
                 <a:ea typeface="Arial"/>
               </a:rPr>
               <a:t>: Cancela pedido</a:t>
             </a:r>
-            <a:endParaRPr b="0" lang="en-US" sz="1800" spc="-1" strike="noStrike">
-              <a:latin typeface="Arial"/>
-            </a:endParaRPr>
-          </a:p>
-          <a:p>
-            <a:pPr>
-              <a:lnSpc>
-                <a:spcPct val="100000"/>
-              </a:lnSpc>
-            </a:pPr>
-            <a:r>
-              <a:rPr b="1" lang="en-US" sz="1800" spc="-1" strike="noStrike">
-                <a:solidFill>
-                  <a:srgbClr val="1a1a1a"/>
+            <a:endParaRPr lang="pt-BR" sz="1800" b="0" strike="noStrike" spc="-1">
+              <a:latin typeface="Arial"/>
+            </a:endParaRPr>
+          </a:p>
+          <a:p>
+            <a:pPr>
+              <a:lnSpc>
+                <a:spcPct val="100000"/>
+              </a:lnSpc>
+            </a:pPr>
+            <a:r>
+              <a:rPr lang="pt-BR" sz="1800" b="1" strike="noStrike" spc="-1">
+                <a:solidFill>
+                  <a:srgbClr val="1A1A1A"/>
                 </a:solidFill>
                 <a:latin typeface="Arial"/>
                 <a:ea typeface="Arial"/>
@@ -2872,29 +3315,29 @@
               <a:t>Evento</a:t>
             </a:r>
             <a:r>
-              <a:rPr b="0" lang="en-US" sz="1800" spc="-1" strike="noStrike">
-                <a:solidFill>
-                  <a:srgbClr val="1a1a1a"/>
+              <a:rPr lang="pt-BR" sz="1800" b="0" strike="noStrike" spc="-1">
+                <a:solidFill>
+                  <a:srgbClr val="1A1A1A"/>
                 </a:solidFill>
                 <a:latin typeface="Arial"/>
                 <a:ea typeface="Arial"/>
               </a:rPr>
               <a:t>: Cliente cancela pedido. </a:t>
             </a:r>
-            <a:endParaRPr b="0" lang="en-US" sz="1800" spc="-1" strike="noStrike">
-              <a:latin typeface="Arial"/>
-            </a:endParaRPr>
-          </a:p>
-          <a:p>
-            <a:pPr>
-              <a:lnSpc>
-                <a:spcPct val="100000"/>
-              </a:lnSpc>
-            </a:pPr>
-            <a:r>
-              <a:rPr b="1" lang="en-US" sz="1800" spc="-1" strike="noStrike">
-                <a:solidFill>
-                  <a:srgbClr val="1a1a1a"/>
+            <a:endParaRPr lang="pt-BR" sz="1800" b="0" strike="noStrike" spc="-1">
+              <a:latin typeface="Arial"/>
+            </a:endParaRPr>
+          </a:p>
+          <a:p>
+            <a:pPr>
+              <a:lnSpc>
+                <a:spcPct val="100000"/>
+              </a:lnSpc>
+            </a:pPr>
+            <a:r>
+              <a:rPr lang="pt-BR" sz="1800" b="1" strike="noStrike" spc="-1">
+                <a:solidFill>
+                  <a:srgbClr val="1A1A1A"/>
                 </a:solidFill>
                 <a:latin typeface="Arial"/>
                 <a:ea typeface="Arial"/>
@@ -2902,39 +3345,39 @@
               <a:t>Trabalhador Envolvido</a:t>
             </a:r>
             <a:r>
-              <a:rPr b="0" lang="en-US" sz="1800" spc="-1" strike="noStrike">
-                <a:solidFill>
-                  <a:srgbClr val="1a1a1a"/>
+              <a:rPr lang="pt-BR" sz="1800" b="0" strike="noStrike" spc="-1">
+                <a:solidFill>
+                  <a:srgbClr val="1A1A1A"/>
                 </a:solidFill>
                 <a:latin typeface="Arial"/>
                 <a:ea typeface="Arial"/>
               </a:rPr>
               <a:t>: Atendente</a:t>
             </a:r>
-            <a:endParaRPr b="0" lang="en-US" sz="1800" spc="-1" strike="noStrike">
-              <a:latin typeface="Arial"/>
-            </a:endParaRPr>
-          </a:p>
-          <a:p>
-            <a:pPr>
-              <a:lnSpc>
-                <a:spcPct val="100000"/>
-              </a:lnSpc>
-            </a:pPr>
-            <a:endParaRPr b="0" lang="en-US" sz="1800" spc="-1" strike="noStrike">
-              <a:latin typeface="Arial"/>
-            </a:endParaRPr>
-          </a:p>
-          <a:p>
-            <a:pPr>
-              <a:lnSpc>
-                <a:spcPct val="100000"/>
-              </a:lnSpc>
-            </a:pPr>
-            <a:r>
-              <a:rPr b="1" lang="en-US" sz="2000" spc="-1" strike="noStrike">
-                <a:solidFill>
-                  <a:srgbClr val="1a1a1a"/>
+            <a:endParaRPr lang="pt-BR" sz="1800" b="0" strike="noStrike" spc="-1">
+              <a:latin typeface="Arial"/>
+            </a:endParaRPr>
+          </a:p>
+          <a:p>
+            <a:pPr>
+              <a:lnSpc>
+                <a:spcPct val="100000"/>
+              </a:lnSpc>
+            </a:pPr>
+            <a:endParaRPr lang="pt-BR" sz="1800" b="0" strike="noStrike" spc="-1">
+              <a:latin typeface="Arial"/>
+            </a:endParaRPr>
+          </a:p>
+          <a:p>
+            <a:pPr>
+              <a:lnSpc>
+                <a:spcPct val="100000"/>
+              </a:lnSpc>
+            </a:pPr>
+            <a:r>
+              <a:rPr lang="pt-BR" sz="2000" b="1" strike="noStrike" spc="-1">
+                <a:solidFill>
+                  <a:srgbClr val="1A1A1A"/>
                 </a:solidFill>
                 <a:latin typeface="Arial"/>
                 <a:ea typeface="Arial"/>
@@ -2942,29 +3385,29 @@
               <a:t>1.</a:t>
             </a:r>
             <a:r>
-              <a:rPr b="0" lang="en-US" sz="2000" spc="-1" strike="noStrike">
-                <a:solidFill>
-                  <a:srgbClr val="1a1a1a"/>
+              <a:rPr lang="pt-BR" sz="2000" b="0" strike="noStrike" spc="-1">
+                <a:solidFill>
+                  <a:srgbClr val="1A1A1A"/>
                 </a:solidFill>
                 <a:latin typeface="Arial"/>
                 <a:ea typeface="Arial"/>
               </a:rPr>
               <a:t> Cliente cancela pedido, devido alguma falha ou por escolha própria.</a:t>
             </a:r>
-            <a:endParaRPr b="0" lang="en-US" sz="2000" spc="-1" strike="noStrike">
-              <a:latin typeface="Arial"/>
-            </a:endParaRPr>
-          </a:p>
-          <a:p>
-            <a:pPr>
-              <a:lnSpc>
-                <a:spcPct val="100000"/>
-              </a:lnSpc>
-            </a:pPr>
-            <a:r>
-              <a:rPr b="1" lang="en-US" sz="1600" spc="-1" strike="noStrike">
-                <a:solidFill>
-                  <a:srgbClr val="1a1a1a"/>
+            <a:endParaRPr lang="pt-BR" sz="2000" b="0" strike="noStrike" spc="-1">
+              <a:latin typeface="Arial"/>
+            </a:endParaRPr>
+          </a:p>
+          <a:p>
+            <a:pPr>
+              <a:lnSpc>
+                <a:spcPct val="100000"/>
+              </a:lnSpc>
+            </a:pPr>
+            <a:r>
+              <a:rPr lang="pt-BR" sz="1600" b="1" strike="noStrike" spc="-1">
+                <a:solidFill>
+                  <a:srgbClr val="1A1A1A"/>
                 </a:solidFill>
                 <a:latin typeface="Arial"/>
                 <a:ea typeface="Arial"/>
@@ -2972,16 +3415,16 @@
               <a:t>1.1.</a:t>
             </a:r>
             <a:r>
-              <a:rPr b="0" lang="en-US" sz="1600" spc="-1" strike="noStrike">
-                <a:solidFill>
-                  <a:srgbClr val="1a1a1a"/>
+              <a:rPr lang="pt-BR" sz="1600" b="0" strike="noStrike" spc="-1">
+                <a:solidFill>
+                  <a:srgbClr val="1A1A1A"/>
                 </a:solidFill>
                 <a:latin typeface="Arial"/>
                 <a:ea typeface="Arial"/>
               </a:rPr>
               <a:t> Caso o cliente cancele um pedido devido alguma falha, a atendente receberá a reclamação.</a:t>
             </a:r>
-            <a:endParaRPr b="0" lang="en-US" sz="1600" spc="-1" strike="noStrike">
+            <a:endParaRPr lang="pt-BR" sz="1600" b="0" strike="noStrike" spc="-1">
               <a:latin typeface="Arial"/>
             </a:endParaRPr>
           </a:p>
@@ -2989,12 +3432,12 @@
       </p:sp>
       <p:pic>
         <p:nvPicPr>
-          <p:cNvPr id="65" name="" descr=""/>
+          <p:cNvPr id="65" name="Imagem 64"/>
           <p:cNvPicPr/>
           <p:nvPr/>
         </p:nvPicPr>
         <p:blipFill>
-          <a:blip r:embed="rId1"/>
+          <a:blip r:embed="rId2"/>
           <a:stretch/>
         </p:blipFill>
         <p:spPr>
@@ -3012,19 +3455,14 @@
       </p:pic>
     </p:spTree>
   </p:cSld>
-  <mc:AlternateContent>
-    <mc:Choice Requires="p14">
-      <p:transition spd="slow" p14:dur="2000"/>
-    </mc:Choice>
-    <mc:Fallback>
-      <p:transition spd="slow"/>
-    </mc:Fallback>
-  </mc:AlternateContent>
+  <p:clrMapOvr>
+    <a:masterClrMapping/>
+  </p:clrMapOvr>
 </p:sld>
 </file>
 
 <file path=ppt/slides/slide15.xml><?xml version="1.0" encoding="utf-8"?>
-<p:sld xmlns:a="http://schemas.openxmlformats.org/drawingml/2006/main" xmlns:p="http://schemas.openxmlformats.org/presentationml/2006/main" xmlns:r="http://schemas.openxmlformats.org/officeDocument/2006/relationships" xmlns:p14="http://schemas.microsoft.com/office/powerpoint/2010/main" xmlns:p15="http://schemas.microsoft.com/office/powerpoint/2012/main" xmlns:mc="http://schemas.openxmlformats.org/markup-compatibility/2006">
+<p:sld xmlns:a="http://schemas.openxmlformats.org/drawingml/2006/main" xmlns:r="http://schemas.openxmlformats.org/officeDocument/2006/relationships" xmlns:p="http://schemas.openxmlformats.org/presentationml/2006/main">
   <p:cSld>
     <p:spTree>
       <p:nvGrpSpPr>
@@ -3060,25 +3498,32 @@
           </a:ln>
         </p:spPr>
         <p:style>
-          <a:lnRef idx="0"/>
-          <a:fillRef idx="0"/>
-          <a:effectRef idx="0"/>
+          <a:lnRef idx="0">
+            <a:scrgbClr r="0" g="0" b="0"/>
+          </a:lnRef>
+          <a:fillRef idx="0">
+            <a:scrgbClr r="0" g="0" b="0"/>
+          </a:fillRef>
+          <a:effectRef idx="0">
+            <a:scrgbClr r="0" g="0" b="0"/>
+          </a:effectRef>
           <a:fontRef idx="minor"/>
         </p:style>
         <p:txBody>
-          <a:bodyPr lIns="90000" rIns="90000" tIns="91440" bIns="91440">
+          <a:bodyPr lIns="90000" tIns="91440" rIns="90000" bIns="91440">
             <a:noAutofit/>
           </a:bodyPr>
-          <a:p>
-            <a:pPr>
-              <a:lnSpc>
-                <a:spcPct val="100000"/>
-              </a:lnSpc>
-            </a:pPr>
-            <a:r>
-              <a:rPr b="1" lang="en-US" sz="1800" spc="-1" strike="noStrike">
-                <a:solidFill>
-                  <a:srgbClr val="1a1a1a"/>
+          <a:lstStyle/>
+          <a:p>
+            <a:pPr>
+              <a:lnSpc>
+                <a:spcPct val="100000"/>
+              </a:lnSpc>
+            </a:pPr>
+            <a:r>
+              <a:rPr lang="pt-BR" sz="1800" b="1" strike="noStrike" spc="-1">
+                <a:solidFill>
+                  <a:srgbClr val="1A1A1A"/>
                 </a:solidFill>
                 <a:latin typeface="Arial"/>
                 <a:ea typeface="Arial"/>
@@ -3086,29 +3531,29 @@
               <a:t>Processo</a:t>
             </a:r>
             <a:r>
-              <a:rPr b="0" lang="en-US" sz="1800" spc="-1" strike="noStrike">
-                <a:solidFill>
-                  <a:srgbClr val="1a1a1a"/>
+              <a:rPr lang="pt-BR" sz="1800" b="0" strike="noStrike" spc="-1">
+                <a:solidFill>
+                  <a:srgbClr val="1A1A1A"/>
                 </a:solidFill>
                 <a:latin typeface="Arial"/>
                 <a:ea typeface="Arial"/>
               </a:rPr>
               <a:t>: Encaminhar Pedido</a:t>
             </a:r>
-            <a:endParaRPr b="0" lang="en-US" sz="1800" spc="-1" strike="noStrike">
-              <a:latin typeface="Arial"/>
-            </a:endParaRPr>
-          </a:p>
-          <a:p>
-            <a:pPr>
-              <a:lnSpc>
-                <a:spcPct val="100000"/>
-              </a:lnSpc>
-            </a:pPr>
-            <a:r>
-              <a:rPr b="1" lang="en-US" sz="1800" spc="-1" strike="noStrike">
-                <a:solidFill>
-                  <a:srgbClr val="1a1a1a"/>
+            <a:endParaRPr lang="pt-BR" sz="1800" b="0" strike="noStrike" spc="-1">
+              <a:latin typeface="Arial"/>
+            </a:endParaRPr>
+          </a:p>
+          <a:p>
+            <a:pPr>
+              <a:lnSpc>
+                <a:spcPct val="100000"/>
+              </a:lnSpc>
+            </a:pPr>
+            <a:r>
+              <a:rPr lang="pt-BR" sz="1800" b="1" strike="noStrike" spc="-1">
+                <a:solidFill>
+                  <a:srgbClr val="1A1A1A"/>
                 </a:solidFill>
                 <a:latin typeface="Arial"/>
                 <a:ea typeface="Arial"/>
@@ -3116,29 +3561,29 @@
               <a:t>Evento</a:t>
             </a:r>
             <a:r>
-              <a:rPr b="0" lang="en-US" sz="1800" spc="-1" strike="noStrike">
-                <a:solidFill>
-                  <a:srgbClr val="1a1a1a"/>
+              <a:rPr lang="pt-BR" sz="1800" b="0" strike="noStrike" spc="-1">
+                <a:solidFill>
+                  <a:srgbClr val="1A1A1A"/>
                 </a:solidFill>
                 <a:latin typeface="Arial"/>
                 <a:ea typeface="Arial"/>
               </a:rPr>
               <a:t>: Entregador entrega itens prontos + conta</a:t>
             </a:r>
-            <a:endParaRPr b="0" lang="en-US" sz="1800" spc="-1" strike="noStrike">
-              <a:latin typeface="Arial"/>
-            </a:endParaRPr>
-          </a:p>
-          <a:p>
-            <a:pPr>
-              <a:lnSpc>
-                <a:spcPct val="100000"/>
-              </a:lnSpc>
-            </a:pPr>
-            <a:r>
-              <a:rPr b="1" lang="en-US" sz="1800" spc="-1" strike="noStrike">
-                <a:solidFill>
-                  <a:srgbClr val="1a1a1a"/>
+            <a:endParaRPr lang="pt-BR" sz="1800" b="0" strike="noStrike" spc="-1">
+              <a:latin typeface="Arial"/>
+            </a:endParaRPr>
+          </a:p>
+          <a:p>
+            <a:pPr>
+              <a:lnSpc>
+                <a:spcPct val="100000"/>
+              </a:lnSpc>
+            </a:pPr>
+            <a:r>
+              <a:rPr lang="pt-BR" sz="1800" b="1" strike="noStrike" spc="-1">
+                <a:solidFill>
+                  <a:srgbClr val="1A1A1A"/>
                 </a:solidFill>
                 <a:latin typeface="Arial"/>
                 <a:ea typeface="Arial"/>
@@ -3146,39 +3591,39 @@
               <a:t>Trabalhador Envolvido</a:t>
             </a:r>
             <a:r>
-              <a:rPr b="0" lang="en-US" sz="1800" spc="-1" strike="noStrike">
-                <a:solidFill>
-                  <a:srgbClr val="1a1a1a"/>
+              <a:rPr lang="pt-BR" sz="1800" b="0" strike="noStrike" spc="-1">
+                <a:solidFill>
+                  <a:srgbClr val="1A1A1A"/>
                 </a:solidFill>
                 <a:latin typeface="Arial"/>
                 <a:ea typeface="Arial"/>
               </a:rPr>
               <a:t>: Entregador</a:t>
             </a:r>
-            <a:endParaRPr b="0" lang="en-US" sz="1800" spc="-1" strike="noStrike">
-              <a:latin typeface="Arial"/>
-            </a:endParaRPr>
-          </a:p>
-          <a:p>
-            <a:pPr>
-              <a:lnSpc>
-                <a:spcPct val="100000"/>
-              </a:lnSpc>
-            </a:pPr>
-            <a:endParaRPr b="0" lang="en-US" sz="1800" spc="-1" strike="noStrike">
-              <a:latin typeface="Arial"/>
-            </a:endParaRPr>
-          </a:p>
-          <a:p>
-            <a:pPr>
-              <a:lnSpc>
-                <a:spcPct val="100000"/>
-              </a:lnSpc>
-            </a:pPr>
-            <a:r>
-              <a:rPr b="1" lang="en-US" sz="2000" spc="-1" strike="noStrike">
-                <a:solidFill>
-                  <a:srgbClr val="1a1a1a"/>
+            <a:endParaRPr lang="pt-BR" sz="1800" b="0" strike="noStrike" spc="-1">
+              <a:latin typeface="Arial"/>
+            </a:endParaRPr>
+          </a:p>
+          <a:p>
+            <a:pPr>
+              <a:lnSpc>
+                <a:spcPct val="100000"/>
+              </a:lnSpc>
+            </a:pPr>
+            <a:endParaRPr lang="pt-BR" sz="1800" b="0" strike="noStrike" spc="-1">
+              <a:latin typeface="Arial"/>
+            </a:endParaRPr>
+          </a:p>
+          <a:p>
+            <a:pPr>
+              <a:lnSpc>
+                <a:spcPct val="100000"/>
+              </a:lnSpc>
+            </a:pPr>
+            <a:r>
+              <a:rPr lang="pt-BR" sz="2000" b="1" strike="noStrike" spc="-1">
+                <a:solidFill>
+                  <a:srgbClr val="1A1A1A"/>
                 </a:solidFill>
                 <a:latin typeface="Arial"/>
                 <a:ea typeface="Arial"/>
@@ -3186,26 +3631,26 @@
               <a:t>1.</a:t>
             </a:r>
             <a:r>
-              <a:rPr b="0" lang="en-US" sz="2000" spc="-1" strike="noStrike">
-                <a:solidFill>
-                  <a:srgbClr val="1a1a1a"/>
+              <a:rPr lang="pt-BR" sz="2000" b="0" strike="noStrike" spc="-1">
+                <a:solidFill>
+                  <a:srgbClr val="1A1A1A"/>
                 </a:solidFill>
                 <a:latin typeface="Arial"/>
                 <a:ea typeface="Arial"/>
               </a:rPr>
               <a:t> O entregador deverá efetuar a entrega do pedido e repassar a conta ao cliente.</a:t>
             </a:r>
-            <a:endParaRPr b="0" lang="en-US" sz="2000" spc="-1" strike="noStrike">
-              <a:latin typeface="Arial"/>
-            </a:endParaRPr>
-          </a:p>
-          <a:p>
-            <a:pPr>
-              <a:lnSpc>
-                <a:spcPct val="100000"/>
-              </a:lnSpc>
-            </a:pPr>
-            <a:endParaRPr b="0" lang="en-US" sz="2000" spc="-1" strike="noStrike">
+            <a:endParaRPr lang="pt-BR" sz="2000" b="0" strike="noStrike" spc="-1">
+              <a:latin typeface="Arial"/>
+            </a:endParaRPr>
+          </a:p>
+          <a:p>
+            <a:pPr>
+              <a:lnSpc>
+                <a:spcPct val="100000"/>
+              </a:lnSpc>
+            </a:pPr>
+            <a:endParaRPr lang="pt-BR" sz="2000" b="0" strike="noStrike" spc="-1">
               <a:latin typeface="Arial"/>
             </a:endParaRPr>
           </a:p>
@@ -3213,12 +3658,12 @@
       </p:sp>
       <p:pic>
         <p:nvPicPr>
-          <p:cNvPr id="67" name="" descr=""/>
+          <p:cNvPr id="67" name="Imagem 66"/>
           <p:cNvPicPr/>
           <p:nvPr/>
         </p:nvPicPr>
         <p:blipFill>
-          <a:blip r:embed="rId1"/>
+          <a:blip r:embed="rId2"/>
           <a:stretch/>
         </p:blipFill>
         <p:spPr>
@@ -3236,19 +3681,14 @@
       </p:pic>
     </p:spTree>
   </p:cSld>
-  <mc:AlternateContent>
-    <mc:Choice Requires="p14">
-      <p:transition spd="slow" p14:dur="2000"/>
-    </mc:Choice>
-    <mc:Fallback>
-      <p:transition spd="slow"/>
-    </mc:Fallback>
-  </mc:AlternateContent>
+  <p:clrMapOvr>
+    <a:masterClrMapping/>
+  </p:clrMapOvr>
 </p:sld>
 </file>
 
 <file path=ppt/slides/slide16.xml><?xml version="1.0" encoding="utf-8"?>
-<p:sld xmlns:a="http://schemas.openxmlformats.org/drawingml/2006/main" xmlns:p="http://schemas.openxmlformats.org/presentationml/2006/main" xmlns:r="http://schemas.openxmlformats.org/officeDocument/2006/relationships" xmlns:p14="http://schemas.microsoft.com/office/powerpoint/2010/main" xmlns:p15="http://schemas.microsoft.com/office/powerpoint/2012/main" xmlns:mc="http://schemas.openxmlformats.org/markup-compatibility/2006">
+<p:sld xmlns:a="http://schemas.openxmlformats.org/drawingml/2006/main" xmlns:r="http://schemas.openxmlformats.org/officeDocument/2006/relationships" xmlns:p="http://schemas.openxmlformats.org/presentationml/2006/main">
   <p:cSld>
     <p:spTree>
       <p:nvGrpSpPr>
@@ -3284,25 +3724,32 @@
           </a:ln>
         </p:spPr>
         <p:style>
-          <a:lnRef idx="0"/>
-          <a:fillRef idx="0"/>
-          <a:effectRef idx="0"/>
+          <a:lnRef idx="0">
+            <a:scrgbClr r="0" g="0" b="0"/>
+          </a:lnRef>
+          <a:fillRef idx="0">
+            <a:scrgbClr r="0" g="0" b="0"/>
+          </a:fillRef>
+          <a:effectRef idx="0">
+            <a:scrgbClr r="0" g="0" b="0"/>
+          </a:effectRef>
           <a:fontRef idx="minor"/>
         </p:style>
         <p:txBody>
-          <a:bodyPr lIns="90000" rIns="90000" tIns="91440" bIns="91440">
+          <a:bodyPr lIns="90000" tIns="91440" rIns="90000" bIns="91440">
             <a:noAutofit/>
           </a:bodyPr>
-          <a:p>
-            <a:pPr>
-              <a:lnSpc>
-                <a:spcPct val="100000"/>
-              </a:lnSpc>
-            </a:pPr>
-            <a:r>
-              <a:rPr b="1" lang="en-US" sz="1800" spc="-1" strike="noStrike">
-                <a:solidFill>
-                  <a:srgbClr val="1a1a1a"/>
+          <a:lstStyle/>
+          <a:p>
+            <a:pPr>
+              <a:lnSpc>
+                <a:spcPct val="100000"/>
+              </a:lnSpc>
+            </a:pPr>
+            <a:r>
+              <a:rPr lang="pt-BR" sz="1800" b="1" strike="noStrike" spc="-1">
+                <a:solidFill>
+                  <a:srgbClr val="1A1A1A"/>
                 </a:solidFill>
                 <a:latin typeface="Arial"/>
                 <a:ea typeface="Arial"/>
@@ -3310,29 +3757,29 @@
               <a:t>Processo</a:t>
             </a:r>
             <a:r>
-              <a:rPr b="0" lang="en-US" sz="1800" spc="-1" strike="noStrike">
-                <a:solidFill>
-                  <a:srgbClr val="1a1a1a"/>
+              <a:rPr lang="pt-BR" sz="1800" b="0" strike="noStrike" spc="-1">
+                <a:solidFill>
+                  <a:srgbClr val="1A1A1A"/>
                 </a:solidFill>
                 <a:latin typeface="Arial"/>
                 <a:ea typeface="Arial"/>
               </a:rPr>
               <a:t>: Encaminhar  Conta</a:t>
             </a:r>
-            <a:endParaRPr b="0" lang="en-US" sz="1800" spc="-1" strike="noStrike">
-              <a:latin typeface="Arial"/>
-            </a:endParaRPr>
-          </a:p>
-          <a:p>
-            <a:pPr>
-              <a:lnSpc>
-                <a:spcPct val="100000"/>
-              </a:lnSpc>
-            </a:pPr>
-            <a:r>
-              <a:rPr b="1" lang="en-US" sz="1800" spc="-1" strike="noStrike">
-                <a:solidFill>
-                  <a:srgbClr val="1a1a1a"/>
+            <a:endParaRPr lang="pt-BR" sz="1800" b="0" strike="noStrike" spc="-1">
+              <a:latin typeface="Arial"/>
+            </a:endParaRPr>
+          </a:p>
+          <a:p>
+            <a:pPr>
+              <a:lnSpc>
+                <a:spcPct val="100000"/>
+              </a:lnSpc>
+            </a:pPr>
+            <a:r>
+              <a:rPr lang="pt-BR" sz="1800" b="1" strike="noStrike" spc="-1">
+                <a:solidFill>
+                  <a:srgbClr val="1A1A1A"/>
                 </a:solidFill>
                 <a:latin typeface="Arial"/>
                 <a:ea typeface="Arial"/>
@@ -3340,29 +3787,29 @@
               <a:t>Evento</a:t>
             </a:r>
             <a:r>
-              <a:rPr b="0" lang="en-US" sz="1800" spc="-1" strike="noStrike">
-                <a:solidFill>
-                  <a:srgbClr val="1a1a1a"/>
+              <a:rPr lang="pt-BR" sz="1800" b="0" strike="noStrike" spc="-1">
+                <a:solidFill>
+                  <a:srgbClr val="1A1A1A"/>
                 </a:solidFill>
                 <a:latin typeface="Arial"/>
                 <a:ea typeface="Arial"/>
               </a:rPr>
               <a:t>: Caixa encaminha conta</a:t>
             </a:r>
-            <a:endParaRPr b="0" lang="en-US" sz="1800" spc="-1" strike="noStrike">
-              <a:latin typeface="Arial"/>
-            </a:endParaRPr>
-          </a:p>
-          <a:p>
-            <a:pPr>
-              <a:lnSpc>
-                <a:spcPct val="100000"/>
-              </a:lnSpc>
-            </a:pPr>
-            <a:r>
-              <a:rPr b="1" lang="en-US" sz="1800" spc="-1" strike="noStrike">
-                <a:solidFill>
-                  <a:srgbClr val="1a1a1a"/>
+            <a:endParaRPr lang="pt-BR" sz="1800" b="0" strike="noStrike" spc="-1">
+              <a:latin typeface="Arial"/>
+            </a:endParaRPr>
+          </a:p>
+          <a:p>
+            <a:pPr>
+              <a:lnSpc>
+                <a:spcPct val="100000"/>
+              </a:lnSpc>
+            </a:pPr>
+            <a:r>
+              <a:rPr lang="pt-BR" sz="1800" b="1" strike="noStrike" spc="-1">
+                <a:solidFill>
+                  <a:srgbClr val="1A1A1A"/>
                 </a:solidFill>
                 <a:latin typeface="Arial"/>
                 <a:ea typeface="Arial"/>
@@ -3370,39 +3817,39 @@
               <a:t>Trabalhador Envolvido</a:t>
             </a:r>
             <a:r>
-              <a:rPr b="0" lang="en-US" sz="1800" spc="-1" strike="noStrike">
-                <a:solidFill>
-                  <a:srgbClr val="1a1a1a"/>
+              <a:rPr lang="pt-BR" sz="1800" b="0" strike="noStrike" spc="-1">
+                <a:solidFill>
+                  <a:srgbClr val="1A1A1A"/>
                 </a:solidFill>
                 <a:latin typeface="Arial"/>
                 <a:ea typeface="Arial"/>
               </a:rPr>
               <a:t>: Entregador</a:t>
             </a:r>
-            <a:endParaRPr b="0" lang="en-US" sz="1800" spc="-1" strike="noStrike">
-              <a:latin typeface="Arial"/>
-            </a:endParaRPr>
-          </a:p>
-          <a:p>
-            <a:pPr>
-              <a:lnSpc>
-                <a:spcPct val="100000"/>
-              </a:lnSpc>
-            </a:pPr>
-            <a:endParaRPr b="0" lang="en-US" sz="1800" spc="-1" strike="noStrike">
-              <a:latin typeface="Arial"/>
-            </a:endParaRPr>
-          </a:p>
-          <a:p>
-            <a:pPr>
-              <a:lnSpc>
-                <a:spcPct val="100000"/>
-              </a:lnSpc>
-            </a:pPr>
-            <a:r>
-              <a:rPr b="1" lang="en-US" sz="2000" spc="-1" strike="noStrike">
-                <a:solidFill>
-                  <a:srgbClr val="1a1a1a"/>
+            <a:endParaRPr lang="pt-BR" sz="1800" b="0" strike="noStrike" spc="-1">
+              <a:latin typeface="Arial"/>
+            </a:endParaRPr>
+          </a:p>
+          <a:p>
+            <a:pPr>
+              <a:lnSpc>
+                <a:spcPct val="100000"/>
+              </a:lnSpc>
+            </a:pPr>
+            <a:endParaRPr lang="pt-BR" sz="1800" b="0" strike="noStrike" spc="-1">
+              <a:latin typeface="Arial"/>
+            </a:endParaRPr>
+          </a:p>
+          <a:p>
+            <a:pPr>
+              <a:lnSpc>
+                <a:spcPct val="100000"/>
+              </a:lnSpc>
+            </a:pPr>
+            <a:r>
+              <a:rPr lang="pt-BR" sz="2000" b="1" strike="noStrike" spc="-1">
+                <a:solidFill>
+                  <a:srgbClr val="1A1A1A"/>
                 </a:solidFill>
                 <a:latin typeface="Arial"/>
                 <a:ea typeface="Arial"/>
@@ -3410,9 +3857,9 @@
               <a:t>1.</a:t>
             </a:r>
             <a:r>
-              <a:rPr b="0" lang="en-US" sz="2000" spc="-1" strike="noStrike">
-                <a:solidFill>
-                  <a:srgbClr val="1a1a1a"/>
+              <a:rPr lang="pt-BR" sz="2000" b="0" strike="noStrike" spc="-1">
+                <a:solidFill>
+                  <a:srgbClr val="1A1A1A"/>
                 </a:solidFill>
                 <a:latin typeface="Arial"/>
                 <a:ea typeface="Arial"/>
@@ -3420,16 +3867,16 @@
               <a:t> Caixa deverá enviar a conta do pedido ao entregador.</a:t>
             </a:r>
             <a:r>
-              <a:rPr b="0" lang="en-US" sz="1400" spc="-1" strike="noStrike">
-                <a:solidFill>
-                  <a:srgbClr val="1a1a1a"/>
+              <a:rPr lang="pt-BR" sz="1400" b="0" strike="noStrike" spc="-1">
+                <a:solidFill>
+                  <a:srgbClr val="1A1A1A"/>
                 </a:solidFill>
                 <a:latin typeface="Arial"/>
                 <a:ea typeface="Arial"/>
               </a:rPr>
               <a:t> </a:t>
             </a:r>
-            <a:endParaRPr b="0" lang="en-US" sz="1400" spc="-1" strike="noStrike">
+            <a:endParaRPr lang="pt-BR" sz="1400" b="0" strike="noStrike" spc="-1">
               <a:latin typeface="Arial"/>
             </a:endParaRPr>
           </a:p>
@@ -3437,12 +3884,12 @@
       </p:sp>
       <p:pic>
         <p:nvPicPr>
-          <p:cNvPr id="69" name="" descr=""/>
+          <p:cNvPr id="69" name="Imagem 68"/>
           <p:cNvPicPr/>
           <p:nvPr/>
         </p:nvPicPr>
         <p:blipFill>
-          <a:blip r:embed="rId1"/>
+          <a:blip r:embed="rId2"/>
           <a:stretch/>
         </p:blipFill>
         <p:spPr>
@@ -3460,19 +3907,14 @@
       </p:pic>
     </p:spTree>
   </p:cSld>
-  <mc:AlternateContent>
-    <mc:Choice Requires="p14">
-      <p:transition spd="slow" p14:dur="2000"/>
-    </mc:Choice>
-    <mc:Fallback>
-      <p:transition spd="slow"/>
-    </mc:Fallback>
-  </mc:AlternateContent>
+  <p:clrMapOvr>
+    <a:masterClrMapping/>
+  </p:clrMapOvr>
 </p:sld>
 </file>
 
 <file path=ppt/slides/slide17.xml><?xml version="1.0" encoding="utf-8"?>
-<p:sld xmlns:a="http://schemas.openxmlformats.org/drawingml/2006/main" xmlns:p="http://schemas.openxmlformats.org/presentationml/2006/main" xmlns:r="http://schemas.openxmlformats.org/officeDocument/2006/relationships" xmlns:p14="http://schemas.microsoft.com/office/powerpoint/2010/main" xmlns:p15="http://schemas.microsoft.com/office/powerpoint/2012/main" xmlns:mc="http://schemas.openxmlformats.org/markup-compatibility/2006">
+<p:sld xmlns:a="http://schemas.openxmlformats.org/drawingml/2006/main" xmlns:r="http://schemas.openxmlformats.org/officeDocument/2006/relationships" xmlns:p="http://schemas.openxmlformats.org/presentationml/2006/main">
   <p:cSld>
     <p:spTree>
       <p:nvGrpSpPr>
@@ -3508,25 +3950,32 @@
           </a:ln>
         </p:spPr>
         <p:style>
-          <a:lnRef idx="0"/>
-          <a:fillRef idx="0"/>
-          <a:effectRef idx="0"/>
+          <a:lnRef idx="0">
+            <a:scrgbClr r="0" g="0" b="0"/>
+          </a:lnRef>
+          <a:fillRef idx="0">
+            <a:scrgbClr r="0" g="0" b="0"/>
+          </a:fillRef>
+          <a:effectRef idx="0">
+            <a:scrgbClr r="0" g="0" b="0"/>
+          </a:effectRef>
           <a:fontRef idx="minor"/>
         </p:style>
         <p:txBody>
-          <a:bodyPr lIns="90000" rIns="90000" tIns="91440" bIns="91440">
+          <a:bodyPr lIns="90000" tIns="91440" rIns="90000" bIns="91440">
             <a:noAutofit/>
           </a:bodyPr>
-          <a:p>
-            <a:pPr>
-              <a:lnSpc>
-                <a:spcPct val="100000"/>
-              </a:lnSpc>
-            </a:pPr>
-            <a:r>
-              <a:rPr b="1" lang="en-US" sz="1800" spc="-1" strike="noStrike">
-                <a:solidFill>
-                  <a:srgbClr val="1a1a1a"/>
+          <a:lstStyle/>
+          <a:p>
+            <a:pPr>
+              <a:lnSpc>
+                <a:spcPct val="100000"/>
+              </a:lnSpc>
+            </a:pPr>
+            <a:r>
+              <a:rPr lang="pt-BR" sz="1800" b="1" strike="noStrike" spc="-1">
+                <a:solidFill>
+                  <a:srgbClr val="1A1A1A"/>
                 </a:solidFill>
                 <a:latin typeface="Arial"/>
                 <a:ea typeface="Arial"/>
@@ -3534,29 +3983,29 @@
               <a:t>Processo</a:t>
             </a:r>
             <a:r>
-              <a:rPr b="0" lang="en-US" sz="1800" spc="-1" strike="noStrike">
-                <a:solidFill>
-                  <a:srgbClr val="1a1a1a"/>
+              <a:rPr lang="pt-BR" sz="1800" b="0" strike="noStrike" spc="-1">
+                <a:solidFill>
+                  <a:srgbClr val="1A1A1A"/>
                 </a:solidFill>
                 <a:latin typeface="Arial"/>
                 <a:ea typeface="Arial"/>
               </a:rPr>
               <a:t>: Não entregar o produto</a:t>
             </a:r>
-            <a:endParaRPr b="0" lang="en-US" sz="1800" spc="-1" strike="noStrike">
-              <a:latin typeface="Arial"/>
-            </a:endParaRPr>
-          </a:p>
-          <a:p>
-            <a:pPr>
-              <a:lnSpc>
-                <a:spcPct val="100000"/>
-              </a:lnSpc>
-            </a:pPr>
-            <a:r>
-              <a:rPr b="1" lang="en-US" sz="1800" spc="-1" strike="noStrike">
-                <a:solidFill>
-                  <a:srgbClr val="1a1a1a"/>
+            <a:endParaRPr lang="pt-BR" sz="1800" b="0" strike="noStrike" spc="-1">
+              <a:latin typeface="Arial"/>
+            </a:endParaRPr>
+          </a:p>
+          <a:p>
+            <a:pPr>
+              <a:lnSpc>
+                <a:spcPct val="100000"/>
+              </a:lnSpc>
+            </a:pPr>
+            <a:r>
+              <a:rPr lang="pt-BR" sz="1800" b="1" strike="noStrike" spc="-1">
+                <a:solidFill>
+                  <a:srgbClr val="1A1A1A"/>
                 </a:solidFill>
                 <a:latin typeface="Arial"/>
                 <a:ea typeface="Arial"/>
@@ -3564,29 +4013,29 @@
               <a:t>Evento</a:t>
             </a:r>
             <a:r>
-              <a:rPr b="0" lang="en-US" sz="1800" spc="-1" strike="noStrike">
-                <a:solidFill>
-                  <a:srgbClr val="1a1a1a"/>
+              <a:rPr lang="pt-BR" sz="1800" b="0" strike="noStrike" spc="-1">
+                <a:solidFill>
+                  <a:srgbClr val="1A1A1A"/>
                 </a:solidFill>
                 <a:latin typeface="Arial"/>
                 <a:ea typeface="Arial"/>
               </a:rPr>
               <a:t>: Entregador não entrega itens prontos + conta</a:t>
             </a:r>
-            <a:endParaRPr b="0" lang="en-US" sz="1800" spc="-1" strike="noStrike">
-              <a:latin typeface="Arial"/>
-            </a:endParaRPr>
-          </a:p>
-          <a:p>
-            <a:pPr>
-              <a:lnSpc>
-                <a:spcPct val="100000"/>
-              </a:lnSpc>
-            </a:pPr>
-            <a:r>
-              <a:rPr b="1" lang="en-US" sz="1800" spc="-1" strike="noStrike">
-                <a:solidFill>
-                  <a:srgbClr val="1a1a1a"/>
+            <a:endParaRPr lang="pt-BR" sz="1800" b="0" strike="noStrike" spc="-1">
+              <a:latin typeface="Arial"/>
+            </a:endParaRPr>
+          </a:p>
+          <a:p>
+            <a:pPr>
+              <a:lnSpc>
+                <a:spcPct val="100000"/>
+              </a:lnSpc>
+            </a:pPr>
+            <a:r>
+              <a:rPr lang="pt-BR" sz="1800" b="1" strike="noStrike" spc="-1">
+                <a:solidFill>
+                  <a:srgbClr val="1A1A1A"/>
                 </a:solidFill>
                 <a:latin typeface="Arial"/>
                 <a:ea typeface="Arial"/>
@@ -3594,39 +4043,39 @@
               <a:t>Trabalhador Envolvido</a:t>
             </a:r>
             <a:r>
-              <a:rPr b="0" lang="en-US" sz="1800" spc="-1" strike="noStrike">
-                <a:solidFill>
-                  <a:srgbClr val="1a1a1a"/>
+              <a:rPr lang="pt-BR" sz="1800" b="0" strike="noStrike" spc="-1">
+                <a:solidFill>
+                  <a:srgbClr val="1A1A1A"/>
                 </a:solidFill>
                 <a:latin typeface="Arial"/>
                 <a:ea typeface="Arial"/>
               </a:rPr>
               <a:t>: Atendente e Entregador.</a:t>
             </a:r>
-            <a:endParaRPr b="0" lang="en-US" sz="1800" spc="-1" strike="noStrike">
-              <a:latin typeface="Arial"/>
-            </a:endParaRPr>
-          </a:p>
-          <a:p>
-            <a:pPr>
-              <a:lnSpc>
-                <a:spcPct val="100000"/>
-              </a:lnSpc>
-            </a:pPr>
-            <a:endParaRPr b="0" lang="en-US" sz="1800" spc="-1" strike="noStrike">
-              <a:latin typeface="Arial"/>
-            </a:endParaRPr>
-          </a:p>
-          <a:p>
-            <a:pPr>
-              <a:lnSpc>
-                <a:spcPct val="100000"/>
-              </a:lnSpc>
-            </a:pPr>
-            <a:r>
-              <a:rPr b="1" lang="en-US" sz="2000" spc="-1" strike="noStrike">
-                <a:solidFill>
-                  <a:srgbClr val="1a1a1a"/>
+            <a:endParaRPr lang="pt-BR" sz="1800" b="0" strike="noStrike" spc="-1">
+              <a:latin typeface="Arial"/>
+            </a:endParaRPr>
+          </a:p>
+          <a:p>
+            <a:pPr>
+              <a:lnSpc>
+                <a:spcPct val="100000"/>
+              </a:lnSpc>
+            </a:pPr>
+            <a:endParaRPr lang="pt-BR" sz="1800" b="0" strike="noStrike" spc="-1">
+              <a:latin typeface="Arial"/>
+            </a:endParaRPr>
+          </a:p>
+          <a:p>
+            <a:pPr>
+              <a:lnSpc>
+                <a:spcPct val="100000"/>
+              </a:lnSpc>
+            </a:pPr>
+            <a:r>
+              <a:rPr lang="pt-BR" sz="2000" b="1" strike="noStrike" spc="-1">
+                <a:solidFill>
+                  <a:srgbClr val="1A1A1A"/>
                 </a:solidFill>
                 <a:latin typeface="Arial"/>
                 <a:ea typeface="Arial"/>
@@ -3634,16 +4083,16 @@
               <a:t>1. </a:t>
             </a:r>
             <a:r>
-              <a:rPr b="0" lang="en-US" sz="2000" spc="-1" strike="noStrike">
-                <a:solidFill>
-                  <a:srgbClr val="1a1a1a"/>
+              <a:rPr lang="pt-BR" sz="2000" b="0" strike="noStrike" spc="-1">
+                <a:solidFill>
+                  <a:srgbClr val="1A1A1A"/>
                 </a:solidFill>
                 <a:latin typeface="Arial"/>
                 <a:ea typeface="Arial"/>
               </a:rPr>
               <a:t>Caso ocorra algum imprevisto em relação ao pedido, a atendente irá notificar o cliente.</a:t>
             </a:r>
-            <a:endParaRPr b="0" lang="en-US" sz="2000" spc="-1" strike="noStrike">
+            <a:endParaRPr lang="pt-BR" sz="2000" b="0" strike="noStrike" spc="-1">
               <a:latin typeface="Arial"/>
             </a:endParaRPr>
           </a:p>
@@ -3651,12 +4100,12 @@
       </p:sp>
       <p:pic>
         <p:nvPicPr>
-          <p:cNvPr id="71" name="" descr=""/>
+          <p:cNvPr id="71" name="Imagem 70"/>
           <p:cNvPicPr/>
           <p:nvPr/>
         </p:nvPicPr>
         <p:blipFill>
-          <a:blip r:embed="rId1"/>
+          <a:blip r:embed="rId2"/>
           <a:stretch/>
         </p:blipFill>
         <p:spPr>
@@ -3674,19 +4123,14 @@
       </p:pic>
     </p:spTree>
   </p:cSld>
-  <mc:AlternateContent>
-    <mc:Choice Requires="p14">
-      <p:transition spd="slow" p14:dur="2000"/>
-    </mc:Choice>
-    <mc:Fallback>
-      <p:transition spd="slow"/>
-    </mc:Fallback>
-  </mc:AlternateContent>
+  <p:clrMapOvr>
+    <a:masterClrMapping/>
+  </p:clrMapOvr>
 </p:sld>
 </file>
 
 <file path=ppt/slides/slide18.xml><?xml version="1.0" encoding="utf-8"?>
-<p:sld xmlns:a="http://schemas.openxmlformats.org/drawingml/2006/main" xmlns:p="http://schemas.openxmlformats.org/presentationml/2006/main" xmlns:r="http://schemas.openxmlformats.org/officeDocument/2006/relationships" xmlns:p14="http://schemas.microsoft.com/office/powerpoint/2010/main" xmlns:p15="http://schemas.microsoft.com/office/powerpoint/2012/main" xmlns:mc="http://schemas.openxmlformats.org/markup-compatibility/2006">
+<p:sld xmlns:a="http://schemas.openxmlformats.org/drawingml/2006/main" xmlns:r="http://schemas.openxmlformats.org/officeDocument/2006/relationships" xmlns:p="http://schemas.openxmlformats.org/presentationml/2006/main">
   <p:cSld>
     <p:spTree>
       <p:nvGrpSpPr>
@@ -3722,25 +4166,32 @@
           </a:ln>
         </p:spPr>
         <p:style>
-          <a:lnRef idx="0"/>
-          <a:fillRef idx="0"/>
-          <a:effectRef idx="0"/>
+          <a:lnRef idx="0">
+            <a:scrgbClr r="0" g="0" b="0"/>
+          </a:lnRef>
+          <a:fillRef idx="0">
+            <a:scrgbClr r="0" g="0" b="0"/>
+          </a:fillRef>
+          <a:effectRef idx="0">
+            <a:scrgbClr r="0" g="0" b="0"/>
+          </a:effectRef>
           <a:fontRef idx="minor"/>
         </p:style>
         <p:txBody>
-          <a:bodyPr lIns="90000" rIns="90000" tIns="91440" bIns="91440">
+          <a:bodyPr lIns="90000" tIns="91440" rIns="90000" bIns="91440">
             <a:noAutofit/>
           </a:bodyPr>
-          <a:p>
-            <a:pPr>
-              <a:lnSpc>
-                <a:spcPct val="100000"/>
-              </a:lnSpc>
-            </a:pPr>
-            <a:r>
-              <a:rPr b="1" lang="en-US" sz="1800" spc="-1" strike="noStrike">
-                <a:solidFill>
-                  <a:srgbClr val="1a1a1a"/>
+          <a:lstStyle/>
+          <a:p>
+            <a:pPr>
+              <a:lnSpc>
+                <a:spcPct val="100000"/>
+              </a:lnSpc>
+            </a:pPr>
+            <a:r>
+              <a:rPr lang="pt-BR" sz="1800" b="1" strike="noStrike" spc="-1">
+                <a:solidFill>
+                  <a:srgbClr val="1A1A1A"/>
                 </a:solidFill>
                 <a:latin typeface="Arial"/>
                 <a:ea typeface="Arial"/>
@@ -3748,29 +4199,29 @@
               <a:t>Processo</a:t>
             </a:r>
             <a:r>
-              <a:rPr b="0" lang="en-US" sz="1800" spc="-1" strike="noStrike">
-                <a:solidFill>
-                  <a:srgbClr val="1a1a1a"/>
+              <a:rPr lang="pt-BR" sz="1800" b="0" strike="noStrike" spc="-1">
+                <a:solidFill>
+                  <a:srgbClr val="1A1A1A"/>
                 </a:solidFill>
                 <a:latin typeface="Arial"/>
                 <a:ea typeface="Arial"/>
               </a:rPr>
               <a:t>: Receber Reclamação</a:t>
             </a:r>
-            <a:endParaRPr b="0" lang="en-US" sz="1800" spc="-1" strike="noStrike">
-              <a:latin typeface="Arial"/>
-            </a:endParaRPr>
-          </a:p>
-          <a:p>
-            <a:pPr>
-              <a:lnSpc>
-                <a:spcPct val="100000"/>
-              </a:lnSpc>
-            </a:pPr>
-            <a:r>
-              <a:rPr b="1" lang="en-US" sz="1400" spc="-1" strike="noStrike">
-                <a:solidFill>
-                  <a:srgbClr val="1a1a1a"/>
+            <a:endParaRPr lang="pt-BR" sz="1800" b="0" strike="noStrike" spc="-1">
+              <a:latin typeface="Arial"/>
+            </a:endParaRPr>
+          </a:p>
+          <a:p>
+            <a:pPr>
+              <a:lnSpc>
+                <a:spcPct val="100000"/>
+              </a:lnSpc>
+            </a:pPr>
+            <a:r>
+              <a:rPr lang="pt-BR" sz="1400" b="1" strike="noStrike" spc="-1">
+                <a:solidFill>
+                  <a:srgbClr val="1A1A1A"/>
                 </a:solidFill>
                 <a:latin typeface="Arial"/>
                 <a:ea typeface="Arial"/>
@@ -3778,9 +4229,9 @@
               <a:t>Evento</a:t>
             </a:r>
             <a:r>
-              <a:rPr b="0" lang="en-US" sz="1400" spc="-1" strike="noStrike">
-                <a:solidFill>
-                  <a:srgbClr val="1a1a1a"/>
+              <a:rPr lang="pt-BR" sz="1400" b="0" strike="noStrike" spc="-1">
+                <a:solidFill>
+                  <a:srgbClr val="1A1A1A"/>
                 </a:solidFill>
                 <a:latin typeface="Arial"/>
                 <a:ea typeface="Arial"/>
@@ -3788,29 +4239,29 @@
               <a:t>: </a:t>
             </a:r>
             <a:r>
-              <a:rPr b="0" lang="en-US" sz="1800" spc="-1" strike="noStrike">
-                <a:solidFill>
-                  <a:srgbClr val="1a1a1a"/>
+              <a:rPr lang="pt-BR" sz="1800" b="0" strike="noStrike" spc="-1">
+                <a:solidFill>
+                  <a:srgbClr val="1A1A1A"/>
                 </a:solidFill>
                 <a:latin typeface="Arial"/>
                 <a:ea typeface="Arial"/>
               </a:rPr>
               <a:t>Cliente Delivery envia reclamação</a:t>
             </a:r>
-            <a:endParaRPr b="0" lang="en-US" sz="1800" spc="-1" strike="noStrike">
-              <a:latin typeface="Arial"/>
-            </a:endParaRPr>
-          </a:p>
-          <a:p>
-            <a:pPr>
-              <a:lnSpc>
-                <a:spcPct val="100000"/>
-              </a:lnSpc>
-            </a:pPr>
-            <a:r>
-              <a:rPr b="1" lang="en-US" sz="1800" spc="-1" strike="noStrike">
-                <a:solidFill>
-                  <a:srgbClr val="1a1a1a"/>
+            <a:endParaRPr lang="pt-BR" sz="1800" b="0" strike="noStrike" spc="-1">
+              <a:latin typeface="Arial"/>
+            </a:endParaRPr>
+          </a:p>
+          <a:p>
+            <a:pPr>
+              <a:lnSpc>
+                <a:spcPct val="100000"/>
+              </a:lnSpc>
+            </a:pPr>
+            <a:r>
+              <a:rPr lang="pt-BR" sz="1800" b="1" strike="noStrike" spc="-1">
+                <a:solidFill>
+                  <a:srgbClr val="1A1A1A"/>
                 </a:solidFill>
                 <a:latin typeface="Arial"/>
                 <a:ea typeface="Arial"/>
@@ -3818,39 +4269,39 @@
               <a:t>Trabalhador Envolvido</a:t>
             </a:r>
             <a:r>
-              <a:rPr b="0" lang="en-US" sz="1800" spc="-1" strike="noStrike">
-                <a:solidFill>
-                  <a:srgbClr val="1a1a1a"/>
+              <a:rPr lang="pt-BR" sz="1800" b="0" strike="noStrike" spc="-1">
+                <a:solidFill>
+                  <a:srgbClr val="1A1A1A"/>
                 </a:solidFill>
                 <a:latin typeface="Arial"/>
                 <a:ea typeface="Arial"/>
               </a:rPr>
               <a:t>: Atendente</a:t>
             </a:r>
-            <a:endParaRPr b="0" lang="en-US" sz="1800" spc="-1" strike="noStrike">
-              <a:latin typeface="Arial"/>
-            </a:endParaRPr>
-          </a:p>
-          <a:p>
-            <a:pPr>
-              <a:lnSpc>
-                <a:spcPct val="100000"/>
-              </a:lnSpc>
-            </a:pPr>
-            <a:endParaRPr b="0" lang="en-US" sz="1800" spc="-1" strike="noStrike">
-              <a:latin typeface="Arial"/>
-            </a:endParaRPr>
-          </a:p>
-          <a:p>
-            <a:pPr>
-              <a:lnSpc>
-                <a:spcPct val="100000"/>
-              </a:lnSpc>
-            </a:pPr>
-            <a:r>
-              <a:rPr b="1" lang="en-US" sz="2000" spc="-1" strike="noStrike">
-                <a:solidFill>
-                  <a:srgbClr val="1a1a1a"/>
+            <a:endParaRPr lang="pt-BR" sz="1800" b="0" strike="noStrike" spc="-1">
+              <a:latin typeface="Arial"/>
+            </a:endParaRPr>
+          </a:p>
+          <a:p>
+            <a:pPr>
+              <a:lnSpc>
+                <a:spcPct val="100000"/>
+              </a:lnSpc>
+            </a:pPr>
+            <a:endParaRPr lang="pt-BR" sz="1800" b="0" strike="noStrike" spc="-1">
+              <a:latin typeface="Arial"/>
+            </a:endParaRPr>
+          </a:p>
+          <a:p>
+            <a:pPr>
+              <a:lnSpc>
+                <a:spcPct val="100000"/>
+              </a:lnSpc>
+            </a:pPr>
+            <a:r>
+              <a:rPr lang="pt-BR" sz="2000" b="1" strike="noStrike" spc="-1">
+                <a:solidFill>
+                  <a:srgbClr val="1A1A1A"/>
                 </a:solidFill>
                 <a:latin typeface="Arial"/>
                 <a:ea typeface="Arial"/>
@@ -3858,56 +4309,56 @@
               <a:t>1.</a:t>
             </a:r>
             <a:r>
-              <a:rPr b="0" lang="en-US" sz="2000" spc="-1" strike="noStrike">
-                <a:solidFill>
-                  <a:srgbClr val="1a1a1a"/>
+              <a:rPr lang="pt-BR" sz="2000" b="0" strike="noStrike" spc="-1">
+                <a:solidFill>
+                  <a:srgbClr val="1A1A1A"/>
                 </a:solidFill>
                 <a:latin typeface="Arial"/>
                 <a:ea typeface="Arial"/>
               </a:rPr>
               <a:t> Após receber a reclamação, o atendente deverá</a:t>
             </a:r>
-            <a:endParaRPr b="0" lang="en-US" sz="2000" spc="-1" strike="noStrike">
-              <a:latin typeface="Arial"/>
-            </a:endParaRPr>
-          </a:p>
-          <a:p>
-            <a:pPr>
-              <a:lnSpc>
-                <a:spcPct val="100000"/>
-              </a:lnSpc>
-            </a:pPr>
-            <a:r>
-              <a:rPr b="0" lang="en-US" sz="2000" spc="-1" strike="noStrike">
-                <a:solidFill>
-                  <a:srgbClr val="1a1a1a"/>
+            <a:endParaRPr lang="pt-BR" sz="2000" b="0" strike="noStrike" spc="-1">
+              <a:latin typeface="Arial"/>
+            </a:endParaRPr>
+          </a:p>
+          <a:p>
+            <a:pPr>
+              <a:lnSpc>
+                <a:spcPct val="100000"/>
+              </a:lnSpc>
+            </a:pPr>
+            <a:r>
+              <a:rPr lang="pt-BR" sz="2000" b="0" strike="noStrike" spc="-1">
+                <a:solidFill>
+                  <a:srgbClr val="1A1A1A"/>
                 </a:solidFill>
                 <a:latin typeface="Arial"/>
                 <a:ea typeface="Arial"/>
               </a:rPr>
               <a:t>armazenar as informações sobre o problema.</a:t>
             </a:r>
-            <a:endParaRPr b="0" lang="en-US" sz="2000" spc="-1" strike="noStrike">
-              <a:latin typeface="Arial"/>
-            </a:endParaRPr>
-          </a:p>
-          <a:p>
-            <a:pPr>
-              <a:lnSpc>
-                <a:spcPct val="100000"/>
-              </a:lnSpc>
-            </a:pPr>
-            <a:endParaRPr b="0" lang="en-US" sz="2000" spc="-1" strike="noStrike">
-              <a:latin typeface="Arial"/>
-            </a:endParaRPr>
-          </a:p>
-          <a:p>
-            <a:pPr>
-              <a:lnSpc>
-                <a:spcPct val="100000"/>
-              </a:lnSpc>
-            </a:pPr>
-            <a:endParaRPr b="0" lang="en-US" sz="2000" spc="-1" strike="noStrike">
+            <a:endParaRPr lang="pt-BR" sz="2000" b="0" strike="noStrike" spc="-1">
+              <a:latin typeface="Arial"/>
+            </a:endParaRPr>
+          </a:p>
+          <a:p>
+            <a:pPr>
+              <a:lnSpc>
+                <a:spcPct val="100000"/>
+              </a:lnSpc>
+            </a:pPr>
+            <a:endParaRPr lang="pt-BR" sz="2000" b="0" strike="noStrike" spc="-1">
+              <a:latin typeface="Arial"/>
+            </a:endParaRPr>
+          </a:p>
+          <a:p>
+            <a:pPr>
+              <a:lnSpc>
+                <a:spcPct val="100000"/>
+              </a:lnSpc>
+            </a:pPr>
+            <a:endParaRPr lang="pt-BR" sz="2000" b="0" strike="noStrike" spc="-1">
               <a:latin typeface="Arial"/>
             </a:endParaRPr>
           </a:p>
@@ -3915,12 +4366,12 @@
       </p:sp>
       <p:pic>
         <p:nvPicPr>
-          <p:cNvPr id="73" name="" descr=""/>
+          <p:cNvPr id="73" name="Imagem 72"/>
           <p:cNvPicPr/>
           <p:nvPr/>
         </p:nvPicPr>
         <p:blipFill>
-          <a:blip r:embed="rId1"/>
+          <a:blip r:embed="rId2"/>
           <a:stretch/>
         </p:blipFill>
         <p:spPr>
@@ -3938,19 +4389,14 @@
       </p:pic>
     </p:spTree>
   </p:cSld>
-  <mc:AlternateContent>
-    <mc:Choice Requires="p14">
-      <p:transition spd="slow" p14:dur="2000"/>
-    </mc:Choice>
-    <mc:Fallback>
-      <p:transition spd="slow"/>
-    </mc:Fallback>
-  </mc:AlternateContent>
+  <p:clrMapOvr>
+    <a:masterClrMapping/>
+  </p:clrMapOvr>
 </p:sld>
 </file>
 
 <file path=ppt/slides/slide19.xml><?xml version="1.0" encoding="utf-8"?>
-<p:sld xmlns:a="http://schemas.openxmlformats.org/drawingml/2006/main" xmlns:p="http://schemas.openxmlformats.org/presentationml/2006/main" xmlns:r="http://schemas.openxmlformats.org/officeDocument/2006/relationships" xmlns:p14="http://schemas.microsoft.com/office/powerpoint/2010/main" xmlns:p15="http://schemas.microsoft.com/office/powerpoint/2012/main" xmlns:mc="http://schemas.openxmlformats.org/markup-compatibility/2006">
+<p:sld xmlns:a="http://schemas.openxmlformats.org/drawingml/2006/main" xmlns:r="http://schemas.openxmlformats.org/officeDocument/2006/relationships" xmlns:p="http://schemas.openxmlformats.org/presentationml/2006/main">
   <p:cSld>
     <p:spTree>
       <p:nvGrpSpPr>
@@ -3986,25 +4432,32 @@
           </a:ln>
         </p:spPr>
         <p:style>
-          <a:lnRef idx="0"/>
-          <a:fillRef idx="0"/>
-          <a:effectRef idx="0"/>
+          <a:lnRef idx="0">
+            <a:scrgbClr r="0" g="0" b="0"/>
+          </a:lnRef>
+          <a:fillRef idx="0">
+            <a:scrgbClr r="0" g="0" b="0"/>
+          </a:fillRef>
+          <a:effectRef idx="0">
+            <a:scrgbClr r="0" g="0" b="0"/>
+          </a:effectRef>
           <a:fontRef idx="minor"/>
         </p:style>
         <p:txBody>
-          <a:bodyPr lIns="90000" rIns="90000" tIns="91440" bIns="91440">
+          <a:bodyPr lIns="90000" tIns="91440" rIns="90000" bIns="91440">
             <a:noAutofit/>
           </a:bodyPr>
-          <a:p>
-            <a:pPr>
-              <a:lnSpc>
-                <a:spcPct val="100000"/>
-              </a:lnSpc>
-            </a:pPr>
-            <a:r>
-              <a:rPr b="1" lang="en-US" sz="1800" spc="-1" strike="noStrike">
-                <a:solidFill>
-                  <a:srgbClr val="1a1a1a"/>
+          <a:lstStyle/>
+          <a:p>
+            <a:pPr>
+              <a:lnSpc>
+                <a:spcPct val="100000"/>
+              </a:lnSpc>
+            </a:pPr>
+            <a:r>
+              <a:rPr lang="pt-BR" sz="1800" b="1" strike="noStrike" spc="-1">
+                <a:solidFill>
+                  <a:srgbClr val="1A1A1A"/>
                 </a:solidFill>
                 <a:latin typeface="Arial"/>
                 <a:ea typeface="Arial"/>
@@ -4012,29 +4465,29 @@
               <a:t>Processo</a:t>
             </a:r>
             <a:r>
-              <a:rPr b="0" lang="en-US" sz="1800" spc="-1" strike="noStrike">
-                <a:solidFill>
-                  <a:srgbClr val="1a1a1a"/>
+              <a:rPr lang="pt-BR" sz="1800" b="0" strike="noStrike" spc="-1">
+                <a:solidFill>
+                  <a:srgbClr val="1A1A1A"/>
                 </a:solidFill>
                 <a:latin typeface="Arial"/>
                 <a:ea typeface="Arial"/>
               </a:rPr>
               <a:t>: Informar Reclamações</a:t>
             </a:r>
-            <a:endParaRPr b="0" lang="en-US" sz="1800" spc="-1" strike="noStrike">
-              <a:latin typeface="Arial"/>
-            </a:endParaRPr>
-          </a:p>
-          <a:p>
-            <a:pPr>
-              <a:lnSpc>
-                <a:spcPct val="100000"/>
-              </a:lnSpc>
-            </a:pPr>
-            <a:r>
-              <a:rPr b="1" lang="en-US" sz="1800" spc="-1" strike="noStrike">
-                <a:solidFill>
-                  <a:srgbClr val="1a1a1a"/>
+            <a:endParaRPr lang="pt-BR" sz="1800" b="0" strike="noStrike" spc="-1">
+              <a:latin typeface="Arial"/>
+            </a:endParaRPr>
+          </a:p>
+          <a:p>
+            <a:pPr>
+              <a:lnSpc>
+                <a:spcPct val="100000"/>
+              </a:lnSpc>
+            </a:pPr>
+            <a:r>
+              <a:rPr lang="pt-BR" sz="1800" b="1" strike="noStrike" spc="-1">
+                <a:solidFill>
+                  <a:srgbClr val="1A1A1A"/>
                 </a:solidFill>
                 <a:latin typeface="Arial"/>
                 <a:ea typeface="Arial"/>
@@ -4042,29 +4495,29 @@
               <a:t>Evento</a:t>
             </a:r>
             <a:r>
-              <a:rPr b="0" lang="en-US" sz="1800" spc="-1" strike="noStrike">
-                <a:solidFill>
-                  <a:srgbClr val="1a1a1a"/>
+              <a:rPr lang="pt-BR" sz="1800" b="0" strike="noStrike" spc="-1">
+                <a:solidFill>
+                  <a:srgbClr val="1A1A1A"/>
                 </a:solidFill>
                 <a:latin typeface="Arial"/>
                 <a:ea typeface="Arial"/>
               </a:rPr>
               <a:t>: Balção recebe reclamação</a:t>
             </a:r>
-            <a:endParaRPr b="0" lang="en-US" sz="1800" spc="-1" strike="noStrike">
-              <a:latin typeface="Arial"/>
-            </a:endParaRPr>
-          </a:p>
-          <a:p>
-            <a:pPr>
-              <a:lnSpc>
-                <a:spcPct val="100000"/>
-              </a:lnSpc>
-            </a:pPr>
-            <a:r>
-              <a:rPr b="1" lang="en-US" sz="1800" spc="-1" strike="noStrike">
-                <a:solidFill>
-                  <a:srgbClr val="1a1a1a"/>
+            <a:endParaRPr lang="pt-BR" sz="1800" b="0" strike="noStrike" spc="-1">
+              <a:latin typeface="Arial"/>
+            </a:endParaRPr>
+          </a:p>
+          <a:p>
+            <a:pPr>
+              <a:lnSpc>
+                <a:spcPct val="100000"/>
+              </a:lnSpc>
+            </a:pPr>
+            <a:r>
+              <a:rPr lang="pt-BR" sz="1800" b="1" strike="noStrike" spc="-1">
+                <a:solidFill>
+                  <a:srgbClr val="1A1A1A"/>
                 </a:solidFill>
                 <a:latin typeface="Arial"/>
                 <a:ea typeface="Arial"/>
@@ -4072,39 +4525,39 @@
               <a:t>Trabalhador Envolvido</a:t>
             </a:r>
             <a:r>
-              <a:rPr b="0" lang="en-US" sz="1800" spc="-1" strike="noStrike">
-                <a:solidFill>
-                  <a:srgbClr val="1a1a1a"/>
+              <a:rPr lang="pt-BR" sz="1800" b="0" strike="noStrike" spc="-1">
+                <a:solidFill>
+                  <a:srgbClr val="1A1A1A"/>
                 </a:solidFill>
                 <a:latin typeface="Arial"/>
                 <a:ea typeface="Arial"/>
               </a:rPr>
               <a:t>: Atendente</a:t>
             </a:r>
-            <a:endParaRPr b="0" lang="en-US" sz="1800" spc="-1" strike="noStrike">
-              <a:latin typeface="Arial"/>
-            </a:endParaRPr>
-          </a:p>
-          <a:p>
-            <a:pPr>
-              <a:lnSpc>
-                <a:spcPct val="100000"/>
-              </a:lnSpc>
-            </a:pPr>
-            <a:endParaRPr b="0" lang="en-US" sz="1800" spc="-1" strike="noStrike">
-              <a:latin typeface="Arial"/>
-            </a:endParaRPr>
-          </a:p>
-          <a:p>
-            <a:pPr>
-              <a:lnSpc>
-                <a:spcPct val="100000"/>
-              </a:lnSpc>
-            </a:pPr>
-            <a:r>
-              <a:rPr b="1" lang="en-US" sz="2000" spc="-1" strike="noStrike">
-                <a:solidFill>
-                  <a:srgbClr val="1a1a1a"/>
+            <a:endParaRPr lang="pt-BR" sz="1800" b="0" strike="noStrike" spc="-1">
+              <a:latin typeface="Arial"/>
+            </a:endParaRPr>
+          </a:p>
+          <a:p>
+            <a:pPr>
+              <a:lnSpc>
+                <a:spcPct val="100000"/>
+              </a:lnSpc>
+            </a:pPr>
+            <a:endParaRPr lang="pt-BR" sz="1800" b="0" strike="noStrike" spc="-1">
+              <a:latin typeface="Arial"/>
+            </a:endParaRPr>
+          </a:p>
+          <a:p>
+            <a:pPr>
+              <a:lnSpc>
+                <a:spcPct val="100000"/>
+              </a:lnSpc>
+            </a:pPr>
+            <a:r>
+              <a:rPr lang="pt-BR" sz="2000" b="1" strike="noStrike" spc="-1">
+                <a:solidFill>
+                  <a:srgbClr val="1A1A1A"/>
                 </a:solidFill>
                 <a:latin typeface="Arial"/>
                 <a:ea typeface="Arial"/>
@@ -4112,16 +4565,16 @@
               <a:t>1.</a:t>
             </a:r>
             <a:r>
-              <a:rPr b="0" lang="en-US" sz="2000" spc="-1" strike="noStrike">
-                <a:solidFill>
-                  <a:srgbClr val="1a1a1a"/>
+              <a:rPr lang="pt-BR" sz="2000" b="0" strike="noStrike" spc="-1">
+                <a:solidFill>
+                  <a:srgbClr val="1A1A1A"/>
                 </a:solidFill>
                 <a:latin typeface="Arial"/>
                 <a:ea typeface="Arial"/>
               </a:rPr>
               <a:t> Após receber a reclamação, o atendente deverá tomar as devidas providências.</a:t>
             </a:r>
-            <a:endParaRPr b="0" lang="en-US" sz="2000" spc="-1" strike="noStrike">
+            <a:endParaRPr lang="pt-BR" sz="2000" b="0" strike="noStrike" spc="-1">
               <a:latin typeface="Arial"/>
             </a:endParaRPr>
           </a:p>
@@ -4129,12 +4582,12 @@
       </p:sp>
       <p:pic>
         <p:nvPicPr>
-          <p:cNvPr id="75" name="" descr=""/>
+          <p:cNvPr id="75" name="Imagem 74"/>
           <p:cNvPicPr/>
           <p:nvPr/>
         </p:nvPicPr>
         <p:blipFill>
-          <a:blip r:embed="rId1"/>
+          <a:blip r:embed="rId2"/>
           <a:stretch/>
         </p:blipFill>
         <p:spPr>
@@ -4152,19 +4605,14 @@
       </p:pic>
     </p:spTree>
   </p:cSld>
-  <mc:AlternateContent>
-    <mc:Choice Requires="p14">
-      <p:transition spd="slow" p14:dur="2000"/>
-    </mc:Choice>
-    <mc:Fallback>
-      <p:transition spd="slow"/>
-    </mc:Fallback>
-  </mc:AlternateContent>
+  <p:clrMapOvr>
+    <a:masterClrMapping/>
+  </p:clrMapOvr>
 </p:sld>
 </file>
 
 <file path=ppt/slides/slide2.xml><?xml version="1.0" encoding="utf-8"?>
-<p:sld xmlns:a="http://schemas.openxmlformats.org/drawingml/2006/main" xmlns:p="http://schemas.openxmlformats.org/presentationml/2006/main" xmlns:r="http://schemas.openxmlformats.org/officeDocument/2006/relationships" xmlns:p14="http://schemas.microsoft.com/office/powerpoint/2010/main" xmlns:p15="http://schemas.microsoft.com/office/powerpoint/2012/main" xmlns:mc="http://schemas.openxmlformats.org/markup-compatibility/2006">
+<p:sld xmlns:a="http://schemas.openxmlformats.org/drawingml/2006/main" xmlns:r="http://schemas.openxmlformats.org/officeDocument/2006/relationships" xmlns:p="http://schemas.openxmlformats.org/presentationml/2006/main">
   <p:cSld>
     <p:spTree>
       <p:nvGrpSpPr>
@@ -4200,25 +4648,32 @@
           </a:ln>
         </p:spPr>
         <p:style>
-          <a:lnRef idx="0"/>
-          <a:fillRef idx="0"/>
-          <a:effectRef idx="0"/>
+          <a:lnRef idx="0">
+            <a:scrgbClr r="0" g="0" b="0"/>
+          </a:lnRef>
+          <a:fillRef idx="0">
+            <a:scrgbClr r="0" g="0" b="0"/>
+          </a:fillRef>
+          <a:effectRef idx="0">
+            <a:scrgbClr r="0" g="0" b="0"/>
+          </a:effectRef>
           <a:fontRef idx="minor"/>
         </p:style>
         <p:txBody>
-          <a:bodyPr lIns="90000" rIns="90000" tIns="91440" bIns="91440">
+          <a:bodyPr lIns="90000" tIns="91440" rIns="90000" bIns="91440">
             <a:noAutofit/>
           </a:bodyPr>
-          <a:p>
-            <a:pPr>
-              <a:lnSpc>
-                <a:spcPct val="100000"/>
-              </a:lnSpc>
-            </a:pPr>
-            <a:r>
-              <a:rPr b="1" lang="en-US" sz="1800" spc="-1" strike="noStrike">
-                <a:solidFill>
-                  <a:srgbClr val="1a1a1a"/>
+          <a:lstStyle/>
+          <a:p>
+            <a:pPr>
+              <a:lnSpc>
+                <a:spcPct val="100000"/>
+              </a:lnSpc>
+            </a:pPr>
+            <a:r>
+              <a:rPr lang="pt-BR" b="1" strike="noStrike" spc="-1" dirty="0">
+                <a:solidFill>
+                  <a:srgbClr val="1A1A1A"/>
                 </a:solidFill>
                 <a:latin typeface="Arial"/>
                 <a:ea typeface="Arial"/>
@@ -4226,29 +4681,29 @@
               <a:t>Processo</a:t>
             </a:r>
             <a:r>
-              <a:rPr b="0" lang="en-US" sz="1800" spc="-1" strike="noStrike">
-                <a:solidFill>
-                  <a:srgbClr val="1a1a1a"/>
+              <a:rPr lang="pt-BR" b="0" strike="noStrike" spc="-1" dirty="0">
+                <a:solidFill>
+                  <a:srgbClr val="1A1A1A"/>
                 </a:solidFill>
                 <a:latin typeface="Arial"/>
                 <a:ea typeface="Arial"/>
               </a:rPr>
               <a:t>: Anotar Pedido</a:t>
             </a:r>
-            <a:endParaRPr b="0" lang="en-US" sz="1800" spc="-1" strike="noStrike">
-              <a:latin typeface="Arial"/>
-            </a:endParaRPr>
-          </a:p>
-          <a:p>
-            <a:pPr>
-              <a:lnSpc>
-                <a:spcPct val="100000"/>
-              </a:lnSpc>
-            </a:pPr>
-            <a:r>
-              <a:rPr b="1" lang="en-US" sz="1800" spc="-1" strike="noStrike">
-                <a:solidFill>
-                  <a:srgbClr val="1a1a1a"/>
+            <a:endParaRPr lang="pt-BR" b="0" strike="noStrike" spc="-1" dirty="0">
+              <a:latin typeface="Arial"/>
+            </a:endParaRPr>
+          </a:p>
+          <a:p>
+            <a:pPr>
+              <a:lnSpc>
+                <a:spcPct val="100000"/>
+              </a:lnSpc>
+            </a:pPr>
+            <a:r>
+              <a:rPr lang="pt-BR" b="1" strike="noStrike" spc="-1" dirty="0">
+                <a:solidFill>
+                  <a:srgbClr val="1A1A1A"/>
                 </a:solidFill>
                 <a:latin typeface="Arial"/>
                 <a:ea typeface="Arial"/>
@@ -4256,29 +4711,29 @@
               <a:t>Evento</a:t>
             </a:r>
             <a:r>
-              <a:rPr b="0" lang="en-US" sz="1800" spc="-1" strike="noStrike">
-                <a:solidFill>
-                  <a:srgbClr val="1a1a1a"/>
+              <a:rPr lang="pt-BR" b="0" strike="noStrike" spc="-1" dirty="0">
+                <a:solidFill>
+                  <a:srgbClr val="1A1A1A"/>
                 </a:solidFill>
                 <a:latin typeface="Arial"/>
                 <a:ea typeface="Arial"/>
               </a:rPr>
               <a:t>: Cliente realiza pedido</a:t>
             </a:r>
-            <a:endParaRPr b="0" lang="en-US" sz="1800" spc="-1" strike="noStrike">
-              <a:latin typeface="Arial"/>
-            </a:endParaRPr>
-          </a:p>
-          <a:p>
-            <a:pPr>
-              <a:lnSpc>
-                <a:spcPct val="100000"/>
-              </a:lnSpc>
-            </a:pPr>
-            <a:r>
-              <a:rPr b="1" lang="en-US" sz="1800" spc="-1" strike="noStrike">
-                <a:solidFill>
-                  <a:srgbClr val="1a1a1a"/>
+            <a:endParaRPr lang="pt-BR" b="0" strike="noStrike" spc="-1" dirty="0">
+              <a:latin typeface="Arial"/>
+            </a:endParaRPr>
+          </a:p>
+          <a:p>
+            <a:pPr>
+              <a:lnSpc>
+                <a:spcPct val="100000"/>
+              </a:lnSpc>
+            </a:pPr>
+            <a:r>
+              <a:rPr lang="pt-BR" b="1" strike="noStrike" spc="-1" dirty="0">
+                <a:solidFill>
+                  <a:srgbClr val="1A1A1A"/>
                 </a:solidFill>
                 <a:latin typeface="Arial"/>
                 <a:ea typeface="Arial"/>
@@ -4286,39 +4741,39 @@
               <a:t>Trabalhador Envolvido</a:t>
             </a:r>
             <a:r>
-              <a:rPr b="0" lang="en-US" sz="1800" spc="-1" strike="noStrike">
-                <a:solidFill>
-                  <a:srgbClr val="1a1a1a"/>
+              <a:rPr lang="pt-BR" b="0" strike="noStrike" spc="-1" dirty="0">
+                <a:solidFill>
+                  <a:srgbClr val="1A1A1A"/>
                 </a:solidFill>
                 <a:latin typeface="Arial"/>
                 <a:ea typeface="Arial"/>
               </a:rPr>
               <a:t>: Garçom</a:t>
             </a:r>
-            <a:endParaRPr b="0" lang="en-US" sz="1800" spc="-1" strike="noStrike">
-              <a:latin typeface="Arial"/>
-            </a:endParaRPr>
-          </a:p>
-          <a:p>
-            <a:pPr>
-              <a:lnSpc>
-                <a:spcPct val="100000"/>
-              </a:lnSpc>
-            </a:pPr>
-            <a:endParaRPr b="0" lang="en-US" sz="1800" spc="-1" strike="noStrike">
-              <a:latin typeface="Arial"/>
-            </a:endParaRPr>
-          </a:p>
-          <a:p>
-            <a:pPr>
-              <a:lnSpc>
-                <a:spcPct val="100000"/>
-              </a:lnSpc>
-            </a:pPr>
-            <a:r>
-              <a:rPr b="1" lang="en-US" sz="1800" spc="-1" strike="noStrike">
-                <a:solidFill>
-                  <a:srgbClr val="1a1a1a"/>
+            <a:endParaRPr lang="pt-BR" b="0" strike="noStrike" spc="-1" dirty="0">
+              <a:latin typeface="Arial"/>
+            </a:endParaRPr>
+          </a:p>
+          <a:p>
+            <a:pPr>
+              <a:lnSpc>
+                <a:spcPct val="100000"/>
+              </a:lnSpc>
+            </a:pPr>
+            <a:endParaRPr lang="pt-BR" b="0" strike="noStrike" spc="-1" dirty="0">
+              <a:latin typeface="Arial"/>
+            </a:endParaRPr>
+          </a:p>
+          <a:p>
+            <a:pPr>
+              <a:lnSpc>
+                <a:spcPct val="100000"/>
+              </a:lnSpc>
+            </a:pPr>
+            <a:r>
+              <a:rPr lang="pt-BR" b="1" strike="noStrike" spc="-1" dirty="0">
+                <a:solidFill>
+                  <a:srgbClr val="1A1A1A"/>
                 </a:solidFill>
                 <a:latin typeface="Arial"/>
                 <a:ea typeface="Arial"/>
@@ -4326,29 +4781,29 @@
               <a:t>1.</a:t>
             </a:r>
             <a:r>
-              <a:rPr b="0" lang="en-US" sz="1800" spc="-1" strike="noStrike">
-                <a:solidFill>
-                  <a:srgbClr val="1a1a1a"/>
+              <a:rPr lang="pt-BR" b="0" strike="noStrike" spc="-1" dirty="0">
+                <a:solidFill>
+                  <a:srgbClr val="1A1A1A"/>
                 </a:solidFill>
                 <a:latin typeface="Arial"/>
                 <a:ea typeface="Arial"/>
               </a:rPr>
               <a:t> Verificar se o pedido realizado pelo cliente pode ser atendido.</a:t>
             </a:r>
-            <a:endParaRPr b="0" lang="en-US" sz="1800" spc="-1" strike="noStrike">
-              <a:latin typeface="Arial"/>
-            </a:endParaRPr>
-          </a:p>
-          <a:p>
-            <a:pPr>
-              <a:lnSpc>
-                <a:spcPct val="100000"/>
-              </a:lnSpc>
-            </a:pPr>
-            <a:r>
-              <a:rPr b="1" lang="en-US" sz="1800" spc="-1" strike="noStrike">
-                <a:solidFill>
-                  <a:srgbClr val="1a1a1a"/>
+            <a:endParaRPr lang="pt-BR" b="0" strike="noStrike" spc="-1" dirty="0">
+              <a:latin typeface="Arial"/>
+            </a:endParaRPr>
+          </a:p>
+          <a:p>
+            <a:pPr>
+              <a:lnSpc>
+                <a:spcPct val="100000"/>
+              </a:lnSpc>
+            </a:pPr>
+            <a:r>
+              <a:rPr lang="pt-BR" b="1" strike="noStrike" spc="-1" dirty="0">
+                <a:solidFill>
+                  <a:srgbClr val="1A1A1A"/>
                 </a:solidFill>
                 <a:latin typeface="Arial"/>
                 <a:ea typeface="Arial"/>
@@ -4356,29 +4811,29 @@
               <a:t>1.1.</a:t>
             </a:r>
             <a:r>
-              <a:rPr b="0" lang="en-US" sz="1800" spc="-1" strike="noStrike">
-                <a:solidFill>
-                  <a:srgbClr val="1a1a1a"/>
+              <a:rPr lang="pt-BR" b="0" strike="noStrike" spc="-1" dirty="0">
+                <a:solidFill>
+                  <a:srgbClr val="1A1A1A"/>
                 </a:solidFill>
                 <a:latin typeface="Arial"/>
                 <a:ea typeface="Arial"/>
               </a:rPr>
               <a:t> Se algum item não puder ser atendido, recusar o pedido e finalizar.</a:t>
             </a:r>
-            <a:endParaRPr b="0" lang="en-US" sz="1800" spc="-1" strike="noStrike">
-              <a:latin typeface="Arial"/>
-            </a:endParaRPr>
-          </a:p>
-          <a:p>
-            <a:pPr>
-              <a:lnSpc>
-                <a:spcPct val="100000"/>
-              </a:lnSpc>
-            </a:pPr>
-            <a:r>
-              <a:rPr b="1" lang="en-US" sz="1800" spc="-1" strike="noStrike">
-                <a:solidFill>
-                  <a:srgbClr val="1a1a1a"/>
+            <a:endParaRPr lang="pt-BR" b="0" strike="noStrike" spc="-1" dirty="0">
+              <a:latin typeface="Arial"/>
+            </a:endParaRPr>
+          </a:p>
+          <a:p>
+            <a:pPr>
+              <a:lnSpc>
+                <a:spcPct val="100000"/>
+              </a:lnSpc>
+            </a:pPr>
+            <a:r>
+              <a:rPr lang="pt-BR" b="1" strike="noStrike" spc="-1" dirty="0">
+                <a:solidFill>
+                  <a:srgbClr val="1A1A1A"/>
                 </a:solidFill>
                 <a:latin typeface="Arial"/>
                 <a:ea typeface="Arial"/>
@@ -4386,16 +4841,16 @@
               <a:t>2.</a:t>
             </a:r>
             <a:r>
-              <a:rPr b="0" lang="en-US" sz="1800" spc="-1" strike="noStrike">
-                <a:solidFill>
-                  <a:srgbClr val="1a1a1a"/>
+              <a:rPr lang="pt-BR" b="0" strike="noStrike" spc="-1" dirty="0">
+                <a:solidFill>
+                  <a:srgbClr val="1A1A1A"/>
                 </a:solidFill>
                 <a:latin typeface="Arial"/>
                 <a:ea typeface="Arial"/>
               </a:rPr>
               <a:t> Criar um novo pedido.</a:t>
             </a:r>
-            <a:endParaRPr b="0" lang="en-US" sz="1800" spc="-1" strike="noStrike">
+            <a:endParaRPr lang="pt-BR" b="0" strike="noStrike" spc="-1" dirty="0">
               <a:latin typeface="Arial"/>
             </a:endParaRPr>
           </a:p>
@@ -4403,12 +4858,12 @@
       </p:sp>
       <p:pic>
         <p:nvPicPr>
-          <p:cNvPr id="41" name="" descr=""/>
+          <p:cNvPr id="41" name="Imagem 40"/>
           <p:cNvPicPr/>
           <p:nvPr/>
         </p:nvPicPr>
         <p:blipFill>
-          <a:blip r:embed="rId1"/>
+          <a:blip r:embed="rId2"/>
           <a:stretch/>
         </p:blipFill>
         <p:spPr>
@@ -4426,19 +4881,14 @@
       </p:pic>
     </p:spTree>
   </p:cSld>
-  <mc:AlternateContent>
-    <mc:Choice Requires="p14">
-      <p:transition spd="slow" p14:dur="2000"/>
-    </mc:Choice>
-    <mc:Fallback>
-      <p:transition spd="slow"/>
-    </mc:Fallback>
-  </mc:AlternateContent>
+  <p:clrMapOvr>
+    <a:masterClrMapping/>
+  </p:clrMapOvr>
 </p:sld>
 </file>
 
 <file path=ppt/slides/slide20.xml><?xml version="1.0" encoding="utf-8"?>
-<p:sld xmlns:a="http://schemas.openxmlformats.org/drawingml/2006/main" xmlns:p="http://schemas.openxmlformats.org/presentationml/2006/main" xmlns:r="http://schemas.openxmlformats.org/officeDocument/2006/relationships" xmlns:p14="http://schemas.microsoft.com/office/powerpoint/2010/main" xmlns:p15="http://schemas.microsoft.com/office/powerpoint/2012/main" xmlns:mc="http://schemas.openxmlformats.org/markup-compatibility/2006">
+<p:sld xmlns:a="http://schemas.openxmlformats.org/drawingml/2006/main" xmlns:r="http://schemas.openxmlformats.org/officeDocument/2006/relationships" xmlns:p="http://schemas.openxmlformats.org/presentationml/2006/main">
   <p:cSld>
     <p:spTree>
       <p:nvGrpSpPr>
@@ -4474,25 +4924,32 @@
           </a:ln>
         </p:spPr>
         <p:style>
-          <a:lnRef idx="0"/>
-          <a:fillRef idx="0"/>
-          <a:effectRef idx="0"/>
+          <a:lnRef idx="0">
+            <a:scrgbClr r="0" g="0" b="0"/>
+          </a:lnRef>
+          <a:fillRef idx="0">
+            <a:scrgbClr r="0" g="0" b="0"/>
+          </a:fillRef>
+          <a:effectRef idx="0">
+            <a:scrgbClr r="0" g="0" b="0"/>
+          </a:effectRef>
           <a:fontRef idx="minor"/>
         </p:style>
         <p:txBody>
-          <a:bodyPr lIns="90000" rIns="90000" tIns="91440" bIns="91440">
+          <a:bodyPr lIns="90000" tIns="91440" rIns="90000" bIns="91440">
             <a:noAutofit/>
           </a:bodyPr>
-          <a:p>
-            <a:pPr>
-              <a:lnSpc>
-                <a:spcPct val="100000"/>
-              </a:lnSpc>
-            </a:pPr>
-            <a:r>
-              <a:rPr b="1" lang="en-US" sz="1800" spc="-1" strike="noStrike">
-                <a:solidFill>
-                  <a:srgbClr val="1a1a1a"/>
+          <a:lstStyle/>
+          <a:p>
+            <a:pPr>
+              <a:lnSpc>
+                <a:spcPct val="100000"/>
+              </a:lnSpc>
+            </a:pPr>
+            <a:r>
+              <a:rPr lang="pt-BR" sz="1800" b="1" strike="noStrike" spc="-1">
+                <a:solidFill>
+                  <a:srgbClr val="1A1A1A"/>
                 </a:solidFill>
                 <a:latin typeface="Arial"/>
                 <a:ea typeface="Arial"/>
@@ -4500,29 +4957,29 @@
               <a:t>Processo</a:t>
             </a:r>
             <a:r>
-              <a:rPr b="0" lang="en-US" sz="1800" spc="-1" strike="noStrike">
-                <a:solidFill>
-                  <a:srgbClr val="1a1a1a"/>
+              <a:rPr lang="pt-BR" sz="1800" b="0" strike="noStrike" spc="-1">
+                <a:solidFill>
+                  <a:srgbClr val="1A1A1A"/>
                 </a:solidFill>
                 <a:latin typeface="Arial"/>
                 <a:ea typeface="Arial"/>
               </a:rPr>
               <a:t>: Receber lista de produtos</a:t>
             </a:r>
-            <a:endParaRPr b="0" lang="en-US" sz="1800" spc="-1" strike="noStrike">
-              <a:latin typeface="Arial"/>
-            </a:endParaRPr>
-          </a:p>
-          <a:p>
-            <a:pPr>
-              <a:lnSpc>
-                <a:spcPct val="100000"/>
-              </a:lnSpc>
-            </a:pPr>
-            <a:r>
-              <a:rPr b="1" lang="en-US" sz="1800" spc="-1" strike="noStrike">
-                <a:solidFill>
-                  <a:srgbClr val="1a1a1a"/>
+            <a:endParaRPr lang="pt-BR" sz="1800" b="0" strike="noStrike" spc="-1">
+              <a:latin typeface="Arial"/>
+            </a:endParaRPr>
+          </a:p>
+          <a:p>
+            <a:pPr>
+              <a:lnSpc>
+                <a:spcPct val="100000"/>
+              </a:lnSpc>
+            </a:pPr>
+            <a:r>
+              <a:rPr lang="pt-BR" sz="1800" b="1" strike="noStrike" spc="-1">
+                <a:solidFill>
+                  <a:srgbClr val="1A1A1A"/>
                 </a:solidFill>
                 <a:latin typeface="Arial"/>
                 <a:ea typeface="Arial"/>
@@ -4530,29 +4987,29 @@
               <a:t>Evento</a:t>
             </a:r>
             <a:r>
-              <a:rPr b="0" lang="en-US" sz="1800" spc="-1" strike="noStrike">
-                <a:solidFill>
-                  <a:srgbClr val="1a1a1a"/>
+              <a:rPr lang="pt-BR" sz="1800" b="0" strike="noStrike" spc="-1">
+                <a:solidFill>
+                  <a:srgbClr val="1A1A1A"/>
                 </a:solidFill>
                 <a:latin typeface="Arial"/>
                 <a:ea typeface="Arial"/>
               </a:rPr>
               <a:t>: Gerente solicita lista de produtos</a:t>
             </a:r>
-            <a:endParaRPr b="0" lang="en-US" sz="1800" spc="-1" strike="noStrike">
-              <a:latin typeface="Arial"/>
-            </a:endParaRPr>
-          </a:p>
-          <a:p>
-            <a:pPr>
-              <a:lnSpc>
-                <a:spcPct val="100000"/>
-              </a:lnSpc>
-            </a:pPr>
-            <a:r>
-              <a:rPr b="1" lang="en-US" sz="1800" spc="-1" strike="noStrike">
-                <a:solidFill>
-                  <a:srgbClr val="1a1a1a"/>
+            <a:endParaRPr lang="pt-BR" sz="1800" b="0" strike="noStrike" spc="-1">
+              <a:latin typeface="Arial"/>
+            </a:endParaRPr>
+          </a:p>
+          <a:p>
+            <a:pPr>
+              <a:lnSpc>
+                <a:spcPct val="100000"/>
+              </a:lnSpc>
+            </a:pPr>
+            <a:r>
+              <a:rPr lang="pt-BR" sz="1800" b="1" strike="noStrike" spc="-1">
+                <a:solidFill>
+                  <a:srgbClr val="1A1A1A"/>
                 </a:solidFill>
                 <a:latin typeface="Arial"/>
                 <a:ea typeface="Arial"/>
@@ -4560,39 +5017,39 @@
               <a:t>Trabalhador Envolvido</a:t>
             </a:r>
             <a:r>
-              <a:rPr b="0" lang="en-US" sz="1800" spc="-1" strike="noStrike">
-                <a:solidFill>
-                  <a:srgbClr val="1a1a1a"/>
+              <a:rPr lang="pt-BR" sz="1800" b="0" strike="noStrike" spc="-1">
+                <a:solidFill>
+                  <a:srgbClr val="1A1A1A"/>
                 </a:solidFill>
                 <a:latin typeface="Arial"/>
                 <a:ea typeface="Arial"/>
               </a:rPr>
               <a:t>: Gerente</a:t>
             </a:r>
-            <a:endParaRPr b="0" lang="en-US" sz="1800" spc="-1" strike="noStrike">
-              <a:latin typeface="Arial"/>
-            </a:endParaRPr>
-          </a:p>
-          <a:p>
-            <a:pPr>
-              <a:lnSpc>
-                <a:spcPct val="100000"/>
-              </a:lnSpc>
-            </a:pPr>
-            <a:endParaRPr b="0" lang="en-US" sz="1800" spc="-1" strike="noStrike">
-              <a:latin typeface="Arial"/>
-            </a:endParaRPr>
-          </a:p>
-          <a:p>
-            <a:pPr>
-              <a:lnSpc>
-                <a:spcPct val="100000"/>
-              </a:lnSpc>
-            </a:pPr>
-            <a:r>
-              <a:rPr b="1" lang="en-US" sz="2000" spc="-1" strike="noStrike">
-                <a:solidFill>
-                  <a:srgbClr val="1a1a1a"/>
+            <a:endParaRPr lang="pt-BR" sz="1800" b="0" strike="noStrike" spc="-1">
+              <a:latin typeface="Arial"/>
+            </a:endParaRPr>
+          </a:p>
+          <a:p>
+            <a:pPr>
+              <a:lnSpc>
+                <a:spcPct val="100000"/>
+              </a:lnSpc>
+            </a:pPr>
+            <a:endParaRPr lang="pt-BR" sz="1800" b="0" strike="noStrike" spc="-1">
+              <a:latin typeface="Arial"/>
+            </a:endParaRPr>
+          </a:p>
+          <a:p>
+            <a:pPr>
+              <a:lnSpc>
+                <a:spcPct val="100000"/>
+              </a:lnSpc>
+            </a:pPr>
+            <a:r>
+              <a:rPr lang="pt-BR" sz="2000" b="1" strike="noStrike" spc="-1">
+                <a:solidFill>
+                  <a:srgbClr val="1A1A1A"/>
                 </a:solidFill>
                 <a:latin typeface="Arial"/>
                 <a:ea typeface="Arial"/>
@@ -4600,16 +5057,16 @@
               <a:t>1.</a:t>
             </a:r>
             <a:r>
-              <a:rPr b="0" lang="en-US" sz="2000" spc="-1" strike="noStrike">
-                <a:solidFill>
-                  <a:srgbClr val="1a1a1a"/>
+              <a:rPr lang="pt-BR" sz="2000" b="0" strike="noStrike" spc="-1">
+                <a:solidFill>
+                  <a:srgbClr val="1A1A1A"/>
                 </a:solidFill>
                 <a:latin typeface="Arial"/>
                 <a:ea typeface="Arial"/>
               </a:rPr>
               <a:t> O Gerente deve listar os produtos que estão faltando em seu estoque.</a:t>
             </a:r>
-            <a:endParaRPr b="0" lang="en-US" sz="2000" spc="-1" strike="noStrike">
+            <a:endParaRPr lang="pt-BR" sz="2000" b="0" strike="noStrike" spc="-1">
               <a:latin typeface="Arial"/>
             </a:endParaRPr>
           </a:p>
@@ -4617,12 +5074,12 @@
       </p:sp>
       <p:pic>
         <p:nvPicPr>
-          <p:cNvPr id="77" name="" descr=""/>
+          <p:cNvPr id="77" name="Imagem 76"/>
           <p:cNvPicPr/>
           <p:nvPr/>
         </p:nvPicPr>
         <p:blipFill>
-          <a:blip r:embed="rId1"/>
+          <a:blip r:embed="rId2"/>
           <a:stretch/>
         </p:blipFill>
         <p:spPr>
@@ -4640,19 +5097,14 @@
       </p:pic>
     </p:spTree>
   </p:cSld>
-  <mc:AlternateContent>
-    <mc:Choice Requires="p14">
-      <p:transition spd="slow" p14:dur="2000"/>
-    </mc:Choice>
-    <mc:Fallback>
-      <p:transition spd="slow"/>
-    </mc:Fallback>
-  </mc:AlternateContent>
+  <p:clrMapOvr>
+    <a:masterClrMapping/>
+  </p:clrMapOvr>
 </p:sld>
 </file>
 
 <file path=ppt/slides/slide21.xml><?xml version="1.0" encoding="utf-8"?>
-<p:sld xmlns:a="http://schemas.openxmlformats.org/drawingml/2006/main" xmlns:p="http://schemas.openxmlformats.org/presentationml/2006/main" xmlns:r="http://schemas.openxmlformats.org/officeDocument/2006/relationships" xmlns:p14="http://schemas.microsoft.com/office/powerpoint/2010/main" xmlns:p15="http://schemas.microsoft.com/office/powerpoint/2012/main" xmlns:mc="http://schemas.openxmlformats.org/markup-compatibility/2006">
+<p:sld xmlns:a="http://schemas.openxmlformats.org/drawingml/2006/main" xmlns:r="http://schemas.openxmlformats.org/officeDocument/2006/relationships" xmlns:p="http://schemas.openxmlformats.org/presentationml/2006/main">
   <p:cSld>
     <p:spTree>
       <p:nvGrpSpPr>
@@ -4688,25 +5140,32 @@
           </a:ln>
         </p:spPr>
         <p:style>
-          <a:lnRef idx="0"/>
-          <a:fillRef idx="0"/>
-          <a:effectRef idx="0"/>
+          <a:lnRef idx="0">
+            <a:scrgbClr r="0" g="0" b="0"/>
+          </a:lnRef>
+          <a:fillRef idx="0">
+            <a:scrgbClr r="0" g="0" b="0"/>
+          </a:fillRef>
+          <a:effectRef idx="0">
+            <a:scrgbClr r="0" g="0" b="0"/>
+          </a:effectRef>
           <a:fontRef idx="minor"/>
         </p:style>
         <p:txBody>
-          <a:bodyPr lIns="90000" rIns="90000" tIns="91440" bIns="91440">
+          <a:bodyPr lIns="90000" tIns="91440" rIns="90000" bIns="91440">
             <a:noAutofit/>
           </a:bodyPr>
-          <a:p>
-            <a:pPr>
-              <a:lnSpc>
-                <a:spcPct val="100000"/>
-              </a:lnSpc>
-            </a:pPr>
-            <a:r>
-              <a:rPr b="1" lang="en-US" sz="1800" spc="-1" strike="noStrike">
-                <a:solidFill>
-                  <a:srgbClr val="1a1a1a"/>
+          <a:lstStyle/>
+          <a:p>
+            <a:pPr>
+              <a:lnSpc>
+                <a:spcPct val="100000"/>
+              </a:lnSpc>
+            </a:pPr>
+            <a:r>
+              <a:rPr lang="pt-BR" sz="1800" b="1" strike="noStrike" spc="-1">
+                <a:solidFill>
+                  <a:srgbClr val="1A1A1A"/>
                 </a:solidFill>
                 <a:latin typeface="Arial"/>
                 <a:ea typeface="Arial"/>
@@ -4714,29 +5173,29 @@
               <a:t>Processo</a:t>
             </a:r>
             <a:r>
-              <a:rPr b="0" lang="en-US" sz="1800" spc="-1" strike="noStrike">
-                <a:solidFill>
-                  <a:srgbClr val="1a1a1a"/>
+              <a:rPr lang="pt-BR" sz="1800" b="0" strike="noStrike" spc="-1">
+                <a:solidFill>
+                  <a:srgbClr val="1A1A1A"/>
                 </a:solidFill>
                 <a:latin typeface="Arial"/>
                 <a:ea typeface="Arial"/>
               </a:rPr>
               <a:t>: Enviar pagamento dos Produtos</a:t>
             </a:r>
-            <a:endParaRPr b="0" lang="en-US" sz="1800" spc="-1" strike="noStrike">
-              <a:latin typeface="Arial"/>
-            </a:endParaRPr>
-          </a:p>
-          <a:p>
-            <a:pPr>
-              <a:lnSpc>
-                <a:spcPct val="100000"/>
-              </a:lnSpc>
-            </a:pPr>
-            <a:r>
-              <a:rPr b="1" lang="en-US" sz="1800" spc="-1" strike="noStrike">
-                <a:solidFill>
-                  <a:srgbClr val="1a1a1a"/>
+            <a:endParaRPr lang="pt-BR" sz="1800" b="0" strike="noStrike" spc="-1">
+              <a:latin typeface="Arial"/>
+            </a:endParaRPr>
+          </a:p>
+          <a:p>
+            <a:pPr>
+              <a:lnSpc>
+                <a:spcPct val="100000"/>
+              </a:lnSpc>
+            </a:pPr>
+            <a:r>
+              <a:rPr lang="pt-BR" sz="1800" b="1" strike="noStrike" spc="-1">
+                <a:solidFill>
+                  <a:srgbClr val="1A1A1A"/>
                 </a:solidFill>
                 <a:latin typeface="Arial"/>
                 <a:ea typeface="Arial"/>
@@ -4744,29 +5203,29 @@
               <a:t>Evento</a:t>
             </a:r>
             <a:r>
-              <a:rPr b="0" lang="en-US" sz="1800" spc="-1" strike="noStrike">
-                <a:solidFill>
-                  <a:srgbClr val="1a1a1a"/>
+              <a:rPr lang="pt-BR" sz="1800" b="0" strike="noStrike" spc="-1">
+                <a:solidFill>
+                  <a:srgbClr val="1A1A1A"/>
                 </a:solidFill>
                 <a:latin typeface="Arial"/>
                 <a:ea typeface="Arial"/>
               </a:rPr>
               <a:t>: Caixa envia pagamento</a:t>
             </a:r>
-            <a:endParaRPr b="0" lang="en-US" sz="1800" spc="-1" strike="noStrike">
-              <a:latin typeface="Arial"/>
-            </a:endParaRPr>
-          </a:p>
-          <a:p>
-            <a:pPr>
-              <a:lnSpc>
-                <a:spcPct val="100000"/>
-              </a:lnSpc>
-            </a:pPr>
-            <a:r>
-              <a:rPr b="1" lang="en-US" sz="1800" spc="-1" strike="noStrike">
-                <a:solidFill>
-                  <a:srgbClr val="1a1a1a"/>
+            <a:endParaRPr lang="pt-BR" sz="1800" b="0" strike="noStrike" spc="-1">
+              <a:latin typeface="Arial"/>
+            </a:endParaRPr>
+          </a:p>
+          <a:p>
+            <a:pPr>
+              <a:lnSpc>
+                <a:spcPct val="100000"/>
+              </a:lnSpc>
+            </a:pPr>
+            <a:r>
+              <a:rPr lang="pt-BR" sz="1800" b="1" strike="noStrike" spc="-1">
+                <a:solidFill>
+                  <a:srgbClr val="1A1A1A"/>
                 </a:solidFill>
                 <a:latin typeface="Arial"/>
                 <a:ea typeface="Arial"/>
@@ -4774,39 +5233,39 @@
               <a:t>Trabalhador Envolvido</a:t>
             </a:r>
             <a:r>
-              <a:rPr b="0" lang="en-US" sz="1800" spc="-1" strike="noStrike">
-                <a:solidFill>
-                  <a:srgbClr val="1a1a1a"/>
+              <a:rPr lang="pt-BR" sz="1800" b="0" strike="noStrike" spc="-1">
+                <a:solidFill>
+                  <a:srgbClr val="1A1A1A"/>
                 </a:solidFill>
                 <a:latin typeface="Arial"/>
                 <a:ea typeface="Arial"/>
               </a:rPr>
               <a:t>: Gerente</a:t>
             </a:r>
-            <a:endParaRPr b="0" lang="en-US" sz="1800" spc="-1" strike="noStrike">
-              <a:latin typeface="Arial"/>
-            </a:endParaRPr>
-          </a:p>
-          <a:p>
-            <a:pPr>
-              <a:lnSpc>
-                <a:spcPct val="100000"/>
-              </a:lnSpc>
-            </a:pPr>
-            <a:endParaRPr b="0" lang="en-US" sz="1800" spc="-1" strike="noStrike">
-              <a:latin typeface="Arial"/>
-            </a:endParaRPr>
-          </a:p>
-          <a:p>
-            <a:pPr>
-              <a:lnSpc>
-                <a:spcPct val="100000"/>
-              </a:lnSpc>
-            </a:pPr>
-            <a:r>
-              <a:rPr b="1" lang="en-US" sz="2000" spc="-1" strike="noStrike">
-                <a:solidFill>
-                  <a:srgbClr val="1a1a1a"/>
+            <a:endParaRPr lang="pt-BR" sz="1800" b="0" strike="noStrike" spc="-1">
+              <a:latin typeface="Arial"/>
+            </a:endParaRPr>
+          </a:p>
+          <a:p>
+            <a:pPr>
+              <a:lnSpc>
+                <a:spcPct val="100000"/>
+              </a:lnSpc>
+            </a:pPr>
+            <a:endParaRPr lang="pt-BR" sz="1800" b="0" strike="noStrike" spc="-1">
+              <a:latin typeface="Arial"/>
+            </a:endParaRPr>
+          </a:p>
+          <a:p>
+            <a:pPr>
+              <a:lnSpc>
+                <a:spcPct val="100000"/>
+              </a:lnSpc>
+            </a:pPr>
+            <a:r>
+              <a:rPr lang="pt-BR" sz="2000" b="1" strike="noStrike" spc="-1">
+                <a:solidFill>
+                  <a:srgbClr val="1A1A1A"/>
                 </a:solidFill>
                 <a:latin typeface="Arial"/>
                 <a:ea typeface="Arial"/>
@@ -4814,26 +5273,26 @@
               <a:t>1.</a:t>
             </a:r>
             <a:r>
-              <a:rPr b="0" lang="en-US" sz="2000" spc="-1" strike="noStrike">
-                <a:solidFill>
-                  <a:srgbClr val="1a1a1a"/>
+              <a:rPr lang="pt-BR" sz="2000" b="0" strike="noStrike" spc="-1">
+                <a:solidFill>
+                  <a:srgbClr val="1A1A1A"/>
                 </a:solidFill>
                 <a:latin typeface="Arial"/>
                 <a:ea typeface="Arial"/>
               </a:rPr>
               <a:t> Após receber o orçamento da lista de produtos, o gerente irá enviar o pagamento necessário.</a:t>
             </a:r>
-            <a:endParaRPr b="0" lang="en-US" sz="2000" spc="-1" strike="noStrike">
-              <a:latin typeface="Arial"/>
-            </a:endParaRPr>
-          </a:p>
-          <a:p>
-            <a:pPr>
-              <a:lnSpc>
-                <a:spcPct val="100000"/>
-              </a:lnSpc>
-            </a:pPr>
-            <a:endParaRPr b="0" lang="en-US" sz="2000" spc="-1" strike="noStrike">
+            <a:endParaRPr lang="pt-BR" sz="2000" b="0" strike="noStrike" spc="-1">
+              <a:latin typeface="Arial"/>
+            </a:endParaRPr>
+          </a:p>
+          <a:p>
+            <a:pPr>
+              <a:lnSpc>
+                <a:spcPct val="100000"/>
+              </a:lnSpc>
+            </a:pPr>
+            <a:endParaRPr lang="pt-BR" sz="2000" b="0" strike="noStrike" spc="-1">
               <a:latin typeface="Arial"/>
             </a:endParaRPr>
           </a:p>
@@ -4841,12 +5300,12 @@
       </p:sp>
       <p:pic>
         <p:nvPicPr>
-          <p:cNvPr id="79" name="" descr=""/>
+          <p:cNvPr id="79" name="Imagem 78"/>
           <p:cNvPicPr/>
           <p:nvPr/>
         </p:nvPicPr>
         <p:blipFill>
-          <a:blip r:embed="rId1"/>
+          <a:blip r:embed="rId2"/>
           <a:stretch/>
         </p:blipFill>
         <p:spPr>
@@ -4864,19 +5323,14 @@
       </p:pic>
     </p:spTree>
   </p:cSld>
-  <mc:AlternateContent>
-    <mc:Choice Requires="p14">
-      <p:transition spd="slow" p14:dur="2000"/>
-    </mc:Choice>
-    <mc:Fallback>
-      <p:transition spd="slow"/>
-    </mc:Fallback>
-  </mc:AlternateContent>
+  <p:clrMapOvr>
+    <a:masterClrMapping/>
+  </p:clrMapOvr>
 </p:sld>
 </file>
 
 <file path=ppt/slides/slide22.xml><?xml version="1.0" encoding="utf-8"?>
-<p:sld xmlns:a="http://schemas.openxmlformats.org/drawingml/2006/main" xmlns:p="http://schemas.openxmlformats.org/presentationml/2006/main" xmlns:r="http://schemas.openxmlformats.org/officeDocument/2006/relationships" xmlns:p14="http://schemas.microsoft.com/office/powerpoint/2010/main" xmlns:p15="http://schemas.microsoft.com/office/powerpoint/2012/main" xmlns:mc="http://schemas.openxmlformats.org/markup-compatibility/2006">
+<p:sld xmlns:a="http://schemas.openxmlformats.org/drawingml/2006/main" xmlns:r="http://schemas.openxmlformats.org/officeDocument/2006/relationships" xmlns:p="http://schemas.openxmlformats.org/presentationml/2006/main">
   <p:cSld>
     <p:spTree>
       <p:nvGrpSpPr>
@@ -4912,25 +5366,32 @@
           </a:ln>
         </p:spPr>
         <p:style>
-          <a:lnRef idx="0"/>
-          <a:fillRef idx="0"/>
-          <a:effectRef idx="0"/>
+          <a:lnRef idx="0">
+            <a:scrgbClr r="0" g="0" b="0"/>
+          </a:lnRef>
+          <a:fillRef idx="0">
+            <a:scrgbClr r="0" g="0" b="0"/>
+          </a:fillRef>
+          <a:effectRef idx="0">
+            <a:scrgbClr r="0" g="0" b="0"/>
+          </a:effectRef>
           <a:fontRef idx="minor"/>
         </p:style>
         <p:txBody>
-          <a:bodyPr lIns="90000" rIns="90000" tIns="91440" bIns="91440">
+          <a:bodyPr lIns="90000" tIns="91440" rIns="90000" bIns="91440">
             <a:noAutofit/>
           </a:bodyPr>
-          <a:p>
-            <a:pPr>
-              <a:lnSpc>
-                <a:spcPct val="100000"/>
-              </a:lnSpc>
-            </a:pPr>
-            <a:r>
-              <a:rPr b="1" lang="en-US" sz="1800" spc="-1" strike="noStrike">
-                <a:solidFill>
-                  <a:srgbClr val="1a1a1a"/>
+          <a:lstStyle/>
+          <a:p>
+            <a:pPr>
+              <a:lnSpc>
+                <a:spcPct val="100000"/>
+              </a:lnSpc>
+            </a:pPr>
+            <a:r>
+              <a:rPr lang="pt-BR" sz="1800" b="1" strike="noStrike" spc="-1">
+                <a:solidFill>
+                  <a:srgbClr val="1A1A1A"/>
                 </a:solidFill>
                 <a:latin typeface="Arial"/>
                 <a:ea typeface="Arial"/>
@@ -4938,29 +5399,29 @@
               <a:t>Processo</a:t>
             </a:r>
             <a:r>
-              <a:rPr b="0" lang="en-US" sz="1800" spc="-1" strike="noStrike">
-                <a:solidFill>
-                  <a:srgbClr val="1a1a1a"/>
+              <a:rPr lang="pt-BR" sz="1800" b="0" strike="noStrike" spc="-1">
+                <a:solidFill>
+                  <a:srgbClr val="1A1A1A"/>
                 </a:solidFill>
                 <a:latin typeface="Arial"/>
                 <a:ea typeface="Arial"/>
               </a:rPr>
               <a:t>: Enviar Lista de Produtos</a:t>
             </a:r>
-            <a:endParaRPr b="0" lang="en-US" sz="1800" spc="-1" strike="noStrike">
-              <a:latin typeface="Arial"/>
-            </a:endParaRPr>
-          </a:p>
-          <a:p>
-            <a:pPr>
-              <a:lnSpc>
-                <a:spcPct val="100000"/>
-              </a:lnSpc>
-            </a:pPr>
-            <a:r>
-              <a:rPr b="1" lang="en-US" sz="1800" spc="-1" strike="noStrike">
-                <a:solidFill>
-                  <a:srgbClr val="1a1a1a"/>
+            <a:endParaRPr lang="pt-BR" sz="1800" b="0" strike="noStrike" spc="-1">
+              <a:latin typeface="Arial"/>
+            </a:endParaRPr>
+          </a:p>
+          <a:p>
+            <a:pPr>
+              <a:lnSpc>
+                <a:spcPct val="100000"/>
+              </a:lnSpc>
+            </a:pPr>
+            <a:r>
+              <a:rPr lang="pt-BR" sz="1800" b="1" strike="noStrike" spc="-1">
+                <a:solidFill>
+                  <a:srgbClr val="1A1A1A"/>
                 </a:solidFill>
                 <a:latin typeface="Arial"/>
                 <a:ea typeface="Arial"/>
@@ -4968,29 +5429,29 @@
               <a:t>Evento</a:t>
             </a:r>
             <a:r>
-              <a:rPr b="0" lang="en-US" sz="1800" spc="-1" strike="noStrike">
-                <a:solidFill>
-                  <a:srgbClr val="1a1a1a"/>
+              <a:rPr lang="pt-BR" sz="1800" b="0" strike="noStrike" spc="-1">
+                <a:solidFill>
+                  <a:srgbClr val="1A1A1A"/>
                 </a:solidFill>
                 <a:latin typeface="Arial"/>
                 <a:ea typeface="Arial"/>
               </a:rPr>
               <a:t>: Fornecedor recebe lista de produtos</a:t>
             </a:r>
-            <a:endParaRPr b="0" lang="en-US" sz="1800" spc="-1" strike="noStrike">
-              <a:latin typeface="Arial"/>
-            </a:endParaRPr>
-          </a:p>
-          <a:p>
-            <a:pPr>
-              <a:lnSpc>
-                <a:spcPct val="100000"/>
-              </a:lnSpc>
-            </a:pPr>
-            <a:r>
-              <a:rPr b="1" lang="en-US" sz="1800" spc="-1" strike="noStrike">
-                <a:solidFill>
-                  <a:srgbClr val="1a1a1a"/>
+            <a:endParaRPr lang="pt-BR" sz="1800" b="0" strike="noStrike" spc="-1">
+              <a:latin typeface="Arial"/>
+            </a:endParaRPr>
+          </a:p>
+          <a:p>
+            <a:pPr>
+              <a:lnSpc>
+                <a:spcPct val="100000"/>
+              </a:lnSpc>
+            </a:pPr>
+            <a:r>
+              <a:rPr lang="pt-BR" sz="1800" b="1" strike="noStrike" spc="-1">
+                <a:solidFill>
+                  <a:srgbClr val="1A1A1A"/>
                 </a:solidFill>
                 <a:latin typeface="Arial"/>
                 <a:ea typeface="Arial"/>
@@ -4998,39 +5459,39 @@
               <a:t>Trabalhador Envolvido</a:t>
             </a:r>
             <a:r>
-              <a:rPr b="0" lang="en-US" sz="1800" spc="-1" strike="noStrike">
-                <a:solidFill>
-                  <a:srgbClr val="1a1a1a"/>
+              <a:rPr lang="pt-BR" sz="1800" b="0" strike="noStrike" spc="-1">
+                <a:solidFill>
+                  <a:srgbClr val="1A1A1A"/>
                 </a:solidFill>
                 <a:latin typeface="Arial"/>
                 <a:ea typeface="Arial"/>
               </a:rPr>
               <a:t>: Gerente</a:t>
             </a:r>
-            <a:endParaRPr b="0" lang="en-US" sz="1800" spc="-1" strike="noStrike">
-              <a:latin typeface="Arial"/>
-            </a:endParaRPr>
-          </a:p>
-          <a:p>
-            <a:pPr>
-              <a:lnSpc>
-                <a:spcPct val="100000"/>
-              </a:lnSpc>
-            </a:pPr>
-            <a:endParaRPr b="0" lang="en-US" sz="1800" spc="-1" strike="noStrike">
-              <a:latin typeface="Arial"/>
-            </a:endParaRPr>
-          </a:p>
-          <a:p>
-            <a:pPr>
-              <a:lnSpc>
-                <a:spcPct val="100000"/>
-              </a:lnSpc>
-            </a:pPr>
-            <a:r>
-              <a:rPr b="1" lang="en-US" sz="2000" spc="-1" strike="noStrike">
-                <a:solidFill>
-                  <a:srgbClr val="1a1a1a"/>
+            <a:endParaRPr lang="pt-BR" sz="1800" b="0" strike="noStrike" spc="-1">
+              <a:latin typeface="Arial"/>
+            </a:endParaRPr>
+          </a:p>
+          <a:p>
+            <a:pPr>
+              <a:lnSpc>
+                <a:spcPct val="100000"/>
+              </a:lnSpc>
+            </a:pPr>
+            <a:endParaRPr lang="pt-BR" sz="1800" b="0" strike="noStrike" spc="-1">
+              <a:latin typeface="Arial"/>
+            </a:endParaRPr>
+          </a:p>
+          <a:p>
+            <a:pPr>
+              <a:lnSpc>
+                <a:spcPct val="100000"/>
+              </a:lnSpc>
+            </a:pPr>
+            <a:r>
+              <a:rPr lang="pt-BR" sz="2000" b="1" strike="noStrike" spc="-1">
+                <a:solidFill>
+                  <a:srgbClr val="1A1A1A"/>
                 </a:solidFill>
                 <a:latin typeface="Arial"/>
                 <a:ea typeface="Arial"/>
@@ -5038,16 +5499,16 @@
               <a:t>1.</a:t>
             </a:r>
             <a:r>
-              <a:rPr b="0" lang="en-US" sz="2000" spc="-1" strike="noStrike">
-                <a:solidFill>
-                  <a:srgbClr val="1a1a1a"/>
+              <a:rPr lang="pt-BR" sz="2000" b="0" strike="noStrike" spc="-1">
+                <a:solidFill>
+                  <a:srgbClr val="1A1A1A"/>
                 </a:solidFill>
                 <a:latin typeface="Arial"/>
                 <a:ea typeface="Arial"/>
               </a:rPr>
               <a:t> O gerente recebe os produtos solicitados.</a:t>
             </a:r>
-            <a:endParaRPr b="0" lang="en-US" sz="2000" spc="-1" strike="noStrike">
+            <a:endParaRPr lang="pt-BR" sz="2000" b="0" strike="noStrike" spc="-1">
               <a:latin typeface="Arial"/>
             </a:endParaRPr>
           </a:p>
@@ -5055,12 +5516,12 @@
       </p:sp>
       <p:pic>
         <p:nvPicPr>
-          <p:cNvPr id="81" name="" descr=""/>
+          <p:cNvPr id="81" name="Imagem 80"/>
           <p:cNvPicPr/>
           <p:nvPr/>
         </p:nvPicPr>
         <p:blipFill>
-          <a:blip r:embed="rId1"/>
+          <a:blip r:embed="rId2"/>
           <a:stretch/>
         </p:blipFill>
         <p:spPr>
@@ -5078,19 +5539,14 @@
       </p:pic>
     </p:spTree>
   </p:cSld>
-  <mc:AlternateContent>
-    <mc:Choice Requires="p14">
-      <p:transition spd="slow" p14:dur="2000"/>
-    </mc:Choice>
-    <mc:Fallback>
-      <p:transition spd="slow"/>
-    </mc:Fallback>
-  </mc:AlternateContent>
+  <p:clrMapOvr>
+    <a:masterClrMapping/>
+  </p:clrMapOvr>
 </p:sld>
 </file>
 
 <file path=ppt/slides/slide3.xml><?xml version="1.0" encoding="utf-8"?>
-<p:sld xmlns:a="http://schemas.openxmlformats.org/drawingml/2006/main" xmlns:p="http://schemas.openxmlformats.org/presentationml/2006/main" xmlns:r="http://schemas.openxmlformats.org/officeDocument/2006/relationships" xmlns:p14="http://schemas.microsoft.com/office/powerpoint/2010/main" xmlns:p15="http://schemas.microsoft.com/office/powerpoint/2012/main" xmlns:mc="http://schemas.openxmlformats.org/markup-compatibility/2006">
+<p:sld xmlns:a="http://schemas.openxmlformats.org/drawingml/2006/main" xmlns:r="http://schemas.openxmlformats.org/officeDocument/2006/relationships" xmlns:p="http://schemas.openxmlformats.org/presentationml/2006/main">
   <p:cSld>
     <p:spTree>
       <p:nvGrpSpPr>
@@ -5126,25 +5582,32 @@
           </a:ln>
         </p:spPr>
         <p:style>
-          <a:lnRef idx="0"/>
-          <a:fillRef idx="0"/>
-          <a:effectRef idx="0"/>
+          <a:lnRef idx="0">
+            <a:scrgbClr r="0" g="0" b="0"/>
+          </a:lnRef>
+          <a:fillRef idx="0">
+            <a:scrgbClr r="0" g="0" b="0"/>
+          </a:fillRef>
+          <a:effectRef idx="0">
+            <a:scrgbClr r="0" g="0" b="0"/>
+          </a:effectRef>
           <a:fontRef idx="minor"/>
         </p:style>
         <p:txBody>
-          <a:bodyPr lIns="90000" rIns="90000" tIns="91440" bIns="91440">
+          <a:bodyPr lIns="90000" tIns="91440" rIns="90000" bIns="91440">
             <a:noAutofit/>
           </a:bodyPr>
-          <a:p>
-            <a:pPr>
-              <a:lnSpc>
-                <a:spcPct val="100000"/>
-              </a:lnSpc>
-            </a:pPr>
-            <a:r>
-              <a:rPr b="1" lang="en-US" sz="1900" spc="-1" strike="noStrike">
-                <a:solidFill>
-                  <a:srgbClr val="1a1a1a"/>
+          <a:lstStyle/>
+          <a:p>
+            <a:pPr>
+              <a:lnSpc>
+                <a:spcPct val="100000"/>
+              </a:lnSpc>
+            </a:pPr>
+            <a:r>
+              <a:rPr lang="pt-BR" b="1" strike="noStrike" spc="-1" dirty="0">
+                <a:solidFill>
+                  <a:srgbClr val="1A1A1A"/>
                 </a:solidFill>
                 <a:latin typeface="Arial"/>
                 <a:ea typeface="Arial"/>
@@ -5152,29 +5615,29 @@
               <a:t>Processo</a:t>
             </a:r>
             <a:r>
-              <a:rPr b="0" lang="en-US" sz="1900" spc="-1" strike="noStrike">
-                <a:solidFill>
-                  <a:srgbClr val="1a1a1a"/>
+              <a:rPr lang="pt-BR" b="0" strike="noStrike" spc="-1" dirty="0">
+                <a:solidFill>
+                  <a:srgbClr val="1A1A1A"/>
                 </a:solidFill>
                 <a:latin typeface="Arial"/>
                 <a:ea typeface="Arial"/>
               </a:rPr>
               <a:t>: Solicitar Preparação dos Itens do Pedido</a:t>
             </a:r>
-            <a:endParaRPr b="0" lang="en-US" sz="1900" spc="-1" strike="noStrike">
-              <a:latin typeface="Arial"/>
-            </a:endParaRPr>
-          </a:p>
-          <a:p>
-            <a:pPr>
-              <a:lnSpc>
-                <a:spcPct val="100000"/>
-              </a:lnSpc>
-            </a:pPr>
-            <a:r>
-              <a:rPr b="1" lang="en-US" sz="1900" spc="-1" strike="noStrike">
-                <a:solidFill>
-                  <a:srgbClr val="1a1a1a"/>
+            <a:endParaRPr lang="pt-BR" b="0" strike="noStrike" spc="-1" dirty="0">
+              <a:latin typeface="Arial"/>
+            </a:endParaRPr>
+          </a:p>
+          <a:p>
+            <a:pPr>
+              <a:lnSpc>
+                <a:spcPct val="100000"/>
+              </a:lnSpc>
+            </a:pPr>
+            <a:r>
+              <a:rPr lang="pt-BR" b="1" strike="noStrike" spc="-1" dirty="0">
+                <a:solidFill>
+                  <a:srgbClr val="1A1A1A"/>
                 </a:solidFill>
                 <a:latin typeface="Arial"/>
                 <a:ea typeface="Arial"/>
@@ -5182,29 +5645,29 @@
               <a:t>Evento</a:t>
             </a:r>
             <a:r>
-              <a:rPr b="0" lang="en-US" sz="1900" spc="-1" strike="noStrike">
-                <a:solidFill>
-                  <a:srgbClr val="1a1a1a"/>
-                </a:solidFill>
-                <a:latin typeface="Arial"/>
-                <a:ea typeface="Arial"/>
-              </a:rPr>
-              <a:t>:Balcão solicita preparação dos itens.</a:t>
-            </a:r>
-            <a:endParaRPr b="0" lang="en-US" sz="1900" spc="-1" strike="noStrike">
-              <a:latin typeface="Arial"/>
-            </a:endParaRPr>
-          </a:p>
-          <a:p>
-            <a:pPr>
-              <a:lnSpc>
-                <a:spcPct val="100000"/>
-              </a:lnSpc>
-            </a:pPr>
-            <a:r>
-              <a:rPr b="1" lang="en-US" sz="1900" spc="-1" strike="noStrike">
-                <a:solidFill>
-                  <a:srgbClr val="1a1a1a"/>
+              <a:rPr lang="pt-BR" b="0" strike="noStrike" spc="-1" dirty="0">
+                <a:solidFill>
+                  <a:srgbClr val="1A1A1A"/>
+                </a:solidFill>
+                <a:latin typeface="Arial"/>
+                <a:ea typeface="Arial"/>
+              </a:rPr>
+              <a:t>: Balcão solicita preparação dos itens.</a:t>
+            </a:r>
+            <a:endParaRPr lang="pt-BR" b="0" strike="noStrike" spc="-1" dirty="0">
+              <a:latin typeface="Arial"/>
+            </a:endParaRPr>
+          </a:p>
+          <a:p>
+            <a:pPr>
+              <a:lnSpc>
+                <a:spcPct val="100000"/>
+              </a:lnSpc>
+            </a:pPr>
+            <a:r>
+              <a:rPr lang="pt-BR" b="1" strike="noStrike" spc="-1" dirty="0">
+                <a:solidFill>
+                  <a:srgbClr val="1A1A1A"/>
                 </a:solidFill>
                 <a:latin typeface="Arial"/>
                 <a:ea typeface="Arial"/>
@@ -5212,39 +5675,39 @@
               <a:t>Trabalhador Envolvido</a:t>
             </a:r>
             <a:r>
-              <a:rPr b="0" lang="en-US" sz="1900" spc="-1" strike="noStrike">
-                <a:solidFill>
-                  <a:srgbClr val="1a1a1a"/>
+              <a:rPr lang="pt-BR" b="0" strike="noStrike" spc="-1" dirty="0">
+                <a:solidFill>
+                  <a:srgbClr val="1A1A1A"/>
                 </a:solidFill>
                 <a:latin typeface="Arial"/>
                 <a:ea typeface="Arial"/>
               </a:rPr>
               <a:t>: Atendente</a:t>
             </a:r>
-            <a:endParaRPr b="0" lang="en-US" sz="1900" spc="-1" strike="noStrike">
-              <a:latin typeface="Arial"/>
-            </a:endParaRPr>
-          </a:p>
-          <a:p>
-            <a:pPr>
-              <a:lnSpc>
-                <a:spcPct val="100000"/>
-              </a:lnSpc>
-            </a:pPr>
-            <a:endParaRPr b="0" lang="en-US" sz="1900" spc="-1" strike="noStrike">
-              <a:latin typeface="Arial"/>
-            </a:endParaRPr>
-          </a:p>
-          <a:p>
-            <a:pPr>
-              <a:lnSpc>
-                <a:spcPct val="100000"/>
-              </a:lnSpc>
-            </a:pPr>
-            <a:r>
-              <a:rPr b="1" lang="en-US" sz="1900" spc="-1" strike="noStrike">
-                <a:solidFill>
-                  <a:srgbClr val="1a1a1a"/>
+            <a:endParaRPr lang="pt-BR" b="0" strike="noStrike" spc="-1" dirty="0">
+              <a:latin typeface="Arial"/>
+            </a:endParaRPr>
+          </a:p>
+          <a:p>
+            <a:pPr>
+              <a:lnSpc>
+                <a:spcPct val="100000"/>
+              </a:lnSpc>
+            </a:pPr>
+            <a:endParaRPr lang="pt-BR" b="0" strike="noStrike" spc="-1" dirty="0">
+              <a:latin typeface="Arial"/>
+            </a:endParaRPr>
+          </a:p>
+          <a:p>
+            <a:pPr>
+              <a:lnSpc>
+                <a:spcPct val="100000"/>
+              </a:lnSpc>
+            </a:pPr>
+            <a:r>
+              <a:rPr lang="pt-BR" b="1" strike="noStrike" spc="-1" dirty="0">
+                <a:solidFill>
+                  <a:srgbClr val="1A1A1A"/>
                 </a:solidFill>
                 <a:latin typeface="Arial"/>
                 <a:ea typeface="Arial"/>
@@ -5252,16 +5715,16 @@
               <a:t>1.</a:t>
             </a:r>
             <a:r>
-              <a:rPr b="0" lang="en-US" sz="1900" spc="-1" strike="noStrike">
-                <a:solidFill>
-                  <a:srgbClr val="1a1a1a"/>
+              <a:rPr lang="pt-BR" b="0" strike="noStrike" spc="-1" dirty="0">
+                <a:solidFill>
+                  <a:srgbClr val="1A1A1A"/>
                 </a:solidFill>
                 <a:latin typeface="Arial"/>
                 <a:ea typeface="Arial"/>
               </a:rPr>
               <a:t> Solicitar itens pendentes aos setores responsáveis, marcando os itens solicitados como "solicitado".</a:t>
             </a:r>
-            <a:endParaRPr b="0" lang="en-US" sz="1900" spc="-1" strike="noStrike">
+            <a:endParaRPr lang="pt-BR" b="0" strike="noStrike" spc="-1" dirty="0">
               <a:latin typeface="Arial"/>
             </a:endParaRPr>
           </a:p>
@@ -5269,12 +5732,12 @@
       </p:sp>
       <p:pic>
         <p:nvPicPr>
-          <p:cNvPr id="43" name="" descr=""/>
+          <p:cNvPr id="43" name="Imagem 42"/>
           <p:cNvPicPr/>
           <p:nvPr/>
         </p:nvPicPr>
         <p:blipFill>
-          <a:blip r:embed="rId1"/>
+          <a:blip r:embed="rId2"/>
           <a:stretch/>
         </p:blipFill>
         <p:spPr>
@@ -5292,19 +5755,14 @@
       </p:pic>
     </p:spTree>
   </p:cSld>
-  <mc:AlternateContent>
-    <mc:Choice Requires="p14">
-      <p:transition spd="slow" p14:dur="2000"/>
-    </mc:Choice>
-    <mc:Fallback>
-      <p:transition spd="slow"/>
-    </mc:Fallback>
-  </mc:AlternateContent>
+  <p:clrMapOvr>
+    <a:masterClrMapping/>
+  </p:clrMapOvr>
 </p:sld>
 </file>
 
 <file path=ppt/slides/slide4.xml><?xml version="1.0" encoding="utf-8"?>
-<p:sld xmlns:a="http://schemas.openxmlformats.org/drawingml/2006/main" xmlns:p="http://schemas.openxmlformats.org/presentationml/2006/main" xmlns:r="http://schemas.openxmlformats.org/officeDocument/2006/relationships" xmlns:p14="http://schemas.microsoft.com/office/powerpoint/2010/main" xmlns:p15="http://schemas.microsoft.com/office/powerpoint/2012/main" xmlns:mc="http://schemas.openxmlformats.org/markup-compatibility/2006">
+<p:sld xmlns:a="http://schemas.openxmlformats.org/drawingml/2006/main" xmlns:r="http://schemas.openxmlformats.org/officeDocument/2006/relationships" xmlns:p="http://schemas.openxmlformats.org/presentationml/2006/main">
   <p:cSld>
     <p:spTree>
       <p:nvGrpSpPr>
@@ -5340,25 +5798,32 @@
           </a:ln>
         </p:spPr>
         <p:style>
-          <a:lnRef idx="0"/>
-          <a:fillRef idx="0"/>
-          <a:effectRef idx="0"/>
+          <a:lnRef idx="0">
+            <a:scrgbClr r="0" g="0" b="0"/>
+          </a:lnRef>
+          <a:fillRef idx="0">
+            <a:scrgbClr r="0" g="0" b="0"/>
+          </a:fillRef>
+          <a:effectRef idx="0">
+            <a:scrgbClr r="0" g="0" b="0"/>
+          </a:effectRef>
           <a:fontRef idx="minor"/>
         </p:style>
         <p:txBody>
-          <a:bodyPr lIns="90000" rIns="90000" tIns="91440" bIns="91440">
+          <a:bodyPr lIns="90000" tIns="91440" rIns="90000" bIns="91440">
             <a:noAutofit/>
           </a:bodyPr>
-          <a:p>
-            <a:pPr>
-              <a:lnSpc>
-                <a:spcPct val="100000"/>
-              </a:lnSpc>
-            </a:pPr>
-            <a:r>
-              <a:rPr b="1" lang="en-US" sz="1900" spc="-1" strike="noStrike">
-                <a:solidFill>
-                  <a:srgbClr val="1a1a1a"/>
+          <a:lstStyle/>
+          <a:p>
+            <a:pPr>
+              <a:lnSpc>
+                <a:spcPct val="100000"/>
+              </a:lnSpc>
+            </a:pPr>
+            <a:r>
+              <a:rPr lang="pt-BR" b="1" strike="noStrike" spc="-1" dirty="0">
+                <a:solidFill>
+                  <a:srgbClr val="1A1A1A"/>
                 </a:solidFill>
                 <a:latin typeface="Arial"/>
                 <a:ea typeface="Arial"/>
@@ -5366,29 +5831,29 @@
               <a:t>Processo</a:t>
             </a:r>
             <a:r>
-              <a:rPr b="0" lang="en-US" sz="1900" spc="-1" strike="noStrike">
-                <a:solidFill>
-                  <a:srgbClr val="1a1a1a"/>
+              <a:rPr lang="pt-BR" b="0" strike="noStrike" spc="-1" dirty="0">
+                <a:solidFill>
+                  <a:srgbClr val="1A1A1A"/>
                 </a:solidFill>
                 <a:latin typeface="Arial"/>
                 <a:ea typeface="Arial"/>
               </a:rPr>
               <a:t>: Entregar Itens Prontos do Balcão</a:t>
             </a:r>
-            <a:endParaRPr b="0" lang="en-US" sz="1900" spc="-1" strike="noStrike">
-              <a:latin typeface="Arial"/>
-            </a:endParaRPr>
-          </a:p>
-          <a:p>
-            <a:pPr>
-              <a:lnSpc>
-                <a:spcPct val="100000"/>
-              </a:lnSpc>
-            </a:pPr>
-            <a:r>
-              <a:rPr b="1" lang="en-US" sz="1900" spc="-1" strike="noStrike">
-                <a:solidFill>
-                  <a:srgbClr val="1a1a1a"/>
+            <a:endParaRPr lang="pt-BR" b="0" strike="noStrike" spc="-1" dirty="0">
+              <a:latin typeface="Arial"/>
+            </a:endParaRPr>
+          </a:p>
+          <a:p>
+            <a:pPr>
+              <a:lnSpc>
+                <a:spcPct val="100000"/>
+              </a:lnSpc>
+            </a:pPr>
+            <a:r>
+              <a:rPr lang="pt-BR" b="1" strike="noStrike" spc="-1" dirty="0">
+                <a:solidFill>
+                  <a:srgbClr val="1A1A1A"/>
                 </a:solidFill>
                 <a:latin typeface="Arial"/>
                 <a:ea typeface="Arial"/>
@@ -5396,29 +5861,29 @@
               <a:t>Evento</a:t>
             </a:r>
             <a:r>
-              <a:rPr b="0" lang="en-US" sz="1900" spc="-1" strike="noStrike">
-                <a:solidFill>
-                  <a:srgbClr val="1a1a1a"/>
-                </a:solidFill>
-                <a:latin typeface="Arial"/>
-                <a:ea typeface="Arial"/>
-              </a:rPr>
-              <a:t>:Balcão entrega itens prontos.</a:t>
-            </a:r>
-            <a:endParaRPr b="0" lang="en-US" sz="1900" spc="-1" strike="noStrike">
-              <a:latin typeface="Arial"/>
-            </a:endParaRPr>
-          </a:p>
-          <a:p>
-            <a:pPr>
-              <a:lnSpc>
-                <a:spcPct val="100000"/>
-              </a:lnSpc>
-            </a:pPr>
-            <a:r>
-              <a:rPr b="1" lang="en-US" sz="1900" spc="-1" strike="noStrike">
-                <a:solidFill>
-                  <a:srgbClr val="1a1a1a"/>
+              <a:rPr lang="pt-BR" b="0" strike="noStrike" spc="-1" dirty="0">
+                <a:solidFill>
+                  <a:srgbClr val="1A1A1A"/>
+                </a:solidFill>
+                <a:latin typeface="Arial"/>
+                <a:ea typeface="Arial"/>
+              </a:rPr>
+              <a:t>: Balcão entrega itens prontos.</a:t>
+            </a:r>
+            <a:endParaRPr lang="pt-BR" b="0" strike="noStrike" spc="-1" dirty="0">
+              <a:latin typeface="Arial"/>
+            </a:endParaRPr>
+          </a:p>
+          <a:p>
+            <a:pPr>
+              <a:lnSpc>
+                <a:spcPct val="100000"/>
+              </a:lnSpc>
+            </a:pPr>
+            <a:r>
+              <a:rPr lang="pt-BR" b="1" strike="noStrike" spc="-1" dirty="0">
+                <a:solidFill>
+                  <a:srgbClr val="1A1A1A"/>
                 </a:solidFill>
                 <a:latin typeface="Arial"/>
                 <a:ea typeface="Arial"/>
@@ -5426,39 +5891,39 @@
               <a:t>Trabalhador Envolvido</a:t>
             </a:r>
             <a:r>
-              <a:rPr b="0" lang="en-US" sz="1900" spc="-1" strike="noStrike">
-                <a:solidFill>
-                  <a:srgbClr val="1a1a1a"/>
+              <a:rPr lang="pt-BR" b="0" strike="noStrike" spc="-1" dirty="0">
+                <a:solidFill>
+                  <a:srgbClr val="1A1A1A"/>
                 </a:solidFill>
                 <a:latin typeface="Arial"/>
                 <a:ea typeface="Arial"/>
               </a:rPr>
               <a:t>: Atendente</a:t>
             </a:r>
-            <a:endParaRPr b="0" lang="en-US" sz="1900" spc="-1" strike="noStrike">
-              <a:latin typeface="Arial"/>
-            </a:endParaRPr>
-          </a:p>
-          <a:p>
-            <a:pPr>
-              <a:lnSpc>
-                <a:spcPct val="100000"/>
-              </a:lnSpc>
-            </a:pPr>
-            <a:endParaRPr b="0" lang="en-US" sz="1900" spc="-1" strike="noStrike">
-              <a:latin typeface="Arial"/>
-            </a:endParaRPr>
-          </a:p>
-          <a:p>
-            <a:pPr>
-              <a:lnSpc>
-                <a:spcPct val="100000"/>
-              </a:lnSpc>
-            </a:pPr>
-            <a:r>
-              <a:rPr b="1" lang="en-US" sz="2000" spc="-1" strike="noStrike">
-                <a:solidFill>
-                  <a:srgbClr val="1a1a1a"/>
+            <a:endParaRPr lang="pt-BR" b="0" strike="noStrike" spc="-1" dirty="0">
+              <a:latin typeface="Arial"/>
+            </a:endParaRPr>
+          </a:p>
+          <a:p>
+            <a:pPr>
+              <a:lnSpc>
+                <a:spcPct val="100000"/>
+              </a:lnSpc>
+            </a:pPr>
+            <a:endParaRPr lang="pt-BR" b="0" strike="noStrike" spc="-1" dirty="0">
+              <a:latin typeface="Arial"/>
+            </a:endParaRPr>
+          </a:p>
+          <a:p>
+            <a:pPr>
+              <a:lnSpc>
+                <a:spcPct val="100000"/>
+              </a:lnSpc>
+            </a:pPr>
+            <a:r>
+              <a:rPr lang="pt-BR" b="1" strike="noStrike" spc="-1" dirty="0">
+                <a:solidFill>
+                  <a:srgbClr val="1A1A1A"/>
                 </a:solidFill>
                 <a:latin typeface="Arial"/>
                 <a:ea typeface="Arial"/>
@@ -5466,16 +5931,16 @@
               <a:t>1.</a:t>
             </a:r>
             <a:r>
-              <a:rPr b="0" lang="en-US" sz="2000" spc="-1" strike="noStrike">
-                <a:solidFill>
-                  <a:srgbClr val="1a1a1a"/>
+              <a:rPr lang="pt-BR" b="0" strike="noStrike" spc="-1" dirty="0">
+                <a:solidFill>
+                  <a:srgbClr val="1A1A1A"/>
                 </a:solidFill>
                 <a:latin typeface="Arial"/>
                 <a:ea typeface="Arial"/>
               </a:rPr>
               <a:t> Entregar os itens prontos ao cliente, marcando os itens entregues como "entregue".</a:t>
             </a:r>
-            <a:endParaRPr b="0" lang="en-US" sz="2000" spc="-1" strike="noStrike">
+            <a:endParaRPr lang="pt-BR" b="0" strike="noStrike" spc="-1" dirty="0">
               <a:latin typeface="Arial"/>
             </a:endParaRPr>
           </a:p>
@@ -5483,12 +5948,12 @@
       </p:sp>
       <p:pic>
         <p:nvPicPr>
-          <p:cNvPr id="45" name="" descr=""/>
+          <p:cNvPr id="45" name="Imagem 44"/>
           <p:cNvPicPr/>
           <p:nvPr/>
         </p:nvPicPr>
         <p:blipFill>
-          <a:blip r:embed="rId1"/>
+          <a:blip r:embed="rId2"/>
           <a:stretch/>
         </p:blipFill>
         <p:spPr>
@@ -5506,19 +5971,14 @@
       </p:pic>
     </p:spTree>
   </p:cSld>
-  <mc:AlternateContent>
-    <mc:Choice Requires="p14">
-      <p:transition spd="slow" p14:dur="2000"/>
-    </mc:Choice>
-    <mc:Fallback>
-      <p:transition spd="slow"/>
-    </mc:Fallback>
-  </mc:AlternateContent>
+  <p:clrMapOvr>
+    <a:masterClrMapping/>
+  </p:clrMapOvr>
 </p:sld>
 </file>
 
 <file path=ppt/slides/slide5.xml><?xml version="1.0" encoding="utf-8"?>
-<p:sld xmlns:a="http://schemas.openxmlformats.org/drawingml/2006/main" xmlns:p="http://schemas.openxmlformats.org/presentationml/2006/main" xmlns:r="http://schemas.openxmlformats.org/officeDocument/2006/relationships" xmlns:p14="http://schemas.microsoft.com/office/powerpoint/2010/main" xmlns:p15="http://schemas.microsoft.com/office/powerpoint/2012/main" xmlns:mc="http://schemas.openxmlformats.org/markup-compatibility/2006">
+<p:sld xmlns:a="http://schemas.openxmlformats.org/drawingml/2006/main" xmlns:r="http://schemas.openxmlformats.org/officeDocument/2006/relationships" xmlns:p="http://schemas.openxmlformats.org/presentationml/2006/main">
   <p:cSld>
     <p:spTree>
       <p:nvGrpSpPr>
@@ -5554,25 +6014,32 @@
           </a:ln>
         </p:spPr>
         <p:style>
-          <a:lnRef idx="0"/>
-          <a:fillRef idx="0"/>
-          <a:effectRef idx="0"/>
+          <a:lnRef idx="0">
+            <a:scrgbClr r="0" g="0" b="0"/>
+          </a:lnRef>
+          <a:fillRef idx="0">
+            <a:scrgbClr r="0" g="0" b="0"/>
+          </a:fillRef>
+          <a:effectRef idx="0">
+            <a:scrgbClr r="0" g="0" b="0"/>
+          </a:effectRef>
           <a:fontRef idx="minor"/>
         </p:style>
         <p:txBody>
-          <a:bodyPr lIns="90000" rIns="90000" tIns="91440" bIns="91440">
+          <a:bodyPr lIns="90000" tIns="91440" rIns="90000" bIns="91440">
             <a:noAutofit/>
           </a:bodyPr>
-          <a:p>
-            <a:pPr>
-              <a:lnSpc>
-                <a:spcPct val="100000"/>
-              </a:lnSpc>
-            </a:pPr>
-            <a:r>
-              <a:rPr b="1" lang="en-US" sz="2000" spc="-1" strike="noStrike">
-                <a:solidFill>
-                  <a:srgbClr val="1a1a1a"/>
+          <a:lstStyle/>
+          <a:p>
+            <a:pPr>
+              <a:lnSpc>
+                <a:spcPct val="100000"/>
+              </a:lnSpc>
+            </a:pPr>
+            <a:r>
+              <a:rPr lang="pt-BR" b="1" strike="noStrike" spc="-1" dirty="0">
+                <a:solidFill>
+                  <a:srgbClr val="1A1A1A"/>
                 </a:solidFill>
                 <a:latin typeface="Arial"/>
                 <a:ea typeface="Arial"/>
@@ -5580,29 +6047,29 @@
               <a:t>Processo</a:t>
             </a:r>
             <a:r>
-              <a:rPr b="0" lang="en-US" sz="2000" spc="-1" strike="noStrike">
-                <a:solidFill>
-                  <a:srgbClr val="1a1a1a"/>
+              <a:rPr lang="pt-BR" b="0" strike="noStrike" spc="-1" dirty="0">
+                <a:solidFill>
+                  <a:srgbClr val="1A1A1A"/>
                 </a:solidFill>
                 <a:latin typeface="Arial"/>
                 <a:ea typeface="Arial"/>
               </a:rPr>
               <a:t>: Entregar Itens Prontos do Setor de Pizzaiolos</a:t>
             </a:r>
-            <a:endParaRPr b="0" lang="en-US" sz="2000" spc="-1" strike="noStrike">
-              <a:latin typeface="Arial"/>
-            </a:endParaRPr>
-          </a:p>
-          <a:p>
-            <a:pPr>
-              <a:lnSpc>
-                <a:spcPct val="100000"/>
-              </a:lnSpc>
-            </a:pPr>
-            <a:r>
-              <a:rPr b="1" lang="en-US" sz="2000" spc="-1" strike="noStrike">
-                <a:solidFill>
-                  <a:srgbClr val="1a1a1a"/>
+            <a:endParaRPr lang="pt-BR" b="0" strike="noStrike" spc="-1" dirty="0">
+              <a:latin typeface="Arial"/>
+            </a:endParaRPr>
+          </a:p>
+          <a:p>
+            <a:pPr>
+              <a:lnSpc>
+                <a:spcPct val="100000"/>
+              </a:lnSpc>
+            </a:pPr>
+            <a:r>
+              <a:rPr lang="pt-BR" b="1" strike="noStrike" spc="-1" dirty="0">
+                <a:solidFill>
+                  <a:srgbClr val="1A1A1A"/>
                 </a:solidFill>
                 <a:latin typeface="Arial"/>
                 <a:ea typeface="Arial"/>
@@ -5610,29 +6077,29 @@
               <a:t>Evento</a:t>
             </a:r>
             <a:r>
-              <a:rPr b="0" lang="en-US" sz="2000" spc="-1" strike="noStrike">
-                <a:solidFill>
-                  <a:srgbClr val="1a1a1a"/>
+              <a:rPr lang="pt-BR" b="0" strike="noStrike" spc="-1" dirty="0">
+                <a:solidFill>
+                  <a:srgbClr val="1A1A1A"/>
                 </a:solidFill>
                 <a:latin typeface="Arial"/>
                 <a:ea typeface="Arial"/>
               </a:rPr>
               <a:t>: Pizzaiolos entregam itens prontos</a:t>
             </a:r>
-            <a:endParaRPr b="0" lang="en-US" sz="2000" spc="-1" strike="noStrike">
-              <a:latin typeface="Arial"/>
-            </a:endParaRPr>
-          </a:p>
-          <a:p>
-            <a:pPr>
-              <a:lnSpc>
-                <a:spcPct val="100000"/>
-              </a:lnSpc>
-            </a:pPr>
-            <a:r>
-              <a:rPr b="1" lang="en-US" sz="2000" spc="-1" strike="noStrike">
-                <a:solidFill>
-                  <a:srgbClr val="1a1a1a"/>
+            <a:endParaRPr lang="pt-BR" b="0" strike="noStrike" spc="-1" dirty="0">
+              <a:latin typeface="Arial"/>
+            </a:endParaRPr>
+          </a:p>
+          <a:p>
+            <a:pPr>
+              <a:lnSpc>
+                <a:spcPct val="100000"/>
+              </a:lnSpc>
+            </a:pPr>
+            <a:r>
+              <a:rPr lang="pt-BR" b="1" strike="noStrike" spc="-1" dirty="0">
+                <a:solidFill>
+                  <a:srgbClr val="1A1A1A"/>
                 </a:solidFill>
                 <a:latin typeface="Arial"/>
                 <a:ea typeface="Arial"/>
@@ -5640,29 +6107,29 @@
               <a:t>Trabalhador Envolvido</a:t>
             </a:r>
             <a:r>
-              <a:rPr b="0" lang="en-US" sz="2000" spc="-1" strike="noStrike">
-                <a:solidFill>
-                  <a:srgbClr val="1a1a1a"/>
+              <a:rPr lang="pt-BR" b="0" strike="noStrike" spc="-1" dirty="0">
+                <a:solidFill>
+                  <a:srgbClr val="1A1A1A"/>
                 </a:solidFill>
                 <a:latin typeface="Arial"/>
                 <a:ea typeface="Arial"/>
               </a:rPr>
               <a:t>: Atendente</a:t>
             </a:r>
-            <a:endParaRPr b="0" lang="en-US" sz="2000" spc="-1" strike="noStrike">
-              <a:latin typeface="Arial"/>
-            </a:endParaRPr>
-          </a:p>
-          <a:p>
-            <a:pPr>
-              <a:lnSpc>
-                <a:spcPct val="100000"/>
-              </a:lnSpc>
-            </a:pPr>
-            <a:r>
-              <a:rPr b="1" lang="en-US" sz="2000" spc="-1" strike="noStrike">
-                <a:solidFill>
-                  <a:srgbClr val="1a1a1a"/>
+            <a:endParaRPr lang="pt-BR" b="0" strike="noStrike" spc="-1" dirty="0">
+              <a:latin typeface="Arial"/>
+            </a:endParaRPr>
+          </a:p>
+          <a:p>
+            <a:pPr>
+              <a:lnSpc>
+                <a:spcPct val="100000"/>
+              </a:lnSpc>
+            </a:pPr>
+            <a:r>
+              <a:rPr lang="pt-BR" b="1" strike="noStrike" spc="-1" dirty="0">
+                <a:solidFill>
+                  <a:srgbClr val="1A1A1A"/>
                 </a:solidFill>
                 <a:latin typeface="Arial"/>
                 <a:ea typeface="Arial"/>
@@ -5670,16 +6137,16 @@
               <a:t>1.</a:t>
             </a:r>
             <a:r>
-              <a:rPr b="0" lang="en-US" sz="2000" spc="-1" strike="noStrike">
-                <a:solidFill>
-                  <a:srgbClr val="1a1a1a"/>
+              <a:rPr lang="pt-BR" b="0" strike="noStrike" spc="-1" dirty="0">
+                <a:solidFill>
+                  <a:srgbClr val="1A1A1A"/>
                 </a:solidFill>
                 <a:latin typeface="Arial"/>
                 <a:ea typeface="Arial"/>
               </a:rPr>
               <a:t> Entregar os itens prontos do setor de pizzaiolos ao cliente, marcando os itens entregues como "entregue".</a:t>
             </a:r>
-            <a:endParaRPr b="0" lang="en-US" sz="2000" spc="-1" strike="noStrike">
+            <a:endParaRPr lang="pt-BR" b="0" strike="noStrike" spc="-1" dirty="0">
               <a:latin typeface="Arial"/>
             </a:endParaRPr>
           </a:p>
@@ -5687,12 +6154,12 @@
       </p:sp>
       <p:pic>
         <p:nvPicPr>
-          <p:cNvPr id="47" name="" descr=""/>
+          <p:cNvPr id="47" name="Imagem 46"/>
           <p:cNvPicPr/>
           <p:nvPr/>
         </p:nvPicPr>
         <p:blipFill>
-          <a:blip r:embed="rId1"/>
+          <a:blip r:embed="rId2"/>
           <a:stretch/>
         </p:blipFill>
         <p:spPr>
@@ -5710,19 +6177,14 @@
       </p:pic>
     </p:spTree>
   </p:cSld>
-  <mc:AlternateContent>
-    <mc:Choice Requires="p14">
-      <p:transition spd="slow" p14:dur="2000"/>
-    </mc:Choice>
-    <mc:Fallback>
-      <p:transition spd="slow"/>
-    </mc:Fallback>
-  </mc:AlternateContent>
+  <p:clrMapOvr>
+    <a:masterClrMapping/>
+  </p:clrMapOvr>
 </p:sld>
 </file>
 
 <file path=ppt/slides/slide6.xml><?xml version="1.0" encoding="utf-8"?>
-<p:sld xmlns:a="http://schemas.openxmlformats.org/drawingml/2006/main" xmlns:p="http://schemas.openxmlformats.org/presentationml/2006/main" xmlns:r="http://schemas.openxmlformats.org/officeDocument/2006/relationships" xmlns:p14="http://schemas.microsoft.com/office/powerpoint/2010/main" xmlns:p15="http://schemas.microsoft.com/office/powerpoint/2012/main" xmlns:mc="http://schemas.openxmlformats.org/markup-compatibility/2006">
+<p:sld xmlns:a="http://schemas.openxmlformats.org/drawingml/2006/main" xmlns:r="http://schemas.openxmlformats.org/officeDocument/2006/relationships" xmlns:p="http://schemas.openxmlformats.org/presentationml/2006/main">
   <p:cSld>
     <p:spTree>
       <p:nvGrpSpPr>
@@ -5758,25 +6220,32 @@
           </a:ln>
         </p:spPr>
         <p:style>
-          <a:lnRef idx="0"/>
-          <a:fillRef idx="0"/>
-          <a:effectRef idx="0"/>
+          <a:lnRef idx="0">
+            <a:scrgbClr r="0" g="0" b="0"/>
+          </a:lnRef>
+          <a:fillRef idx="0">
+            <a:scrgbClr r="0" g="0" b="0"/>
+          </a:fillRef>
+          <a:effectRef idx="0">
+            <a:scrgbClr r="0" g="0" b="0"/>
+          </a:effectRef>
           <a:fontRef idx="minor"/>
         </p:style>
         <p:txBody>
-          <a:bodyPr lIns="90000" rIns="90000" tIns="91440" bIns="91440">
+          <a:bodyPr lIns="90000" tIns="91440" rIns="90000" bIns="91440">
             <a:noAutofit/>
           </a:bodyPr>
-          <a:p>
-            <a:pPr>
-              <a:lnSpc>
-                <a:spcPct val="100000"/>
-              </a:lnSpc>
-            </a:pPr>
-            <a:r>
-              <a:rPr b="1" lang="en-US" sz="2000" spc="-1" strike="noStrike">
-                <a:solidFill>
-                  <a:srgbClr val="1a1a1a"/>
+          <a:lstStyle/>
+          <a:p>
+            <a:pPr>
+              <a:lnSpc>
+                <a:spcPct val="100000"/>
+              </a:lnSpc>
+            </a:pPr>
+            <a:r>
+              <a:rPr lang="pt-BR" b="1" strike="noStrike" spc="-1" dirty="0">
+                <a:solidFill>
+                  <a:srgbClr val="1A1A1A"/>
                 </a:solidFill>
                 <a:latin typeface="Arial"/>
                 <a:ea typeface="Arial"/>
@@ -5784,29 +6253,29 @@
               <a:t>Processo</a:t>
             </a:r>
             <a:r>
-              <a:rPr b="0" lang="en-US" sz="2000" spc="-1" strike="noStrike">
-                <a:solidFill>
-                  <a:srgbClr val="1a1a1a"/>
+              <a:rPr lang="pt-BR" b="0" strike="noStrike" spc="-1" dirty="0">
+                <a:solidFill>
+                  <a:srgbClr val="1A1A1A"/>
                 </a:solidFill>
                 <a:latin typeface="Arial"/>
                 <a:ea typeface="Arial"/>
               </a:rPr>
               <a:t>: Entregar Conta ao Cliente</a:t>
             </a:r>
-            <a:endParaRPr b="0" lang="en-US" sz="2000" spc="-1" strike="noStrike">
-              <a:latin typeface="Arial"/>
-            </a:endParaRPr>
-          </a:p>
-          <a:p>
-            <a:pPr>
-              <a:lnSpc>
-                <a:spcPct val="100000"/>
-              </a:lnSpc>
-            </a:pPr>
-            <a:r>
-              <a:rPr b="1" lang="en-US" sz="2000" spc="-1" strike="noStrike">
-                <a:solidFill>
-                  <a:srgbClr val="1a1a1a"/>
+            <a:endParaRPr lang="pt-BR" b="0" strike="noStrike" spc="-1" dirty="0">
+              <a:latin typeface="Arial"/>
+            </a:endParaRPr>
+          </a:p>
+          <a:p>
+            <a:pPr>
+              <a:lnSpc>
+                <a:spcPct val="100000"/>
+              </a:lnSpc>
+            </a:pPr>
+            <a:r>
+              <a:rPr lang="pt-BR" b="1" strike="noStrike" spc="-1" dirty="0">
+                <a:solidFill>
+                  <a:srgbClr val="1A1A1A"/>
                 </a:solidFill>
                 <a:latin typeface="Arial"/>
                 <a:ea typeface="Arial"/>
@@ -5814,29 +6283,29 @@
               <a:t>Evento</a:t>
             </a:r>
             <a:r>
-              <a:rPr b="0" lang="en-US" sz="2000" spc="-1" strike="noStrike">
-                <a:solidFill>
-                  <a:srgbClr val="1a1a1a"/>
+              <a:rPr lang="pt-BR" b="0" strike="noStrike" spc="-1" dirty="0">
+                <a:solidFill>
+                  <a:srgbClr val="1A1A1A"/>
                 </a:solidFill>
                 <a:latin typeface="Arial"/>
                 <a:ea typeface="Arial"/>
               </a:rPr>
               <a:t>: Caixa envia conta</a:t>
             </a:r>
-            <a:endParaRPr b="0" lang="en-US" sz="2000" spc="-1" strike="noStrike">
-              <a:latin typeface="Arial"/>
-            </a:endParaRPr>
-          </a:p>
-          <a:p>
-            <a:pPr>
-              <a:lnSpc>
-                <a:spcPct val="100000"/>
-              </a:lnSpc>
-            </a:pPr>
-            <a:r>
-              <a:rPr b="1" lang="en-US" sz="2000" spc="-1" strike="noStrike">
-                <a:solidFill>
-                  <a:srgbClr val="1a1a1a"/>
+            <a:endParaRPr lang="pt-BR" b="0" strike="noStrike" spc="-1" dirty="0">
+              <a:latin typeface="Arial"/>
+            </a:endParaRPr>
+          </a:p>
+          <a:p>
+            <a:pPr>
+              <a:lnSpc>
+                <a:spcPct val="100000"/>
+              </a:lnSpc>
+            </a:pPr>
+            <a:r>
+              <a:rPr lang="pt-BR" b="1" strike="noStrike" spc="-1" dirty="0">
+                <a:solidFill>
+                  <a:srgbClr val="1A1A1A"/>
                 </a:solidFill>
                 <a:latin typeface="Arial"/>
                 <a:ea typeface="Arial"/>
@@ -5844,39 +6313,39 @@
               <a:t>Trabalhador Envolvido</a:t>
             </a:r>
             <a:r>
-              <a:rPr b="0" lang="en-US" sz="2000" spc="-1" strike="noStrike">
-                <a:solidFill>
-                  <a:srgbClr val="1a1a1a"/>
+              <a:rPr lang="pt-BR" b="0" strike="noStrike" spc="-1" dirty="0">
+                <a:solidFill>
+                  <a:srgbClr val="1A1A1A"/>
                 </a:solidFill>
                 <a:latin typeface="Arial"/>
                 <a:ea typeface="Arial"/>
               </a:rPr>
               <a:t>: Atendente</a:t>
             </a:r>
-            <a:endParaRPr b="0" lang="en-US" sz="2000" spc="-1" strike="noStrike">
-              <a:latin typeface="Arial"/>
-            </a:endParaRPr>
-          </a:p>
-          <a:p>
-            <a:pPr>
-              <a:lnSpc>
-                <a:spcPct val="100000"/>
-              </a:lnSpc>
-            </a:pPr>
-            <a:endParaRPr b="0" lang="en-US" sz="2000" spc="-1" strike="noStrike">
-              <a:latin typeface="Arial"/>
-            </a:endParaRPr>
-          </a:p>
-          <a:p>
-            <a:pPr>
-              <a:lnSpc>
-                <a:spcPct val="100000"/>
-              </a:lnSpc>
-            </a:pPr>
-            <a:r>
-              <a:rPr b="1" lang="en-US" sz="2000" spc="-1" strike="noStrike">
-                <a:solidFill>
-                  <a:srgbClr val="1a1a1a"/>
+            <a:endParaRPr lang="pt-BR" b="0" strike="noStrike" spc="-1" dirty="0">
+              <a:latin typeface="Arial"/>
+            </a:endParaRPr>
+          </a:p>
+          <a:p>
+            <a:pPr>
+              <a:lnSpc>
+                <a:spcPct val="100000"/>
+              </a:lnSpc>
+            </a:pPr>
+            <a:endParaRPr lang="pt-BR" b="0" strike="noStrike" spc="-1" dirty="0">
+              <a:latin typeface="Arial"/>
+            </a:endParaRPr>
+          </a:p>
+          <a:p>
+            <a:pPr>
+              <a:lnSpc>
+                <a:spcPct val="100000"/>
+              </a:lnSpc>
+            </a:pPr>
+            <a:r>
+              <a:rPr lang="pt-BR" b="1" strike="noStrike" spc="-1" dirty="0">
+                <a:solidFill>
+                  <a:srgbClr val="1A1A1A"/>
                 </a:solidFill>
                 <a:latin typeface="Arial"/>
                 <a:ea typeface="Arial"/>
@@ -5884,16 +6353,16 @@
               <a:t>1.</a:t>
             </a:r>
             <a:r>
-              <a:rPr b="0" lang="en-US" sz="2000" spc="-1" strike="noStrike">
-                <a:solidFill>
-                  <a:srgbClr val="1a1a1a"/>
+              <a:rPr lang="pt-BR" b="0" strike="noStrike" spc="-1" dirty="0">
+                <a:solidFill>
+                  <a:srgbClr val="1A1A1A"/>
                 </a:solidFill>
                 <a:latin typeface="Arial"/>
                 <a:ea typeface="Arial"/>
               </a:rPr>
               <a:t> Atendente deverá enviar a conta ao cliente.</a:t>
             </a:r>
-            <a:endParaRPr b="0" lang="en-US" sz="2000" spc="-1" strike="noStrike">
+            <a:endParaRPr lang="pt-BR" b="0" strike="noStrike" spc="-1" dirty="0">
               <a:latin typeface="Arial"/>
             </a:endParaRPr>
           </a:p>
@@ -5901,12 +6370,12 @@
       </p:sp>
       <p:pic>
         <p:nvPicPr>
-          <p:cNvPr id="49" name="" descr=""/>
+          <p:cNvPr id="49" name="Imagem 48"/>
           <p:cNvPicPr/>
           <p:nvPr/>
         </p:nvPicPr>
         <p:blipFill>
-          <a:blip r:embed="rId1"/>
+          <a:blip r:embed="rId2"/>
           <a:stretch/>
         </p:blipFill>
         <p:spPr>
@@ -5924,19 +6393,14 @@
       </p:pic>
     </p:spTree>
   </p:cSld>
-  <mc:AlternateContent>
-    <mc:Choice Requires="p14">
-      <p:transition spd="slow" p14:dur="2000"/>
-    </mc:Choice>
-    <mc:Fallback>
-      <p:transition spd="slow"/>
-    </mc:Fallback>
-  </mc:AlternateContent>
+  <p:clrMapOvr>
+    <a:masterClrMapping/>
+  </p:clrMapOvr>
 </p:sld>
 </file>
 
 <file path=ppt/slides/slide7.xml><?xml version="1.0" encoding="utf-8"?>
-<p:sld xmlns:a="http://schemas.openxmlformats.org/drawingml/2006/main" xmlns:p="http://schemas.openxmlformats.org/presentationml/2006/main" xmlns:r="http://schemas.openxmlformats.org/officeDocument/2006/relationships" xmlns:p14="http://schemas.microsoft.com/office/powerpoint/2010/main" xmlns:p15="http://schemas.microsoft.com/office/powerpoint/2012/main" xmlns:mc="http://schemas.openxmlformats.org/markup-compatibility/2006">
+<p:sld xmlns:a="http://schemas.openxmlformats.org/drawingml/2006/main" xmlns:r="http://schemas.openxmlformats.org/officeDocument/2006/relationships" xmlns:p="http://schemas.openxmlformats.org/presentationml/2006/main">
   <p:cSld>
     <p:spTree>
       <p:nvGrpSpPr>
@@ -5972,25 +6436,32 @@
           </a:ln>
         </p:spPr>
         <p:style>
-          <a:lnRef idx="0"/>
-          <a:fillRef idx="0"/>
-          <a:effectRef idx="0"/>
+          <a:lnRef idx="0">
+            <a:scrgbClr r="0" g="0" b="0"/>
+          </a:lnRef>
+          <a:fillRef idx="0">
+            <a:scrgbClr r="0" g="0" b="0"/>
+          </a:fillRef>
+          <a:effectRef idx="0">
+            <a:scrgbClr r="0" g="0" b="0"/>
+          </a:effectRef>
           <a:fontRef idx="minor"/>
         </p:style>
         <p:txBody>
-          <a:bodyPr lIns="90000" rIns="90000" tIns="91440" bIns="91440">
+          <a:bodyPr lIns="90000" tIns="91440" rIns="90000" bIns="91440">
             <a:noAutofit/>
           </a:bodyPr>
-          <a:p>
-            <a:pPr>
-              <a:lnSpc>
-                <a:spcPct val="100000"/>
-              </a:lnSpc>
-            </a:pPr>
-            <a:r>
-              <a:rPr b="1" lang="en-US" sz="2000" spc="-1" strike="noStrike">
-                <a:solidFill>
-                  <a:srgbClr val="1a1a1a"/>
+          <a:lstStyle/>
+          <a:p>
+            <a:pPr>
+              <a:lnSpc>
+                <a:spcPct val="100000"/>
+              </a:lnSpc>
+            </a:pPr>
+            <a:r>
+              <a:rPr lang="pt-BR" b="1" strike="noStrike" spc="-1" dirty="0">
+                <a:solidFill>
+                  <a:srgbClr val="1A1A1A"/>
                 </a:solidFill>
                 <a:latin typeface="Arial"/>
                 <a:ea typeface="Arial"/>
@@ -5998,29 +6469,29 @@
               <a:t>Processo</a:t>
             </a:r>
             <a:r>
-              <a:rPr b="0" lang="en-US" sz="2000" spc="-1" strike="noStrike">
-                <a:solidFill>
-                  <a:srgbClr val="1a1a1a"/>
+              <a:rPr lang="pt-BR" b="0" strike="noStrike" spc="-1" dirty="0">
+                <a:solidFill>
+                  <a:srgbClr val="1A1A1A"/>
                 </a:solidFill>
                 <a:latin typeface="Arial"/>
                 <a:ea typeface="Arial"/>
               </a:rPr>
               <a:t>: Encaminhar Solicitação de Conta</a:t>
             </a:r>
-            <a:endParaRPr b="0" lang="en-US" sz="2000" spc="-1" strike="noStrike">
-              <a:latin typeface="Arial"/>
-            </a:endParaRPr>
-          </a:p>
-          <a:p>
-            <a:pPr>
-              <a:lnSpc>
-                <a:spcPct val="100000"/>
-              </a:lnSpc>
-            </a:pPr>
-            <a:r>
-              <a:rPr b="1" lang="en-US" sz="2000" spc="-1" strike="noStrike">
-                <a:solidFill>
-                  <a:srgbClr val="1a1a1a"/>
+            <a:endParaRPr lang="pt-BR" b="0" strike="noStrike" spc="-1" dirty="0">
+              <a:latin typeface="Arial"/>
+            </a:endParaRPr>
+          </a:p>
+          <a:p>
+            <a:pPr>
+              <a:lnSpc>
+                <a:spcPct val="100000"/>
+              </a:lnSpc>
+            </a:pPr>
+            <a:r>
+              <a:rPr lang="pt-BR" b="1" strike="noStrike" spc="-1" dirty="0">
+                <a:solidFill>
+                  <a:srgbClr val="1A1A1A"/>
                 </a:solidFill>
                 <a:latin typeface="Arial"/>
                 <a:ea typeface="Arial"/>
@@ -6028,29 +6499,29 @@
               <a:t>Evento</a:t>
             </a:r>
             <a:r>
-              <a:rPr b="0" lang="en-US" sz="2000" spc="-1" strike="noStrike">
-                <a:solidFill>
-                  <a:srgbClr val="1a1a1a"/>
+              <a:rPr lang="pt-BR" b="0" strike="noStrike" spc="-1" dirty="0">
+                <a:solidFill>
+                  <a:srgbClr val="1A1A1A"/>
                 </a:solidFill>
                 <a:latin typeface="Arial"/>
                 <a:ea typeface="Arial"/>
               </a:rPr>
               <a:t>: Cliente solicita conta</a:t>
             </a:r>
-            <a:endParaRPr b="0" lang="en-US" sz="2000" spc="-1" strike="noStrike">
-              <a:latin typeface="Arial"/>
-            </a:endParaRPr>
-          </a:p>
-          <a:p>
-            <a:pPr>
-              <a:lnSpc>
-                <a:spcPct val="100000"/>
-              </a:lnSpc>
-            </a:pPr>
-            <a:r>
-              <a:rPr b="1" lang="en-US" sz="2000" spc="-1" strike="noStrike">
-                <a:solidFill>
-                  <a:srgbClr val="1a1a1a"/>
+            <a:endParaRPr lang="pt-BR" b="0" strike="noStrike" spc="-1" dirty="0">
+              <a:latin typeface="Arial"/>
+            </a:endParaRPr>
+          </a:p>
+          <a:p>
+            <a:pPr>
+              <a:lnSpc>
+                <a:spcPct val="100000"/>
+              </a:lnSpc>
+            </a:pPr>
+            <a:r>
+              <a:rPr lang="pt-BR" b="1" strike="noStrike" spc="-1" dirty="0">
+                <a:solidFill>
+                  <a:srgbClr val="1A1A1A"/>
                 </a:solidFill>
                 <a:latin typeface="Arial"/>
                 <a:ea typeface="Arial"/>
@@ -6058,29 +6529,29 @@
               <a:t>Trabalhador Envolvido</a:t>
             </a:r>
             <a:r>
-              <a:rPr b="0" lang="en-US" sz="2000" spc="-1" strike="noStrike">
-                <a:solidFill>
-                  <a:srgbClr val="1a1a1a"/>
+              <a:rPr lang="pt-BR" b="0" strike="noStrike" spc="-1" dirty="0">
+                <a:solidFill>
+                  <a:srgbClr val="1A1A1A"/>
                 </a:solidFill>
                 <a:latin typeface="Arial"/>
                 <a:ea typeface="Arial"/>
               </a:rPr>
               <a:t>: Atendente</a:t>
             </a:r>
-            <a:endParaRPr b="0" lang="en-US" sz="2000" spc="-1" strike="noStrike">
-              <a:latin typeface="Arial"/>
-            </a:endParaRPr>
-          </a:p>
-          <a:p>
-            <a:pPr>
-              <a:lnSpc>
-                <a:spcPct val="100000"/>
-              </a:lnSpc>
-            </a:pPr>
-            <a:r>
-              <a:rPr b="1" lang="en-US" sz="2000" spc="-1" strike="noStrike">
-                <a:solidFill>
-                  <a:srgbClr val="1a1a1a"/>
+            <a:endParaRPr lang="pt-BR" b="0" strike="noStrike" spc="-1" dirty="0">
+              <a:latin typeface="Arial"/>
+            </a:endParaRPr>
+          </a:p>
+          <a:p>
+            <a:pPr>
+              <a:lnSpc>
+                <a:spcPct val="100000"/>
+              </a:lnSpc>
+            </a:pPr>
+            <a:r>
+              <a:rPr lang="pt-BR" b="1" strike="noStrike" spc="-1" dirty="0">
+                <a:solidFill>
+                  <a:srgbClr val="1A1A1A"/>
                 </a:solidFill>
                 <a:latin typeface="Arial"/>
                 <a:ea typeface="Arial"/>
@@ -6088,16 +6559,16 @@
               <a:t>1.</a:t>
             </a:r>
             <a:r>
-              <a:rPr b="0" lang="en-US" sz="2000" spc="-1" strike="noStrike">
-                <a:solidFill>
-                  <a:srgbClr val="1a1a1a"/>
+              <a:rPr lang="pt-BR" b="0" strike="noStrike" spc="-1" dirty="0">
+                <a:solidFill>
+                  <a:srgbClr val="1A1A1A"/>
                 </a:solidFill>
                 <a:latin typeface="Arial"/>
                 <a:ea typeface="Arial"/>
               </a:rPr>
               <a:t> Encaminhar a solicitação de conta ao Caixa, marcando o pedido correspondente como "conta solicitada".</a:t>
             </a:r>
-            <a:endParaRPr b="0" lang="en-US" sz="2000" spc="-1" strike="noStrike">
+            <a:endParaRPr lang="pt-BR" b="0" strike="noStrike" spc="-1" dirty="0">
               <a:latin typeface="Arial"/>
             </a:endParaRPr>
           </a:p>
@@ -6105,12 +6576,12 @@
       </p:sp>
       <p:pic>
         <p:nvPicPr>
-          <p:cNvPr id="51" name="" descr=""/>
+          <p:cNvPr id="51" name="Imagem 50"/>
           <p:cNvPicPr/>
           <p:nvPr/>
         </p:nvPicPr>
         <p:blipFill>
-          <a:blip r:embed="rId1"/>
+          <a:blip r:embed="rId2"/>
           <a:stretch/>
         </p:blipFill>
         <p:spPr>
@@ -6128,19 +6599,14 @@
       </p:pic>
     </p:spTree>
   </p:cSld>
-  <mc:AlternateContent>
-    <mc:Choice Requires="p14">
-      <p:transition spd="slow" p14:dur="2000"/>
-    </mc:Choice>
-    <mc:Fallback>
-      <p:transition spd="slow"/>
-    </mc:Fallback>
-  </mc:AlternateContent>
+  <p:clrMapOvr>
+    <a:masterClrMapping/>
+  </p:clrMapOvr>
 </p:sld>
 </file>
 
 <file path=ppt/slides/slide8.xml><?xml version="1.0" encoding="utf-8"?>
-<p:sld xmlns:a="http://schemas.openxmlformats.org/drawingml/2006/main" xmlns:p="http://schemas.openxmlformats.org/presentationml/2006/main" xmlns:r="http://schemas.openxmlformats.org/officeDocument/2006/relationships" xmlns:p14="http://schemas.microsoft.com/office/powerpoint/2010/main" xmlns:p15="http://schemas.microsoft.com/office/powerpoint/2012/main" xmlns:mc="http://schemas.openxmlformats.org/markup-compatibility/2006">
+<p:sld xmlns:a="http://schemas.openxmlformats.org/drawingml/2006/main" xmlns:r="http://schemas.openxmlformats.org/officeDocument/2006/relationships" xmlns:p="http://schemas.openxmlformats.org/presentationml/2006/main">
   <p:cSld>
     <p:spTree>
       <p:nvGrpSpPr>
@@ -6176,25 +6642,32 @@
           </a:ln>
         </p:spPr>
         <p:style>
-          <a:lnRef idx="0"/>
-          <a:fillRef idx="0"/>
-          <a:effectRef idx="0"/>
+          <a:lnRef idx="0">
+            <a:scrgbClr r="0" g="0" b="0"/>
+          </a:lnRef>
+          <a:fillRef idx="0">
+            <a:scrgbClr r="0" g="0" b="0"/>
+          </a:fillRef>
+          <a:effectRef idx="0">
+            <a:scrgbClr r="0" g="0" b="0"/>
+          </a:effectRef>
           <a:fontRef idx="minor"/>
         </p:style>
         <p:txBody>
-          <a:bodyPr lIns="90000" rIns="90000" tIns="91440" bIns="91440">
+          <a:bodyPr lIns="90000" tIns="91440" rIns="90000" bIns="91440">
             <a:noAutofit/>
           </a:bodyPr>
-          <a:p>
-            <a:pPr>
-              <a:lnSpc>
-                <a:spcPct val="100000"/>
-              </a:lnSpc>
-            </a:pPr>
-            <a:r>
-              <a:rPr b="1" lang="en-US" sz="2000" spc="-1" strike="noStrike">
-                <a:solidFill>
-                  <a:srgbClr val="1a1a1a"/>
+          <a:lstStyle/>
+          <a:p>
+            <a:pPr>
+              <a:lnSpc>
+                <a:spcPct val="100000"/>
+              </a:lnSpc>
+            </a:pPr>
+            <a:r>
+              <a:rPr lang="pt-BR" b="1" strike="noStrike" spc="-1" dirty="0">
+                <a:solidFill>
+                  <a:srgbClr val="1A1A1A"/>
                 </a:solidFill>
                 <a:latin typeface="Arial"/>
                 <a:ea typeface="Arial"/>
@@ -6202,29 +6675,29 @@
               <a:t>Processo</a:t>
             </a:r>
             <a:r>
-              <a:rPr b="0" lang="en-US" sz="2000" spc="-1" strike="noStrike">
-                <a:solidFill>
-                  <a:srgbClr val="1a1a1a"/>
+              <a:rPr lang="pt-BR" b="0" strike="noStrike" spc="-1" dirty="0">
+                <a:solidFill>
+                  <a:srgbClr val="1A1A1A"/>
                 </a:solidFill>
                 <a:latin typeface="Arial"/>
                 <a:ea typeface="Arial"/>
               </a:rPr>
               <a:t>: Pagamento</a:t>
             </a:r>
-            <a:endParaRPr b="0" lang="en-US" sz="2000" spc="-1" strike="noStrike">
-              <a:latin typeface="Arial"/>
-            </a:endParaRPr>
-          </a:p>
-          <a:p>
-            <a:pPr>
-              <a:lnSpc>
-                <a:spcPct val="100000"/>
-              </a:lnSpc>
-            </a:pPr>
-            <a:r>
-              <a:rPr b="1" lang="en-US" sz="2000" spc="-1" strike="noStrike">
-                <a:solidFill>
-                  <a:srgbClr val="1a1a1a"/>
+            <a:endParaRPr lang="pt-BR" b="0" strike="noStrike" spc="-1" dirty="0">
+              <a:latin typeface="Arial"/>
+            </a:endParaRPr>
+          </a:p>
+          <a:p>
+            <a:pPr>
+              <a:lnSpc>
+                <a:spcPct val="100000"/>
+              </a:lnSpc>
+            </a:pPr>
+            <a:r>
+              <a:rPr lang="pt-BR" b="1" strike="noStrike" spc="-1" dirty="0">
+                <a:solidFill>
+                  <a:srgbClr val="1A1A1A"/>
                 </a:solidFill>
                 <a:latin typeface="Arial"/>
                 <a:ea typeface="Arial"/>
@@ -6232,29 +6705,29 @@
               <a:t>Evento</a:t>
             </a:r>
             <a:r>
-              <a:rPr b="0" lang="en-US" sz="2000" spc="-1" strike="noStrike">
-                <a:solidFill>
-                  <a:srgbClr val="1a1a1a"/>
+              <a:rPr lang="pt-BR" b="0" strike="noStrike" spc="-1" dirty="0">
+                <a:solidFill>
+                  <a:srgbClr val="1A1A1A"/>
                 </a:solidFill>
                 <a:latin typeface="Arial"/>
                 <a:ea typeface="Arial"/>
               </a:rPr>
               <a:t>: Cliente efetua pagamento</a:t>
             </a:r>
-            <a:endParaRPr b="0" lang="en-US" sz="2000" spc="-1" strike="noStrike">
-              <a:latin typeface="Arial"/>
-            </a:endParaRPr>
-          </a:p>
-          <a:p>
-            <a:pPr>
-              <a:lnSpc>
-                <a:spcPct val="100000"/>
-              </a:lnSpc>
-            </a:pPr>
-            <a:r>
-              <a:rPr b="1" lang="en-US" sz="2000" spc="-1" strike="noStrike">
-                <a:solidFill>
-                  <a:srgbClr val="1a1a1a"/>
+            <a:endParaRPr lang="pt-BR" b="0" strike="noStrike" spc="-1" dirty="0">
+              <a:latin typeface="Arial"/>
+            </a:endParaRPr>
+          </a:p>
+          <a:p>
+            <a:pPr>
+              <a:lnSpc>
+                <a:spcPct val="100000"/>
+              </a:lnSpc>
+            </a:pPr>
+            <a:r>
+              <a:rPr lang="pt-BR" b="1" strike="noStrike" spc="-1" dirty="0">
+                <a:solidFill>
+                  <a:srgbClr val="1A1A1A"/>
                 </a:solidFill>
                 <a:latin typeface="Arial"/>
                 <a:ea typeface="Arial"/>
@@ -6262,39 +6735,39 @@
               <a:t>Trabalhador Envolvido</a:t>
             </a:r>
             <a:r>
-              <a:rPr b="0" lang="en-US" sz="2000" spc="-1" strike="noStrike">
-                <a:solidFill>
-                  <a:srgbClr val="1a1a1a"/>
+              <a:rPr lang="pt-BR" b="0" strike="noStrike" spc="-1" dirty="0">
+                <a:solidFill>
+                  <a:srgbClr val="1A1A1A"/>
                 </a:solidFill>
                 <a:latin typeface="Arial"/>
                 <a:ea typeface="Arial"/>
               </a:rPr>
               <a:t>: Atendente</a:t>
             </a:r>
-            <a:endParaRPr b="0" lang="en-US" sz="2000" spc="-1" strike="noStrike">
-              <a:latin typeface="Arial"/>
-            </a:endParaRPr>
-          </a:p>
-          <a:p>
-            <a:pPr>
-              <a:lnSpc>
-                <a:spcPct val="100000"/>
-              </a:lnSpc>
-            </a:pPr>
-            <a:endParaRPr b="0" lang="en-US" sz="2000" spc="-1" strike="noStrike">
-              <a:latin typeface="Arial"/>
-            </a:endParaRPr>
-          </a:p>
-          <a:p>
-            <a:pPr>
-              <a:lnSpc>
-                <a:spcPct val="100000"/>
-              </a:lnSpc>
-            </a:pPr>
-            <a:r>
-              <a:rPr b="1" lang="en-US" sz="2000" spc="-1" strike="noStrike">
-                <a:solidFill>
-                  <a:srgbClr val="1a1a1a"/>
+            <a:endParaRPr lang="pt-BR" b="0" strike="noStrike" spc="-1" dirty="0">
+              <a:latin typeface="Arial"/>
+            </a:endParaRPr>
+          </a:p>
+          <a:p>
+            <a:pPr>
+              <a:lnSpc>
+                <a:spcPct val="100000"/>
+              </a:lnSpc>
+            </a:pPr>
+            <a:endParaRPr lang="pt-BR" b="0" strike="noStrike" spc="-1" dirty="0">
+              <a:latin typeface="Arial"/>
+            </a:endParaRPr>
+          </a:p>
+          <a:p>
+            <a:pPr>
+              <a:lnSpc>
+                <a:spcPct val="100000"/>
+              </a:lnSpc>
+            </a:pPr>
+            <a:r>
+              <a:rPr lang="pt-BR" b="1" strike="noStrike" spc="-1" dirty="0">
+                <a:solidFill>
+                  <a:srgbClr val="1A1A1A"/>
                 </a:solidFill>
                 <a:latin typeface="Arial"/>
                 <a:ea typeface="Arial"/>
@@ -6302,29 +6775,29 @@
               <a:t>1.</a:t>
             </a:r>
             <a:r>
-              <a:rPr b="0" lang="en-US" sz="2000" spc="-1" strike="noStrike">
-                <a:solidFill>
-                  <a:srgbClr val="1a1a1a"/>
+              <a:rPr lang="pt-BR" b="0" strike="noStrike" spc="-1" dirty="0">
+                <a:solidFill>
+                  <a:srgbClr val="1A1A1A"/>
                 </a:solidFill>
                 <a:latin typeface="Arial"/>
                 <a:ea typeface="Arial"/>
               </a:rPr>
               <a:t> Cliente deverá efetuar o pagamento do valor devido</a:t>
             </a:r>
-            <a:endParaRPr b="0" lang="en-US" sz="2000" spc="-1" strike="noStrike">
-              <a:latin typeface="Arial"/>
-            </a:endParaRPr>
-          </a:p>
-          <a:p>
-            <a:pPr>
-              <a:lnSpc>
-                <a:spcPct val="100000"/>
-              </a:lnSpc>
-            </a:pPr>
-            <a:r>
-              <a:rPr b="1" lang="en-US" sz="1800" spc="-1" strike="noStrike">
-                <a:solidFill>
-                  <a:srgbClr val="1a1a1a"/>
+            <a:endParaRPr lang="pt-BR" b="0" strike="noStrike" spc="-1" dirty="0">
+              <a:latin typeface="Arial"/>
+            </a:endParaRPr>
+          </a:p>
+          <a:p>
+            <a:pPr>
+              <a:lnSpc>
+                <a:spcPct val="100000"/>
+              </a:lnSpc>
+            </a:pPr>
+            <a:r>
+              <a:rPr lang="pt-BR" b="1" strike="noStrike" spc="-1" dirty="0">
+                <a:solidFill>
+                  <a:srgbClr val="1A1A1A"/>
                 </a:solidFill>
                 <a:latin typeface="Arial"/>
                 <a:ea typeface="Arial"/>
@@ -6332,36 +6805,36 @@
               <a:t>1.1.</a:t>
             </a:r>
             <a:r>
-              <a:rPr b="0" lang="en-US" sz="1800" spc="-1" strike="noStrike">
-                <a:solidFill>
-                  <a:srgbClr val="1a1a1a"/>
+              <a:rPr lang="pt-BR" b="0" strike="noStrike" spc="-1" dirty="0">
+                <a:solidFill>
+                  <a:srgbClr val="1A1A1A"/>
                 </a:solidFill>
                 <a:latin typeface="Arial"/>
                 <a:ea typeface="Arial"/>
               </a:rPr>
               <a:t> Caso o cliente não efetue o pagamento, o gerente tomará as devidas providências</a:t>
             </a:r>
-            <a:endParaRPr b="0" lang="en-US" sz="1800" spc="-1" strike="noStrike">
-              <a:latin typeface="Arial"/>
-            </a:endParaRPr>
-          </a:p>
-          <a:p>
-            <a:pPr>
-              <a:lnSpc>
-                <a:spcPct val="100000"/>
-              </a:lnSpc>
-            </a:pPr>
-            <a:r>
-              <a:rPr b="0" lang="en-US" sz="2000" spc="-1" strike="noStrike">
-                <a:solidFill>
-                  <a:srgbClr val="1a1a1a"/>
+            <a:endParaRPr lang="pt-BR" b="0" strike="noStrike" spc="-1" dirty="0">
+              <a:latin typeface="Arial"/>
+            </a:endParaRPr>
+          </a:p>
+          <a:p>
+            <a:pPr>
+              <a:lnSpc>
+                <a:spcPct val="100000"/>
+              </a:lnSpc>
+            </a:pPr>
+            <a:r>
+              <a:rPr lang="pt-BR" b="0" strike="noStrike" spc="-1" dirty="0">
+                <a:solidFill>
+                  <a:srgbClr val="1A1A1A"/>
                 </a:solidFill>
                 <a:latin typeface="Arial"/>
                 <a:ea typeface="Arial"/>
               </a:rPr>
               <a:t>	</a:t>
             </a:r>
-            <a:endParaRPr b="0" lang="en-US" sz="2000" spc="-1" strike="noStrike">
+            <a:endParaRPr lang="pt-BR" b="0" strike="noStrike" spc="-1" dirty="0">
               <a:latin typeface="Arial"/>
             </a:endParaRPr>
           </a:p>
@@ -6369,12 +6842,12 @@
       </p:sp>
       <p:pic>
         <p:nvPicPr>
-          <p:cNvPr id="53" name="" descr=""/>
+          <p:cNvPr id="53" name="Imagem 52"/>
           <p:cNvPicPr/>
           <p:nvPr/>
         </p:nvPicPr>
         <p:blipFill>
-          <a:blip r:embed="rId1"/>
+          <a:blip r:embed="rId2"/>
           <a:stretch/>
         </p:blipFill>
         <p:spPr>
@@ -6392,19 +6865,14 @@
       </p:pic>
     </p:spTree>
   </p:cSld>
-  <mc:AlternateContent>
-    <mc:Choice Requires="p14">
-      <p:transition spd="slow" p14:dur="2000"/>
-    </mc:Choice>
-    <mc:Fallback>
-      <p:transition spd="slow"/>
-    </mc:Fallback>
-  </mc:AlternateContent>
+  <p:clrMapOvr>
+    <a:masterClrMapping/>
+  </p:clrMapOvr>
 </p:sld>
 </file>
 
 <file path=ppt/slides/slide9.xml><?xml version="1.0" encoding="utf-8"?>
-<p:sld xmlns:a="http://schemas.openxmlformats.org/drawingml/2006/main" xmlns:p="http://schemas.openxmlformats.org/presentationml/2006/main" xmlns:r="http://schemas.openxmlformats.org/officeDocument/2006/relationships" xmlns:p14="http://schemas.microsoft.com/office/powerpoint/2010/main" xmlns:p15="http://schemas.microsoft.com/office/powerpoint/2012/main" xmlns:mc="http://schemas.openxmlformats.org/markup-compatibility/2006">
+<p:sld xmlns:a="http://schemas.openxmlformats.org/drawingml/2006/main" xmlns:r="http://schemas.openxmlformats.org/officeDocument/2006/relationships" xmlns:p="http://schemas.openxmlformats.org/presentationml/2006/main">
   <p:cSld>
     <p:spTree>
       <p:nvGrpSpPr>
@@ -6440,25 +6908,32 @@
           </a:ln>
         </p:spPr>
         <p:style>
-          <a:lnRef idx="0"/>
-          <a:fillRef idx="0"/>
-          <a:effectRef idx="0"/>
+          <a:lnRef idx="0">
+            <a:scrgbClr r="0" g="0" b="0"/>
+          </a:lnRef>
+          <a:fillRef idx="0">
+            <a:scrgbClr r="0" g="0" b="0"/>
+          </a:fillRef>
+          <a:effectRef idx="0">
+            <a:scrgbClr r="0" g="0" b="0"/>
+          </a:effectRef>
           <a:fontRef idx="minor"/>
         </p:style>
         <p:txBody>
-          <a:bodyPr lIns="90000" rIns="90000" tIns="91440" bIns="91440">
+          <a:bodyPr lIns="90000" tIns="91440" rIns="90000" bIns="91440">
             <a:noAutofit/>
           </a:bodyPr>
-          <a:p>
-            <a:pPr>
-              <a:lnSpc>
-                <a:spcPct val="100000"/>
-              </a:lnSpc>
-            </a:pPr>
-            <a:r>
-              <a:rPr b="1" lang="en-US" sz="2000" spc="-1" strike="noStrike">
-                <a:solidFill>
-                  <a:srgbClr val="1a1a1a"/>
+          <a:lstStyle/>
+          <a:p>
+            <a:pPr>
+              <a:lnSpc>
+                <a:spcPct val="100000"/>
+              </a:lnSpc>
+            </a:pPr>
+            <a:r>
+              <a:rPr lang="pt-BR" b="1" strike="noStrike" spc="-1" dirty="0">
+                <a:solidFill>
+                  <a:srgbClr val="1A1A1A"/>
                 </a:solidFill>
                 <a:latin typeface="Arial"/>
                 <a:ea typeface="Arial"/>
@@ -6466,29 +6941,29 @@
               <a:t>Processo</a:t>
             </a:r>
             <a:r>
-              <a:rPr b="0" lang="en-US" sz="2000" spc="-1" strike="noStrike">
-                <a:solidFill>
-                  <a:srgbClr val="1a1a1a"/>
+              <a:rPr lang="pt-BR" b="0" strike="noStrike" spc="-1" dirty="0">
+                <a:solidFill>
+                  <a:srgbClr val="1A1A1A"/>
                 </a:solidFill>
                 <a:latin typeface="Arial"/>
                 <a:ea typeface="Arial"/>
               </a:rPr>
               <a:t>: Cancelar Pedido</a:t>
             </a:r>
-            <a:endParaRPr b="0" lang="en-US" sz="2000" spc="-1" strike="noStrike">
-              <a:latin typeface="Arial"/>
-            </a:endParaRPr>
-          </a:p>
-          <a:p>
-            <a:pPr>
-              <a:lnSpc>
-                <a:spcPct val="100000"/>
-              </a:lnSpc>
-            </a:pPr>
-            <a:r>
-              <a:rPr b="1" lang="en-US" sz="2000" spc="-1" strike="noStrike">
-                <a:solidFill>
-                  <a:srgbClr val="1a1a1a"/>
+            <a:endParaRPr lang="pt-BR" b="0" strike="noStrike" spc="-1" dirty="0">
+              <a:latin typeface="Arial"/>
+            </a:endParaRPr>
+          </a:p>
+          <a:p>
+            <a:pPr>
+              <a:lnSpc>
+                <a:spcPct val="100000"/>
+              </a:lnSpc>
+            </a:pPr>
+            <a:r>
+              <a:rPr lang="pt-BR" b="1" strike="noStrike" spc="-1" dirty="0">
+                <a:solidFill>
+                  <a:srgbClr val="1A1A1A"/>
                 </a:solidFill>
                 <a:latin typeface="Arial"/>
                 <a:ea typeface="Arial"/>
@@ -6496,29 +6971,29 @@
               <a:t>Evento</a:t>
             </a:r>
             <a:r>
-              <a:rPr b="0" lang="en-US" sz="2000" spc="-1" strike="noStrike">
-                <a:solidFill>
-                  <a:srgbClr val="1a1a1a"/>
+              <a:rPr lang="pt-BR" b="0" strike="noStrike" spc="-1" dirty="0">
+                <a:solidFill>
+                  <a:srgbClr val="1A1A1A"/>
                 </a:solidFill>
                 <a:latin typeface="Arial"/>
                 <a:ea typeface="Arial"/>
               </a:rPr>
               <a:t>: Cliente cancela pedido</a:t>
             </a:r>
-            <a:endParaRPr b="0" lang="en-US" sz="2000" spc="-1" strike="noStrike">
-              <a:latin typeface="Arial"/>
-            </a:endParaRPr>
-          </a:p>
-          <a:p>
-            <a:pPr>
-              <a:lnSpc>
-                <a:spcPct val="100000"/>
-              </a:lnSpc>
-            </a:pPr>
-            <a:r>
-              <a:rPr b="1" lang="en-US" sz="2000" spc="-1" strike="noStrike">
-                <a:solidFill>
-                  <a:srgbClr val="1a1a1a"/>
+            <a:endParaRPr lang="pt-BR" b="0" strike="noStrike" spc="-1" dirty="0">
+              <a:latin typeface="Arial"/>
+            </a:endParaRPr>
+          </a:p>
+          <a:p>
+            <a:pPr>
+              <a:lnSpc>
+                <a:spcPct val="100000"/>
+              </a:lnSpc>
+            </a:pPr>
+            <a:r>
+              <a:rPr lang="pt-BR" b="1" strike="noStrike" spc="-1" dirty="0">
+                <a:solidFill>
+                  <a:srgbClr val="1A1A1A"/>
                 </a:solidFill>
                 <a:latin typeface="Arial"/>
                 <a:ea typeface="Arial"/>
@@ -6526,39 +7001,39 @@
               <a:t>Trabalhador Envolvido</a:t>
             </a:r>
             <a:r>
-              <a:rPr b="0" lang="en-US" sz="2000" spc="-1" strike="noStrike">
-                <a:solidFill>
-                  <a:srgbClr val="1a1a1a"/>
+              <a:rPr lang="pt-BR" b="0" strike="noStrike" spc="-1" dirty="0">
+                <a:solidFill>
+                  <a:srgbClr val="1A1A1A"/>
                 </a:solidFill>
                 <a:latin typeface="Arial"/>
                 <a:ea typeface="Arial"/>
               </a:rPr>
               <a:t>: Atendente</a:t>
             </a:r>
-            <a:endParaRPr b="0" lang="en-US" sz="2000" spc="-1" strike="noStrike">
-              <a:latin typeface="Arial"/>
-            </a:endParaRPr>
-          </a:p>
-          <a:p>
-            <a:pPr>
-              <a:lnSpc>
-                <a:spcPct val="100000"/>
-              </a:lnSpc>
-            </a:pPr>
-            <a:endParaRPr b="0" lang="en-US" sz="2000" spc="-1" strike="noStrike">
-              <a:latin typeface="Arial"/>
-            </a:endParaRPr>
-          </a:p>
-          <a:p>
-            <a:pPr>
-              <a:lnSpc>
-                <a:spcPct val="100000"/>
-              </a:lnSpc>
-            </a:pPr>
-            <a:r>
-              <a:rPr b="1" lang="en-US" sz="2000" spc="-1" strike="noStrike">
-                <a:solidFill>
-                  <a:srgbClr val="1a1a1a"/>
+            <a:endParaRPr lang="pt-BR" b="0" strike="noStrike" spc="-1" dirty="0">
+              <a:latin typeface="Arial"/>
+            </a:endParaRPr>
+          </a:p>
+          <a:p>
+            <a:pPr>
+              <a:lnSpc>
+                <a:spcPct val="100000"/>
+              </a:lnSpc>
+            </a:pPr>
+            <a:endParaRPr lang="pt-BR" b="0" strike="noStrike" spc="-1" dirty="0">
+              <a:latin typeface="Arial"/>
+            </a:endParaRPr>
+          </a:p>
+          <a:p>
+            <a:pPr>
+              <a:lnSpc>
+                <a:spcPct val="100000"/>
+              </a:lnSpc>
+            </a:pPr>
+            <a:r>
+              <a:rPr lang="pt-BR" b="1" strike="noStrike" spc="-1" dirty="0">
+                <a:solidFill>
+                  <a:srgbClr val="1A1A1A"/>
                 </a:solidFill>
                 <a:latin typeface="Arial"/>
                 <a:ea typeface="Arial"/>
@@ -6566,29 +7041,29 @@
               <a:t>1.</a:t>
             </a:r>
             <a:r>
-              <a:rPr b="0" lang="en-US" sz="2000" spc="-1" strike="noStrike">
-                <a:solidFill>
-                  <a:srgbClr val="1a1a1a"/>
+              <a:rPr lang="pt-BR" b="0" strike="noStrike" spc="-1" dirty="0">
+                <a:solidFill>
+                  <a:srgbClr val="1A1A1A"/>
                 </a:solidFill>
                 <a:latin typeface="Arial"/>
                 <a:ea typeface="Arial"/>
               </a:rPr>
               <a:t> Cliente cancela pedido, devido alguma falha ou por escolha própria.</a:t>
             </a:r>
-            <a:endParaRPr b="0" lang="en-US" sz="2000" spc="-1" strike="noStrike">
-              <a:latin typeface="Arial"/>
-            </a:endParaRPr>
-          </a:p>
-          <a:p>
-            <a:pPr>
-              <a:lnSpc>
-                <a:spcPct val="100000"/>
-              </a:lnSpc>
-            </a:pPr>
-            <a:r>
-              <a:rPr b="1" lang="en-US" sz="1600" spc="-1" strike="noStrike">
-                <a:solidFill>
-                  <a:srgbClr val="1a1a1a"/>
+            <a:endParaRPr lang="pt-BR" b="0" strike="noStrike" spc="-1" dirty="0">
+              <a:latin typeface="Arial"/>
+            </a:endParaRPr>
+          </a:p>
+          <a:p>
+            <a:pPr>
+              <a:lnSpc>
+                <a:spcPct val="100000"/>
+              </a:lnSpc>
+            </a:pPr>
+            <a:r>
+              <a:rPr lang="pt-BR" b="1" strike="noStrike" spc="-1" dirty="0">
+                <a:solidFill>
+                  <a:srgbClr val="1A1A1A"/>
                 </a:solidFill>
                 <a:latin typeface="Arial"/>
                 <a:ea typeface="Arial"/>
@@ -6596,36 +7071,36 @@
               <a:t>1.1.</a:t>
             </a:r>
             <a:r>
-              <a:rPr b="0" lang="en-US" sz="1600" spc="-1" strike="noStrike">
-                <a:solidFill>
-                  <a:srgbClr val="1a1a1a"/>
+              <a:rPr lang="pt-BR" b="0" strike="noStrike" spc="-1" dirty="0">
+                <a:solidFill>
+                  <a:srgbClr val="1A1A1A"/>
                 </a:solidFill>
                 <a:latin typeface="Arial"/>
                 <a:ea typeface="Arial"/>
               </a:rPr>
               <a:t> Caso o cliente cancele um pedido devido alguma falha, a atendente receberá a reclamação.</a:t>
             </a:r>
-            <a:endParaRPr b="0" lang="en-US" sz="1600" spc="-1" strike="noStrike">
-              <a:latin typeface="Arial"/>
-            </a:endParaRPr>
-          </a:p>
-          <a:p>
-            <a:pPr>
-              <a:lnSpc>
-                <a:spcPct val="100000"/>
-              </a:lnSpc>
-            </a:pPr>
-            <a:r>
-              <a:rPr b="0" lang="en-US" sz="2000" spc="-1" strike="noStrike">
-                <a:solidFill>
-                  <a:srgbClr val="1a1a1a"/>
+            <a:endParaRPr lang="pt-BR" b="0" strike="noStrike" spc="-1" dirty="0">
+              <a:latin typeface="Arial"/>
+            </a:endParaRPr>
+          </a:p>
+          <a:p>
+            <a:pPr>
+              <a:lnSpc>
+                <a:spcPct val="100000"/>
+              </a:lnSpc>
+            </a:pPr>
+            <a:r>
+              <a:rPr lang="pt-BR" b="0" strike="noStrike" spc="-1" dirty="0">
+                <a:solidFill>
+                  <a:srgbClr val="1A1A1A"/>
                 </a:solidFill>
                 <a:latin typeface="Arial"/>
                 <a:ea typeface="Arial"/>
               </a:rPr>
               <a:t>	</a:t>
             </a:r>
-            <a:endParaRPr b="0" lang="en-US" sz="2000" spc="-1" strike="noStrike">
+            <a:endParaRPr lang="pt-BR" b="0" strike="noStrike" spc="-1" dirty="0">
               <a:latin typeface="Arial"/>
             </a:endParaRPr>
           </a:p>
@@ -6633,12 +7108,12 @@
       </p:sp>
       <p:pic>
         <p:nvPicPr>
-          <p:cNvPr id="55" name="" descr=""/>
+          <p:cNvPr id="55" name="Imagem 54"/>
           <p:cNvPicPr/>
           <p:nvPr/>
         </p:nvPicPr>
         <p:blipFill>
-          <a:blip r:embed="rId1"/>
+          <a:blip r:embed="rId2"/>
           <a:stretch/>
         </p:blipFill>
         <p:spPr>
@@ -6656,14 +7131,9 @@
       </p:pic>
     </p:spTree>
   </p:cSld>
-  <mc:AlternateContent>
-    <mc:Choice Requires="p14">
-      <p:transition spd="slow" p14:dur="2000"/>
-    </mc:Choice>
-    <mc:Fallback>
-      <p:transition spd="slow"/>
-    </mc:Fallback>
-  </mc:AlternateContent>
+  <p:clrMapOvr>
+    <a:masterClrMapping/>
+  </p:clrMapOvr>
 </p:sld>
 </file>
 
@@ -6681,31 +7151,31 @@
         <a:srgbClr val="595959"/>
       </a:dk2>
       <a:lt2>
-        <a:srgbClr val="eeeeee"/>
+        <a:srgbClr val="EEEEEE"/>
       </a:lt2>
       <a:accent1>
-        <a:srgbClr val="ffab40"/>
+        <a:srgbClr val="FFAB40"/>
       </a:accent1>
       <a:accent2>
         <a:srgbClr val="212121"/>
       </a:accent2>
       <a:accent3>
-        <a:srgbClr val="78909c"/>
+        <a:srgbClr val="78909C"/>
       </a:accent3>
       <a:accent4>
-        <a:srgbClr val="ffab40"/>
+        <a:srgbClr val="FFAB40"/>
       </a:accent4>
       <a:accent5>
-        <a:srgbClr val="0097a7"/>
+        <a:srgbClr val="0097A7"/>
       </a:accent5>
       <a:accent6>
-        <a:srgbClr val="eeff41"/>
+        <a:srgbClr val="EEFF41"/>
       </a:accent6>
       <a:hlink>
-        <a:srgbClr val="0097a7"/>
+        <a:srgbClr val="0097A7"/>
       </a:hlink>
       <a:folHlink>
-        <a:srgbClr val="0097a7"/>
+        <a:srgbClr val="0097A7"/>
       </a:folHlink>
     </a:clrScheme>
     <a:fontScheme name="Office">
@@ -6890,5 +7360,7 @@
       </a:bgFillStyleLst>
     </a:fmtScheme>
   </a:themeElements>
+  <a:objectDefaults/>
+  <a:extraClrSchemeLst/>
 </a:theme>
 </file>